--- a/docs/simplified-directions/Prototype-Architecture-Diagrams.pptx
+++ b/docs/simplified-directions/Prototype-Architecture-Diagrams.pptx
@@ -5,10 +5,11 @@
     <p:sldMasterId id="2147483648" r:id="rId1"/>
   </p:sldMasterIdLst>
   <p:notesMasterIdLst>
-    <p:notesMasterId r:id="rId3"/>
+    <p:notesMasterId r:id="rId4"/>
   </p:notesMasterIdLst>
   <p:sldIdLst>
-    <p:sldId id="275" r:id="rId2"/>
+    <p:sldId id="276" r:id="rId2"/>
+    <p:sldId id="275" r:id="rId3"/>
   </p:sldIdLst>
   <p:sldSz cx="12192000" cy="6858000"/>
   <p:notesSz cx="6858000" cy="9144000"/>
@@ -197,7 +198,7 @@
           <a:p>
             <a:fld id="{17C0FFDD-2F91-4327-83DF-AC11DEFCAA33}" type="datetimeFigureOut">
               <a:rPr lang="en-US" smtClean="0"/>
-              <a:t>9/12/2025</a:t>
+              <a:t>9/15/2025</a:t>
             </a:fld>
             <a:endParaRPr lang="en-US"/>
           </a:p>
@@ -472,6 +473,181 @@
         <p:cNvPr id="1" name="">
           <a:extLst>
             <a:ext uri="{FF2B5EF4-FFF2-40B4-BE49-F238E27FC236}">
+              <a16:creationId xmlns:a16="http://schemas.microsoft.com/office/drawing/2014/main" id="{EDE4B02D-1099-0750-E53A-19E83318E91A}"/>
+            </a:ext>
+          </a:extLst>
+        </p:cNvPr>
+        <p:cNvGrpSpPr/>
+        <p:nvPr/>
+      </p:nvGrpSpPr>
+      <p:grpSpPr>
+        <a:xfrm>
+          <a:off x="0" y="0"/>
+          <a:ext cx="0" cy="0"/>
+          <a:chOff x="0" y="0"/>
+          <a:chExt cx="0" cy="0"/>
+        </a:xfrm>
+      </p:grpSpPr>
+      <p:sp>
+        <p:nvSpPr>
+          <p:cNvPr id="2" name="Slide Image Placeholder 1">
+            <a:extLst>
+              <a:ext uri="{FF2B5EF4-FFF2-40B4-BE49-F238E27FC236}">
+                <a16:creationId xmlns:a16="http://schemas.microsoft.com/office/drawing/2014/main" id="{C59D28F9-6476-9171-5625-2B44BFE35E16}"/>
+              </a:ext>
+            </a:extLst>
+          </p:cNvPr>
+          <p:cNvSpPr>
+            <a:spLocks noGrp="1" noRot="1" noChangeAspect="1"/>
+          </p:cNvSpPr>
+          <p:nvPr>
+            <p:ph type="sldImg"/>
+          </p:nvPr>
+        </p:nvSpPr>
+        <p:spPr/>
+        <p:txBody>
+          <a:bodyPr/>
+          <a:lstStyle/>
+          <a:p>
+            <a:endParaRPr lang="en-US"/>
+          </a:p>
+        </p:txBody>
+      </p:sp>
+      <p:sp>
+        <p:nvSpPr>
+          <p:cNvPr id="3" name="Notes Placeholder 2">
+            <a:extLst>
+              <a:ext uri="{FF2B5EF4-FFF2-40B4-BE49-F238E27FC236}">
+                <a16:creationId xmlns:a16="http://schemas.microsoft.com/office/drawing/2014/main" id="{BE19D7F5-6142-95EE-DBAC-516C0F7B9850}"/>
+              </a:ext>
+            </a:extLst>
+          </p:cNvPr>
+          <p:cNvSpPr>
+            <a:spLocks noGrp="1"/>
+          </p:cNvSpPr>
+          <p:nvPr>
+            <p:ph type="body" idx="1"/>
+          </p:nvPr>
+        </p:nvSpPr>
+        <p:spPr/>
+        <p:txBody>
+          <a:bodyPr/>
+          <a:lstStyle/>
+          <a:p>
+            <a:endParaRPr lang="en-US" dirty="0"/>
+          </a:p>
+        </p:txBody>
+      </p:sp>
+      <p:sp>
+        <p:nvSpPr>
+          <p:cNvPr id="4" name="Slide Number Placeholder 3">
+            <a:extLst>
+              <a:ext uri="{FF2B5EF4-FFF2-40B4-BE49-F238E27FC236}">
+                <a16:creationId xmlns:a16="http://schemas.microsoft.com/office/drawing/2014/main" id="{240515AC-4C13-BA48-F874-FB2AF59B6B18}"/>
+              </a:ext>
+            </a:extLst>
+          </p:cNvPr>
+          <p:cNvSpPr>
+            <a:spLocks noGrp="1"/>
+          </p:cNvSpPr>
+          <p:nvPr>
+            <p:ph type="sldNum" sz="quarter" idx="5"/>
+          </p:nvPr>
+        </p:nvSpPr>
+        <p:spPr/>
+        <p:txBody>
+          <a:bodyPr/>
+          <a:lstStyle/>
+          <a:p>
+            <a:pPr marL="0" marR="0" lvl="0" indent="0" algn="r" defTabSz="914400" rtl="0" eaLnBrk="1" fontAlgn="auto" latinLnBrk="0" hangingPunct="1">
+              <a:lnSpc>
+                <a:spcPct val="100000"/>
+              </a:lnSpc>
+              <a:spcBef>
+                <a:spcPts val="0"/>
+              </a:spcBef>
+              <a:spcAft>
+                <a:spcPts val="0"/>
+              </a:spcAft>
+              <a:buClrTx/>
+              <a:buSzTx/>
+              <a:buFontTx/>
+              <a:buNone/>
+              <a:tabLst/>
+              <a:defRPr/>
+            </a:pPr>
+            <a:fld id="{08BA0505-E843-4A21-A0D1-6C1CEE786CA8}" type="slidenum">
+              <a:rPr kumimoji="0" lang="en-US" sz="1200" b="0" i="0" u="none" strike="noStrike" kern="1200" cap="none" spc="0" normalizeH="0" baseline="0" noProof="0" smtClean="0">
+                <a:ln>
+                  <a:noFill/>
+                </a:ln>
+                <a:solidFill>
+                  <a:prstClr val="black"/>
+                </a:solidFill>
+                <a:effectLst/>
+                <a:uLnTx/>
+                <a:uFillTx/>
+                <a:latin typeface="Aptos" panose="02110004020202020204"/>
+                <a:ea typeface="+mn-ea"/>
+                <a:cs typeface="+mn-cs"/>
+              </a:rPr>
+              <a:pPr marL="0" marR="0" lvl="0" indent="0" algn="r" defTabSz="914400" rtl="0" eaLnBrk="1" fontAlgn="auto" latinLnBrk="0" hangingPunct="1">
+                <a:lnSpc>
+                  <a:spcPct val="100000"/>
+                </a:lnSpc>
+                <a:spcBef>
+                  <a:spcPts val="0"/>
+                </a:spcBef>
+                <a:spcAft>
+                  <a:spcPts val="0"/>
+                </a:spcAft>
+                <a:buClrTx/>
+                <a:buSzTx/>
+                <a:buFontTx/>
+                <a:buNone/>
+                <a:tabLst/>
+                <a:defRPr/>
+              </a:pPr>
+              <a:t>1</a:t>
+            </a:fld>
+            <a:endParaRPr kumimoji="0" lang="en-US" sz="1200" b="0" i="0" u="none" strike="noStrike" kern="1200" cap="none" spc="0" normalizeH="0" baseline="0" noProof="0">
+              <a:ln>
+                <a:noFill/>
+              </a:ln>
+              <a:solidFill>
+                <a:prstClr val="black"/>
+              </a:solidFill>
+              <a:effectLst/>
+              <a:uLnTx/>
+              <a:uFillTx/>
+              <a:latin typeface="Aptos" panose="02110004020202020204"/>
+              <a:ea typeface="+mn-ea"/>
+              <a:cs typeface="+mn-cs"/>
+            </a:endParaRPr>
+          </a:p>
+        </p:txBody>
+      </p:sp>
+    </p:spTree>
+    <p:extLst>
+      <p:ext uri="{BB962C8B-B14F-4D97-AF65-F5344CB8AC3E}">
+        <p14:creationId xmlns:p14="http://schemas.microsoft.com/office/powerpoint/2010/main" val="2653528649"/>
+      </p:ext>
+    </p:extLst>
+  </p:cSld>
+  <p:clrMapOvr>
+    <a:masterClrMapping/>
+  </p:clrMapOvr>
+</p:notes>
+</file>
+
+<file path=ppt/notesSlides/notesSlide2.xml><?xml version="1.0" encoding="utf-8"?>
+<p:notes xmlns:a="http://schemas.openxmlformats.org/drawingml/2006/main" xmlns:r="http://schemas.openxmlformats.org/officeDocument/2006/relationships" xmlns:p="http://schemas.openxmlformats.org/presentationml/2006/main">
+  <p:cSld>
+    <p:spTree>
+      <p:nvGrpSpPr>
+        <p:cNvPr id="1" name="">
+          <a:extLst>
+            <a:ext uri="{FF2B5EF4-FFF2-40B4-BE49-F238E27FC236}">
               <a16:creationId xmlns:a16="http://schemas.microsoft.com/office/drawing/2014/main" id="{4B82CB34-E852-E628-3160-F34C6D97CF2E}"/>
             </a:ext>
           </a:extLst>
@@ -504,6 +680,13 @@
           </p:nvPr>
         </p:nvSpPr>
         <p:spPr/>
+        <p:txBody>
+          <a:bodyPr/>
+          <a:lstStyle/>
+          <a:p>
+            <a:endParaRPr lang="en-US"/>
+          </a:p>
+        </p:txBody>
       </p:sp>
       <p:sp>
         <p:nvSpPr>
@@ -553,7 +736,7 @@
           <a:p>
             <a:fld id="{08BA0505-E843-4A21-A0D1-6C1CEE786CA8}" type="slidenum">
               <a:rPr lang="en-US" smtClean="0"/>
-              <a:t>1</a:t>
+              <a:t>2</a:t>
             </a:fld>
             <a:endParaRPr lang="en-US"/>
           </a:p>
@@ -719,7 +902,7 @@
           <a:p>
             <a:fld id="{F3562317-0748-4C3E-8EEC-4AF870B98677}" type="datetimeFigureOut">
               <a:rPr lang="en-US" smtClean="0"/>
-              <a:t>9/12/2025</a:t>
+              <a:t>9/15/2025</a:t>
             </a:fld>
             <a:endParaRPr lang="en-US"/>
           </a:p>
@@ -917,7 +1100,7 @@
           <a:p>
             <a:fld id="{F3562317-0748-4C3E-8EEC-4AF870B98677}" type="datetimeFigureOut">
               <a:rPr lang="en-US" smtClean="0"/>
-              <a:t>9/12/2025</a:t>
+              <a:t>9/15/2025</a:t>
             </a:fld>
             <a:endParaRPr lang="en-US"/>
           </a:p>
@@ -1125,7 +1308,7 @@
           <a:p>
             <a:fld id="{F3562317-0748-4C3E-8EEC-4AF870B98677}" type="datetimeFigureOut">
               <a:rPr lang="en-US" smtClean="0"/>
-              <a:t>9/12/2025</a:t>
+              <a:t>9/15/2025</a:t>
             </a:fld>
             <a:endParaRPr lang="en-US"/>
           </a:p>
@@ -1323,7 +1506,7 @@
           <a:p>
             <a:fld id="{F3562317-0748-4C3E-8EEC-4AF870B98677}" type="datetimeFigureOut">
               <a:rPr lang="en-US" smtClean="0"/>
-              <a:t>9/12/2025</a:t>
+              <a:t>9/15/2025</a:t>
             </a:fld>
             <a:endParaRPr lang="en-US"/>
           </a:p>
@@ -1598,7 +1781,7 @@
           <a:p>
             <a:fld id="{F3562317-0748-4C3E-8EEC-4AF870B98677}" type="datetimeFigureOut">
               <a:rPr lang="en-US" smtClean="0"/>
-              <a:t>9/12/2025</a:t>
+              <a:t>9/15/2025</a:t>
             </a:fld>
             <a:endParaRPr lang="en-US"/>
           </a:p>
@@ -1863,7 +2046,7 @@
           <a:p>
             <a:fld id="{F3562317-0748-4C3E-8EEC-4AF870B98677}" type="datetimeFigureOut">
               <a:rPr lang="en-US" smtClean="0"/>
-              <a:t>9/12/2025</a:t>
+              <a:t>9/15/2025</a:t>
             </a:fld>
             <a:endParaRPr lang="en-US"/>
           </a:p>
@@ -2275,7 +2458,7 @@
           <a:p>
             <a:fld id="{F3562317-0748-4C3E-8EEC-4AF870B98677}" type="datetimeFigureOut">
               <a:rPr lang="en-US" smtClean="0"/>
-              <a:t>9/12/2025</a:t>
+              <a:t>9/15/2025</a:t>
             </a:fld>
             <a:endParaRPr lang="en-US"/>
           </a:p>
@@ -2416,7 +2599,7 @@
           <a:p>
             <a:fld id="{F3562317-0748-4C3E-8EEC-4AF870B98677}" type="datetimeFigureOut">
               <a:rPr lang="en-US" smtClean="0"/>
-              <a:t>9/12/2025</a:t>
+              <a:t>9/15/2025</a:t>
             </a:fld>
             <a:endParaRPr lang="en-US"/>
           </a:p>
@@ -2529,7 +2712,7 @@
           <a:p>
             <a:fld id="{F3562317-0748-4C3E-8EEC-4AF870B98677}" type="datetimeFigureOut">
               <a:rPr lang="en-US" smtClean="0"/>
-              <a:t>9/12/2025</a:t>
+              <a:t>9/15/2025</a:t>
             </a:fld>
             <a:endParaRPr lang="en-US"/>
           </a:p>
@@ -2840,7 +3023,7 @@
           <a:p>
             <a:fld id="{F3562317-0748-4C3E-8EEC-4AF870B98677}" type="datetimeFigureOut">
               <a:rPr lang="en-US" smtClean="0"/>
-              <a:t>9/12/2025</a:t>
+              <a:t>9/15/2025</a:t>
             </a:fld>
             <a:endParaRPr lang="en-US"/>
           </a:p>
@@ -3128,7 +3311,7 @@
           <a:p>
             <a:fld id="{F3562317-0748-4C3E-8EEC-4AF870B98677}" type="datetimeFigureOut">
               <a:rPr lang="en-US" smtClean="0"/>
-              <a:t>9/12/2025</a:t>
+              <a:t>9/15/2025</a:t>
             </a:fld>
             <a:endParaRPr lang="en-US"/>
           </a:p>
@@ -3369,7 +3552,7 @@
           <a:p>
             <a:fld id="{F3562317-0748-4C3E-8EEC-4AF870B98677}" type="datetimeFigureOut">
               <a:rPr lang="en-US" smtClean="0"/>
-              <a:t>9/12/2025</a:t>
+              <a:t>9/15/2025</a:t>
             </a:fld>
             <a:endParaRPr lang="en-US"/>
           </a:p>
@@ -3777,6 +3960,2976 @@
         <p:cNvPr id="1" name="">
           <a:extLst>
             <a:ext uri="{FF2B5EF4-FFF2-40B4-BE49-F238E27FC236}">
+              <a16:creationId xmlns:a16="http://schemas.microsoft.com/office/drawing/2014/main" id="{6E5C599B-9632-CFC4-257F-309AC14A0E5F}"/>
+            </a:ext>
+          </a:extLst>
+        </p:cNvPr>
+        <p:cNvGrpSpPr/>
+        <p:nvPr/>
+      </p:nvGrpSpPr>
+      <p:grpSpPr>
+        <a:xfrm>
+          <a:off x="0" y="0"/>
+          <a:ext cx="0" cy="0"/>
+          <a:chOff x="0" y="0"/>
+          <a:chExt cx="0" cy="0"/>
+        </a:xfrm>
+      </p:grpSpPr>
+      <p:sp>
+        <p:nvSpPr>
+          <p:cNvPr id="2" name="Title 1">
+            <a:extLst>
+              <a:ext uri="{FF2B5EF4-FFF2-40B4-BE49-F238E27FC236}">
+                <a16:creationId xmlns:a16="http://schemas.microsoft.com/office/drawing/2014/main" id="{2404D172-88D6-EA99-6BC0-1AF6BAEBBAE1}"/>
+              </a:ext>
+            </a:extLst>
+          </p:cNvPr>
+          <p:cNvSpPr>
+            <a:spLocks noGrp="1"/>
+          </p:cNvSpPr>
+          <p:nvPr>
+            <p:ph type="ctrTitle"/>
+          </p:nvPr>
+        </p:nvSpPr>
+        <p:spPr>
+          <a:xfrm>
+            <a:off x="755374" y="229111"/>
+            <a:ext cx="10567135" cy="750709"/>
+          </a:xfrm>
+        </p:spPr>
+        <p:txBody>
+          <a:bodyPr>
+            <a:normAutofit/>
+          </a:bodyPr>
+          <a:lstStyle/>
+          <a:p>
+            <a:r>
+              <a:rPr lang="en-US" sz="4000" dirty="0">
+                <a:latin typeface="Segoe UI" panose="020B0502040204020203" pitchFamily="34" charset="0"/>
+                <a:cs typeface="Segoe UI" panose="020B0502040204020203" pitchFamily="34" charset="0"/>
+              </a:rPr>
+              <a:t>Initial prototype/POC Architecture Diagram</a:t>
+            </a:r>
+          </a:p>
+        </p:txBody>
+      </p:sp>
+      <p:sp>
+        <p:nvSpPr>
+          <p:cNvPr id="4" name="Rectangle 3">
+            <a:extLst>
+              <a:ext uri="{FF2B5EF4-FFF2-40B4-BE49-F238E27FC236}">
+                <a16:creationId xmlns:a16="http://schemas.microsoft.com/office/drawing/2014/main" id="{FDE498AB-3C48-1FD2-D159-F5557685BFB4}"/>
+              </a:ext>
+            </a:extLst>
+          </p:cNvPr>
+          <p:cNvSpPr/>
+          <p:nvPr/>
+        </p:nvSpPr>
+        <p:spPr>
+          <a:xfrm>
+            <a:off x="755374" y="1311965"/>
+            <a:ext cx="10567135" cy="4755459"/>
+          </a:xfrm>
+          <a:prstGeom prst="rect">
+            <a:avLst/>
+          </a:prstGeom>
+          <a:solidFill>
+            <a:srgbClr val="F2F2F2"/>
+          </a:solidFill>
+          <a:ln>
+            <a:noFill/>
+          </a:ln>
+        </p:spPr>
+        <p:style>
+          <a:lnRef idx="2">
+            <a:schemeClr val="accent1">
+              <a:shade val="15000"/>
+            </a:schemeClr>
+          </a:lnRef>
+          <a:fillRef idx="1">
+            <a:schemeClr val="accent1"/>
+          </a:fillRef>
+          <a:effectRef idx="0">
+            <a:schemeClr val="accent1"/>
+          </a:effectRef>
+          <a:fontRef idx="minor">
+            <a:schemeClr val="lt1"/>
+          </a:fontRef>
+        </p:style>
+        <p:txBody>
+          <a:bodyPr rtlCol="0" anchor="ctr"/>
+          <a:lstStyle/>
+          <a:p>
+            <a:pPr marL="0" marR="0" lvl="0" indent="0" algn="ctr" defTabSz="914400" rtl="0" eaLnBrk="1" fontAlgn="auto" latinLnBrk="0" hangingPunct="1">
+              <a:lnSpc>
+                <a:spcPct val="100000"/>
+              </a:lnSpc>
+              <a:spcBef>
+                <a:spcPts val="0"/>
+              </a:spcBef>
+              <a:spcAft>
+                <a:spcPts val="0"/>
+              </a:spcAft>
+              <a:buClrTx/>
+              <a:buSzTx/>
+              <a:buFontTx/>
+              <a:buNone/>
+              <a:tabLst/>
+              <a:defRPr/>
+            </a:pPr>
+            <a:endParaRPr kumimoji="0" lang="en-US" sz="1800" b="0" i="0" u="none" strike="noStrike" kern="1200" cap="none" spc="0" normalizeH="0" baseline="0" noProof="0">
+              <a:ln>
+                <a:noFill/>
+              </a:ln>
+              <a:solidFill>
+                <a:prstClr val="white"/>
+              </a:solidFill>
+              <a:effectLst/>
+              <a:uLnTx/>
+              <a:uFillTx/>
+              <a:latin typeface="Aptos" panose="02110004020202020204"/>
+              <a:ea typeface="+mn-ea"/>
+              <a:cs typeface="+mn-cs"/>
+            </a:endParaRPr>
+          </a:p>
+        </p:txBody>
+      </p:sp>
+      <p:sp>
+        <p:nvSpPr>
+          <p:cNvPr id="5" name="Rectangle: Rounded Corners 4">
+            <a:extLst>
+              <a:ext uri="{FF2B5EF4-FFF2-40B4-BE49-F238E27FC236}">
+                <a16:creationId xmlns:a16="http://schemas.microsoft.com/office/drawing/2014/main" id="{A33A8F7F-52AB-8916-F9E3-17EA7B2151DC}"/>
+              </a:ext>
+            </a:extLst>
+          </p:cNvPr>
+          <p:cNvSpPr/>
+          <p:nvPr/>
+        </p:nvSpPr>
+        <p:spPr>
+          <a:xfrm>
+            <a:off x="5481976" y="2110236"/>
+            <a:ext cx="2047461" cy="1103244"/>
+          </a:xfrm>
+          <a:prstGeom prst="roundRect">
+            <a:avLst/>
+          </a:prstGeom>
+          <a:solidFill>
+            <a:schemeClr val="bg1"/>
+          </a:solidFill>
+          <a:ln>
+            <a:solidFill>
+              <a:schemeClr val="tx1"/>
+            </a:solidFill>
+          </a:ln>
+        </p:spPr>
+        <p:style>
+          <a:lnRef idx="2">
+            <a:schemeClr val="accent1">
+              <a:shade val="15000"/>
+            </a:schemeClr>
+          </a:lnRef>
+          <a:fillRef idx="1">
+            <a:schemeClr val="accent1"/>
+          </a:fillRef>
+          <a:effectRef idx="0">
+            <a:schemeClr val="accent1"/>
+          </a:effectRef>
+          <a:fontRef idx="minor">
+            <a:schemeClr val="lt1"/>
+          </a:fontRef>
+        </p:style>
+        <p:txBody>
+          <a:bodyPr rtlCol="0" anchor="ctr"/>
+          <a:lstStyle/>
+          <a:p>
+            <a:pPr marL="0" marR="0" lvl="0" indent="0" algn="ctr" defTabSz="914400" rtl="0" eaLnBrk="1" fontAlgn="auto" latinLnBrk="0" hangingPunct="1">
+              <a:lnSpc>
+                <a:spcPct val="100000"/>
+              </a:lnSpc>
+              <a:spcBef>
+                <a:spcPts val="0"/>
+              </a:spcBef>
+              <a:spcAft>
+                <a:spcPts val="0"/>
+              </a:spcAft>
+              <a:buClrTx/>
+              <a:buSzTx/>
+              <a:buFontTx/>
+              <a:buNone/>
+              <a:tabLst/>
+              <a:defRPr/>
+            </a:pPr>
+            <a:endParaRPr kumimoji="0" lang="en-US" sz="1800" b="0" i="0" u="none" strike="noStrike" kern="1200" cap="none" spc="0" normalizeH="0" baseline="0" noProof="0" dirty="0">
+              <a:ln>
+                <a:noFill/>
+              </a:ln>
+              <a:solidFill>
+                <a:prstClr val="white"/>
+              </a:solidFill>
+              <a:effectLst/>
+              <a:uLnTx/>
+              <a:uFillTx/>
+              <a:latin typeface="Aptos" panose="02110004020202020204"/>
+              <a:ea typeface="+mn-ea"/>
+              <a:cs typeface="+mn-cs"/>
+            </a:endParaRPr>
+          </a:p>
+        </p:txBody>
+      </p:sp>
+      <p:sp>
+        <p:nvSpPr>
+          <p:cNvPr id="7" name="TextBox 6">
+            <a:extLst>
+              <a:ext uri="{FF2B5EF4-FFF2-40B4-BE49-F238E27FC236}">
+                <a16:creationId xmlns:a16="http://schemas.microsoft.com/office/drawing/2014/main" id="{B775193A-83E5-F332-983F-A9E4585B93A6}"/>
+              </a:ext>
+            </a:extLst>
+          </p:cNvPr>
+          <p:cNvSpPr txBox="1"/>
+          <p:nvPr/>
+        </p:nvSpPr>
+        <p:spPr>
+          <a:xfrm>
+            <a:off x="6141591" y="2097208"/>
+            <a:ext cx="1189346" cy="523220"/>
+          </a:xfrm>
+          <a:prstGeom prst="rect">
+            <a:avLst/>
+          </a:prstGeom>
+          <a:noFill/>
+        </p:spPr>
+        <p:txBody>
+          <a:bodyPr wrap="square">
+            <a:spAutoFit/>
+          </a:bodyPr>
+          <a:lstStyle/>
+          <a:p>
+            <a:pPr marL="0" marR="0" lvl="0" indent="0" algn="ctr" defTabSz="914400" rtl="0" eaLnBrk="1" fontAlgn="auto" latinLnBrk="0" hangingPunct="1">
+              <a:lnSpc>
+                <a:spcPct val="100000"/>
+              </a:lnSpc>
+              <a:spcBef>
+                <a:spcPts val="0"/>
+              </a:spcBef>
+              <a:spcAft>
+                <a:spcPts val="0"/>
+              </a:spcAft>
+              <a:buClrTx/>
+              <a:buSzTx/>
+              <a:buFontTx/>
+              <a:buNone/>
+              <a:tabLst/>
+              <a:defRPr/>
+            </a:pPr>
+            <a:r>
+              <a:rPr kumimoji="0" lang="en-US" sz="1400" b="0" i="0" u="none" strike="noStrike" kern="1200" cap="none" spc="0" normalizeH="0" baseline="0" noProof="0" dirty="0">
+                <a:ln>
+                  <a:noFill/>
+                </a:ln>
+                <a:solidFill>
+                  <a:prstClr val="black"/>
+                </a:solidFill>
+                <a:effectLst/>
+                <a:uLnTx/>
+                <a:uFillTx/>
+                <a:latin typeface="Segoe UI" panose="020B0502040204020203" pitchFamily="34" charset="0"/>
+                <a:ea typeface="+mn-ea"/>
+                <a:cs typeface="Segoe UI" panose="020B0502040204020203" pitchFamily="34" charset="0"/>
+              </a:rPr>
+              <a:t>AI Agent</a:t>
+            </a:r>
+          </a:p>
+          <a:p>
+            <a:pPr marL="0" marR="0" lvl="0" indent="0" algn="ctr" defTabSz="914400" rtl="0" eaLnBrk="1" fontAlgn="auto" latinLnBrk="0" hangingPunct="1">
+              <a:lnSpc>
+                <a:spcPct val="100000"/>
+              </a:lnSpc>
+              <a:spcBef>
+                <a:spcPts val="0"/>
+              </a:spcBef>
+              <a:spcAft>
+                <a:spcPts val="0"/>
+              </a:spcAft>
+              <a:buClrTx/>
+              <a:buSzTx/>
+              <a:buFontTx/>
+              <a:buNone/>
+              <a:tabLst/>
+              <a:defRPr/>
+            </a:pPr>
+            <a:r>
+              <a:rPr kumimoji="0" lang="en-US" sz="1400" b="0" i="0" u="none" strike="noStrike" kern="1200" cap="none" spc="0" normalizeH="0" baseline="0" noProof="0" dirty="0">
+                <a:ln>
+                  <a:noFill/>
+                </a:ln>
+                <a:solidFill>
+                  <a:prstClr val="white">
+                    <a:lumMod val="50000"/>
+                  </a:prstClr>
+                </a:solidFill>
+                <a:effectLst/>
+                <a:uLnTx/>
+                <a:uFillTx/>
+                <a:latin typeface="Segoe UI" panose="020B0502040204020203" pitchFamily="34" charset="0"/>
+                <a:ea typeface="+mn-ea"/>
+                <a:cs typeface="Segoe UI" panose="020B0502040204020203" pitchFamily="34" charset="0"/>
+              </a:rPr>
+              <a:t>Orchestrator</a:t>
+            </a:r>
+          </a:p>
+        </p:txBody>
+      </p:sp>
+      <p:pic>
+        <p:nvPicPr>
+          <p:cNvPr id="36" name="Picture 35">
+            <a:extLst>
+              <a:ext uri="{FF2B5EF4-FFF2-40B4-BE49-F238E27FC236}">
+                <a16:creationId xmlns:a16="http://schemas.microsoft.com/office/drawing/2014/main" id="{B7120497-70CE-6479-7D74-BBA57805A277}"/>
+              </a:ext>
+            </a:extLst>
+          </p:cNvPr>
+          <p:cNvPicPr>
+            <a:picLocks noChangeAspect="1"/>
+          </p:cNvPicPr>
+          <p:nvPr/>
+        </p:nvPicPr>
+        <p:blipFill>
+          <a:blip r:embed="rId3"/>
+          <a:stretch>
+            <a:fillRect/>
+          </a:stretch>
+        </p:blipFill>
+        <p:spPr>
+          <a:xfrm>
+            <a:off x="5596332" y="2143406"/>
+            <a:ext cx="500312" cy="443353"/>
+          </a:xfrm>
+          <a:prstGeom prst="rect">
+            <a:avLst/>
+          </a:prstGeom>
+        </p:spPr>
+      </p:pic>
+      <p:sp>
+        <p:nvSpPr>
+          <p:cNvPr id="40" name="Rectangle: Rounded Corners 39">
+            <a:extLst>
+              <a:ext uri="{FF2B5EF4-FFF2-40B4-BE49-F238E27FC236}">
+                <a16:creationId xmlns:a16="http://schemas.microsoft.com/office/drawing/2014/main" id="{E2296413-E9C9-9EEA-E0E3-2F5FB177661C}"/>
+              </a:ext>
+            </a:extLst>
+          </p:cNvPr>
+          <p:cNvSpPr/>
+          <p:nvPr/>
+        </p:nvSpPr>
+        <p:spPr>
+          <a:xfrm>
+            <a:off x="2739225" y="2110237"/>
+            <a:ext cx="2047461" cy="1103244"/>
+          </a:xfrm>
+          <a:prstGeom prst="roundRect">
+            <a:avLst/>
+          </a:prstGeom>
+          <a:solidFill>
+            <a:schemeClr val="bg1"/>
+          </a:solidFill>
+          <a:ln>
+            <a:solidFill>
+              <a:srgbClr val="2189B8"/>
+            </a:solidFill>
+          </a:ln>
+        </p:spPr>
+        <p:style>
+          <a:lnRef idx="2">
+            <a:schemeClr val="accent1">
+              <a:shade val="15000"/>
+            </a:schemeClr>
+          </a:lnRef>
+          <a:fillRef idx="1">
+            <a:schemeClr val="accent1"/>
+          </a:fillRef>
+          <a:effectRef idx="0">
+            <a:schemeClr val="accent1"/>
+          </a:effectRef>
+          <a:fontRef idx="minor">
+            <a:schemeClr val="lt1"/>
+          </a:fontRef>
+        </p:style>
+        <p:txBody>
+          <a:bodyPr rtlCol="0" anchor="ctr"/>
+          <a:lstStyle/>
+          <a:p>
+            <a:pPr marL="0" marR="0" lvl="0" indent="0" algn="ctr" defTabSz="914400" rtl="0" eaLnBrk="1" fontAlgn="auto" latinLnBrk="0" hangingPunct="1">
+              <a:lnSpc>
+                <a:spcPct val="100000"/>
+              </a:lnSpc>
+              <a:spcBef>
+                <a:spcPts val="0"/>
+              </a:spcBef>
+              <a:spcAft>
+                <a:spcPts val="0"/>
+              </a:spcAft>
+              <a:buClrTx/>
+              <a:buSzTx/>
+              <a:buFontTx/>
+              <a:buNone/>
+              <a:tabLst/>
+              <a:defRPr/>
+            </a:pPr>
+            <a:endParaRPr kumimoji="0" lang="en-US" sz="1800" b="0" i="0" u="none" strike="noStrike" kern="1200" cap="none" spc="0" normalizeH="0" baseline="0" noProof="0" dirty="0">
+              <a:ln>
+                <a:noFill/>
+              </a:ln>
+              <a:solidFill>
+                <a:prstClr val="white"/>
+              </a:solidFill>
+              <a:effectLst/>
+              <a:uLnTx/>
+              <a:uFillTx/>
+              <a:latin typeface="Aptos" panose="02110004020202020204"/>
+              <a:ea typeface="+mn-ea"/>
+              <a:cs typeface="+mn-cs"/>
+            </a:endParaRPr>
+          </a:p>
+        </p:txBody>
+      </p:sp>
+      <p:sp>
+        <p:nvSpPr>
+          <p:cNvPr id="41" name="TextBox 40">
+            <a:extLst>
+              <a:ext uri="{FF2B5EF4-FFF2-40B4-BE49-F238E27FC236}">
+                <a16:creationId xmlns:a16="http://schemas.microsoft.com/office/drawing/2014/main" id="{670F1925-53AE-32FB-1C12-5C2F58BB4A60}"/>
+              </a:ext>
+            </a:extLst>
+          </p:cNvPr>
+          <p:cNvSpPr txBox="1"/>
+          <p:nvPr/>
+        </p:nvSpPr>
+        <p:spPr>
+          <a:xfrm>
+            <a:off x="3509565" y="2120881"/>
+            <a:ext cx="1189346" cy="646331"/>
+          </a:xfrm>
+          <a:prstGeom prst="rect">
+            <a:avLst/>
+          </a:prstGeom>
+          <a:noFill/>
+        </p:spPr>
+        <p:txBody>
+          <a:bodyPr wrap="square">
+            <a:spAutoFit/>
+          </a:bodyPr>
+          <a:lstStyle/>
+          <a:p>
+            <a:pPr marL="0" marR="0" lvl="0" indent="0" algn="ctr" defTabSz="914400" rtl="0" eaLnBrk="1" fontAlgn="auto" latinLnBrk="0" hangingPunct="1">
+              <a:lnSpc>
+                <a:spcPct val="100000"/>
+              </a:lnSpc>
+              <a:spcBef>
+                <a:spcPts val="0"/>
+              </a:spcBef>
+              <a:spcAft>
+                <a:spcPts val="0"/>
+              </a:spcAft>
+              <a:buClrTx/>
+              <a:buSzTx/>
+              <a:buFontTx/>
+              <a:buNone/>
+              <a:tabLst/>
+              <a:defRPr/>
+            </a:pPr>
+            <a:r>
+              <a:rPr kumimoji="0" lang="en-US" sz="1400" b="0" i="0" u="none" strike="noStrike" kern="1200" cap="none" spc="0" normalizeH="0" baseline="0" noProof="0" dirty="0">
+                <a:ln>
+                  <a:noFill/>
+                </a:ln>
+                <a:solidFill>
+                  <a:prstClr val="black"/>
+                </a:solidFill>
+                <a:effectLst/>
+                <a:uLnTx/>
+                <a:uFillTx/>
+                <a:latin typeface="Segoe UI" panose="020B0502040204020203" pitchFamily="34" charset="0"/>
+                <a:ea typeface="+mn-ea"/>
+                <a:cs typeface="Segoe UI" panose="020B0502040204020203" pitchFamily="34" charset="0"/>
+              </a:rPr>
+              <a:t>Chat UI</a:t>
+            </a:r>
+          </a:p>
+          <a:p>
+            <a:pPr marL="0" marR="0" lvl="0" indent="0" algn="ctr" defTabSz="914400" rtl="0" eaLnBrk="1" fontAlgn="auto" latinLnBrk="0" hangingPunct="1">
+              <a:lnSpc>
+                <a:spcPct val="100000"/>
+              </a:lnSpc>
+              <a:spcBef>
+                <a:spcPts val="0"/>
+              </a:spcBef>
+              <a:spcAft>
+                <a:spcPts val="0"/>
+              </a:spcAft>
+              <a:buClrTx/>
+              <a:buSzTx/>
+              <a:buFontTx/>
+              <a:buNone/>
+              <a:tabLst/>
+              <a:defRPr/>
+            </a:pPr>
+            <a:r>
+              <a:rPr kumimoji="0" lang="en-US" sz="1100" b="0" i="0" u="none" strike="noStrike" kern="1200" cap="none" spc="0" normalizeH="0" baseline="0" noProof="0" dirty="0">
+                <a:ln>
+                  <a:noFill/>
+                </a:ln>
+                <a:solidFill>
+                  <a:prstClr val="white">
+                    <a:lumMod val="50000"/>
+                  </a:prstClr>
+                </a:solidFill>
+                <a:effectLst/>
+                <a:uLnTx/>
+                <a:uFillTx/>
+                <a:latin typeface="Segoe UI" panose="020B0502040204020203" pitchFamily="34" charset="0"/>
+                <a:ea typeface="+mn-ea"/>
+                <a:cs typeface="Segoe UI" panose="020B0502040204020203" pitchFamily="34" charset="0"/>
+              </a:rPr>
+              <a:t>Claude, GitHub CoPilot, etc.</a:t>
+            </a:r>
+          </a:p>
+        </p:txBody>
+      </p:sp>
+      <p:pic>
+        <p:nvPicPr>
+          <p:cNvPr id="23556" name="Picture 4" descr="User Icon Images – Browse 1,701,604 Stock Photos, Vectors ...">
+            <a:extLst>
+              <a:ext uri="{FF2B5EF4-FFF2-40B4-BE49-F238E27FC236}">
+                <a16:creationId xmlns:a16="http://schemas.microsoft.com/office/drawing/2014/main" id="{93A7AF3C-EE48-3E0B-5E96-8FEA4EC66E90}"/>
+              </a:ext>
+            </a:extLst>
+          </p:cNvPr>
+          <p:cNvPicPr>
+            <a:picLocks noChangeAspect="1" noChangeArrowheads="1"/>
+          </p:cNvPicPr>
+          <p:nvPr/>
+        </p:nvPicPr>
+        <p:blipFill rotWithShape="1">
+          <a:blip r:embed="rId4">
+            <a:clrChange>
+              <a:clrFrom>
+                <a:srgbClr val="FFFFFF"/>
+              </a:clrFrom>
+              <a:clrTo>
+                <a:srgbClr val="FFFFFF">
+                  <a:alpha val="0"/>
+                </a:srgbClr>
+              </a:clrTo>
+            </a:clrChange>
+            <a:duotone>
+              <a:schemeClr val="accent4">
+                <a:shade val="45000"/>
+                <a:satMod val="135000"/>
+              </a:schemeClr>
+              <a:prstClr val="white"/>
+            </a:duotone>
+            <a:extLst>
+              <a:ext uri="{28A0092B-C50C-407E-A947-70E740481C1C}">
+                <a14:useLocalDpi xmlns:a14="http://schemas.microsoft.com/office/drawing/2010/main" val="0"/>
+              </a:ext>
+            </a:extLst>
+          </a:blip>
+          <a:srcRect l="19935" t="20528" r="20355" b="20435"/>
+          <a:stretch>
+            <a:fillRect/>
+          </a:stretch>
+        </p:blipFill>
+        <p:spPr bwMode="auto">
+          <a:xfrm>
+            <a:off x="1211949" y="2303152"/>
+            <a:ext cx="732147" cy="723895"/>
+          </a:xfrm>
+          <a:prstGeom prst="rect">
+            <a:avLst/>
+          </a:prstGeom>
+          <a:noFill/>
+          <a:extLst>
+            <a:ext uri="{909E8E84-426E-40DD-AFC4-6F175D3DCCD1}">
+              <a14:hiddenFill xmlns:a14="http://schemas.microsoft.com/office/drawing/2010/main">
+                <a:solidFill>
+                  <a:srgbClr val="FFFFFF"/>
+                </a:solidFill>
+              </a14:hiddenFill>
+            </a:ext>
+          </a:extLst>
+        </p:spPr>
+      </p:pic>
+      <p:sp>
+        <p:nvSpPr>
+          <p:cNvPr id="42" name="TextBox 41">
+            <a:extLst>
+              <a:ext uri="{FF2B5EF4-FFF2-40B4-BE49-F238E27FC236}">
+                <a16:creationId xmlns:a16="http://schemas.microsoft.com/office/drawing/2014/main" id="{62CE79E6-4AE6-C25E-C303-9AB0F795D216}"/>
+              </a:ext>
+            </a:extLst>
+          </p:cNvPr>
+          <p:cNvSpPr txBox="1"/>
+          <p:nvPr/>
+        </p:nvSpPr>
+        <p:spPr>
+          <a:xfrm>
+            <a:off x="1152315" y="2970966"/>
+            <a:ext cx="891620" cy="307777"/>
+          </a:xfrm>
+          <a:prstGeom prst="rect">
+            <a:avLst/>
+          </a:prstGeom>
+          <a:noFill/>
+        </p:spPr>
+        <p:txBody>
+          <a:bodyPr wrap="square">
+            <a:spAutoFit/>
+          </a:bodyPr>
+          <a:lstStyle/>
+          <a:p>
+            <a:pPr marL="0" marR="0" lvl="0" indent="0" algn="ctr" defTabSz="914400" rtl="0" eaLnBrk="1" fontAlgn="auto" latinLnBrk="0" hangingPunct="1">
+              <a:lnSpc>
+                <a:spcPct val="100000"/>
+              </a:lnSpc>
+              <a:spcBef>
+                <a:spcPts val="0"/>
+              </a:spcBef>
+              <a:spcAft>
+                <a:spcPts val="0"/>
+              </a:spcAft>
+              <a:buClrTx/>
+              <a:buSzTx/>
+              <a:buFontTx/>
+              <a:buNone/>
+              <a:tabLst/>
+              <a:defRPr/>
+            </a:pPr>
+            <a:r>
+              <a:rPr kumimoji="0" lang="en-US" sz="1400" b="0" i="0" u="none" strike="noStrike" kern="1200" cap="none" spc="0" normalizeH="0" baseline="0" noProof="0" dirty="0">
+                <a:ln>
+                  <a:noFill/>
+                </a:ln>
+                <a:solidFill>
+                  <a:prstClr val="black"/>
+                </a:solidFill>
+                <a:effectLst/>
+                <a:uLnTx/>
+                <a:uFillTx/>
+                <a:latin typeface="Segoe UI" panose="020B0502040204020203" pitchFamily="34" charset="0"/>
+                <a:ea typeface="+mn-ea"/>
+                <a:cs typeface="Segoe UI" panose="020B0502040204020203" pitchFamily="34" charset="0"/>
+              </a:rPr>
+              <a:t>User</a:t>
+            </a:r>
+          </a:p>
+        </p:txBody>
+      </p:sp>
+      <p:cxnSp>
+        <p:nvCxnSpPr>
+          <p:cNvPr id="44" name="Straight Arrow Connector 43">
+            <a:extLst>
+              <a:ext uri="{FF2B5EF4-FFF2-40B4-BE49-F238E27FC236}">
+                <a16:creationId xmlns:a16="http://schemas.microsoft.com/office/drawing/2014/main" id="{B5CFD885-AEF2-EF7A-A583-10F2D5257545}"/>
+              </a:ext>
+            </a:extLst>
+          </p:cNvPr>
+          <p:cNvCxnSpPr>
+            <a:stCxn id="23556" idx="3"/>
+            <a:endCxn id="40" idx="1"/>
+          </p:cNvCxnSpPr>
+          <p:nvPr/>
+        </p:nvCxnSpPr>
+        <p:spPr>
+          <a:xfrm flipV="1">
+            <a:off x="1944096" y="2661859"/>
+            <a:ext cx="795129" cy="3241"/>
+          </a:xfrm>
+          <a:prstGeom prst="straightConnector1">
+            <a:avLst/>
+          </a:prstGeom>
+          <a:ln>
+            <a:headEnd type="triangle"/>
+            <a:tailEnd type="triangle"/>
+          </a:ln>
+        </p:spPr>
+        <p:style>
+          <a:lnRef idx="2">
+            <a:schemeClr val="dk1"/>
+          </a:lnRef>
+          <a:fillRef idx="0">
+            <a:schemeClr val="dk1"/>
+          </a:fillRef>
+          <a:effectRef idx="1">
+            <a:schemeClr val="dk1"/>
+          </a:effectRef>
+          <a:fontRef idx="minor">
+            <a:schemeClr val="tx1"/>
+          </a:fontRef>
+        </p:style>
+      </p:cxnSp>
+      <p:cxnSp>
+        <p:nvCxnSpPr>
+          <p:cNvPr id="45" name="Straight Arrow Connector 44">
+            <a:extLst>
+              <a:ext uri="{FF2B5EF4-FFF2-40B4-BE49-F238E27FC236}">
+                <a16:creationId xmlns:a16="http://schemas.microsoft.com/office/drawing/2014/main" id="{60273D2B-6369-6FCF-E691-094ACD1802D9}"/>
+              </a:ext>
+            </a:extLst>
+          </p:cNvPr>
+          <p:cNvCxnSpPr>
+            <a:cxnSpLocks/>
+          </p:cNvCxnSpPr>
+          <p:nvPr/>
+        </p:nvCxnSpPr>
+        <p:spPr>
+          <a:xfrm flipV="1">
+            <a:off x="4681437" y="2673418"/>
+            <a:ext cx="800539" cy="261889"/>
+          </a:xfrm>
+          <a:prstGeom prst="straightConnector1">
+            <a:avLst/>
+          </a:prstGeom>
+          <a:ln>
+            <a:headEnd type="triangle"/>
+            <a:tailEnd type="triangle"/>
+          </a:ln>
+        </p:spPr>
+        <p:style>
+          <a:lnRef idx="2">
+            <a:schemeClr val="dk1"/>
+          </a:lnRef>
+          <a:fillRef idx="0">
+            <a:schemeClr val="dk1"/>
+          </a:fillRef>
+          <a:effectRef idx="1">
+            <a:schemeClr val="dk1"/>
+          </a:effectRef>
+          <a:fontRef idx="minor">
+            <a:schemeClr val="tx1"/>
+          </a:fontRef>
+        </p:style>
+      </p:cxnSp>
+      <p:pic>
+        <p:nvPicPr>
+          <p:cNvPr id="47" name="Picture 46">
+            <a:extLst>
+              <a:ext uri="{FF2B5EF4-FFF2-40B4-BE49-F238E27FC236}">
+                <a16:creationId xmlns:a16="http://schemas.microsoft.com/office/drawing/2014/main" id="{DEC483FB-C404-8CBC-6796-8E56F6FE0049}"/>
+              </a:ext>
+            </a:extLst>
+          </p:cNvPr>
+          <p:cNvPicPr>
+            <a:picLocks noChangeAspect="1"/>
+          </p:cNvPicPr>
+          <p:nvPr/>
+        </p:nvPicPr>
+        <p:blipFill>
+          <a:blip r:embed="rId5"/>
+          <a:stretch>
+            <a:fillRect/>
+          </a:stretch>
+        </p:blipFill>
+        <p:spPr>
+          <a:xfrm>
+            <a:off x="2838278" y="2454086"/>
+            <a:ext cx="713056" cy="415545"/>
+          </a:xfrm>
+          <a:prstGeom prst="rect">
+            <a:avLst/>
+          </a:prstGeom>
+          <a:ln>
+            <a:solidFill>
+              <a:schemeClr val="bg1">
+                <a:lumMod val="75000"/>
+              </a:schemeClr>
+            </a:solidFill>
+          </a:ln>
+        </p:spPr>
+      </p:pic>
+      <p:sp>
+        <p:nvSpPr>
+          <p:cNvPr id="48" name="TextBox 47">
+            <a:extLst>
+              <a:ext uri="{FF2B5EF4-FFF2-40B4-BE49-F238E27FC236}">
+                <a16:creationId xmlns:a16="http://schemas.microsoft.com/office/drawing/2014/main" id="{FF583515-6C96-6674-A508-B0ED64246822}"/>
+              </a:ext>
+            </a:extLst>
+          </p:cNvPr>
+          <p:cNvSpPr txBox="1"/>
+          <p:nvPr/>
+        </p:nvSpPr>
+        <p:spPr>
+          <a:xfrm>
+            <a:off x="3655022" y="2767212"/>
+            <a:ext cx="1026415" cy="307777"/>
+          </a:xfrm>
+          <a:prstGeom prst="rect">
+            <a:avLst/>
+          </a:prstGeom>
+          <a:noFill/>
+          <a:ln>
+            <a:solidFill>
+              <a:schemeClr val="bg1">
+                <a:lumMod val="85000"/>
+              </a:schemeClr>
+            </a:solidFill>
+          </a:ln>
+        </p:spPr>
+        <p:txBody>
+          <a:bodyPr wrap="square">
+            <a:spAutoFit/>
+          </a:bodyPr>
+          <a:lstStyle/>
+          <a:p>
+            <a:pPr marL="0" marR="0" lvl="0" indent="0" algn="ctr" defTabSz="914400" rtl="0" eaLnBrk="1" fontAlgn="auto" latinLnBrk="0" hangingPunct="1">
+              <a:lnSpc>
+                <a:spcPct val="100000"/>
+              </a:lnSpc>
+              <a:spcBef>
+                <a:spcPts val="0"/>
+              </a:spcBef>
+              <a:spcAft>
+                <a:spcPts val="0"/>
+              </a:spcAft>
+              <a:buClrTx/>
+              <a:buSzTx/>
+              <a:buFontTx/>
+              <a:buNone/>
+              <a:tabLst/>
+              <a:defRPr/>
+            </a:pPr>
+            <a:r>
+              <a:rPr kumimoji="0" lang="en-US" sz="1400" b="0" i="0" u="none" strike="noStrike" kern="1200" cap="none" spc="0" normalizeH="0" baseline="0" noProof="0" dirty="0">
+                <a:ln>
+                  <a:noFill/>
+                </a:ln>
+                <a:solidFill>
+                  <a:prstClr val="black"/>
+                </a:solidFill>
+                <a:effectLst/>
+                <a:uLnTx/>
+                <a:uFillTx/>
+                <a:latin typeface="Segoe UI" panose="020B0502040204020203" pitchFamily="34" charset="0"/>
+                <a:ea typeface="+mn-ea"/>
+                <a:cs typeface="Segoe UI" panose="020B0502040204020203" pitchFamily="34" charset="0"/>
+              </a:rPr>
+              <a:t>MCP client</a:t>
+            </a:r>
+            <a:endParaRPr kumimoji="0" lang="en-US" sz="1100" b="0" i="0" u="none" strike="noStrike" kern="1200" cap="none" spc="0" normalizeH="0" baseline="0" noProof="0" dirty="0">
+              <a:ln>
+                <a:noFill/>
+              </a:ln>
+              <a:solidFill>
+                <a:prstClr val="white">
+                  <a:lumMod val="50000"/>
+                </a:prstClr>
+              </a:solidFill>
+              <a:effectLst/>
+              <a:uLnTx/>
+              <a:uFillTx/>
+              <a:latin typeface="Segoe UI" panose="020B0502040204020203" pitchFamily="34" charset="0"/>
+              <a:ea typeface="+mn-ea"/>
+              <a:cs typeface="Segoe UI" panose="020B0502040204020203" pitchFamily="34" charset="0"/>
+            </a:endParaRPr>
+          </a:p>
+        </p:txBody>
+      </p:sp>
+      <p:sp>
+        <p:nvSpPr>
+          <p:cNvPr id="52" name="TextBox 51">
+            <a:extLst>
+              <a:ext uri="{FF2B5EF4-FFF2-40B4-BE49-F238E27FC236}">
+                <a16:creationId xmlns:a16="http://schemas.microsoft.com/office/drawing/2014/main" id="{5B13A669-9069-F5B2-15F5-432BD65A7EE2}"/>
+              </a:ext>
+            </a:extLst>
+          </p:cNvPr>
+          <p:cNvSpPr txBox="1"/>
+          <p:nvPr/>
+        </p:nvSpPr>
+        <p:spPr>
+          <a:xfrm>
+            <a:off x="4698911" y="2358818"/>
+            <a:ext cx="795129" cy="430887"/>
+          </a:xfrm>
+          <a:prstGeom prst="rect">
+            <a:avLst/>
+          </a:prstGeom>
+          <a:noFill/>
+        </p:spPr>
+        <p:txBody>
+          <a:bodyPr wrap="square">
+            <a:spAutoFit/>
+          </a:bodyPr>
+          <a:lstStyle/>
+          <a:p>
+            <a:pPr marL="0" marR="0" lvl="0" indent="0" algn="ctr" defTabSz="914400" rtl="0" eaLnBrk="1" fontAlgn="auto" latinLnBrk="0" hangingPunct="1">
+              <a:lnSpc>
+                <a:spcPct val="100000"/>
+              </a:lnSpc>
+              <a:spcBef>
+                <a:spcPts val="0"/>
+              </a:spcBef>
+              <a:spcAft>
+                <a:spcPts val="0"/>
+              </a:spcAft>
+              <a:buClrTx/>
+              <a:buSzTx/>
+              <a:buFontTx/>
+              <a:buNone/>
+              <a:tabLst/>
+              <a:defRPr/>
+            </a:pPr>
+            <a:r>
+              <a:rPr kumimoji="0" lang="en-US" sz="1050" b="0" i="0" u="none" strike="noStrike" kern="1200" cap="none" spc="0" normalizeH="0" baseline="0" noProof="0" dirty="0">
+                <a:ln>
+                  <a:noFill/>
+                </a:ln>
+                <a:solidFill>
+                  <a:prstClr val="black"/>
+                </a:solidFill>
+                <a:effectLst/>
+                <a:uLnTx/>
+                <a:uFillTx/>
+                <a:latin typeface="Segoe UI" panose="020B0502040204020203" pitchFamily="34" charset="0"/>
+                <a:ea typeface="+mn-ea"/>
+                <a:cs typeface="Segoe UI" panose="020B0502040204020203" pitchFamily="34" charset="0"/>
+              </a:rPr>
+              <a:t>MCP</a:t>
+            </a:r>
+          </a:p>
+          <a:p>
+            <a:pPr marL="0" marR="0" lvl="0" indent="0" algn="ctr" defTabSz="914400" rtl="0" eaLnBrk="1" fontAlgn="auto" latinLnBrk="0" hangingPunct="1">
+              <a:lnSpc>
+                <a:spcPct val="100000"/>
+              </a:lnSpc>
+              <a:spcBef>
+                <a:spcPts val="0"/>
+              </a:spcBef>
+              <a:spcAft>
+                <a:spcPts val="0"/>
+              </a:spcAft>
+              <a:buClrTx/>
+              <a:buSzTx/>
+              <a:buFontTx/>
+              <a:buNone/>
+              <a:tabLst/>
+              <a:defRPr/>
+            </a:pPr>
+            <a:r>
+              <a:rPr kumimoji="0" lang="en-US" sz="1050" b="0" i="0" u="none" strike="noStrike" kern="1200" cap="none" spc="0" normalizeH="0" baseline="0" noProof="0" dirty="0">
+                <a:ln>
+                  <a:noFill/>
+                </a:ln>
+                <a:solidFill>
+                  <a:prstClr val="black"/>
+                </a:solidFill>
+                <a:effectLst/>
+                <a:uLnTx/>
+                <a:uFillTx/>
+                <a:latin typeface="Segoe UI" panose="020B0502040204020203" pitchFamily="34" charset="0"/>
+                <a:ea typeface="+mn-ea"/>
+                <a:cs typeface="Segoe UI" panose="020B0502040204020203" pitchFamily="34" charset="0"/>
+              </a:rPr>
+              <a:t>(stdio)</a:t>
+            </a:r>
+          </a:p>
+        </p:txBody>
+      </p:sp>
+      <p:pic>
+        <p:nvPicPr>
+          <p:cNvPr id="23558" name="Picture 6" descr="Semantic Kernel Roadmap H1 2025 ...">
+            <a:extLst>
+              <a:ext uri="{FF2B5EF4-FFF2-40B4-BE49-F238E27FC236}">
+                <a16:creationId xmlns:a16="http://schemas.microsoft.com/office/drawing/2014/main" id="{51A36023-89A7-C879-0EF6-D310EE0F0DD9}"/>
+              </a:ext>
+            </a:extLst>
+          </p:cNvPr>
+          <p:cNvPicPr>
+            <a:picLocks noChangeAspect="1" noChangeArrowheads="1"/>
+          </p:cNvPicPr>
+          <p:nvPr/>
+        </p:nvPicPr>
+        <p:blipFill rotWithShape="1">
+          <a:blip r:embed="rId6">
+            <a:clrChange>
+              <a:clrFrom>
+                <a:srgbClr val="FFFFFF"/>
+              </a:clrFrom>
+              <a:clrTo>
+                <a:srgbClr val="FFFFFF">
+                  <a:alpha val="0"/>
+                </a:srgbClr>
+              </a:clrTo>
+            </a:clrChange>
+            <a:extLst>
+              <a:ext uri="{28A0092B-C50C-407E-A947-70E740481C1C}">
+                <a14:useLocalDpi xmlns:a14="http://schemas.microsoft.com/office/drawing/2010/main" val="0"/>
+              </a:ext>
+            </a:extLst>
+          </a:blip>
+          <a:srcRect l="28311" r="23923" b="24870"/>
+          <a:stretch>
+            <a:fillRect/>
+          </a:stretch>
+        </p:blipFill>
+        <p:spPr bwMode="auto">
+          <a:xfrm>
+            <a:off x="6414334" y="2673417"/>
+            <a:ext cx="200765" cy="258486"/>
+          </a:xfrm>
+          <a:prstGeom prst="rect">
+            <a:avLst/>
+          </a:prstGeom>
+          <a:noFill/>
+          <a:extLst>
+            <a:ext uri="{909E8E84-426E-40DD-AFC4-6F175D3DCCD1}">
+              <a14:hiddenFill xmlns:a14="http://schemas.microsoft.com/office/drawing/2010/main">
+                <a:solidFill>
+                  <a:srgbClr val="FFFFFF"/>
+                </a:solidFill>
+              </a14:hiddenFill>
+            </a:ext>
+          </a:extLst>
+        </p:spPr>
+      </p:pic>
+      <p:pic>
+        <p:nvPicPr>
+          <p:cNvPr id="23560" name="Picture 8" descr="MCP (Model Context Protocol) Logo Fr ...">
+            <a:extLst>
+              <a:ext uri="{FF2B5EF4-FFF2-40B4-BE49-F238E27FC236}">
+                <a16:creationId xmlns:a16="http://schemas.microsoft.com/office/drawing/2014/main" id="{90CC50FB-C3BE-96D9-F162-3316E455C2B9}"/>
+              </a:ext>
+            </a:extLst>
+          </p:cNvPr>
+          <p:cNvPicPr>
+            <a:picLocks noChangeAspect="1" noChangeArrowheads="1"/>
+          </p:cNvPicPr>
+          <p:nvPr/>
+        </p:nvPicPr>
+        <p:blipFill>
+          <a:blip r:embed="rId7">
+            <a:extLst>
+              <a:ext uri="{28A0092B-C50C-407E-A947-70E740481C1C}">
+                <a14:useLocalDpi xmlns:a14="http://schemas.microsoft.com/office/drawing/2010/main" val="0"/>
+              </a:ext>
+            </a:extLst>
+          </a:blip>
+          <a:srcRect/>
+          <a:stretch>
+            <a:fillRect/>
+          </a:stretch>
+        </p:blipFill>
+        <p:spPr bwMode="auto">
+          <a:xfrm>
+            <a:off x="5697796" y="2673417"/>
+            <a:ext cx="261889" cy="261889"/>
+          </a:xfrm>
+          <a:prstGeom prst="rect">
+            <a:avLst/>
+          </a:prstGeom>
+          <a:noFill/>
+          <a:extLst>
+            <a:ext uri="{909E8E84-426E-40DD-AFC4-6F175D3DCCD1}">
+              <a14:hiddenFill xmlns:a14="http://schemas.microsoft.com/office/drawing/2010/main">
+                <a:solidFill>
+                  <a:srgbClr val="FFFFFF"/>
+                </a:solidFill>
+              </a14:hiddenFill>
+            </a:ext>
+          </a:extLst>
+        </p:spPr>
+      </p:pic>
+      <p:pic>
+        <p:nvPicPr>
+          <p:cNvPr id="23562" name="Picture 10" descr="Microsoft Dot Net icon SVG Vector &amp; PNG ...">
+            <a:extLst>
+              <a:ext uri="{FF2B5EF4-FFF2-40B4-BE49-F238E27FC236}">
+                <a16:creationId xmlns:a16="http://schemas.microsoft.com/office/drawing/2014/main" id="{14CE05A4-1533-91E8-5BD7-3B7039F87254}"/>
+              </a:ext>
+            </a:extLst>
+          </p:cNvPr>
+          <p:cNvPicPr>
+            <a:picLocks noChangeAspect="1" noChangeArrowheads="1"/>
+          </p:cNvPicPr>
+          <p:nvPr/>
+        </p:nvPicPr>
+        <p:blipFill>
+          <a:blip r:embed="rId8">
+            <a:extLst>
+              <a:ext uri="{28A0092B-C50C-407E-A947-70E740481C1C}">
+                <a14:useLocalDpi xmlns:a14="http://schemas.microsoft.com/office/drawing/2010/main" val="0"/>
+              </a:ext>
+            </a:extLst>
+          </a:blip>
+          <a:srcRect/>
+          <a:stretch>
+            <a:fillRect/>
+          </a:stretch>
+        </p:blipFill>
+        <p:spPr bwMode="auto">
+          <a:xfrm>
+            <a:off x="6962461" y="2677537"/>
+            <a:ext cx="261889" cy="261889"/>
+          </a:xfrm>
+          <a:prstGeom prst="rect">
+            <a:avLst/>
+          </a:prstGeom>
+          <a:noFill/>
+          <a:extLst>
+            <a:ext uri="{909E8E84-426E-40DD-AFC4-6F175D3DCCD1}">
+              <a14:hiddenFill xmlns:a14="http://schemas.microsoft.com/office/drawing/2010/main">
+                <a:solidFill>
+                  <a:srgbClr val="FFFFFF"/>
+                </a:solidFill>
+              </a14:hiddenFill>
+            </a:ext>
+          </a:extLst>
+        </p:spPr>
+      </p:pic>
+      <p:sp>
+        <p:nvSpPr>
+          <p:cNvPr id="54" name="TextBox 53">
+            <a:extLst>
+              <a:ext uri="{FF2B5EF4-FFF2-40B4-BE49-F238E27FC236}">
+                <a16:creationId xmlns:a16="http://schemas.microsoft.com/office/drawing/2014/main" id="{3DC94B3E-F729-3A7E-76E9-D586696ABD4E}"/>
+              </a:ext>
+            </a:extLst>
+          </p:cNvPr>
+          <p:cNvSpPr txBox="1"/>
+          <p:nvPr/>
+        </p:nvSpPr>
+        <p:spPr>
+          <a:xfrm>
+            <a:off x="6203299" y="2886547"/>
+            <a:ext cx="604720" cy="338554"/>
+          </a:xfrm>
+          <a:prstGeom prst="rect">
+            <a:avLst/>
+          </a:prstGeom>
+          <a:noFill/>
+        </p:spPr>
+        <p:txBody>
+          <a:bodyPr wrap="square">
+            <a:spAutoFit/>
+          </a:bodyPr>
+          <a:lstStyle/>
+          <a:p>
+            <a:pPr marL="0" marR="0" lvl="0" indent="0" algn="ctr" defTabSz="914400" rtl="0" eaLnBrk="1" fontAlgn="auto" latinLnBrk="0" hangingPunct="1">
+              <a:lnSpc>
+                <a:spcPct val="100000"/>
+              </a:lnSpc>
+              <a:spcBef>
+                <a:spcPts val="0"/>
+              </a:spcBef>
+              <a:spcAft>
+                <a:spcPts val="0"/>
+              </a:spcAft>
+              <a:buClrTx/>
+              <a:buSzTx/>
+              <a:buFontTx/>
+              <a:buNone/>
+              <a:tabLst/>
+              <a:defRPr/>
+            </a:pPr>
+            <a:r>
+              <a:rPr kumimoji="0" lang="en-US" sz="800" b="0" i="0" u="none" strike="noStrike" kern="1200" cap="none" spc="0" normalizeH="0" baseline="0" noProof="0" dirty="0">
+                <a:ln>
+                  <a:noFill/>
+                </a:ln>
+                <a:solidFill>
+                  <a:prstClr val="black"/>
+                </a:solidFill>
+                <a:effectLst/>
+                <a:uLnTx/>
+                <a:uFillTx/>
+                <a:latin typeface="Segoe UI" panose="020B0502040204020203" pitchFamily="34" charset="0"/>
+                <a:ea typeface="+mn-ea"/>
+                <a:cs typeface="Segoe UI" panose="020B0502040204020203" pitchFamily="34" charset="0"/>
+              </a:rPr>
+              <a:t>Semantic</a:t>
+            </a:r>
+          </a:p>
+          <a:p>
+            <a:pPr marL="0" marR="0" lvl="0" indent="0" algn="ctr" defTabSz="914400" rtl="0" eaLnBrk="1" fontAlgn="auto" latinLnBrk="0" hangingPunct="1">
+              <a:lnSpc>
+                <a:spcPct val="100000"/>
+              </a:lnSpc>
+              <a:spcBef>
+                <a:spcPts val="0"/>
+              </a:spcBef>
+              <a:spcAft>
+                <a:spcPts val="0"/>
+              </a:spcAft>
+              <a:buClrTx/>
+              <a:buSzTx/>
+              <a:buFontTx/>
+              <a:buNone/>
+              <a:tabLst/>
+              <a:defRPr/>
+            </a:pPr>
+            <a:r>
+              <a:rPr kumimoji="0" lang="en-US" sz="800" b="0" i="0" u="none" strike="noStrike" kern="1200" cap="none" spc="0" normalizeH="0" baseline="0" noProof="0" dirty="0">
+                <a:ln>
+                  <a:noFill/>
+                </a:ln>
+                <a:solidFill>
+                  <a:prstClr val="black"/>
+                </a:solidFill>
+                <a:effectLst/>
+                <a:uLnTx/>
+                <a:uFillTx/>
+                <a:latin typeface="Segoe UI" panose="020B0502040204020203" pitchFamily="34" charset="0"/>
+                <a:ea typeface="+mn-ea"/>
+                <a:cs typeface="Segoe UI" panose="020B0502040204020203" pitchFamily="34" charset="0"/>
+              </a:rPr>
+              <a:t>Kernel</a:t>
+            </a:r>
+          </a:p>
+        </p:txBody>
+      </p:sp>
+      <p:sp>
+        <p:nvSpPr>
+          <p:cNvPr id="55" name="TextBox 54">
+            <a:extLst>
+              <a:ext uri="{FF2B5EF4-FFF2-40B4-BE49-F238E27FC236}">
+                <a16:creationId xmlns:a16="http://schemas.microsoft.com/office/drawing/2014/main" id="{282E1F6E-6194-994A-F0A3-1E2A85815ED7}"/>
+              </a:ext>
+            </a:extLst>
+          </p:cNvPr>
+          <p:cNvSpPr txBox="1"/>
+          <p:nvPr/>
+        </p:nvSpPr>
+        <p:spPr>
+          <a:xfrm>
+            <a:off x="5416484" y="2890901"/>
+            <a:ext cx="852284" cy="338554"/>
+          </a:xfrm>
+          <a:prstGeom prst="rect">
+            <a:avLst/>
+          </a:prstGeom>
+          <a:noFill/>
+        </p:spPr>
+        <p:txBody>
+          <a:bodyPr wrap="square">
+            <a:spAutoFit/>
+          </a:bodyPr>
+          <a:lstStyle/>
+          <a:p>
+            <a:pPr marL="0" marR="0" lvl="0" indent="0" algn="ctr" defTabSz="914400" rtl="0" eaLnBrk="1" fontAlgn="auto" latinLnBrk="0" hangingPunct="1">
+              <a:lnSpc>
+                <a:spcPct val="100000"/>
+              </a:lnSpc>
+              <a:spcBef>
+                <a:spcPts val="0"/>
+              </a:spcBef>
+              <a:spcAft>
+                <a:spcPts val="0"/>
+              </a:spcAft>
+              <a:buClrTx/>
+              <a:buSzTx/>
+              <a:buFontTx/>
+              <a:buNone/>
+              <a:tabLst/>
+              <a:defRPr/>
+            </a:pPr>
+            <a:r>
+              <a:rPr kumimoji="0" lang="en-US" sz="800" b="0" i="0" u="none" strike="noStrike" kern="1200" cap="none" spc="0" normalizeH="0" baseline="0" noProof="0" dirty="0">
+                <a:ln>
+                  <a:noFill/>
+                </a:ln>
+                <a:solidFill>
+                  <a:prstClr val="black"/>
+                </a:solidFill>
+                <a:effectLst/>
+                <a:uLnTx/>
+                <a:uFillTx/>
+                <a:latin typeface="Segoe UI" panose="020B0502040204020203" pitchFamily="34" charset="0"/>
+                <a:ea typeface="+mn-ea"/>
+                <a:cs typeface="Segoe UI" panose="020B0502040204020203" pitchFamily="34" charset="0"/>
+              </a:rPr>
+              <a:t>Model Context Protocol</a:t>
+            </a:r>
+          </a:p>
+        </p:txBody>
+      </p:sp>
+      <p:sp>
+        <p:nvSpPr>
+          <p:cNvPr id="56" name="TextBox 55">
+            <a:extLst>
+              <a:ext uri="{FF2B5EF4-FFF2-40B4-BE49-F238E27FC236}">
+                <a16:creationId xmlns:a16="http://schemas.microsoft.com/office/drawing/2014/main" id="{9234BCD2-2132-026F-7921-A4F0E63719AD}"/>
+              </a:ext>
+            </a:extLst>
+          </p:cNvPr>
+          <p:cNvSpPr txBox="1"/>
+          <p:nvPr/>
+        </p:nvSpPr>
+        <p:spPr>
+          <a:xfrm>
+            <a:off x="6812444" y="2931903"/>
+            <a:ext cx="604720" cy="215444"/>
+          </a:xfrm>
+          <a:prstGeom prst="rect">
+            <a:avLst/>
+          </a:prstGeom>
+          <a:noFill/>
+        </p:spPr>
+        <p:txBody>
+          <a:bodyPr wrap="square">
+            <a:spAutoFit/>
+          </a:bodyPr>
+          <a:lstStyle/>
+          <a:p>
+            <a:pPr marL="0" marR="0" lvl="0" indent="0" algn="ctr" defTabSz="914400" rtl="0" eaLnBrk="1" fontAlgn="auto" latinLnBrk="0" hangingPunct="1">
+              <a:lnSpc>
+                <a:spcPct val="100000"/>
+              </a:lnSpc>
+              <a:spcBef>
+                <a:spcPts val="0"/>
+              </a:spcBef>
+              <a:spcAft>
+                <a:spcPts val="0"/>
+              </a:spcAft>
+              <a:buClrTx/>
+              <a:buSzTx/>
+              <a:buFontTx/>
+              <a:buNone/>
+              <a:tabLst/>
+              <a:defRPr/>
+            </a:pPr>
+            <a:r>
+              <a:rPr kumimoji="0" lang="en-US" sz="800" b="0" i="0" u="none" strike="noStrike" kern="1200" cap="none" spc="0" normalizeH="0" baseline="0" noProof="0" dirty="0">
+                <a:ln>
+                  <a:noFill/>
+                </a:ln>
+                <a:solidFill>
+                  <a:prstClr val="black"/>
+                </a:solidFill>
+                <a:effectLst/>
+                <a:uLnTx/>
+                <a:uFillTx/>
+                <a:latin typeface="Segoe UI" panose="020B0502040204020203" pitchFamily="34" charset="0"/>
+                <a:ea typeface="+mn-ea"/>
+                <a:cs typeface="Segoe UI" panose="020B0502040204020203" pitchFamily="34" charset="0"/>
+              </a:rPr>
+              <a:t>C#</a:t>
+            </a:r>
+          </a:p>
+        </p:txBody>
+      </p:sp>
+      <p:sp>
+        <p:nvSpPr>
+          <p:cNvPr id="58" name="Rectangle: Rounded Corners 57">
+            <a:extLst>
+              <a:ext uri="{FF2B5EF4-FFF2-40B4-BE49-F238E27FC236}">
+                <a16:creationId xmlns:a16="http://schemas.microsoft.com/office/drawing/2014/main" id="{DC1CA802-B794-0CF1-9455-D04D93565294}"/>
+              </a:ext>
+            </a:extLst>
+          </p:cNvPr>
+          <p:cNvSpPr/>
+          <p:nvPr/>
+        </p:nvSpPr>
+        <p:spPr>
+          <a:xfrm>
+            <a:off x="8169033" y="2110236"/>
+            <a:ext cx="2047461" cy="1103244"/>
+          </a:xfrm>
+          <a:prstGeom prst="roundRect">
+            <a:avLst/>
+          </a:prstGeom>
+          <a:solidFill>
+            <a:schemeClr val="bg1"/>
+          </a:solidFill>
+          <a:ln>
+            <a:solidFill>
+              <a:schemeClr val="tx1"/>
+            </a:solidFill>
+          </a:ln>
+        </p:spPr>
+        <p:style>
+          <a:lnRef idx="2">
+            <a:schemeClr val="accent1">
+              <a:shade val="15000"/>
+            </a:schemeClr>
+          </a:lnRef>
+          <a:fillRef idx="1">
+            <a:schemeClr val="accent1"/>
+          </a:fillRef>
+          <a:effectRef idx="0">
+            <a:schemeClr val="accent1"/>
+          </a:effectRef>
+          <a:fontRef idx="minor">
+            <a:schemeClr val="lt1"/>
+          </a:fontRef>
+        </p:style>
+        <p:txBody>
+          <a:bodyPr rtlCol="0" anchor="ctr"/>
+          <a:lstStyle/>
+          <a:p>
+            <a:pPr marL="0" marR="0" lvl="0" indent="0" algn="ctr" defTabSz="914400" rtl="0" eaLnBrk="1" fontAlgn="auto" latinLnBrk="0" hangingPunct="1">
+              <a:lnSpc>
+                <a:spcPct val="100000"/>
+              </a:lnSpc>
+              <a:spcBef>
+                <a:spcPts val="0"/>
+              </a:spcBef>
+              <a:spcAft>
+                <a:spcPts val="0"/>
+              </a:spcAft>
+              <a:buClrTx/>
+              <a:buSzTx/>
+              <a:buFontTx/>
+              <a:buNone/>
+              <a:tabLst/>
+              <a:defRPr/>
+            </a:pPr>
+            <a:endParaRPr kumimoji="0" lang="en-US" sz="1800" b="0" i="0" u="none" strike="noStrike" kern="1200" cap="none" spc="0" normalizeH="0" baseline="0" noProof="0" dirty="0">
+              <a:ln>
+                <a:noFill/>
+              </a:ln>
+              <a:solidFill>
+                <a:prstClr val="white"/>
+              </a:solidFill>
+              <a:effectLst/>
+              <a:uLnTx/>
+              <a:uFillTx/>
+              <a:latin typeface="Aptos" panose="02110004020202020204"/>
+              <a:ea typeface="+mn-ea"/>
+              <a:cs typeface="+mn-cs"/>
+            </a:endParaRPr>
+          </a:p>
+        </p:txBody>
+      </p:sp>
+      <p:sp>
+        <p:nvSpPr>
+          <p:cNvPr id="59" name="TextBox 58">
+            <a:extLst>
+              <a:ext uri="{FF2B5EF4-FFF2-40B4-BE49-F238E27FC236}">
+                <a16:creationId xmlns:a16="http://schemas.microsoft.com/office/drawing/2014/main" id="{9F1BCAE6-670B-0AD9-AAA5-186DC2FAA921}"/>
+              </a:ext>
+            </a:extLst>
+          </p:cNvPr>
+          <p:cNvSpPr txBox="1"/>
+          <p:nvPr/>
+        </p:nvSpPr>
+        <p:spPr>
+          <a:xfrm>
+            <a:off x="8733258" y="2097208"/>
+            <a:ext cx="1471172" cy="492443"/>
+          </a:xfrm>
+          <a:prstGeom prst="rect">
+            <a:avLst/>
+          </a:prstGeom>
+          <a:noFill/>
+        </p:spPr>
+        <p:txBody>
+          <a:bodyPr wrap="square">
+            <a:spAutoFit/>
+          </a:bodyPr>
+          <a:lstStyle/>
+          <a:p>
+            <a:pPr marL="0" marR="0" lvl="0" indent="0" algn="ctr" defTabSz="914400" rtl="0" eaLnBrk="1" fontAlgn="auto" latinLnBrk="0" hangingPunct="1">
+              <a:lnSpc>
+                <a:spcPct val="100000"/>
+              </a:lnSpc>
+              <a:spcBef>
+                <a:spcPts val="0"/>
+              </a:spcBef>
+              <a:spcAft>
+                <a:spcPts val="0"/>
+              </a:spcAft>
+              <a:buClrTx/>
+              <a:buSzTx/>
+              <a:buFontTx/>
+              <a:buNone/>
+              <a:tabLst/>
+              <a:defRPr/>
+            </a:pPr>
+            <a:r>
+              <a:rPr kumimoji="0" lang="en-US" sz="1400" b="0" i="0" u="none" strike="noStrike" kern="1200" cap="none" spc="0" normalizeH="0" baseline="0" noProof="0" dirty="0">
+                <a:ln>
+                  <a:noFill/>
+                </a:ln>
+                <a:solidFill>
+                  <a:prstClr val="black"/>
+                </a:solidFill>
+                <a:effectLst/>
+                <a:uLnTx/>
+                <a:uFillTx/>
+                <a:latin typeface="Segoe UI" panose="020B0502040204020203" pitchFamily="34" charset="0"/>
+                <a:ea typeface="+mn-ea"/>
+                <a:cs typeface="Segoe UI" panose="020B0502040204020203" pitchFamily="34" charset="0"/>
+              </a:rPr>
+              <a:t>AI Agent</a:t>
+            </a:r>
+          </a:p>
+          <a:p>
+            <a:pPr algn="ctr"/>
+            <a:r>
+              <a:rPr lang="en-US" sz="1200" dirty="0">
+                <a:solidFill>
+                  <a:prstClr val="white">
+                    <a:lumMod val="50000"/>
+                  </a:prstClr>
+                </a:solidFill>
+                <a:latin typeface="Segoe UI" panose="020B0502040204020203" pitchFamily="34" charset="0"/>
+                <a:cs typeface="Segoe UI" panose="020B0502040204020203" pitchFamily="34" charset="0"/>
+              </a:rPr>
+              <a:t>Chat Agent</a:t>
+            </a:r>
+          </a:p>
+        </p:txBody>
+      </p:sp>
+      <p:pic>
+        <p:nvPicPr>
+          <p:cNvPr id="60" name="Picture 59">
+            <a:extLst>
+              <a:ext uri="{FF2B5EF4-FFF2-40B4-BE49-F238E27FC236}">
+                <a16:creationId xmlns:a16="http://schemas.microsoft.com/office/drawing/2014/main" id="{B930D32E-D55A-BC7E-346B-38D688EBD1EA}"/>
+              </a:ext>
+            </a:extLst>
+          </p:cNvPr>
+          <p:cNvPicPr>
+            <a:picLocks noChangeAspect="1"/>
+          </p:cNvPicPr>
+          <p:nvPr/>
+        </p:nvPicPr>
+        <p:blipFill>
+          <a:blip r:embed="rId3"/>
+          <a:stretch>
+            <a:fillRect/>
+          </a:stretch>
+        </p:blipFill>
+        <p:spPr>
+          <a:xfrm>
+            <a:off x="8283389" y="2143406"/>
+            <a:ext cx="500312" cy="443353"/>
+          </a:xfrm>
+          <a:prstGeom prst="rect">
+            <a:avLst/>
+          </a:prstGeom>
+        </p:spPr>
+      </p:pic>
+      <p:pic>
+        <p:nvPicPr>
+          <p:cNvPr id="61" name="Picture 6" descr="Semantic Kernel Roadmap H1 2025 ...">
+            <a:extLst>
+              <a:ext uri="{FF2B5EF4-FFF2-40B4-BE49-F238E27FC236}">
+                <a16:creationId xmlns:a16="http://schemas.microsoft.com/office/drawing/2014/main" id="{951BC739-38BB-A92E-D4C1-5A052CF4FA79}"/>
+              </a:ext>
+            </a:extLst>
+          </p:cNvPr>
+          <p:cNvPicPr>
+            <a:picLocks noChangeAspect="1" noChangeArrowheads="1"/>
+          </p:cNvPicPr>
+          <p:nvPr/>
+        </p:nvPicPr>
+        <p:blipFill rotWithShape="1">
+          <a:blip r:embed="rId6">
+            <a:clrChange>
+              <a:clrFrom>
+                <a:srgbClr val="FFFFFF"/>
+              </a:clrFrom>
+              <a:clrTo>
+                <a:srgbClr val="FFFFFF">
+                  <a:alpha val="0"/>
+                </a:srgbClr>
+              </a:clrTo>
+            </a:clrChange>
+            <a:extLst>
+              <a:ext uri="{28A0092B-C50C-407E-A947-70E740481C1C}">
+                <a14:useLocalDpi xmlns:a14="http://schemas.microsoft.com/office/drawing/2010/main" val="0"/>
+              </a:ext>
+            </a:extLst>
+          </a:blip>
+          <a:srcRect l="28311" r="23923" b="24870"/>
+          <a:stretch>
+            <a:fillRect/>
+          </a:stretch>
+        </p:blipFill>
+        <p:spPr bwMode="auto">
+          <a:xfrm>
+            <a:off x="8788874" y="2673417"/>
+            <a:ext cx="200765" cy="258486"/>
+          </a:xfrm>
+          <a:prstGeom prst="rect">
+            <a:avLst/>
+          </a:prstGeom>
+          <a:noFill/>
+          <a:extLst>
+            <a:ext uri="{909E8E84-426E-40DD-AFC4-6F175D3DCCD1}">
+              <a14:hiddenFill xmlns:a14="http://schemas.microsoft.com/office/drawing/2010/main">
+                <a:solidFill>
+                  <a:srgbClr val="FFFFFF"/>
+                </a:solidFill>
+              </a14:hiddenFill>
+            </a:ext>
+          </a:extLst>
+        </p:spPr>
+      </p:pic>
+      <p:pic>
+        <p:nvPicPr>
+          <p:cNvPr id="63" name="Picture 10" descr="Microsoft Dot Net icon SVG Vector &amp; PNG ...">
+            <a:extLst>
+              <a:ext uri="{FF2B5EF4-FFF2-40B4-BE49-F238E27FC236}">
+                <a16:creationId xmlns:a16="http://schemas.microsoft.com/office/drawing/2014/main" id="{4AB3B8DA-4C71-9A05-B443-8714FC5E389C}"/>
+              </a:ext>
+            </a:extLst>
+          </p:cNvPr>
+          <p:cNvPicPr>
+            <a:picLocks noChangeAspect="1" noChangeArrowheads="1"/>
+          </p:cNvPicPr>
+          <p:nvPr/>
+        </p:nvPicPr>
+        <p:blipFill>
+          <a:blip r:embed="rId8">
+            <a:extLst>
+              <a:ext uri="{28A0092B-C50C-407E-A947-70E740481C1C}">
+                <a14:useLocalDpi xmlns:a14="http://schemas.microsoft.com/office/drawing/2010/main" val="0"/>
+              </a:ext>
+            </a:extLst>
+          </a:blip>
+          <a:srcRect/>
+          <a:stretch>
+            <a:fillRect/>
+          </a:stretch>
+        </p:blipFill>
+        <p:spPr bwMode="auto">
+          <a:xfrm>
+            <a:off x="9337001" y="2677537"/>
+            <a:ext cx="261889" cy="261889"/>
+          </a:xfrm>
+          <a:prstGeom prst="rect">
+            <a:avLst/>
+          </a:prstGeom>
+          <a:noFill/>
+          <a:extLst>
+            <a:ext uri="{909E8E84-426E-40DD-AFC4-6F175D3DCCD1}">
+              <a14:hiddenFill xmlns:a14="http://schemas.microsoft.com/office/drawing/2010/main">
+                <a:solidFill>
+                  <a:srgbClr val="FFFFFF"/>
+                </a:solidFill>
+              </a14:hiddenFill>
+            </a:ext>
+          </a:extLst>
+        </p:spPr>
+      </p:pic>
+      <p:sp>
+        <p:nvSpPr>
+          <p:cNvPr id="23552" name="TextBox 23551">
+            <a:extLst>
+              <a:ext uri="{FF2B5EF4-FFF2-40B4-BE49-F238E27FC236}">
+                <a16:creationId xmlns:a16="http://schemas.microsoft.com/office/drawing/2014/main" id="{F94A16F3-FFD0-9241-8B7A-01005CDA26FF}"/>
+              </a:ext>
+            </a:extLst>
+          </p:cNvPr>
+          <p:cNvSpPr txBox="1"/>
+          <p:nvPr/>
+        </p:nvSpPr>
+        <p:spPr>
+          <a:xfrm>
+            <a:off x="8577839" y="2886547"/>
+            <a:ext cx="604720" cy="338554"/>
+          </a:xfrm>
+          <a:prstGeom prst="rect">
+            <a:avLst/>
+          </a:prstGeom>
+          <a:noFill/>
+        </p:spPr>
+        <p:txBody>
+          <a:bodyPr wrap="square">
+            <a:spAutoFit/>
+          </a:bodyPr>
+          <a:lstStyle/>
+          <a:p>
+            <a:pPr marL="0" marR="0" lvl="0" indent="0" algn="ctr" defTabSz="914400" rtl="0" eaLnBrk="1" fontAlgn="auto" latinLnBrk="0" hangingPunct="1">
+              <a:lnSpc>
+                <a:spcPct val="100000"/>
+              </a:lnSpc>
+              <a:spcBef>
+                <a:spcPts val="0"/>
+              </a:spcBef>
+              <a:spcAft>
+                <a:spcPts val="0"/>
+              </a:spcAft>
+              <a:buClrTx/>
+              <a:buSzTx/>
+              <a:buFontTx/>
+              <a:buNone/>
+              <a:tabLst/>
+              <a:defRPr/>
+            </a:pPr>
+            <a:r>
+              <a:rPr kumimoji="0" lang="en-US" sz="800" b="0" i="0" u="none" strike="noStrike" kern="1200" cap="none" spc="0" normalizeH="0" baseline="0" noProof="0" dirty="0">
+                <a:ln>
+                  <a:noFill/>
+                </a:ln>
+                <a:solidFill>
+                  <a:prstClr val="black"/>
+                </a:solidFill>
+                <a:effectLst/>
+                <a:uLnTx/>
+                <a:uFillTx/>
+                <a:latin typeface="Segoe UI" panose="020B0502040204020203" pitchFamily="34" charset="0"/>
+                <a:ea typeface="+mn-ea"/>
+                <a:cs typeface="Segoe UI" panose="020B0502040204020203" pitchFamily="34" charset="0"/>
+              </a:rPr>
+              <a:t>Semantic</a:t>
+            </a:r>
+          </a:p>
+          <a:p>
+            <a:pPr marL="0" marR="0" lvl="0" indent="0" algn="ctr" defTabSz="914400" rtl="0" eaLnBrk="1" fontAlgn="auto" latinLnBrk="0" hangingPunct="1">
+              <a:lnSpc>
+                <a:spcPct val="100000"/>
+              </a:lnSpc>
+              <a:spcBef>
+                <a:spcPts val="0"/>
+              </a:spcBef>
+              <a:spcAft>
+                <a:spcPts val="0"/>
+              </a:spcAft>
+              <a:buClrTx/>
+              <a:buSzTx/>
+              <a:buFontTx/>
+              <a:buNone/>
+              <a:tabLst/>
+              <a:defRPr/>
+            </a:pPr>
+            <a:r>
+              <a:rPr kumimoji="0" lang="en-US" sz="800" b="0" i="0" u="none" strike="noStrike" kern="1200" cap="none" spc="0" normalizeH="0" baseline="0" noProof="0" dirty="0">
+                <a:ln>
+                  <a:noFill/>
+                </a:ln>
+                <a:solidFill>
+                  <a:prstClr val="black"/>
+                </a:solidFill>
+                <a:effectLst/>
+                <a:uLnTx/>
+                <a:uFillTx/>
+                <a:latin typeface="Segoe UI" panose="020B0502040204020203" pitchFamily="34" charset="0"/>
+                <a:ea typeface="+mn-ea"/>
+                <a:cs typeface="Segoe UI" panose="020B0502040204020203" pitchFamily="34" charset="0"/>
+              </a:rPr>
+              <a:t>Kernel</a:t>
+            </a:r>
+          </a:p>
+        </p:txBody>
+      </p:sp>
+      <p:sp>
+        <p:nvSpPr>
+          <p:cNvPr id="23555" name="TextBox 23554">
+            <a:extLst>
+              <a:ext uri="{FF2B5EF4-FFF2-40B4-BE49-F238E27FC236}">
+                <a16:creationId xmlns:a16="http://schemas.microsoft.com/office/drawing/2014/main" id="{970B9F47-CE0D-5D2F-D352-BE3CB2C11FCF}"/>
+              </a:ext>
+            </a:extLst>
+          </p:cNvPr>
+          <p:cNvSpPr txBox="1"/>
+          <p:nvPr/>
+        </p:nvSpPr>
+        <p:spPr>
+          <a:xfrm>
+            <a:off x="9186984" y="2931903"/>
+            <a:ext cx="604720" cy="215444"/>
+          </a:xfrm>
+          <a:prstGeom prst="rect">
+            <a:avLst/>
+          </a:prstGeom>
+          <a:noFill/>
+        </p:spPr>
+        <p:txBody>
+          <a:bodyPr wrap="square">
+            <a:spAutoFit/>
+          </a:bodyPr>
+          <a:lstStyle/>
+          <a:p>
+            <a:pPr marL="0" marR="0" lvl="0" indent="0" algn="ctr" defTabSz="914400" rtl="0" eaLnBrk="1" fontAlgn="auto" latinLnBrk="0" hangingPunct="1">
+              <a:lnSpc>
+                <a:spcPct val="100000"/>
+              </a:lnSpc>
+              <a:spcBef>
+                <a:spcPts val="0"/>
+              </a:spcBef>
+              <a:spcAft>
+                <a:spcPts val="0"/>
+              </a:spcAft>
+              <a:buClrTx/>
+              <a:buSzTx/>
+              <a:buFontTx/>
+              <a:buNone/>
+              <a:tabLst/>
+              <a:defRPr/>
+            </a:pPr>
+            <a:r>
+              <a:rPr kumimoji="0" lang="en-US" sz="800" b="0" i="0" u="none" strike="noStrike" kern="1200" cap="none" spc="0" normalizeH="0" baseline="0" noProof="0" dirty="0">
+                <a:ln>
+                  <a:noFill/>
+                </a:ln>
+                <a:solidFill>
+                  <a:prstClr val="black"/>
+                </a:solidFill>
+                <a:effectLst/>
+                <a:uLnTx/>
+                <a:uFillTx/>
+                <a:latin typeface="Segoe UI" panose="020B0502040204020203" pitchFamily="34" charset="0"/>
+                <a:ea typeface="+mn-ea"/>
+                <a:cs typeface="Segoe UI" panose="020B0502040204020203" pitchFamily="34" charset="0"/>
+              </a:rPr>
+              <a:t>C#</a:t>
+            </a:r>
+          </a:p>
+        </p:txBody>
+      </p:sp>
+      <p:sp>
+        <p:nvSpPr>
+          <p:cNvPr id="23557" name="Flowchart: Connector 23556">
+            <a:extLst>
+              <a:ext uri="{FF2B5EF4-FFF2-40B4-BE49-F238E27FC236}">
+                <a16:creationId xmlns:a16="http://schemas.microsoft.com/office/drawing/2014/main" id="{FDEFFD87-CFA7-4D06-2546-02D4C6104873}"/>
+              </a:ext>
+            </a:extLst>
+          </p:cNvPr>
+          <p:cNvSpPr>
+            <a:spLocks noChangeAspect="1"/>
+          </p:cNvSpPr>
+          <p:nvPr/>
+        </p:nvSpPr>
+        <p:spPr>
+          <a:xfrm>
+            <a:off x="7111141" y="3541297"/>
+            <a:ext cx="439592" cy="439592"/>
+          </a:xfrm>
+          <a:prstGeom prst="flowChartConnector">
+            <a:avLst/>
+          </a:prstGeom>
+          <a:solidFill>
+            <a:schemeClr val="bg1"/>
+          </a:solidFill>
+          <a:ln>
+            <a:solidFill>
+              <a:schemeClr val="tx1"/>
+            </a:solidFill>
+          </a:ln>
+        </p:spPr>
+        <p:style>
+          <a:lnRef idx="2">
+            <a:schemeClr val="accent1">
+              <a:shade val="15000"/>
+            </a:schemeClr>
+          </a:lnRef>
+          <a:fillRef idx="1">
+            <a:schemeClr val="accent1"/>
+          </a:fillRef>
+          <a:effectRef idx="0">
+            <a:schemeClr val="accent1"/>
+          </a:effectRef>
+          <a:fontRef idx="minor">
+            <a:schemeClr val="lt1"/>
+          </a:fontRef>
+        </p:style>
+        <p:txBody>
+          <a:bodyPr rtlCol="0" anchor="ctr"/>
+          <a:lstStyle/>
+          <a:p>
+            <a:pPr marL="0" marR="0" lvl="0" indent="0" algn="ctr" defTabSz="914400" rtl="0" eaLnBrk="1" fontAlgn="auto" latinLnBrk="0" hangingPunct="1">
+              <a:lnSpc>
+                <a:spcPct val="100000"/>
+              </a:lnSpc>
+              <a:spcBef>
+                <a:spcPts val="0"/>
+              </a:spcBef>
+              <a:spcAft>
+                <a:spcPts val="0"/>
+              </a:spcAft>
+              <a:buClrTx/>
+              <a:buSzTx/>
+              <a:buFontTx/>
+              <a:buNone/>
+              <a:tabLst/>
+              <a:defRPr/>
+            </a:pPr>
+            <a:endParaRPr kumimoji="0" lang="en-US" sz="1800" b="0" i="0" u="none" strike="noStrike" kern="1200" cap="none" spc="0" normalizeH="0" baseline="0" noProof="0">
+              <a:ln>
+                <a:noFill/>
+              </a:ln>
+              <a:solidFill>
+                <a:prstClr val="white"/>
+              </a:solidFill>
+              <a:effectLst/>
+              <a:uLnTx/>
+              <a:uFillTx/>
+              <a:latin typeface="Aptos" panose="02110004020202020204"/>
+              <a:ea typeface="+mn-ea"/>
+              <a:cs typeface="+mn-cs"/>
+            </a:endParaRPr>
+          </a:p>
+        </p:txBody>
+      </p:sp>
+      <p:pic>
+        <p:nvPicPr>
+          <p:cNvPr id="23559" name="Picture 2" descr="Here's OpenAI's new logo | The Verge">
+            <a:extLst>
+              <a:ext uri="{FF2B5EF4-FFF2-40B4-BE49-F238E27FC236}">
+                <a16:creationId xmlns:a16="http://schemas.microsoft.com/office/drawing/2014/main" id="{6376F93C-4665-9F23-220A-B1679BD15F43}"/>
+              </a:ext>
+            </a:extLst>
+          </p:cNvPr>
+          <p:cNvPicPr>
+            <a:picLocks noChangeAspect="1" noChangeArrowheads="1"/>
+          </p:cNvPicPr>
+          <p:nvPr/>
+        </p:nvPicPr>
+        <p:blipFill rotWithShape="1">
+          <a:blip r:embed="rId9">
+            <a:extLst>
+              <a:ext uri="{28A0092B-C50C-407E-A947-70E740481C1C}">
+                <a14:useLocalDpi xmlns:a14="http://schemas.microsoft.com/office/drawing/2010/main" val="0"/>
+              </a:ext>
+            </a:extLst>
+          </a:blip>
+          <a:srcRect l="24641" t="10723" r="22473" b="10725"/>
+          <a:stretch>
+            <a:fillRect/>
+          </a:stretch>
+        </p:blipFill>
+        <p:spPr bwMode="auto">
+          <a:xfrm>
+            <a:off x="7231737" y="3662439"/>
+            <a:ext cx="198400" cy="197308"/>
+          </a:xfrm>
+          <a:prstGeom prst="rect">
+            <a:avLst/>
+          </a:prstGeom>
+          <a:noFill/>
+          <a:extLst>
+            <a:ext uri="{909E8E84-426E-40DD-AFC4-6F175D3DCCD1}">
+              <a14:hiddenFill xmlns:a14="http://schemas.microsoft.com/office/drawing/2010/main">
+                <a:solidFill>
+                  <a:srgbClr val="FFFFFF"/>
+                </a:solidFill>
+              </a14:hiddenFill>
+            </a:ext>
+          </a:extLst>
+        </p:spPr>
+      </p:pic>
+      <p:sp>
+        <p:nvSpPr>
+          <p:cNvPr id="23561" name="TextBox 23560">
+            <a:extLst>
+              <a:ext uri="{FF2B5EF4-FFF2-40B4-BE49-F238E27FC236}">
+                <a16:creationId xmlns:a16="http://schemas.microsoft.com/office/drawing/2014/main" id="{2862BE3A-5F25-E1DB-2633-0DF61065DD74}"/>
+              </a:ext>
+            </a:extLst>
+          </p:cNvPr>
+          <p:cNvSpPr txBox="1"/>
+          <p:nvPr/>
+        </p:nvSpPr>
+        <p:spPr>
+          <a:xfrm>
+            <a:off x="7109039" y="3976841"/>
+            <a:ext cx="443795" cy="230832"/>
+          </a:xfrm>
+          <a:prstGeom prst="rect">
+            <a:avLst/>
+          </a:prstGeom>
+          <a:noFill/>
+        </p:spPr>
+        <p:txBody>
+          <a:bodyPr wrap="square">
+            <a:spAutoFit/>
+          </a:bodyPr>
+          <a:lstStyle/>
+          <a:p>
+            <a:pPr marL="0" marR="0" lvl="0" indent="0" algn="ctr" defTabSz="914400" rtl="0" eaLnBrk="1" fontAlgn="auto" latinLnBrk="0" hangingPunct="1">
+              <a:lnSpc>
+                <a:spcPct val="100000"/>
+              </a:lnSpc>
+              <a:spcBef>
+                <a:spcPts val="0"/>
+              </a:spcBef>
+              <a:spcAft>
+                <a:spcPts val="0"/>
+              </a:spcAft>
+              <a:buClrTx/>
+              <a:buSzTx/>
+              <a:buFontTx/>
+              <a:buNone/>
+              <a:tabLst/>
+              <a:defRPr/>
+            </a:pPr>
+            <a:r>
+              <a:rPr kumimoji="0" lang="en-US" sz="900" b="0" i="0" u="none" strike="noStrike" kern="1200" cap="none" spc="0" normalizeH="0" baseline="0" noProof="0" dirty="0">
+                <a:ln>
+                  <a:noFill/>
+                </a:ln>
+                <a:solidFill>
+                  <a:prstClr val="black"/>
+                </a:solidFill>
+                <a:effectLst/>
+                <a:uLnTx/>
+                <a:uFillTx/>
+                <a:latin typeface="Segoe UI" panose="020B0502040204020203" pitchFamily="34" charset="0"/>
+                <a:ea typeface="+mn-ea"/>
+                <a:cs typeface="Segoe UI" panose="020B0502040204020203" pitchFamily="34" charset="0"/>
+              </a:rPr>
+              <a:t>LLM</a:t>
+            </a:r>
+          </a:p>
+        </p:txBody>
+      </p:sp>
+      <p:sp>
+        <p:nvSpPr>
+          <p:cNvPr id="23563" name="Rectangle: Rounded Corners 23562">
+            <a:extLst>
+              <a:ext uri="{FF2B5EF4-FFF2-40B4-BE49-F238E27FC236}">
+                <a16:creationId xmlns:a16="http://schemas.microsoft.com/office/drawing/2014/main" id="{A736A2E6-BFE6-36C3-0834-4D5115C7911E}"/>
+              </a:ext>
+            </a:extLst>
+          </p:cNvPr>
+          <p:cNvSpPr/>
+          <p:nvPr/>
+        </p:nvSpPr>
+        <p:spPr>
+          <a:xfrm>
+            <a:off x="6934740" y="4426816"/>
+            <a:ext cx="2047461" cy="1103244"/>
+          </a:xfrm>
+          <a:prstGeom prst="roundRect">
+            <a:avLst/>
+          </a:prstGeom>
+          <a:solidFill>
+            <a:schemeClr val="bg1"/>
+          </a:solidFill>
+          <a:ln>
+            <a:solidFill>
+              <a:schemeClr val="tx1"/>
+            </a:solidFill>
+          </a:ln>
+        </p:spPr>
+        <p:style>
+          <a:lnRef idx="2">
+            <a:schemeClr val="accent1">
+              <a:shade val="15000"/>
+            </a:schemeClr>
+          </a:lnRef>
+          <a:fillRef idx="1">
+            <a:schemeClr val="accent1"/>
+          </a:fillRef>
+          <a:effectRef idx="0">
+            <a:schemeClr val="accent1"/>
+          </a:effectRef>
+          <a:fontRef idx="minor">
+            <a:schemeClr val="lt1"/>
+          </a:fontRef>
+        </p:style>
+        <p:txBody>
+          <a:bodyPr rtlCol="0" anchor="ctr"/>
+          <a:lstStyle/>
+          <a:p>
+            <a:pPr marL="0" marR="0" lvl="0" indent="0" algn="ctr" defTabSz="914400" rtl="0" eaLnBrk="1" fontAlgn="auto" latinLnBrk="0" hangingPunct="1">
+              <a:lnSpc>
+                <a:spcPct val="100000"/>
+              </a:lnSpc>
+              <a:spcBef>
+                <a:spcPts val="0"/>
+              </a:spcBef>
+              <a:spcAft>
+                <a:spcPts val="0"/>
+              </a:spcAft>
+              <a:buClrTx/>
+              <a:buSzTx/>
+              <a:buFontTx/>
+              <a:buNone/>
+              <a:tabLst/>
+              <a:defRPr/>
+            </a:pPr>
+            <a:endParaRPr kumimoji="0" lang="en-US" sz="1800" b="0" i="0" u="none" strike="noStrike" kern="1200" cap="none" spc="0" normalizeH="0" baseline="0" noProof="0" dirty="0">
+              <a:ln>
+                <a:noFill/>
+              </a:ln>
+              <a:solidFill>
+                <a:prstClr val="white"/>
+              </a:solidFill>
+              <a:effectLst/>
+              <a:uLnTx/>
+              <a:uFillTx/>
+              <a:latin typeface="Aptos" panose="02110004020202020204"/>
+              <a:ea typeface="+mn-ea"/>
+              <a:cs typeface="+mn-cs"/>
+            </a:endParaRPr>
+          </a:p>
+        </p:txBody>
+      </p:sp>
+      <p:sp>
+        <p:nvSpPr>
+          <p:cNvPr id="23565" name="TextBox 23564">
+            <a:extLst>
+              <a:ext uri="{FF2B5EF4-FFF2-40B4-BE49-F238E27FC236}">
+                <a16:creationId xmlns:a16="http://schemas.microsoft.com/office/drawing/2014/main" id="{D0D3ED3A-1778-C263-3A83-1876F2C413E7}"/>
+              </a:ext>
+            </a:extLst>
+          </p:cNvPr>
+          <p:cNvSpPr txBox="1"/>
+          <p:nvPr/>
+        </p:nvSpPr>
+        <p:spPr>
+          <a:xfrm>
+            <a:off x="7487287" y="4413788"/>
+            <a:ext cx="1552064" cy="523220"/>
+          </a:xfrm>
+          <a:prstGeom prst="rect">
+            <a:avLst/>
+          </a:prstGeom>
+          <a:noFill/>
+        </p:spPr>
+        <p:txBody>
+          <a:bodyPr wrap="square">
+            <a:spAutoFit/>
+          </a:bodyPr>
+          <a:lstStyle/>
+          <a:p>
+            <a:pPr marL="0" marR="0" lvl="0" indent="0" algn="ctr" defTabSz="914400" rtl="0" eaLnBrk="1" fontAlgn="auto" latinLnBrk="0" hangingPunct="1">
+              <a:lnSpc>
+                <a:spcPct val="100000"/>
+              </a:lnSpc>
+              <a:spcBef>
+                <a:spcPts val="0"/>
+              </a:spcBef>
+              <a:spcAft>
+                <a:spcPts val="0"/>
+              </a:spcAft>
+              <a:buClrTx/>
+              <a:buSzTx/>
+              <a:buFontTx/>
+              <a:buNone/>
+              <a:tabLst/>
+              <a:defRPr/>
+            </a:pPr>
+            <a:r>
+              <a:rPr kumimoji="0" lang="en-US" sz="1400" b="0" i="0" u="none" strike="noStrike" kern="1200" cap="none" spc="0" normalizeH="0" baseline="0" noProof="0" dirty="0">
+                <a:ln>
+                  <a:noFill/>
+                </a:ln>
+                <a:solidFill>
+                  <a:prstClr val="black"/>
+                </a:solidFill>
+                <a:effectLst/>
+                <a:uLnTx/>
+                <a:uFillTx/>
+                <a:latin typeface="Segoe UI" panose="020B0502040204020203" pitchFamily="34" charset="0"/>
+                <a:ea typeface="+mn-ea"/>
+                <a:cs typeface="Segoe UI" panose="020B0502040204020203" pitchFamily="34" charset="0"/>
+              </a:rPr>
+              <a:t>MCP Server</a:t>
+            </a:r>
+          </a:p>
+          <a:p>
+            <a:pPr marL="0" marR="0" lvl="0" indent="0" algn="ctr" defTabSz="914400" rtl="0" eaLnBrk="1" fontAlgn="auto" latinLnBrk="0" hangingPunct="1">
+              <a:lnSpc>
+                <a:spcPct val="100000"/>
+              </a:lnSpc>
+              <a:spcBef>
+                <a:spcPts val="0"/>
+              </a:spcBef>
+              <a:spcAft>
+                <a:spcPts val="0"/>
+              </a:spcAft>
+              <a:buClrTx/>
+              <a:buSzTx/>
+              <a:buFontTx/>
+              <a:buNone/>
+              <a:tabLst/>
+              <a:defRPr/>
+            </a:pPr>
+            <a:r>
+              <a:rPr kumimoji="0" lang="en-US" sz="1400" b="0" i="0" u="none" strike="noStrike" kern="1200" cap="none" spc="0" normalizeH="0" baseline="0" noProof="0" dirty="0">
+                <a:ln>
+                  <a:noFill/>
+                </a:ln>
+                <a:solidFill>
+                  <a:prstClr val="white">
+                    <a:lumMod val="50000"/>
+                  </a:prstClr>
+                </a:solidFill>
+                <a:effectLst/>
+                <a:uLnTx/>
+                <a:uFillTx/>
+                <a:latin typeface="Segoe UI" panose="020B0502040204020203" pitchFamily="34" charset="0"/>
+                <a:ea typeface="+mn-ea"/>
+                <a:cs typeface="Segoe UI" panose="020B0502040204020203" pitchFamily="34" charset="0"/>
+              </a:rPr>
+              <a:t>KB Content</a:t>
+            </a:r>
+          </a:p>
+        </p:txBody>
+      </p:sp>
+      <p:pic>
+        <p:nvPicPr>
+          <p:cNvPr id="23570" name="Picture 8" descr="MCP (Model Context Protocol) Logo Fr ...">
+            <a:extLst>
+              <a:ext uri="{FF2B5EF4-FFF2-40B4-BE49-F238E27FC236}">
+                <a16:creationId xmlns:a16="http://schemas.microsoft.com/office/drawing/2014/main" id="{8718C603-2FE3-B132-0BEC-A8B6D47282F0}"/>
+              </a:ext>
+            </a:extLst>
+          </p:cNvPr>
+          <p:cNvPicPr>
+            <a:picLocks noChangeAspect="1" noChangeArrowheads="1"/>
+          </p:cNvPicPr>
+          <p:nvPr/>
+        </p:nvPicPr>
+        <p:blipFill>
+          <a:blip r:embed="rId7">
+            <a:extLst>
+              <a:ext uri="{28A0092B-C50C-407E-A947-70E740481C1C}">
+                <a14:useLocalDpi xmlns:a14="http://schemas.microsoft.com/office/drawing/2010/main" val="0"/>
+              </a:ext>
+            </a:extLst>
+          </a:blip>
+          <a:srcRect/>
+          <a:stretch>
+            <a:fillRect/>
+          </a:stretch>
+        </p:blipFill>
+        <p:spPr bwMode="auto">
+          <a:xfrm>
+            <a:off x="7150560" y="4989997"/>
+            <a:ext cx="261889" cy="261889"/>
+          </a:xfrm>
+          <a:prstGeom prst="rect">
+            <a:avLst/>
+          </a:prstGeom>
+          <a:noFill/>
+          <a:extLst>
+            <a:ext uri="{909E8E84-426E-40DD-AFC4-6F175D3DCCD1}">
+              <a14:hiddenFill xmlns:a14="http://schemas.microsoft.com/office/drawing/2010/main">
+                <a:solidFill>
+                  <a:srgbClr val="FFFFFF"/>
+                </a:solidFill>
+              </a14:hiddenFill>
+            </a:ext>
+          </a:extLst>
+        </p:spPr>
+      </p:pic>
+      <p:pic>
+        <p:nvPicPr>
+          <p:cNvPr id="23571" name="Picture 10" descr="Microsoft Dot Net icon SVG Vector &amp; PNG ...">
+            <a:extLst>
+              <a:ext uri="{FF2B5EF4-FFF2-40B4-BE49-F238E27FC236}">
+                <a16:creationId xmlns:a16="http://schemas.microsoft.com/office/drawing/2014/main" id="{A8A43CBD-CAE7-188E-82D0-C09A1D1F2BB9}"/>
+              </a:ext>
+            </a:extLst>
+          </p:cNvPr>
+          <p:cNvPicPr>
+            <a:picLocks noChangeAspect="1" noChangeArrowheads="1"/>
+          </p:cNvPicPr>
+          <p:nvPr/>
+        </p:nvPicPr>
+        <p:blipFill>
+          <a:blip r:embed="rId8">
+            <a:extLst>
+              <a:ext uri="{28A0092B-C50C-407E-A947-70E740481C1C}">
+                <a14:useLocalDpi xmlns:a14="http://schemas.microsoft.com/office/drawing/2010/main" val="0"/>
+              </a:ext>
+            </a:extLst>
+          </a:blip>
+          <a:srcRect/>
+          <a:stretch>
+            <a:fillRect/>
+          </a:stretch>
+        </p:blipFill>
+        <p:spPr bwMode="auto">
+          <a:xfrm>
+            <a:off x="8415225" y="4994117"/>
+            <a:ext cx="261889" cy="261889"/>
+          </a:xfrm>
+          <a:prstGeom prst="rect">
+            <a:avLst/>
+          </a:prstGeom>
+          <a:noFill/>
+          <a:extLst>
+            <a:ext uri="{909E8E84-426E-40DD-AFC4-6F175D3DCCD1}">
+              <a14:hiddenFill xmlns:a14="http://schemas.microsoft.com/office/drawing/2010/main">
+                <a:solidFill>
+                  <a:srgbClr val="FFFFFF"/>
+                </a:solidFill>
+              </a14:hiddenFill>
+            </a:ext>
+          </a:extLst>
+        </p:spPr>
+      </p:pic>
+      <p:sp>
+        <p:nvSpPr>
+          <p:cNvPr id="23573" name="TextBox 23572">
+            <a:extLst>
+              <a:ext uri="{FF2B5EF4-FFF2-40B4-BE49-F238E27FC236}">
+                <a16:creationId xmlns:a16="http://schemas.microsoft.com/office/drawing/2014/main" id="{3353AE35-4531-E40F-7B12-3E468CC2BD4E}"/>
+              </a:ext>
+            </a:extLst>
+          </p:cNvPr>
+          <p:cNvSpPr txBox="1"/>
+          <p:nvPr/>
+        </p:nvSpPr>
+        <p:spPr>
+          <a:xfrm>
+            <a:off x="6869248" y="5207481"/>
+            <a:ext cx="852284" cy="338554"/>
+          </a:xfrm>
+          <a:prstGeom prst="rect">
+            <a:avLst/>
+          </a:prstGeom>
+          <a:noFill/>
+        </p:spPr>
+        <p:txBody>
+          <a:bodyPr wrap="square">
+            <a:spAutoFit/>
+          </a:bodyPr>
+          <a:lstStyle/>
+          <a:p>
+            <a:pPr marL="0" marR="0" lvl="0" indent="0" algn="ctr" defTabSz="914400" rtl="0" eaLnBrk="1" fontAlgn="auto" latinLnBrk="0" hangingPunct="1">
+              <a:lnSpc>
+                <a:spcPct val="100000"/>
+              </a:lnSpc>
+              <a:spcBef>
+                <a:spcPts val="0"/>
+              </a:spcBef>
+              <a:spcAft>
+                <a:spcPts val="0"/>
+              </a:spcAft>
+              <a:buClrTx/>
+              <a:buSzTx/>
+              <a:buFontTx/>
+              <a:buNone/>
+              <a:tabLst/>
+              <a:defRPr/>
+            </a:pPr>
+            <a:r>
+              <a:rPr kumimoji="0" lang="en-US" sz="800" b="0" i="0" u="none" strike="noStrike" kern="1200" cap="none" spc="0" normalizeH="0" baseline="0" noProof="0" dirty="0">
+                <a:ln>
+                  <a:noFill/>
+                </a:ln>
+                <a:solidFill>
+                  <a:prstClr val="black"/>
+                </a:solidFill>
+                <a:effectLst/>
+                <a:uLnTx/>
+                <a:uFillTx/>
+                <a:latin typeface="Segoe UI" panose="020B0502040204020203" pitchFamily="34" charset="0"/>
+                <a:ea typeface="+mn-ea"/>
+                <a:cs typeface="Segoe UI" panose="020B0502040204020203" pitchFamily="34" charset="0"/>
+              </a:rPr>
+              <a:t>Model Context Protocol</a:t>
+            </a:r>
+          </a:p>
+        </p:txBody>
+      </p:sp>
+      <p:sp>
+        <p:nvSpPr>
+          <p:cNvPr id="23574" name="TextBox 23573">
+            <a:extLst>
+              <a:ext uri="{FF2B5EF4-FFF2-40B4-BE49-F238E27FC236}">
+                <a16:creationId xmlns:a16="http://schemas.microsoft.com/office/drawing/2014/main" id="{5366805F-430D-4F82-91A8-1F3D0CAC620E}"/>
+              </a:ext>
+            </a:extLst>
+          </p:cNvPr>
+          <p:cNvSpPr txBox="1"/>
+          <p:nvPr/>
+        </p:nvSpPr>
+        <p:spPr>
+          <a:xfrm>
+            <a:off x="8265208" y="5248483"/>
+            <a:ext cx="604720" cy="215444"/>
+          </a:xfrm>
+          <a:prstGeom prst="rect">
+            <a:avLst/>
+          </a:prstGeom>
+          <a:noFill/>
+        </p:spPr>
+        <p:txBody>
+          <a:bodyPr wrap="square">
+            <a:spAutoFit/>
+          </a:bodyPr>
+          <a:lstStyle/>
+          <a:p>
+            <a:pPr marL="0" marR="0" lvl="0" indent="0" algn="ctr" defTabSz="914400" rtl="0" eaLnBrk="1" fontAlgn="auto" latinLnBrk="0" hangingPunct="1">
+              <a:lnSpc>
+                <a:spcPct val="100000"/>
+              </a:lnSpc>
+              <a:spcBef>
+                <a:spcPts val="0"/>
+              </a:spcBef>
+              <a:spcAft>
+                <a:spcPts val="0"/>
+              </a:spcAft>
+              <a:buClrTx/>
+              <a:buSzTx/>
+              <a:buFontTx/>
+              <a:buNone/>
+              <a:tabLst/>
+              <a:defRPr/>
+            </a:pPr>
+            <a:r>
+              <a:rPr kumimoji="0" lang="en-US" sz="800" b="0" i="0" u="none" strike="noStrike" kern="1200" cap="none" spc="0" normalizeH="0" baseline="0" noProof="0" dirty="0">
+                <a:ln>
+                  <a:noFill/>
+                </a:ln>
+                <a:solidFill>
+                  <a:prstClr val="black"/>
+                </a:solidFill>
+                <a:effectLst/>
+                <a:uLnTx/>
+                <a:uFillTx/>
+                <a:latin typeface="Segoe UI" panose="020B0502040204020203" pitchFamily="34" charset="0"/>
+                <a:ea typeface="+mn-ea"/>
+                <a:cs typeface="Segoe UI" panose="020B0502040204020203" pitchFamily="34" charset="0"/>
+              </a:rPr>
+              <a:t>C#</a:t>
+            </a:r>
+          </a:p>
+        </p:txBody>
+      </p:sp>
+      <p:pic>
+        <p:nvPicPr>
+          <p:cNvPr id="23579" name="Picture 23578">
+            <a:extLst>
+              <a:ext uri="{FF2B5EF4-FFF2-40B4-BE49-F238E27FC236}">
+                <a16:creationId xmlns:a16="http://schemas.microsoft.com/office/drawing/2014/main" id="{F7E20D59-5640-BF5B-A91A-90043C4C0B96}"/>
+              </a:ext>
+            </a:extLst>
+          </p:cNvPr>
+          <p:cNvPicPr>
+            <a:picLocks noChangeAspect="1"/>
+          </p:cNvPicPr>
+          <p:nvPr/>
+        </p:nvPicPr>
+        <p:blipFill>
+          <a:blip r:embed="rId10"/>
+          <a:stretch>
+            <a:fillRect/>
+          </a:stretch>
+        </p:blipFill>
+        <p:spPr>
+          <a:xfrm>
+            <a:off x="7013466" y="4478146"/>
+            <a:ext cx="364617" cy="407200"/>
+          </a:xfrm>
+          <a:prstGeom prst="rect">
+            <a:avLst/>
+          </a:prstGeom>
+        </p:spPr>
+      </p:pic>
+      <p:cxnSp>
+        <p:nvCxnSpPr>
+          <p:cNvPr id="23587" name="Straight Arrow Connector 23586">
+            <a:extLst>
+              <a:ext uri="{FF2B5EF4-FFF2-40B4-BE49-F238E27FC236}">
+                <a16:creationId xmlns:a16="http://schemas.microsoft.com/office/drawing/2014/main" id="{ED102961-5A6E-3C21-EE2E-DC6B7CD61FB8}"/>
+              </a:ext>
+            </a:extLst>
+          </p:cNvPr>
+          <p:cNvCxnSpPr>
+            <a:stCxn id="48" idx="2"/>
+            <a:endCxn id="23563" idx="1"/>
+          </p:cNvCxnSpPr>
+          <p:nvPr/>
+        </p:nvCxnSpPr>
+        <p:spPr>
+          <a:xfrm>
+            <a:off x="4168230" y="3074989"/>
+            <a:ext cx="2766510" cy="1903449"/>
+          </a:xfrm>
+          <a:prstGeom prst="straightConnector1">
+            <a:avLst/>
+          </a:prstGeom>
+          <a:ln>
+            <a:solidFill>
+              <a:schemeClr val="tx1"/>
+            </a:solidFill>
+            <a:prstDash val="lgDash"/>
+            <a:tailEnd type="triangle"/>
+          </a:ln>
+        </p:spPr>
+        <p:style>
+          <a:lnRef idx="2">
+            <a:schemeClr val="accent1"/>
+          </a:lnRef>
+          <a:fillRef idx="0">
+            <a:schemeClr val="accent1"/>
+          </a:fillRef>
+          <a:effectRef idx="1">
+            <a:schemeClr val="accent1"/>
+          </a:effectRef>
+          <a:fontRef idx="minor">
+            <a:schemeClr val="tx1"/>
+          </a:fontRef>
+        </p:style>
+      </p:cxnSp>
+      <p:cxnSp>
+        <p:nvCxnSpPr>
+          <p:cNvPr id="23594" name="Connector: Curved 23593">
+            <a:extLst>
+              <a:ext uri="{FF2B5EF4-FFF2-40B4-BE49-F238E27FC236}">
+                <a16:creationId xmlns:a16="http://schemas.microsoft.com/office/drawing/2014/main" id="{F50210A3-E814-01B1-1FB9-87E06A28EC61}"/>
+              </a:ext>
+            </a:extLst>
+          </p:cNvPr>
+          <p:cNvCxnSpPr>
+            <a:stCxn id="54" idx="2"/>
+            <a:endCxn id="23557" idx="1"/>
+          </p:cNvCxnSpPr>
+          <p:nvPr/>
+        </p:nvCxnSpPr>
+        <p:spPr>
+          <a:xfrm rot="16200000" flipH="1">
+            <a:off x="6650302" y="3080457"/>
+            <a:ext cx="380573" cy="669859"/>
+          </a:xfrm>
+          <a:prstGeom prst="curvedConnector3">
+            <a:avLst/>
+          </a:prstGeom>
+          <a:ln>
+            <a:solidFill>
+              <a:srgbClr val="0070C0"/>
+            </a:solidFill>
+            <a:prstDash val="lgDash"/>
+            <a:tailEnd type="triangle"/>
+          </a:ln>
+        </p:spPr>
+        <p:style>
+          <a:lnRef idx="2">
+            <a:schemeClr val="accent1"/>
+          </a:lnRef>
+          <a:fillRef idx="0">
+            <a:schemeClr val="accent1"/>
+          </a:fillRef>
+          <a:effectRef idx="1">
+            <a:schemeClr val="accent1"/>
+          </a:effectRef>
+          <a:fontRef idx="minor">
+            <a:schemeClr val="tx1"/>
+          </a:fontRef>
+        </p:style>
+      </p:cxnSp>
+      <p:cxnSp>
+        <p:nvCxnSpPr>
+          <p:cNvPr id="23598" name="Straight Arrow Connector 23597">
+            <a:extLst>
+              <a:ext uri="{FF2B5EF4-FFF2-40B4-BE49-F238E27FC236}">
+                <a16:creationId xmlns:a16="http://schemas.microsoft.com/office/drawing/2014/main" id="{A9E558AF-6893-2094-4A1C-79FA5B608BE3}"/>
+              </a:ext>
+            </a:extLst>
+          </p:cNvPr>
+          <p:cNvCxnSpPr>
+            <a:cxnSpLocks/>
+            <a:stCxn id="5" idx="3"/>
+            <a:endCxn id="58" idx="1"/>
+          </p:cNvCxnSpPr>
+          <p:nvPr/>
+        </p:nvCxnSpPr>
+        <p:spPr>
+          <a:xfrm>
+            <a:off x="7529437" y="2661858"/>
+            <a:ext cx="639596" cy="0"/>
+          </a:xfrm>
+          <a:prstGeom prst="straightConnector1">
+            <a:avLst/>
+          </a:prstGeom>
+          <a:ln>
+            <a:headEnd type="triangle"/>
+            <a:tailEnd type="triangle"/>
+          </a:ln>
+        </p:spPr>
+        <p:style>
+          <a:lnRef idx="2">
+            <a:schemeClr val="dk1"/>
+          </a:lnRef>
+          <a:fillRef idx="0">
+            <a:schemeClr val="dk1"/>
+          </a:fillRef>
+          <a:effectRef idx="1">
+            <a:schemeClr val="dk1"/>
+          </a:effectRef>
+          <a:fontRef idx="minor">
+            <a:schemeClr val="tx1"/>
+          </a:fontRef>
+        </p:style>
+      </p:cxnSp>
+      <p:sp>
+        <p:nvSpPr>
+          <p:cNvPr id="23601" name="TextBox 23600">
+            <a:extLst>
+              <a:ext uri="{FF2B5EF4-FFF2-40B4-BE49-F238E27FC236}">
+                <a16:creationId xmlns:a16="http://schemas.microsoft.com/office/drawing/2014/main" id="{5A5F7833-D719-08BD-7899-DF28683109B7}"/>
+              </a:ext>
+            </a:extLst>
+          </p:cNvPr>
+          <p:cNvSpPr txBox="1"/>
+          <p:nvPr/>
+        </p:nvSpPr>
+        <p:spPr>
+          <a:xfrm>
+            <a:off x="4969178" y="3982901"/>
+            <a:ext cx="795129" cy="430887"/>
+          </a:xfrm>
+          <a:prstGeom prst="rect">
+            <a:avLst/>
+          </a:prstGeom>
+          <a:noFill/>
+        </p:spPr>
+        <p:txBody>
+          <a:bodyPr wrap="square">
+            <a:spAutoFit/>
+          </a:bodyPr>
+          <a:lstStyle/>
+          <a:p>
+            <a:pPr marL="0" marR="0" lvl="0" indent="0" algn="ctr" defTabSz="914400" rtl="0" eaLnBrk="1" fontAlgn="auto" latinLnBrk="0" hangingPunct="1">
+              <a:lnSpc>
+                <a:spcPct val="100000"/>
+              </a:lnSpc>
+              <a:spcBef>
+                <a:spcPts val="0"/>
+              </a:spcBef>
+              <a:spcAft>
+                <a:spcPts val="0"/>
+              </a:spcAft>
+              <a:buClrTx/>
+              <a:buSzTx/>
+              <a:buFontTx/>
+              <a:buNone/>
+              <a:tabLst/>
+              <a:defRPr/>
+            </a:pPr>
+            <a:r>
+              <a:rPr kumimoji="0" lang="en-US" sz="1050" b="0" i="0" u="none" strike="noStrike" kern="1200" cap="none" spc="0" normalizeH="0" baseline="0" noProof="0" dirty="0">
+                <a:ln>
+                  <a:noFill/>
+                </a:ln>
+                <a:solidFill>
+                  <a:prstClr val="black"/>
+                </a:solidFill>
+                <a:effectLst/>
+                <a:uLnTx/>
+                <a:uFillTx/>
+                <a:latin typeface="Segoe UI" panose="020B0502040204020203" pitchFamily="34" charset="0"/>
+                <a:ea typeface="+mn-ea"/>
+                <a:cs typeface="Segoe UI" panose="020B0502040204020203" pitchFamily="34" charset="0"/>
+              </a:rPr>
+              <a:t>MCP</a:t>
+            </a:r>
+          </a:p>
+          <a:p>
+            <a:pPr marL="0" marR="0" lvl="0" indent="0" algn="ctr" defTabSz="914400" rtl="0" eaLnBrk="1" fontAlgn="auto" latinLnBrk="0" hangingPunct="1">
+              <a:lnSpc>
+                <a:spcPct val="100000"/>
+              </a:lnSpc>
+              <a:spcBef>
+                <a:spcPts val="0"/>
+              </a:spcBef>
+              <a:spcAft>
+                <a:spcPts val="0"/>
+              </a:spcAft>
+              <a:buClrTx/>
+              <a:buSzTx/>
+              <a:buFontTx/>
+              <a:buNone/>
+              <a:tabLst/>
+              <a:defRPr/>
+            </a:pPr>
+            <a:r>
+              <a:rPr kumimoji="0" lang="en-US" sz="1050" b="0" i="0" u="none" strike="noStrike" kern="1200" cap="none" spc="0" normalizeH="0" baseline="0" noProof="0" dirty="0">
+                <a:ln>
+                  <a:noFill/>
+                </a:ln>
+                <a:solidFill>
+                  <a:prstClr val="black"/>
+                </a:solidFill>
+                <a:effectLst/>
+                <a:uLnTx/>
+                <a:uFillTx/>
+                <a:latin typeface="Segoe UI" panose="020B0502040204020203" pitchFamily="34" charset="0"/>
+                <a:ea typeface="+mn-ea"/>
+                <a:cs typeface="Segoe UI" panose="020B0502040204020203" pitchFamily="34" charset="0"/>
+              </a:rPr>
+              <a:t>(stdio)</a:t>
+            </a:r>
+          </a:p>
+        </p:txBody>
+      </p:sp>
+      <p:cxnSp>
+        <p:nvCxnSpPr>
+          <p:cNvPr id="23604" name="Straight Arrow Connector 23603">
+            <a:extLst>
+              <a:ext uri="{FF2B5EF4-FFF2-40B4-BE49-F238E27FC236}">
+                <a16:creationId xmlns:a16="http://schemas.microsoft.com/office/drawing/2014/main" id="{E26C043C-3EAA-5E9F-2A55-E0F45E6B145E}"/>
+              </a:ext>
+            </a:extLst>
+          </p:cNvPr>
+          <p:cNvCxnSpPr>
+            <a:cxnSpLocks/>
+            <a:stCxn id="55" idx="2"/>
+          </p:cNvCxnSpPr>
+          <p:nvPr/>
+        </p:nvCxnSpPr>
+        <p:spPr>
+          <a:xfrm>
+            <a:off x="5842626" y="3229455"/>
+            <a:ext cx="1170840" cy="1239153"/>
+          </a:xfrm>
+          <a:prstGeom prst="straightConnector1">
+            <a:avLst/>
+          </a:prstGeom>
+          <a:ln>
+            <a:solidFill>
+              <a:schemeClr val="tx1"/>
+            </a:solidFill>
+            <a:tailEnd type="triangle"/>
+          </a:ln>
+        </p:spPr>
+        <p:style>
+          <a:lnRef idx="2">
+            <a:schemeClr val="accent1"/>
+          </a:lnRef>
+          <a:fillRef idx="0">
+            <a:schemeClr val="accent1"/>
+          </a:fillRef>
+          <a:effectRef idx="1">
+            <a:schemeClr val="accent1"/>
+          </a:effectRef>
+          <a:fontRef idx="minor">
+            <a:schemeClr val="tx1"/>
+          </a:fontRef>
+        </p:style>
+      </p:cxnSp>
+      <p:sp>
+        <p:nvSpPr>
+          <p:cNvPr id="3" name="TextBox 2">
+            <a:extLst>
+              <a:ext uri="{FF2B5EF4-FFF2-40B4-BE49-F238E27FC236}">
+                <a16:creationId xmlns:a16="http://schemas.microsoft.com/office/drawing/2014/main" id="{12F81E7F-3CC4-87DA-C508-EA446E2AC180}"/>
+              </a:ext>
+            </a:extLst>
+          </p:cNvPr>
+          <p:cNvSpPr txBox="1"/>
+          <p:nvPr/>
+        </p:nvSpPr>
+        <p:spPr>
+          <a:xfrm>
+            <a:off x="5849167" y="3748867"/>
+            <a:ext cx="795129" cy="430887"/>
+          </a:xfrm>
+          <a:prstGeom prst="rect">
+            <a:avLst/>
+          </a:prstGeom>
+          <a:noFill/>
+        </p:spPr>
+        <p:txBody>
+          <a:bodyPr wrap="square">
+            <a:spAutoFit/>
+          </a:bodyPr>
+          <a:lstStyle/>
+          <a:p>
+            <a:pPr marL="0" marR="0" lvl="0" indent="0" algn="ctr" defTabSz="914400" rtl="0" eaLnBrk="1" fontAlgn="auto" latinLnBrk="0" hangingPunct="1">
+              <a:lnSpc>
+                <a:spcPct val="100000"/>
+              </a:lnSpc>
+              <a:spcBef>
+                <a:spcPts val="0"/>
+              </a:spcBef>
+              <a:spcAft>
+                <a:spcPts val="0"/>
+              </a:spcAft>
+              <a:buClrTx/>
+              <a:buSzTx/>
+              <a:buFontTx/>
+              <a:buNone/>
+              <a:tabLst/>
+              <a:defRPr/>
+            </a:pPr>
+            <a:r>
+              <a:rPr kumimoji="0" lang="en-US" sz="1050" b="0" i="0" u="none" strike="noStrike" kern="1200" cap="none" spc="0" normalizeH="0" baseline="0" noProof="0" dirty="0">
+                <a:ln>
+                  <a:noFill/>
+                </a:ln>
+                <a:solidFill>
+                  <a:prstClr val="black"/>
+                </a:solidFill>
+                <a:effectLst/>
+                <a:uLnTx/>
+                <a:uFillTx/>
+                <a:latin typeface="Segoe UI" panose="020B0502040204020203" pitchFamily="34" charset="0"/>
+                <a:ea typeface="+mn-ea"/>
+                <a:cs typeface="Segoe UI" panose="020B0502040204020203" pitchFamily="34" charset="0"/>
+              </a:rPr>
+              <a:t>MCP</a:t>
+            </a:r>
+          </a:p>
+          <a:p>
+            <a:pPr marL="0" marR="0" lvl="0" indent="0" algn="ctr" defTabSz="914400" rtl="0" eaLnBrk="1" fontAlgn="auto" latinLnBrk="0" hangingPunct="1">
+              <a:lnSpc>
+                <a:spcPct val="100000"/>
+              </a:lnSpc>
+              <a:spcBef>
+                <a:spcPts val="0"/>
+              </a:spcBef>
+              <a:spcAft>
+                <a:spcPts val="0"/>
+              </a:spcAft>
+              <a:buClrTx/>
+              <a:buSzTx/>
+              <a:buFontTx/>
+              <a:buNone/>
+              <a:tabLst/>
+              <a:defRPr/>
+            </a:pPr>
+            <a:r>
+              <a:rPr kumimoji="0" lang="en-US" sz="1050" b="0" i="0" u="none" strike="noStrike" kern="1200" cap="none" spc="0" normalizeH="0" baseline="0" noProof="0" dirty="0">
+                <a:ln>
+                  <a:noFill/>
+                </a:ln>
+                <a:solidFill>
+                  <a:prstClr val="black"/>
+                </a:solidFill>
+                <a:effectLst/>
+                <a:uLnTx/>
+                <a:uFillTx/>
+                <a:latin typeface="Segoe UI" panose="020B0502040204020203" pitchFamily="34" charset="0"/>
+                <a:ea typeface="+mn-ea"/>
+                <a:cs typeface="Segoe UI" panose="020B0502040204020203" pitchFamily="34" charset="0"/>
+              </a:rPr>
+              <a:t>(stdio)</a:t>
+            </a:r>
+          </a:p>
+        </p:txBody>
+      </p:sp>
+      <p:sp>
+        <p:nvSpPr>
+          <p:cNvPr id="6" name="TextBox 5">
+            <a:extLst>
+              <a:ext uri="{FF2B5EF4-FFF2-40B4-BE49-F238E27FC236}">
+                <a16:creationId xmlns:a16="http://schemas.microsoft.com/office/drawing/2014/main" id="{07DF1C9A-6FAC-1F2A-4EB9-B0897DE45353}"/>
+              </a:ext>
+            </a:extLst>
+          </p:cNvPr>
+          <p:cNvSpPr txBox="1"/>
+          <p:nvPr/>
+        </p:nvSpPr>
+        <p:spPr>
+          <a:xfrm>
+            <a:off x="4279633" y="3644520"/>
+            <a:ext cx="899948" cy="415498"/>
+          </a:xfrm>
+          <a:prstGeom prst="rect">
+            <a:avLst/>
+          </a:prstGeom>
+          <a:noFill/>
+        </p:spPr>
+        <p:txBody>
+          <a:bodyPr wrap="square">
+            <a:spAutoFit/>
+          </a:bodyPr>
+          <a:lstStyle/>
+          <a:p>
+            <a:pPr marL="0" marR="0" lvl="0" indent="0" algn="ctr" defTabSz="914400" rtl="0" eaLnBrk="1" fontAlgn="auto" latinLnBrk="0" hangingPunct="1">
+              <a:lnSpc>
+                <a:spcPct val="100000"/>
+              </a:lnSpc>
+              <a:spcBef>
+                <a:spcPts val="0"/>
+              </a:spcBef>
+              <a:spcAft>
+                <a:spcPts val="0"/>
+              </a:spcAft>
+              <a:buClrTx/>
+              <a:buSzTx/>
+              <a:buFontTx/>
+              <a:buNone/>
+              <a:tabLst/>
+              <a:defRPr/>
+            </a:pPr>
+            <a:r>
+              <a:rPr kumimoji="0" lang="en-US" sz="1050" b="0" i="0" u="none" strike="noStrike" kern="1200" cap="none" spc="0" normalizeH="0" baseline="0" noProof="0" dirty="0">
+                <a:ln>
+                  <a:noFill/>
+                </a:ln>
+                <a:solidFill>
+                  <a:prstClr val="black"/>
+                </a:solidFill>
+                <a:effectLst/>
+                <a:uLnTx/>
+                <a:uFillTx/>
+                <a:latin typeface="Segoe UI" panose="020B0502040204020203" pitchFamily="34" charset="0"/>
+                <a:ea typeface="+mn-ea"/>
+                <a:cs typeface="Segoe UI" panose="020B0502040204020203" pitchFamily="34" charset="0"/>
+              </a:rPr>
+              <a:t>Optional</a:t>
+            </a:r>
+          </a:p>
+          <a:p>
+            <a:pPr marL="0" marR="0" lvl="0" indent="0" algn="ctr" defTabSz="914400" rtl="0" eaLnBrk="1" fontAlgn="auto" latinLnBrk="0" hangingPunct="1">
+              <a:lnSpc>
+                <a:spcPct val="100000"/>
+              </a:lnSpc>
+              <a:spcBef>
+                <a:spcPts val="0"/>
+              </a:spcBef>
+              <a:spcAft>
+                <a:spcPts val="0"/>
+              </a:spcAft>
+              <a:buClrTx/>
+              <a:buSzTx/>
+              <a:buFontTx/>
+              <a:buNone/>
+              <a:tabLst/>
+              <a:defRPr/>
+            </a:pPr>
+            <a:r>
+              <a:rPr lang="en-US" sz="1050" dirty="0">
+                <a:solidFill>
+                  <a:prstClr val="black"/>
+                </a:solidFill>
+                <a:latin typeface="Segoe UI" panose="020B0502040204020203" pitchFamily="34" charset="0"/>
+                <a:cs typeface="Segoe UI" panose="020B0502040204020203" pitchFamily="34" charset="0"/>
+              </a:rPr>
+              <a:t>For testing</a:t>
+            </a:r>
+            <a:endParaRPr kumimoji="0" lang="en-US" sz="1050" b="0" i="0" u="none" strike="noStrike" kern="1200" cap="none" spc="0" normalizeH="0" baseline="0" noProof="0" dirty="0">
+              <a:ln>
+                <a:noFill/>
+              </a:ln>
+              <a:solidFill>
+                <a:prstClr val="black"/>
+              </a:solidFill>
+              <a:effectLst/>
+              <a:uLnTx/>
+              <a:uFillTx/>
+              <a:latin typeface="Segoe UI" panose="020B0502040204020203" pitchFamily="34" charset="0"/>
+              <a:ea typeface="+mn-ea"/>
+              <a:cs typeface="Segoe UI" panose="020B0502040204020203" pitchFamily="34" charset="0"/>
+            </a:endParaRPr>
+          </a:p>
+        </p:txBody>
+      </p:sp>
+    </p:spTree>
+    <p:extLst>
+      <p:ext uri="{BB962C8B-B14F-4D97-AF65-F5344CB8AC3E}">
+        <p14:creationId xmlns:p14="http://schemas.microsoft.com/office/powerpoint/2010/main" val="403181407"/>
+      </p:ext>
+    </p:extLst>
+  </p:cSld>
+  <p:clrMapOvr>
+    <a:masterClrMapping/>
+  </p:clrMapOvr>
+</p:sld>
+</file>
+
+<file path=ppt/slides/slide2.xml><?xml version="1.0" encoding="utf-8"?>
+<p:sld xmlns:a="http://schemas.openxmlformats.org/drawingml/2006/main" xmlns:r="http://schemas.openxmlformats.org/officeDocument/2006/relationships" xmlns:p="http://schemas.openxmlformats.org/presentationml/2006/main">
+  <p:cSld>
+    <p:spTree>
+      <p:nvGrpSpPr>
+        <p:cNvPr id="1" name="">
+          <a:extLst>
+            <a:ext uri="{FF2B5EF4-FFF2-40B4-BE49-F238E27FC236}">
               <a16:creationId xmlns:a16="http://schemas.microsoft.com/office/drawing/2014/main" id="{B48D643C-8191-3565-FBE1-7ADF55EBB56A}"/>
             </a:ext>
           </a:extLst>
@@ -3810,8 +6963,8 @@
         </p:nvSpPr>
         <p:spPr>
           <a:xfrm>
-            <a:off x="1387685" y="229111"/>
-            <a:ext cx="9144000" cy="750709"/>
+            <a:off x="755374" y="229111"/>
+            <a:ext cx="10567135" cy="750709"/>
           </a:xfrm>
         </p:spPr>
         <p:txBody>
@@ -3825,7 +6978,7 @@
                 <a:latin typeface="Segoe UI" panose="020B0502040204020203" pitchFamily="34" charset="0"/>
                 <a:cs typeface="Segoe UI" panose="020B0502040204020203" pitchFamily="34" charset="0"/>
               </a:rPr>
-              <a:t>Prototype/POC Architecture Diagram</a:t>
+              <a:t>VNext - Prototype/POC Architecture Diagram</a:t>
             </a:r>
           </a:p>
         </p:txBody>

--- a/docs/simplified-directions/Prototype-Architecture-Diagrams.pptx
+++ b/docs/simplified-directions/Prototype-Architecture-Diagrams.pptx
@@ -5416,7 +5416,7 @@
         <p:spPr>
           <a:xfrm>
             <a:off x="8733258" y="2097208"/>
-            <a:ext cx="1471172" cy="492443"/>
+            <a:ext cx="1471172" cy="630942"/>
           </a:xfrm>
           <a:prstGeom prst="rect">
             <a:avLst/>
@@ -5479,6 +5479,21 @@
               <a:t>Chat Agent</a:t>
             </a:r>
           </a:p>
+          <a:p>
+            <a:pPr algn="ctr"/>
+            <a:r>
+              <a:rPr lang="en-US" sz="900" dirty="0">
+                <a:solidFill>
+                  <a:prstClr val="white">
+                    <a:lumMod val="50000"/>
+                  </a:prstClr>
+                </a:solidFill>
+                <a:latin typeface="Segoe UI" panose="020B0502040204020203" pitchFamily="34" charset="0"/>
+                <a:cs typeface="Segoe UI" panose="020B0502040204020203" pitchFamily="34" charset="0"/>
+              </a:rPr>
+              <a:t>(ChatCompletionAgent)</a:t>
+            </a:r>
+          </a:p>
         </p:txBody>
       </p:sp>
       <p:pic>
@@ -5550,7 +5565,7 @@
         </p:blipFill>
         <p:spPr bwMode="auto">
           <a:xfrm>
-            <a:off x="8788874" y="2673417"/>
+            <a:off x="8788874" y="2696567"/>
             <a:ext cx="200765" cy="258486"/>
           </a:xfrm>
           <a:prstGeom prst="rect">
@@ -5597,7 +5612,7 @@
         </p:blipFill>
         <p:spPr bwMode="auto">
           <a:xfrm>
-            <a:off x="9337001" y="2677537"/>
+            <a:off x="9337001" y="2700687"/>
             <a:ext cx="261889" cy="261889"/>
           </a:xfrm>
           <a:prstGeom prst="rect">
@@ -5629,7 +5644,7 @@
         </p:nvSpPr>
         <p:spPr>
           <a:xfrm>
-            <a:off x="8577839" y="2886547"/>
+            <a:off x="8577839" y="2909697"/>
             <a:ext cx="604720" cy="338554"/>
           </a:xfrm>
           <a:prstGeom prst="rect">
@@ -5730,7 +5745,7 @@
         </p:nvSpPr>
         <p:spPr>
           <a:xfrm>
-            <a:off x="9186984" y="2931903"/>
+            <a:off x="9186984" y="2955053"/>
             <a:ext cx="604720" cy="215444"/>
           </a:xfrm>
           <a:prstGeom prst="rect">

--- a/docs/simplified-directions/Prototype-Architecture-Diagrams.pptx
+++ b/docs/simplified-directions/Prototype-Architecture-Diagrams.pptx
@@ -198,7 +198,7 @@
           <a:p>
             <a:fld id="{17C0FFDD-2F91-4327-83DF-AC11DEFCAA33}" type="datetimeFigureOut">
               <a:rPr lang="en-US" smtClean="0"/>
-              <a:t>9/15/2025</a:t>
+              <a:t>9/16/2025</a:t>
             </a:fld>
             <a:endParaRPr lang="en-US"/>
           </a:p>
@@ -902,7 +902,7 @@
           <a:p>
             <a:fld id="{F3562317-0748-4C3E-8EEC-4AF870B98677}" type="datetimeFigureOut">
               <a:rPr lang="en-US" smtClean="0"/>
-              <a:t>9/15/2025</a:t>
+              <a:t>9/16/2025</a:t>
             </a:fld>
             <a:endParaRPr lang="en-US"/>
           </a:p>
@@ -1100,7 +1100,7 @@
           <a:p>
             <a:fld id="{F3562317-0748-4C3E-8EEC-4AF870B98677}" type="datetimeFigureOut">
               <a:rPr lang="en-US" smtClean="0"/>
-              <a:t>9/15/2025</a:t>
+              <a:t>9/16/2025</a:t>
             </a:fld>
             <a:endParaRPr lang="en-US"/>
           </a:p>
@@ -1308,7 +1308,7 @@
           <a:p>
             <a:fld id="{F3562317-0748-4C3E-8EEC-4AF870B98677}" type="datetimeFigureOut">
               <a:rPr lang="en-US" smtClean="0"/>
-              <a:t>9/15/2025</a:t>
+              <a:t>9/16/2025</a:t>
             </a:fld>
             <a:endParaRPr lang="en-US"/>
           </a:p>
@@ -1506,7 +1506,7 @@
           <a:p>
             <a:fld id="{F3562317-0748-4C3E-8EEC-4AF870B98677}" type="datetimeFigureOut">
               <a:rPr lang="en-US" smtClean="0"/>
-              <a:t>9/15/2025</a:t>
+              <a:t>9/16/2025</a:t>
             </a:fld>
             <a:endParaRPr lang="en-US"/>
           </a:p>
@@ -1781,7 +1781,7 @@
           <a:p>
             <a:fld id="{F3562317-0748-4C3E-8EEC-4AF870B98677}" type="datetimeFigureOut">
               <a:rPr lang="en-US" smtClean="0"/>
-              <a:t>9/15/2025</a:t>
+              <a:t>9/16/2025</a:t>
             </a:fld>
             <a:endParaRPr lang="en-US"/>
           </a:p>
@@ -2046,7 +2046,7 @@
           <a:p>
             <a:fld id="{F3562317-0748-4C3E-8EEC-4AF870B98677}" type="datetimeFigureOut">
               <a:rPr lang="en-US" smtClean="0"/>
-              <a:t>9/15/2025</a:t>
+              <a:t>9/16/2025</a:t>
             </a:fld>
             <a:endParaRPr lang="en-US"/>
           </a:p>
@@ -2458,7 +2458,7 @@
           <a:p>
             <a:fld id="{F3562317-0748-4C3E-8EEC-4AF870B98677}" type="datetimeFigureOut">
               <a:rPr lang="en-US" smtClean="0"/>
-              <a:t>9/15/2025</a:t>
+              <a:t>9/16/2025</a:t>
             </a:fld>
             <a:endParaRPr lang="en-US"/>
           </a:p>
@@ -2599,7 +2599,7 @@
           <a:p>
             <a:fld id="{F3562317-0748-4C3E-8EEC-4AF870B98677}" type="datetimeFigureOut">
               <a:rPr lang="en-US" smtClean="0"/>
-              <a:t>9/15/2025</a:t>
+              <a:t>9/16/2025</a:t>
             </a:fld>
             <a:endParaRPr lang="en-US"/>
           </a:p>
@@ -2712,7 +2712,7 @@
           <a:p>
             <a:fld id="{F3562317-0748-4C3E-8EEC-4AF870B98677}" type="datetimeFigureOut">
               <a:rPr lang="en-US" smtClean="0"/>
-              <a:t>9/15/2025</a:t>
+              <a:t>9/16/2025</a:t>
             </a:fld>
             <a:endParaRPr lang="en-US"/>
           </a:p>
@@ -3023,7 +3023,7 @@
           <a:p>
             <a:fld id="{F3562317-0748-4C3E-8EEC-4AF870B98677}" type="datetimeFigureOut">
               <a:rPr lang="en-US" smtClean="0"/>
-              <a:t>9/15/2025</a:t>
+              <a:t>9/16/2025</a:t>
             </a:fld>
             <a:endParaRPr lang="en-US"/>
           </a:p>
@@ -3311,7 +3311,7 @@
           <a:p>
             <a:fld id="{F3562317-0748-4C3E-8EEC-4AF870B98677}" type="datetimeFigureOut">
               <a:rPr lang="en-US" smtClean="0"/>
-              <a:t>9/15/2025</a:t>
+              <a:t>9/16/2025</a:t>
             </a:fld>
             <a:endParaRPr lang="en-US"/>
           </a:p>
@@ -3552,7 +3552,7 @@
           <a:p>
             <a:fld id="{F3562317-0748-4C3E-8EEC-4AF870B98677}" type="datetimeFigureOut">
               <a:rPr lang="en-US" smtClean="0"/>
-              <a:t>9/15/2025</a:t>
+              <a:t>9/16/2025</a:t>
             </a:fld>
             <a:endParaRPr lang="en-US"/>
           </a:p>

--- a/docs/simplified-directions/Prototype-Architecture-Diagrams.pptx
+++ b/docs/simplified-directions/Prototype-Architecture-Diagrams.pptx
@@ -5,11 +5,12 @@
     <p:sldMasterId id="2147483648" r:id="rId1"/>
   </p:sldMasterIdLst>
   <p:notesMasterIdLst>
-    <p:notesMasterId r:id="rId4"/>
+    <p:notesMasterId r:id="rId5"/>
   </p:notesMasterIdLst>
   <p:sldIdLst>
     <p:sldId id="276" r:id="rId2"/>
     <p:sldId id="275" r:id="rId3"/>
+    <p:sldId id="277" r:id="rId4"/>
   </p:sldIdLst>
   <p:sldSz cx="12192000" cy="6858000"/>
   <p:notesSz cx="6858000" cy="9144000"/>
@@ -746,6 +747,121 @@
     <p:extLst>
       <p:ext uri="{BB962C8B-B14F-4D97-AF65-F5344CB8AC3E}">
         <p14:creationId xmlns:p14="http://schemas.microsoft.com/office/powerpoint/2010/main" val="1259458171"/>
+      </p:ext>
+    </p:extLst>
+  </p:cSld>
+  <p:clrMapOvr>
+    <a:masterClrMapping/>
+  </p:clrMapOvr>
+</p:notes>
+</file>
+
+<file path=ppt/notesSlides/notesSlide3.xml><?xml version="1.0" encoding="utf-8"?>
+<p:notes xmlns:a="http://schemas.openxmlformats.org/drawingml/2006/main" xmlns:r="http://schemas.openxmlformats.org/officeDocument/2006/relationships" xmlns:p="http://schemas.openxmlformats.org/presentationml/2006/main">
+  <p:cSld>
+    <p:spTree>
+      <p:nvGrpSpPr>
+        <p:cNvPr id="1" name="">
+          <a:extLst>
+            <a:ext uri="{FF2B5EF4-FFF2-40B4-BE49-F238E27FC236}">
+              <a16:creationId xmlns:a16="http://schemas.microsoft.com/office/drawing/2014/main" id="{173D5305-4729-00BB-81FF-E2119073F78A}"/>
+            </a:ext>
+          </a:extLst>
+        </p:cNvPr>
+        <p:cNvGrpSpPr/>
+        <p:nvPr/>
+      </p:nvGrpSpPr>
+      <p:grpSpPr>
+        <a:xfrm>
+          <a:off x="0" y="0"/>
+          <a:ext cx="0" cy="0"/>
+          <a:chOff x="0" y="0"/>
+          <a:chExt cx="0" cy="0"/>
+        </a:xfrm>
+      </p:grpSpPr>
+      <p:sp>
+        <p:nvSpPr>
+          <p:cNvPr id="2" name="Slide Image Placeholder 1">
+            <a:extLst>
+              <a:ext uri="{FF2B5EF4-FFF2-40B4-BE49-F238E27FC236}">
+                <a16:creationId xmlns:a16="http://schemas.microsoft.com/office/drawing/2014/main" id="{7686E816-6E86-B2AC-3F80-6FC9F3061A87}"/>
+              </a:ext>
+            </a:extLst>
+          </p:cNvPr>
+          <p:cNvSpPr>
+            <a:spLocks noGrp="1" noRot="1" noChangeAspect="1"/>
+          </p:cNvSpPr>
+          <p:nvPr>
+            <p:ph type="sldImg"/>
+          </p:nvPr>
+        </p:nvSpPr>
+        <p:spPr/>
+        <p:txBody>
+          <a:bodyPr/>
+          <a:lstStyle/>
+          <a:p>
+            <a:endParaRPr lang="en-US"/>
+          </a:p>
+        </p:txBody>
+      </p:sp>
+      <p:sp>
+        <p:nvSpPr>
+          <p:cNvPr id="3" name="Notes Placeholder 2">
+            <a:extLst>
+              <a:ext uri="{FF2B5EF4-FFF2-40B4-BE49-F238E27FC236}">
+                <a16:creationId xmlns:a16="http://schemas.microsoft.com/office/drawing/2014/main" id="{6866B965-B27B-89F1-15D6-95365DA7AF70}"/>
+              </a:ext>
+            </a:extLst>
+          </p:cNvPr>
+          <p:cNvSpPr>
+            <a:spLocks noGrp="1"/>
+          </p:cNvSpPr>
+          <p:nvPr>
+            <p:ph type="body" idx="1"/>
+          </p:nvPr>
+        </p:nvSpPr>
+        <p:spPr/>
+        <p:txBody>
+          <a:bodyPr/>
+          <a:lstStyle/>
+          <a:p>
+            <a:endParaRPr lang="en-US" dirty="0"/>
+          </a:p>
+        </p:txBody>
+      </p:sp>
+      <p:sp>
+        <p:nvSpPr>
+          <p:cNvPr id="4" name="Slide Number Placeholder 3">
+            <a:extLst>
+              <a:ext uri="{FF2B5EF4-FFF2-40B4-BE49-F238E27FC236}">
+                <a16:creationId xmlns:a16="http://schemas.microsoft.com/office/drawing/2014/main" id="{B17242AA-08CF-47BB-E357-3A9902802212}"/>
+              </a:ext>
+            </a:extLst>
+          </p:cNvPr>
+          <p:cNvSpPr>
+            <a:spLocks noGrp="1"/>
+          </p:cNvSpPr>
+          <p:nvPr>
+            <p:ph type="sldNum" sz="quarter" idx="5"/>
+          </p:nvPr>
+        </p:nvSpPr>
+        <p:spPr/>
+        <p:txBody>
+          <a:bodyPr/>
+          <a:lstStyle/>
+          <a:p>
+            <a:fld id="{08BA0505-E843-4A21-A0D1-6C1CEE786CA8}" type="slidenum">
+              <a:rPr lang="en-US" smtClean="0"/>
+              <a:t>3</a:t>
+            </a:fld>
+            <a:endParaRPr lang="en-US"/>
+          </a:p>
+        </p:txBody>
+      </p:sp>
+    </p:spTree>
+    <p:extLst>
+      <p:ext uri="{BB962C8B-B14F-4D97-AF65-F5344CB8AC3E}">
+        <p14:creationId xmlns:p14="http://schemas.microsoft.com/office/powerpoint/2010/main" val="4021017348"/>
       </p:ext>
     </p:extLst>
   </p:cSld>
@@ -3993,13 +4109,13 @@
         </p:nvSpPr>
         <p:spPr>
           <a:xfrm>
-            <a:off x="755374" y="229111"/>
-            <a:ext cx="10567135" cy="750709"/>
+            <a:off x="755373" y="97866"/>
+            <a:ext cx="10567135" cy="1006685"/>
           </a:xfrm>
         </p:spPr>
         <p:txBody>
           <a:bodyPr>
-            <a:normAutofit/>
+            <a:normAutofit fontScale="90000"/>
           </a:bodyPr>
           <a:lstStyle/>
           <a:p>
@@ -4010,6 +4126,23 @@
               </a:rPr>
               <a:t>Initial prototype/POC Architecture Diagram</a:t>
             </a:r>
+            <a:br>
+              <a:rPr lang="en-US" sz="4000" dirty="0">
+                <a:latin typeface="Segoe UI" panose="020B0502040204020203" pitchFamily="34" charset="0"/>
+                <a:cs typeface="Segoe UI" panose="020B0502040204020203" pitchFamily="34" charset="0"/>
+              </a:rPr>
+            </a:br>
+            <a:r>
+              <a:rPr lang="en-US" sz="3100" dirty="0">
+                <a:latin typeface="Segoe UI" panose="020B0502040204020203" pitchFamily="34" charset="0"/>
+                <a:cs typeface="Segoe UI" panose="020B0502040204020203" pitchFamily="34" charset="0"/>
+              </a:rPr>
+              <a:t>(Local Agent/PC-Server processes)</a:t>
+            </a:r>
+            <a:endParaRPr lang="en-US" sz="4000" dirty="0">
+              <a:latin typeface="Segoe UI" panose="020B0502040204020203" pitchFamily="34" charset="0"/>
+              <a:cs typeface="Segoe UI" panose="020B0502040204020203" pitchFamily="34" charset="0"/>
+            </a:endParaRPr>
           </a:p>
         </p:txBody>
       </p:sp>
@@ -6458,7 +6591,9 @@
           </a:prstGeom>
           <a:ln>
             <a:solidFill>
-              <a:schemeClr val="tx1"/>
+              <a:schemeClr val="bg1">
+                <a:lumMod val="75000"/>
+              </a:schemeClr>
             </a:solidFill>
             <a:prstDash val="lgDash"/>
             <a:tailEnd type="triangle"/>
@@ -6862,7 +6997,7 @@
               <a:defRPr/>
             </a:pPr>
             <a:r>
-              <a:rPr kumimoji="0" lang="en-US" sz="1050" b="0" i="0" u="none" strike="noStrike" kern="1200" cap="none" spc="0" normalizeH="0" baseline="0" noProof="0" dirty="0">
+              <a:rPr kumimoji="0" lang="en-US" sz="1050" b="1" i="0" u="none" strike="noStrike" kern="1200" cap="none" spc="0" normalizeH="0" baseline="0" noProof="0" dirty="0">
                 <a:ln>
                   <a:noFill/>
                 </a:ln>
@@ -6898,7 +7033,7 @@
               <a:defRPr/>
             </a:pPr>
             <a:r>
-              <a:rPr lang="en-US" sz="1050" dirty="0">
+              <a:rPr lang="en-US" sz="1050" b="1" dirty="0">
                 <a:solidFill>
                   <a:prstClr val="black"/>
                 </a:solidFill>
@@ -6907,7 +7042,7 @@
               </a:rPr>
               <a:t>For testing</a:t>
             </a:r>
-            <a:endParaRPr kumimoji="0" lang="en-US" sz="1050" b="0" i="0" u="none" strike="noStrike" kern="1200" cap="none" spc="0" normalizeH="0" baseline="0" noProof="0" dirty="0">
+            <a:endParaRPr kumimoji="0" lang="en-US" sz="1050" b="1" i="0" u="none" strike="noStrike" kern="1200" cap="none" spc="0" normalizeH="0" baseline="0" noProof="0" dirty="0">
               <a:ln>
                 <a:noFill/>
               </a:ln>
@@ -6921,6 +7056,74 @@
               <a:ea typeface="+mn-ea"/>
               <a:cs typeface="Segoe UI" panose="020B0502040204020203" pitchFamily="34" charset="0"/>
             </a:endParaRPr>
+          </a:p>
+        </p:txBody>
+      </p:sp>
+      <p:pic>
+        <p:nvPicPr>
+          <p:cNvPr id="8" name="Picture 7" descr="Azure AI Foundry - Visual Studio Marketplace">
+            <a:extLst>
+              <a:ext uri="{FF2B5EF4-FFF2-40B4-BE49-F238E27FC236}">
+                <a16:creationId xmlns:a16="http://schemas.microsoft.com/office/drawing/2014/main" id="{27B3C17C-550F-3742-DD38-82F76ED34F4F}"/>
+              </a:ext>
+            </a:extLst>
+          </p:cNvPr>
+          <p:cNvPicPr>
+            <a:picLocks noChangeAspect="1"/>
+          </p:cNvPicPr>
+          <p:nvPr/>
+        </p:nvPicPr>
+        <p:blipFill>
+          <a:blip r:embed="rId11"/>
+          <a:stretch>
+            <a:fillRect/>
+          </a:stretch>
+        </p:blipFill>
+        <p:spPr>
+          <a:xfrm>
+            <a:off x="7294974" y="3211168"/>
+            <a:ext cx="439592" cy="439592"/>
+          </a:xfrm>
+          <a:prstGeom prst="rect">
+            <a:avLst/>
+          </a:prstGeom>
+        </p:spPr>
+      </p:pic>
+      <p:sp>
+        <p:nvSpPr>
+          <p:cNvPr id="9" name="TextBox 8">
+            <a:extLst>
+              <a:ext uri="{FF2B5EF4-FFF2-40B4-BE49-F238E27FC236}">
+                <a16:creationId xmlns:a16="http://schemas.microsoft.com/office/drawing/2014/main" id="{1FC78594-FF08-51A9-C492-EB1669125E99}"/>
+              </a:ext>
+            </a:extLst>
+          </p:cNvPr>
+          <p:cNvSpPr txBox="1"/>
+          <p:nvPr/>
+        </p:nvSpPr>
+        <p:spPr>
+          <a:xfrm>
+            <a:off x="7494892" y="3448826"/>
+            <a:ext cx="607411" cy="369332"/>
+          </a:xfrm>
+          <a:prstGeom prst="rect">
+            <a:avLst/>
+          </a:prstGeom>
+          <a:noFill/>
+        </p:spPr>
+        <p:txBody>
+          <a:bodyPr wrap="square">
+            <a:spAutoFit/>
+          </a:bodyPr>
+          <a:lstStyle/>
+          <a:p>
+            <a:r>
+              <a:rPr lang="en-US" sz="900" dirty="0">
+                <a:latin typeface="Segoe UI" panose="020B0502040204020203" pitchFamily="34" charset="0"/>
+                <a:cs typeface="Segoe UI" panose="020B0502040204020203" pitchFamily="34" charset="0"/>
+              </a:rPr>
+              <a:t>Azure Foundry</a:t>
+            </a:r>
           </a:p>
         </p:txBody>
       </p:sp>
@@ -6962,44 +7165,6 @@
       </p:grpSpPr>
       <p:sp>
         <p:nvSpPr>
-          <p:cNvPr id="2" name="Title 1">
-            <a:extLst>
-              <a:ext uri="{FF2B5EF4-FFF2-40B4-BE49-F238E27FC236}">
-                <a16:creationId xmlns:a16="http://schemas.microsoft.com/office/drawing/2014/main" id="{A5C86965-2691-0772-FAE9-26ACD5BA59AD}"/>
-              </a:ext>
-            </a:extLst>
-          </p:cNvPr>
-          <p:cNvSpPr>
-            <a:spLocks noGrp="1"/>
-          </p:cNvSpPr>
-          <p:nvPr>
-            <p:ph type="ctrTitle"/>
-          </p:nvPr>
-        </p:nvSpPr>
-        <p:spPr>
-          <a:xfrm>
-            <a:off x="755374" y="229111"/>
-            <a:ext cx="10567135" cy="750709"/>
-          </a:xfrm>
-        </p:spPr>
-        <p:txBody>
-          <a:bodyPr>
-            <a:normAutofit/>
-          </a:bodyPr>
-          <a:lstStyle/>
-          <a:p>
-            <a:r>
-              <a:rPr lang="en-US" sz="4000" dirty="0">
-                <a:latin typeface="Segoe UI" panose="020B0502040204020203" pitchFamily="34" charset="0"/>
-                <a:cs typeface="Segoe UI" panose="020B0502040204020203" pitchFamily="34" charset="0"/>
-              </a:rPr>
-              <a:t>VNext - Prototype/POC Architecture Diagram</a:t>
-            </a:r>
-          </a:p>
-        </p:txBody>
-      </p:sp>
-      <p:sp>
-        <p:nvSpPr>
           <p:cNvPr id="4" name="Rectangle 3">
             <a:extLst>
               <a:ext uri="{FF2B5EF4-FFF2-40B4-BE49-F238E27FC236}">
@@ -7013,7 +7178,7 @@
         <p:spPr>
           <a:xfrm>
             <a:off x="755374" y="1311965"/>
-            <a:ext cx="10567135" cy="4755459"/>
+            <a:ext cx="10787269" cy="5006285"/>
           </a:xfrm>
           <a:prstGeom prst="rect">
             <a:avLst/>
@@ -7050,6 +7215,499 @@
           </a:p>
         </p:txBody>
       </p:sp>
+      <p:grpSp>
+        <p:nvGrpSpPr>
+          <p:cNvPr id="28" name="Group 27">
+            <a:extLst>
+              <a:ext uri="{FF2B5EF4-FFF2-40B4-BE49-F238E27FC236}">
+                <a16:creationId xmlns:a16="http://schemas.microsoft.com/office/drawing/2014/main" id="{930C8AC3-15F4-FC37-A3EC-C3DCA77475DD}"/>
+              </a:ext>
+            </a:extLst>
+          </p:cNvPr>
+          <p:cNvGrpSpPr/>
+          <p:nvPr/>
+        </p:nvGrpSpPr>
+        <p:grpSpPr>
+          <a:xfrm>
+            <a:off x="6758357" y="4352057"/>
+            <a:ext cx="2351471" cy="1595264"/>
+            <a:chOff x="5499612" y="1667859"/>
+            <a:chExt cx="2351471" cy="1595264"/>
+          </a:xfrm>
+        </p:grpSpPr>
+        <p:sp>
+          <p:nvSpPr>
+            <p:cNvPr id="29" name="Rectangle: Rounded Corners 28">
+              <a:extLst>
+                <a:ext uri="{FF2B5EF4-FFF2-40B4-BE49-F238E27FC236}">
+                  <a16:creationId xmlns:a16="http://schemas.microsoft.com/office/drawing/2014/main" id="{03EC3D98-4F54-A9A7-51DF-21917D07F447}"/>
+                </a:ext>
+              </a:extLst>
+            </p:cNvPr>
+            <p:cNvSpPr/>
+            <p:nvPr/>
+          </p:nvSpPr>
+          <p:spPr>
+            <a:xfrm>
+              <a:off x="5499612" y="1667859"/>
+              <a:ext cx="2351471" cy="1595264"/>
+            </a:xfrm>
+            <a:prstGeom prst="roundRect">
+              <a:avLst/>
+            </a:prstGeom>
+            <a:solidFill>
+              <a:schemeClr val="bg1">
+                <a:lumMod val="65000"/>
+              </a:schemeClr>
+            </a:solidFill>
+            <a:ln>
+              <a:noFill/>
+            </a:ln>
+          </p:spPr>
+          <p:style>
+            <a:lnRef idx="2">
+              <a:schemeClr val="accent1">
+                <a:shade val="15000"/>
+              </a:schemeClr>
+            </a:lnRef>
+            <a:fillRef idx="1">
+              <a:schemeClr val="accent1"/>
+            </a:fillRef>
+            <a:effectRef idx="0">
+              <a:schemeClr val="accent1"/>
+            </a:effectRef>
+            <a:fontRef idx="minor">
+              <a:schemeClr val="lt1"/>
+            </a:fontRef>
+          </p:style>
+          <p:txBody>
+            <a:bodyPr rtlCol="0" anchor="ctr"/>
+            <a:lstStyle/>
+            <a:p>
+              <a:pPr algn="ctr"/>
+              <a:endParaRPr lang="en-US" dirty="0"/>
+            </a:p>
+          </p:txBody>
+        </p:sp>
+        <p:pic>
+          <p:nvPicPr>
+            <p:cNvPr id="30" name="Picture 29" descr="Docker full logo transparent PNG - StickPNG">
+              <a:extLst>
+                <a:ext uri="{FF2B5EF4-FFF2-40B4-BE49-F238E27FC236}">
+                  <a16:creationId xmlns:a16="http://schemas.microsoft.com/office/drawing/2014/main" id="{12448C05-DB76-DF16-895F-E911207759FF}"/>
+                </a:ext>
+              </a:extLst>
+            </p:cNvPr>
+            <p:cNvPicPr>
+              <a:picLocks noChangeAspect="1"/>
+            </p:cNvPicPr>
+            <p:nvPr/>
+          </p:nvPicPr>
+          <p:blipFill>
+            <a:blip r:embed="rId3"/>
+            <a:stretch>
+              <a:fillRect/>
+            </a:stretch>
+          </p:blipFill>
+          <p:spPr>
+            <a:xfrm>
+              <a:off x="6223506" y="1694356"/>
+              <a:ext cx="376356" cy="376356"/>
+            </a:xfrm>
+            <a:prstGeom prst="rect">
+              <a:avLst/>
+            </a:prstGeom>
+          </p:spPr>
+        </p:pic>
+        <p:sp>
+          <p:nvSpPr>
+            <p:cNvPr id="31" name="TextBox 30">
+              <a:extLst>
+                <a:ext uri="{FF2B5EF4-FFF2-40B4-BE49-F238E27FC236}">
+                  <a16:creationId xmlns:a16="http://schemas.microsoft.com/office/drawing/2014/main" id="{DA697984-DC5D-48AE-14F5-90CCFD258A41}"/>
+                </a:ext>
+              </a:extLst>
+            </p:cNvPr>
+            <p:cNvSpPr txBox="1"/>
+            <p:nvPr/>
+          </p:nvSpPr>
+          <p:spPr>
+            <a:xfrm>
+              <a:off x="6562182" y="1733566"/>
+              <a:ext cx="960660" cy="261610"/>
+            </a:xfrm>
+            <a:prstGeom prst="rect">
+              <a:avLst/>
+            </a:prstGeom>
+            <a:noFill/>
+          </p:spPr>
+          <p:txBody>
+            <a:bodyPr wrap="square">
+              <a:spAutoFit/>
+            </a:bodyPr>
+            <a:lstStyle/>
+            <a:p>
+              <a:r>
+                <a:rPr lang="en-US" sz="1100" dirty="0">
+                  <a:solidFill>
+                    <a:schemeClr val="bg1"/>
+                  </a:solidFill>
+                  <a:latin typeface="Segoe UI" panose="020B0502040204020203" pitchFamily="34" charset="0"/>
+                  <a:cs typeface="Segoe UI" panose="020B0502040204020203" pitchFamily="34" charset="0"/>
+                </a:rPr>
+                <a:t>Container</a:t>
+              </a:r>
+            </a:p>
+          </p:txBody>
+        </p:sp>
+      </p:grpSp>
+      <p:grpSp>
+        <p:nvGrpSpPr>
+          <p:cNvPr id="24" name="Group 23">
+            <a:extLst>
+              <a:ext uri="{FF2B5EF4-FFF2-40B4-BE49-F238E27FC236}">
+                <a16:creationId xmlns:a16="http://schemas.microsoft.com/office/drawing/2014/main" id="{3885B900-B40C-C6BE-532E-6344BB6CE9C6}"/>
+              </a:ext>
+            </a:extLst>
+          </p:cNvPr>
+          <p:cNvGrpSpPr/>
+          <p:nvPr/>
+        </p:nvGrpSpPr>
+        <p:grpSpPr>
+          <a:xfrm>
+            <a:off x="8628580" y="1684064"/>
+            <a:ext cx="2351471" cy="1595264"/>
+            <a:chOff x="5499612" y="1667859"/>
+            <a:chExt cx="2351471" cy="1595264"/>
+          </a:xfrm>
+        </p:grpSpPr>
+        <p:sp>
+          <p:nvSpPr>
+            <p:cNvPr id="25" name="Rectangle: Rounded Corners 24">
+              <a:extLst>
+                <a:ext uri="{FF2B5EF4-FFF2-40B4-BE49-F238E27FC236}">
+                  <a16:creationId xmlns:a16="http://schemas.microsoft.com/office/drawing/2014/main" id="{40A73055-5927-C6AE-E2BD-FF835B81EFC9}"/>
+                </a:ext>
+              </a:extLst>
+            </p:cNvPr>
+            <p:cNvSpPr/>
+            <p:nvPr/>
+          </p:nvSpPr>
+          <p:spPr>
+            <a:xfrm>
+              <a:off x="5499612" y="1667859"/>
+              <a:ext cx="2351471" cy="1595264"/>
+            </a:xfrm>
+            <a:prstGeom prst="roundRect">
+              <a:avLst/>
+            </a:prstGeom>
+            <a:solidFill>
+              <a:schemeClr val="bg1">
+                <a:lumMod val="65000"/>
+              </a:schemeClr>
+            </a:solidFill>
+            <a:ln>
+              <a:noFill/>
+            </a:ln>
+          </p:spPr>
+          <p:style>
+            <a:lnRef idx="2">
+              <a:schemeClr val="accent1">
+                <a:shade val="15000"/>
+              </a:schemeClr>
+            </a:lnRef>
+            <a:fillRef idx="1">
+              <a:schemeClr val="accent1"/>
+            </a:fillRef>
+            <a:effectRef idx="0">
+              <a:schemeClr val="accent1"/>
+            </a:effectRef>
+            <a:fontRef idx="minor">
+              <a:schemeClr val="lt1"/>
+            </a:fontRef>
+          </p:style>
+          <p:txBody>
+            <a:bodyPr rtlCol="0" anchor="ctr"/>
+            <a:lstStyle/>
+            <a:p>
+              <a:pPr algn="ctr"/>
+              <a:endParaRPr lang="en-US" dirty="0"/>
+            </a:p>
+          </p:txBody>
+        </p:sp>
+        <p:pic>
+          <p:nvPicPr>
+            <p:cNvPr id="26" name="Picture 25" descr="Docker full logo transparent PNG - StickPNG">
+              <a:extLst>
+                <a:ext uri="{FF2B5EF4-FFF2-40B4-BE49-F238E27FC236}">
+                  <a16:creationId xmlns:a16="http://schemas.microsoft.com/office/drawing/2014/main" id="{C4B61B75-FD26-19BD-C0AC-24CE6E17D52E}"/>
+                </a:ext>
+              </a:extLst>
+            </p:cNvPr>
+            <p:cNvPicPr>
+              <a:picLocks noChangeAspect="1"/>
+            </p:cNvPicPr>
+            <p:nvPr/>
+          </p:nvPicPr>
+          <p:blipFill>
+            <a:blip r:embed="rId3"/>
+            <a:stretch>
+              <a:fillRect/>
+            </a:stretch>
+          </p:blipFill>
+          <p:spPr>
+            <a:xfrm>
+              <a:off x="6223506" y="1694356"/>
+              <a:ext cx="376356" cy="376356"/>
+            </a:xfrm>
+            <a:prstGeom prst="rect">
+              <a:avLst/>
+            </a:prstGeom>
+          </p:spPr>
+        </p:pic>
+        <p:sp>
+          <p:nvSpPr>
+            <p:cNvPr id="27" name="TextBox 26">
+              <a:extLst>
+                <a:ext uri="{FF2B5EF4-FFF2-40B4-BE49-F238E27FC236}">
+                  <a16:creationId xmlns:a16="http://schemas.microsoft.com/office/drawing/2014/main" id="{29900432-C395-4923-A178-010583BD875B}"/>
+                </a:ext>
+              </a:extLst>
+            </p:cNvPr>
+            <p:cNvSpPr txBox="1"/>
+            <p:nvPr/>
+          </p:nvSpPr>
+          <p:spPr>
+            <a:xfrm>
+              <a:off x="6555578" y="1751107"/>
+              <a:ext cx="960660" cy="261610"/>
+            </a:xfrm>
+            <a:prstGeom prst="rect">
+              <a:avLst/>
+            </a:prstGeom>
+            <a:noFill/>
+          </p:spPr>
+          <p:txBody>
+            <a:bodyPr wrap="square">
+              <a:spAutoFit/>
+            </a:bodyPr>
+            <a:lstStyle/>
+            <a:p>
+              <a:r>
+                <a:rPr lang="en-US" sz="1100" dirty="0">
+                  <a:solidFill>
+                    <a:schemeClr val="bg1"/>
+                  </a:solidFill>
+                  <a:latin typeface="Segoe UI" panose="020B0502040204020203" pitchFamily="34" charset="0"/>
+                  <a:cs typeface="Segoe UI" panose="020B0502040204020203" pitchFamily="34" charset="0"/>
+                </a:rPr>
+                <a:t>Container</a:t>
+              </a:r>
+            </a:p>
+          </p:txBody>
+        </p:sp>
+      </p:grpSp>
+      <p:grpSp>
+        <p:nvGrpSpPr>
+          <p:cNvPr id="23" name="Group 22">
+            <a:extLst>
+              <a:ext uri="{FF2B5EF4-FFF2-40B4-BE49-F238E27FC236}">
+                <a16:creationId xmlns:a16="http://schemas.microsoft.com/office/drawing/2014/main" id="{621E8D64-4F6B-FE56-CAFE-705F4C0BAF96}"/>
+              </a:ext>
+            </a:extLst>
+          </p:cNvPr>
+          <p:cNvGrpSpPr/>
+          <p:nvPr/>
+        </p:nvGrpSpPr>
+        <p:grpSpPr>
+          <a:xfrm>
+            <a:off x="5499612" y="1667859"/>
+            <a:ext cx="2351471" cy="1595264"/>
+            <a:chOff x="5499612" y="1667859"/>
+            <a:chExt cx="2351471" cy="1595264"/>
+          </a:xfrm>
+        </p:grpSpPr>
+        <p:sp>
+          <p:nvSpPr>
+            <p:cNvPr id="19" name="Rectangle: Rounded Corners 18">
+              <a:extLst>
+                <a:ext uri="{FF2B5EF4-FFF2-40B4-BE49-F238E27FC236}">
+                  <a16:creationId xmlns:a16="http://schemas.microsoft.com/office/drawing/2014/main" id="{DB1BD2CB-0E23-F80F-54E0-1C8E79A35D23}"/>
+                </a:ext>
+              </a:extLst>
+            </p:cNvPr>
+            <p:cNvSpPr/>
+            <p:nvPr/>
+          </p:nvSpPr>
+          <p:spPr>
+            <a:xfrm>
+              <a:off x="5499612" y="1667859"/>
+              <a:ext cx="2351471" cy="1595264"/>
+            </a:xfrm>
+            <a:prstGeom prst="roundRect">
+              <a:avLst/>
+            </a:prstGeom>
+            <a:solidFill>
+              <a:schemeClr val="bg1">
+                <a:lumMod val="65000"/>
+              </a:schemeClr>
+            </a:solidFill>
+            <a:ln>
+              <a:noFill/>
+            </a:ln>
+          </p:spPr>
+          <p:style>
+            <a:lnRef idx="2">
+              <a:schemeClr val="accent1">
+                <a:shade val="15000"/>
+              </a:schemeClr>
+            </a:lnRef>
+            <a:fillRef idx="1">
+              <a:schemeClr val="accent1"/>
+            </a:fillRef>
+            <a:effectRef idx="0">
+              <a:schemeClr val="accent1"/>
+            </a:effectRef>
+            <a:fontRef idx="minor">
+              <a:schemeClr val="lt1"/>
+            </a:fontRef>
+          </p:style>
+          <p:txBody>
+            <a:bodyPr rtlCol="0" anchor="ctr"/>
+            <a:lstStyle/>
+            <a:p>
+              <a:pPr algn="ctr"/>
+              <a:endParaRPr lang="en-US" dirty="0"/>
+            </a:p>
+          </p:txBody>
+        </p:sp>
+        <p:pic>
+          <p:nvPicPr>
+            <p:cNvPr id="20" name="Picture 19" descr="Docker full logo transparent PNG - StickPNG">
+              <a:extLst>
+                <a:ext uri="{FF2B5EF4-FFF2-40B4-BE49-F238E27FC236}">
+                  <a16:creationId xmlns:a16="http://schemas.microsoft.com/office/drawing/2014/main" id="{B61B9E09-C27B-EB0E-47A6-91F9D39E6DFB}"/>
+                </a:ext>
+              </a:extLst>
+            </p:cNvPr>
+            <p:cNvPicPr>
+              <a:picLocks noChangeAspect="1"/>
+            </p:cNvPicPr>
+            <p:nvPr/>
+          </p:nvPicPr>
+          <p:blipFill>
+            <a:blip r:embed="rId3"/>
+            <a:stretch>
+              <a:fillRect/>
+            </a:stretch>
+          </p:blipFill>
+          <p:spPr>
+            <a:xfrm>
+              <a:off x="6223506" y="1694356"/>
+              <a:ext cx="376356" cy="376356"/>
+            </a:xfrm>
+            <a:prstGeom prst="rect">
+              <a:avLst/>
+            </a:prstGeom>
+          </p:spPr>
+        </p:pic>
+        <p:sp>
+          <p:nvSpPr>
+            <p:cNvPr id="22" name="TextBox 21">
+              <a:extLst>
+                <a:ext uri="{FF2B5EF4-FFF2-40B4-BE49-F238E27FC236}">
+                  <a16:creationId xmlns:a16="http://schemas.microsoft.com/office/drawing/2014/main" id="{8CEEAB18-094A-99C2-068A-EDECD2275B09}"/>
+                </a:ext>
+              </a:extLst>
+            </p:cNvPr>
+            <p:cNvSpPr txBox="1"/>
+            <p:nvPr/>
+          </p:nvSpPr>
+          <p:spPr>
+            <a:xfrm>
+              <a:off x="6555578" y="1751107"/>
+              <a:ext cx="960660" cy="261610"/>
+            </a:xfrm>
+            <a:prstGeom prst="rect">
+              <a:avLst/>
+            </a:prstGeom>
+            <a:noFill/>
+          </p:spPr>
+          <p:txBody>
+            <a:bodyPr wrap="square">
+              <a:spAutoFit/>
+            </a:bodyPr>
+            <a:lstStyle/>
+            <a:p>
+              <a:r>
+                <a:rPr lang="en-US" sz="1100" dirty="0">
+                  <a:solidFill>
+                    <a:schemeClr val="bg1"/>
+                  </a:solidFill>
+                  <a:latin typeface="Segoe UI" panose="020B0502040204020203" pitchFamily="34" charset="0"/>
+                  <a:cs typeface="Segoe UI" panose="020B0502040204020203" pitchFamily="34" charset="0"/>
+                </a:rPr>
+                <a:t>Container</a:t>
+              </a:r>
+            </a:p>
+          </p:txBody>
+        </p:sp>
+      </p:grpSp>
+      <p:sp>
+        <p:nvSpPr>
+          <p:cNvPr id="2" name="Title 1">
+            <a:extLst>
+              <a:ext uri="{FF2B5EF4-FFF2-40B4-BE49-F238E27FC236}">
+                <a16:creationId xmlns:a16="http://schemas.microsoft.com/office/drawing/2014/main" id="{A5C86965-2691-0772-FAE9-26ACD5BA59AD}"/>
+              </a:ext>
+            </a:extLst>
+          </p:cNvPr>
+          <p:cNvSpPr>
+            <a:spLocks noGrp="1"/>
+          </p:cNvSpPr>
+          <p:nvPr>
+            <p:ph type="ctrTitle"/>
+          </p:nvPr>
+        </p:nvSpPr>
+        <p:spPr>
+          <a:xfrm>
+            <a:off x="812432" y="316849"/>
+            <a:ext cx="10567135" cy="750709"/>
+          </a:xfrm>
+        </p:spPr>
+        <p:txBody>
+          <a:bodyPr>
+            <a:normAutofit fontScale="90000"/>
+          </a:bodyPr>
+          <a:lstStyle/>
+          <a:p>
+            <a:r>
+              <a:rPr lang="en-US" sz="4000" dirty="0">
+                <a:latin typeface="Segoe UI" panose="020B0502040204020203" pitchFamily="34" charset="0"/>
+                <a:cs typeface="Segoe UI" panose="020B0502040204020203" pitchFamily="34" charset="0"/>
+              </a:rPr>
+              <a:t>MVP - Architecture Diagram</a:t>
+            </a:r>
+            <a:br>
+              <a:rPr lang="en-US" sz="4000" dirty="0">
+                <a:latin typeface="Segoe UI" panose="020B0502040204020203" pitchFamily="34" charset="0"/>
+                <a:cs typeface="Segoe UI" panose="020B0502040204020203" pitchFamily="34" charset="0"/>
+              </a:rPr>
+            </a:br>
+            <a:r>
+              <a:rPr lang="en-US" sz="3100" dirty="0">
+                <a:latin typeface="Segoe UI" panose="020B0502040204020203" pitchFamily="34" charset="0"/>
+                <a:cs typeface="Segoe UI" panose="020B0502040204020203" pitchFamily="34" charset="0"/>
+              </a:rPr>
+              <a:t>(Decoupled Agents/MCP-servers as Docker containers)</a:t>
+            </a:r>
+            <a:endParaRPr lang="en-US" sz="4000" dirty="0">
+              <a:latin typeface="Segoe UI" panose="020B0502040204020203" pitchFamily="34" charset="0"/>
+              <a:cs typeface="Segoe UI" panose="020B0502040204020203" pitchFamily="34" charset="0"/>
+            </a:endParaRPr>
+          </a:p>
+        </p:txBody>
+      </p:sp>
       <p:sp>
         <p:nvSpPr>
           <p:cNvPr id="5" name="Rectangle: Rounded Corners 4">
@@ -7064,7 +7722,7 @@
         </p:nvSpPr>
         <p:spPr>
           <a:xfrm>
-            <a:off x="5481976" y="2110236"/>
+            <a:off x="5667504" y="2110236"/>
             <a:ext cx="2047461" cy="1103244"/>
           </a:xfrm>
           <a:prstGeom prst="roundRect">
@@ -7118,7 +7776,7 @@
         </p:nvSpPr>
         <p:spPr>
           <a:xfrm>
-            <a:off x="6141591" y="2097208"/>
+            <a:off x="6327119" y="2097208"/>
             <a:ext cx="1189346" cy="523220"/>
           </a:xfrm>
           <a:prstGeom prst="rect">
@@ -7173,14 +7831,14 @@
           <p:nvPr/>
         </p:nvPicPr>
         <p:blipFill>
-          <a:blip r:embed="rId3"/>
+          <a:blip r:embed="rId4"/>
           <a:stretch>
             <a:fillRect/>
           </a:stretch>
         </p:blipFill>
         <p:spPr>
           <a:xfrm>
-            <a:off x="5596332" y="2143406"/>
+            <a:off x="5781860" y="2143406"/>
             <a:ext cx="500312" cy="443353"/>
           </a:xfrm>
           <a:prstGeom prst="rect">
@@ -7204,7 +7862,7 @@
         </p:nvSpPr>
         <p:spPr>
           <a:xfrm>
-            <a:off x="9785225" y="3541297"/>
+            <a:off x="10421321" y="3541297"/>
             <a:ext cx="439592" cy="439592"/>
           </a:xfrm>
           <a:prstGeom prst="flowChartConnector">
@@ -7259,7 +7917,7 @@
           <p:nvPr/>
         </p:nvPicPr>
         <p:blipFill rotWithShape="1">
-          <a:blip r:embed="rId4">
+          <a:blip r:embed="rId5">
             <a:extLst>
               <a:ext uri="{28A0092B-C50C-407E-A947-70E740481C1C}">
                 <a14:useLocalDpi xmlns:a14="http://schemas.microsoft.com/office/drawing/2010/main" val="0"/>
@@ -7273,7 +7931,7 @@
         </p:blipFill>
         <p:spPr bwMode="auto">
           <a:xfrm>
-            <a:off x="9905821" y="3662439"/>
+            <a:off x="10541917" y="3662439"/>
             <a:ext cx="198400" cy="197308"/>
           </a:xfrm>
           <a:prstGeom prst="rect">
@@ -7305,7 +7963,7 @@
         </p:nvSpPr>
         <p:spPr>
           <a:xfrm>
-            <a:off x="9783123" y="3976841"/>
+            <a:off x="10419219" y="3976841"/>
             <a:ext cx="443795" cy="230832"/>
           </a:xfrm>
           <a:prstGeom prst="rect">
@@ -7453,7 +8111,7 @@
           <p:nvPr/>
         </p:nvPicPr>
         <p:blipFill rotWithShape="1">
-          <a:blip r:embed="rId5">
+          <a:blip r:embed="rId6">
             <a:clrChange>
               <a:clrFrom>
                 <a:srgbClr val="FFFFFF"/>
@@ -7595,13 +8253,14 @@
           </p:cNvPr>
           <p:cNvCxnSpPr>
             <a:cxnSpLocks/>
+            <a:endCxn id="5" idx="1"/>
           </p:cNvCxnSpPr>
           <p:nvPr/>
         </p:nvCxnSpPr>
         <p:spPr>
           <a:xfrm flipV="1">
-            <a:off x="4681437" y="2673418"/>
-            <a:ext cx="800539" cy="261889"/>
+            <a:off x="4681437" y="2661858"/>
+            <a:ext cx="986067" cy="273449"/>
           </a:xfrm>
           <a:prstGeom prst="straightConnector1">
             <a:avLst/>
@@ -7641,7 +8300,7 @@
           <p:nvPr/>
         </p:nvPicPr>
         <p:blipFill>
-          <a:blip r:embed="rId6"/>
+          <a:blip r:embed="rId7"/>
           <a:stretch>
             <a:fillRect/>
           </a:stretch>
@@ -7732,8 +8391,8 @@
         </p:nvSpPr>
         <p:spPr>
           <a:xfrm>
-            <a:off x="4698911" y="2358818"/>
-            <a:ext cx="795129" cy="430887"/>
+            <a:off x="4724045" y="2556721"/>
+            <a:ext cx="795129" cy="253916"/>
           </a:xfrm>
           <a:prstGeom prst="rect">
             <a:avLst/>
@@ -7752,17 +8411,7 @@
                 <a:latin typeface="Segoe UI" panose="020B0502040204020203" pitchFamily="34" charset="0"/>
                 <a:cs typeface="Segoe UI" panose="020B0502040204020203" pitchFamily="34" charset="0"/>
               </a:rPr>
-              <a:t>MCP</a:t>
-            </a:r>
-          </a:p>
-          <a:p>
-            <a:pPr algn="ctr"/>
-            <a:r>
-              <a:rPr lang="en-US" sz="1050" dirty="0">
-                <a:latin typeface="Segoe UI" panose="020B0502040204020203" pitchFamily="34" charset="0"/>
-                <a:cs typeface="Segoe UI" panose="020B0502040204020203" pitchFamily="34" charset="0"/>
-              </a:rPr>
-              <a:t>(stdio)</a:t>
+              <a:t>HTTP</a:t>
             </a:r>
           </a:p>
         </p:txBody>
@@ -7782,7 +8431,7 @@
           <p:nvPr/>
         </p:nvPicPr>
         <p:blipFill rotWithShape="1">
-          <a:blip r:embed="rId7">
+          <a:blip r:embed="rId8">
             <a:clrChange>
               <a:clrFrom>
                 <a:srgbClr val="FFFFFF"/>
@@ -7806,7 +8455,7 @@
         </p:blipFill>
         <p:spPr bwMode="auto">
           <a:xfrm>
-            <a:off x="6414334" y="2673417"/>
+            <a:off x="6599862" y="2673417"/>
             <a:ext cx="200765" cy="258486"/>
           </a:xfrm>
           <a:prstGeom prst="rect">
@@ -7839,7 +8488,7 @@
           <p:nvPr/>
         </p:nvPicPr>
         <p:blipFill>
-          <a:blip r:embed="rId8">
+          <a:blip r:embed="rId9">
             <a:extLst>
               <a:ext uri="{28A0092B-C50C-407E-A947-70E740481C1C}">
                 <a14:useLocalDpi xmlns:a14="http://schemas.microsoft.com/office/drawing/2010/main" val="0"/>
@@ -7853,7 +8502,7 @@
         </p:blipFill>
         <p:spPr bwMode="auto">
           <a:xfrm>
-            <a:off x="5697796" y="2673417"/>
+            <a:off x="5883324" y="2673417"/>
             <a:ext cx="261889" cy="261889"/>
           </a:xfrm>
           <a:prstGeom prst="rect">
@@ -7886,7 +8535,7 @@
           <p:nvPr/>
         </p:nvPicPr>
         <p:blipFill>
-          <a:blip r:embed="rId9">
+          <a:blip r:embed="rId10">
             <a:extLst>
               <a:ext uri="{28A0092B-C50C-407E-A947-70E740481C1C}">
                 <a14:useLocalDpi xmlns:a14="http://schemas.microsoft.com/office/drawing/2010/main" val="0"/>
@@ -7900,7 +8549,7 @@
         </p:blipFill>
         <p:spPr bwMode="auto">
           <a:xfrm>
-            <a:off x="6962461" y="2677537"/>
+            <a:off x="7147989" y="2677537"/>
             <a:ext cx="261889" cy="261889"/>
           </a:xfrm>
           <a:prstGeom prst="rect">
@@ -7932,7 +8581,7 @@
         </p:nvSpPr>
         <p:spPr>
           <a:xfrm>
-            <a:off x="6203299" y="2886547"/>
+            <a:off x="6388827" y="2886547"/>
             <a:ext cx="604720" cy="338554"/>
           </a:xfrm>
           <a:prstGeom prst="rect">
@@ -7981,7 +8630,7 @@
         </p:nvSpPr>
         <p:spPr>
           <a:xfrm>
-            <a:off x="5416484" y="2890901"/>
+            <a:off x="5602012" y="2890901"/>
             <a:ext cx="852284" cy="338554"/>
           </a:xfrm>
           <a:prstGeom prst="rect">
@@ -8020,7 +8669,7 @@
         </p:nvSpPr>
         <p:spPr>
           <a:xfrm>
-            <a:off x="6812444" y="2931903"/>
+            <a:off x="6997972" y="2931903"/>
             <a:ext cx="604720" cy="215444"/>
           </a:xfrm>
           <a:prstGeom prst="rect">
@@ -8059,7 +8708,7 @@
         </p:nvSpPr>
         <p:spPr>
           <a:xfrm>
-            <a:off x="8169033" y="2110236"/>
+            <a:off x="8805129" y="2110236"/>
             <a:ext cx="2047461" cy="1103244"/>
           </a:xfrm>
           <a:prstGeom prst="roundRect">
@@ -8113,7 +8762,7 @@
         </p:nvSpPr>
         <p:spPr>
           <a:xfrm>
-            <a:off x="8828648" y="2097208"/>
+            <a:off x="9464744" y="2097208"/>
             <a:ext cx="1189346" cy="523220"/>
           </a:xfrm>
           <a:prstGeom prst="rect">
@@ -8168,14 +8817,14 @@
           <p:nvPr/>
         </p:nvPicPr>
         <p:blipFill>
-          <a:blip r:embed="rId3"/>
+          <a:blip r:embed="rId4"/>
           <a:stretch>
             <a:fillRect/>
           </a:stretch>
         </p:blipFill>
         <p:spPr>
           <a:xfrm>
-            <a:off x="8283389" y="2143406"/>
+            <a:off x="8919485" y="2143406"/>
             <a:ext cx="500312" cy="443353"/>
           </a:xfrm>
           <a:prstGeom prst="rect">
@@ -8198,7 +8847,7 @@
           <p:nvPr/>
         </p:nvPicPr>
         <p:blipFill rotWithShape="1">
-          <a:blip r:embed="rId7">
+          <a:blip r:embed="rId8">
             <a:clrChange>
               <a:clrFrom>
                 <a:srgbClr val="FFFFFF"/>
@@ -8222,7 +8871,7 @@
         </p:blipFill>
         <p:spPr bwMode="auto">
           <a:xfrm>
-            <a:off x="9101391" y="2673417"/>
+            <a:off x="9737487" y="2673417"/>
             <a:ext cx="200765" cy="258486"/>
           </a:xfrm>
           <a:prstGeom prst="rect">
@@ -8255,7 +8904,7 @@
           <p:nvPr/>
         </p:nvPicPr>
         <p:blipFill>
-          <a:blip r:embed="rId8">
+          <a:blip r:embed="rId9">
             <a:extLst>
               <a:ext uri="{28A0092B-C50C-407E-A947-70E740481C1C}">
                 <a14:useLocalDpi xmlns:a14="http://schemas.microsoft.com/office/drawing/2010/main" val="0"/>
@@ -8269,7 +8918,7 @@
         </p:blipFill>
         <p:spPr bwMode="auto">
           <a:xfrm>
-            <a:off x="8384853" y="2673417"/>
+            <a:off x="9020949" y="2673417"/>
             <a:ext cx="261889" cy="261889"/>
           </a:xfrm>
           <a:prstGeom prst="rect">
@@ -8302,7 +8951,7 @@
           <p:nvPr/>
         </p:nvPicPr>
         <p:blipFill>
-          <a:blip r:embed="rId9">
+          <a:blip r:embed="rId10">
             <a:extLst>
               <a:ext uri="{28A0092B-C50C-407E-A947-70E740481C1C}">
                 <a14:useLocalDpi xmlns:a14="http://schemas.microsoft.com/office/drawing/2010/main" val="0"/>
@@ -8316,7 +8965,7 @@
         </p:blipFill>
         <p:spPr bwMode="auto">
           <a:xfrm>
-            <a:off x="9649518" y="2677537"/>
+            <a:off x="10285614" y="2677537"/>
             <a:ext cx="261889" cy="261889"/>
           </a:xfrm>
           <a:prstGeom prst="rect">
@@ -8348,7 +8997,7 @@
         </p:nvSpPr>
         <p:spPr>
           <a:xfrm>
-            <a:off x="8890356" y="2886547"/>
+            <a:off x="9526452" y="2886547"/>
             <a:ext cx="604720" cy="338554"/>
           </a:xfrm>
           <a:prstGeom prst="rect">
@@ -8397,7 +9046,7 @@
         </p:nvSpPr>
         <p:spPr>
           <a:xfrm>
-            <a:off x="8103541" y="2890901"/>
+            <a:off x="8739637" y="2890901"/>
             <a:ext cx="852284" cy="338554"/>
           </a:xfrm>
           <a:prstGeom prst="rect">
@@ -8436,7 +9085,7 @@
         </p:nvSpPr>
         <p:spPr>
           <a:xfrm>
-            <a:off x="9499501" y="2931903"/>
+            <a:off x="10135597" y="2931903"/>
             <a:ext cx="604720" cy="215444"/>
           </a:xfrm>
           <a:prstGeom prst="rect">
@@ -8477,7 +9126,7 @@
         </p:nvSpPr>
         <p:spPr>
           <a:xfrm>
-            <a:off x="7111141" y="3541297"/>
+            <a:off x="7296669" y="3541297"/>
             <a:ext cx="439592" cy="439592"/>
           </a:xfrm>
           <a:prstGeom prst="flowChartConnector">
@@ -8532,7 +9181,7 @@
           <p:nvPr/>
         </p:nvPicPr>
         <p:blipFill rotWithShape="1">
-          <a:blip r:embed="rId4">
+          <a:blip r:embed="rId5">
             <a:extLst>
               <a:ext uri="{28A0092B-C50C-407E-A947-70E740481C1C}">
                 <a14:useLocalDpi xmlns:a14="http://schemas.microsoft.com/office/drawing/2010/main" val="0"/>
@@ -8546,7 +9195,7 @@
         </p:blipFill>
         <p:spPr bwMode="auto">
           <a:xfrm>
-            <a:off x="7231737" y="3662439"/>
+            <a:off x="7417265" y="3662439"/>
             <a:ext cx="198400" cy="197308"/>
           </a:xfrm>
           <a:prstGeom prst="rect">
@@ -8578,7 +9227,7 @@
         </p:nvSpPr>
         <p:spPr>
           <a:xfrm>
-            <a:off x="7109039" y="3976841"/>
+            <a:off x="7294567" y="3976841"/>
             <a:ext cx="443795" cy="230832"/>
           </a:xfrm>
           <a:prstGeom prst="rect">
@@ -8617,7 +9266,7 @@
         </p:nvSpPr>
         <p:spPr>
           <a:xfrm>
-            <a:off x="6934740" y="4426816"/>
+            <a:off x="6934740" y="4731612"/>
             <a:ext cx="2047461" cy="1103244"/>
           </a:xfrm>
           <a:prstGeom prst="roundRect">
@@ -8671,7 +9320,7 @@
         </p:nvSpPr>
         <p:spPr>
           <a:xfrm>
-            <a:off x="7487287" y="4413788"/>
+            <a:off x="7487287" y="4718584"/>
             <a:ext cx="1552064" cy="523220"/>
           </a:xfrm>
           <a:prstGeom prst="rect">
@@ -8726,7 +9375,7 @@
           <p:nvPr/>
         </p:nvPicPr>
         <p:blipFill>
-          <a:blip r:embed="rId8">
+          <a:blip r:embed="rId9">
             <a:extLst>
               <a:ext uri="{28A0092B-C50C-407E-A947-70E740481C1C}">
                 <a14:useLocalDpi xmlns:a14="http://schemas.microsoft.com/office/drawing/2010/main" val="0"/>
@@ -8740,7 +9389,7 @@
         </p:blipFill>
         <p:spPr bwMode="auto">
           <a:xfrm>
-            <a:off x="7150560" y="4989997"/>
+            <a:off x="7150560" y="5294793"/>
             <a:ext cx="261889" cy="261889"/>
           </a:xfrm>
           <a:prstGeom prst="rect">
@@ -8773,7 +9422,7 @@
           <p:nvPr/>
         </p:nvPicPr>
         <p:blipFill>
-          <a:blip r:embed="rId9">
+          <a:blip r:embed="rId10">
             <a:extLst>
               <a:ext uri="{28A0092B-C50C-407E-A947-70E740481C1C}">
                 <a14:useLocalDpi xmlns:a14="http://schemas.microsoft.com/office/drawing/2010/main" val="0"/>
@@ -8787,7 +9436,7 @@
         </p:blipFill>
         <p:spPr bwMode="auto">
           <a:xfrm>
-            <a:off x="8415225" y="4994117"/>
+            <a:off x="8415225" y="5298913"/>
             <a:ext cx="261889" cy="261889"/>
           </a:xfrm>
           <a:prstGeom prst="rect">
@@ -8819,7 +9468,7 @@
         </p:nvSpPr>
         <p:spPr>
           <a:xfrm>
-            <a:off x="6869248" y="5207481"/>
+            <a:off x="6869248" y="5512277"/>
             <a:ext cx="852284" cy="338554"/>
           </a:xfrm>
           <a:prstGeom prst="rect">
@@ -8858,7 +9507,7 @@
         </p:nvSpPr>
         <p:spPr>
           <a:xfrm>
-            <a:off x="8265208" y="5248483"/>
+            <a:off x="8265208" y="5553279"/>
             <a:ext cx="604720" cy="215444"/>
           </a:xfrm>
           <a:prstGeom prst="rect">
@@ -8898,14 +9547,14 @@
           <p:nvPr/>
         </p:nvPicPr>
         <p:blipFill>
-          <a:blip r:embed="rId10"/>
+          <a:blip r:embed="rId11"/>
           <a:stretch>
             <a:fillRect/>
           </a:stretch>
         </p:blipFill>
         <p:spPr>
           <a:xfrm>
-            <a:off x="7013466" y="4478146"/>
+            <a:off x="7013466" y="4782942"/>
             <a:ext cx="364617" cy="407200"/>
           </a:xfrm>
           <a:prstGeom prst="rect">
@@ -8913,51 +9562,6 @@
           </a:prstGeom>
         </p:spPr>
       </p:pic>
-      <p:cxnSp>
-        <p:nvCxnSpPr>
-          <p:cNvPr id="23587" name="Straight Arrow Connector 23586">
-            <a:extLst>
-              <a:ext uri="{FF2B5EF4-FFF2-40B4-BE49-F238E27FC236}">
-                <a16:creationId xmlns:a16="http://schemas.microsoft.com/office/drawing/2014/main" id="{01E7B567-89C3-DA16-96AE-628E3C31E061}"/>
-              </a:ext>
-            </a:extLst>
-          </p:cNvPr>
-          <p:cNvCxnSpPr>
-            <a:stCxn id="48" idx="2"/>
-            <a:endCxn id="23563" idx="1"/>
-          </p:cNvCxnSpPr>
-          <p:nvPr/>
-        </p:nvCxnSpPr>
-        <p:spPr>
-          <a:xfrm>
-            <a:off x="4168230" y="3074989"/>
-            <a:ext cx="2766510" cy="1903449"/>
-          </a:xfrm>
-          <a:prstGeom prst="straightConnector1">
-            <a:avLst/>
-          </a:prstGeom>
-          <a:ln>
-            <a:solidFill>
-              <a:schemeClr val="tx1"/>
-            </a:solidFill>
-            <a:tailEnd type="triangle"/>
-          </a:ln>
-        </p:spPr>
-        <p:style>
-          <a:lnRef idx="2">
-            <a:schemeClr val="accent1"/>
-          </a:lnRef>
-          <a:fillRef idx="0">
-            <a:schemeClr val="accent1"/>
-          </a:fillRef>
-          <a:effectRef idx="1">
-            <a:schemeClr val="accent1"/>
-          </a:effectRef>
-          <a:fontRef idx="minor">
-            <a:schemeClr val="tx1"/>
-          </a:fontRef>
-        </p:style>
-      </p:cxnSp>
       <p:cxnSp>
         <p:nvCxnSpPr>
           <p:cNvPr id="23588" name="Straight Arrow Connector 23587">
@@ -8975,8 +9579,8 @@
         </p:nvCxnSpPr>
         <p:spPr>
           <a:xfrm flipH="1">
-            <a:off x="7952187" y="3229455"/>
-            <a:ext cx="577496" cy="1210827"/>
+            <a:off x="8556999" y="3229455"/>
+            <a:ext cx="608780" cy="1502157"/>
           </a:xfrm>
           <a:prstGeom prst="straightConnector1">
             <a:avLst/>
@@ -9020,7 +9624,7 @@
         </p:nvCxnSpPr>
         <p:spPr>
           <a:xfrm rot="16200000" flipH="1">
-            <a:off x="6650302" y="3080457"/>
+            <a:off x="6835830" y="3080457"/>
             <a:ext cx="380573" cy="669859"/>
           </a:xfrm>
           <a:prstGeom prst="curvedConnector3">
@@ -9067,7 +9671,7 @@
         </p:nvCxnSpPr>
         <p:spPr>
           <a:xfrm rot="16200000" flipH="1">
-            <a:off x="9330873" y="3086944"/>
+            <a:off x="9966969" y="3086944"/>
             <a:ext cx="380573" cy="656886"/>
           </a:xfrm>
           <a:prstGeom prst="curvedConnector3">
@@ -9116,8 +9720,8 @@
         </p:nvCxnSpPr>
         <p:spPr>
           <a:xfrm>
-            <a:off x="7529437" y="2661858"/>
-            <a:ext cx="639596" cy="0"/>
+            <a:off x="7714965" y="2661858"/>
+            <a:ext cx="1090164" cy="0"/>
           </a:xfrm>
           <a:prstGeom prst="straightConnector1">
             <a:avLst/>
@@ -9144,10 +9748,10 @@
       </p:cxnSp>
       <p:sp>
         <p:nvSpPr>
-          <p:cNvPr id="23601" name="TextBox 23600">
-            <a:extLst>
-              <a:ext uri="{FF2B5EF4-FFF2-40B4-BE49-F238E27FC236}">
-                <a16:creationId xmlns:a16="http://schemas.microsoft.com/office/drawing/2014/main" id="{13DC7F95-C942-7EF8-3245-A84B35BF8CFF}"/>
+          <p:cNvPr id="23602" name="TextBox 23601">
+            <a:extLst>
+              <a:ext uri="{FF2B5EF4-FFF2-40B4-BE49-F238E27FC236}">
+                <a16:creationId xmlns:a16="http://schemas.microsoft.com/office/drawing/2014/main" id="{50981839-858B-B9DC-B3C5-95B3058A1D8A}"/>
               </a:ext>
             </a:extLst>
           </p:cNvPr>
@@ -9156,8 +9760,8 @@
         </p:nvSpPr>
         <p:spPr>
           <a:xfrm>
-            <a:off x="5027544" y="4026713"/>
-            <a:ext cx="795129" cy="430887"/>
+            <a:off x="7812609" y="2636403"/>
+            <a:ext cx="795129" cy="253916"/>
           </a:xfrm>
           <a:prstGeom prst="rect">
             <a:avLst/>
@@ -9176,9 +9780,38 @@
                 <a:latin typeface="Segoe UI" panose="020B0502040204020203" pitchFamily="34" charset="0"/>
                 <a:cs typeface="Segoe UI" panose="020B0502040204020203" pitchFamily="34" charset="0"/>
               </a:rPr>
-              <a:t>MCP</a:t>
-            </a:r>
-          </a:p>
+              <a:t>HTTP</a:t>
+            </a:r>
+          </a:p>
+        </p:txBody>
+      </p:sp>
+      <p:sp>
+        <p:nvSpPr>
+          <p:cNvPr id="23603" name="TextBox 23602">
+            <a:extLst>
+              <a:ext uri="{FF2B5EF4-FFF2-40B4-BE49-F238E27FC236}">
+                <a16:creationId xmlns:a16="http://schemas.microsoft.com/office/drawing/2014/main" id="{06EC5741-478D-1D2E-A6E2-0BD464970AF4}"/>
+              </a:ext>
+            </a:extLst>
+          </p:cNvPr>
+          <p:cNvSpPr txBox="1"/>
+          <p:nvPr/>
+        </p:nvSpPr>
+        <p:spPr>
+          <a:xfrm>
+            <a:off x="8767010" y="3646540"/>
+            <a:ext cx="795129" cy="253916"/>
+          </a:xfrm>
+          <a:prstGeom prst="rect">
+            <a:avLst/>
+          </a:prstGeom>
+          <a:noFill/>
+        </p:spPr>
+        <p:txBody>
+          <a:bodyPr wrap="square">
+            <a:spAutoFit/>
+          </a:bodyPr>
+          <a:lstStyle/>
           <a:p>
             <a:pPr algn="ctr"/>
             <a:r>
@@ -9186,105 +9819,7 @@
                 <a:latin typeface="Segoe UI" panose="020B0502040204020203" pitchFamily="34" charset="0"/>
                 <a:cs typeface="Segoe UI" panose="020B0502040204020203" pitchFamily="34" charset="0"/>
               </a:rPr>
-              <a:t>(stdio)</a:t>
-            </a:r>
-          </a:p>
-        </p:txBody>
-      </p:sp>
-      <p:sp>
-        <p:nvSpPr>
-          <p:cNvPr id="23602" name="TextBox 23601">
-            <a:extLst>
-              <a:ext uri="{FF2B5EF4-FFF2-40B4-BE49-F238E27FC236}">
-                <a16:creationId xmlns:a16="http://schemas.microsoft.com/office/drawing/2014/main" id="{50981839-858B-B9DC-B3C5-95B3058A1D8A}"/>
-              </a:ext>
-            </a:extLst>
-          </p:cNvPr>
-          <p:cNvSpPr txBox="1"/>
-          <p:nvPr/>
-        </p:nvSpPr>
-        <p:spPr>
-          <a:xfrm>
-            <a:off x="7455631" y="2636403"/>
-            <a:ext cx="795129" cy="430887"/>
-          </a:xfrm>
-          <a:prstGeom prst="rect">
-            <a:avLst/>
-          </a:prstGeom>
-          <a:noFill/>
-        </p:spPr>
-        <p:txBody>
-          <a:bodyPr wrap="square">
-            <a:spAutoFit/>
-          </a:bodyPr>
-          <a:lstStyle/>
-          <a:p>
-            <a:pPr algn="ctr"/>
-            <a:r>
-              <a:rPr lang="en-US" sz="1050" dirty="0">
-                <a:latin typeface="Segoe UI" panose="020B0502040204020203" pitchFamily="34" charset="0"/>
-                <a:cs typeface="Segoe UI" panose="020B0502040204020203" pitchFamily="34" charset="0"/>
-              </a:rPr>
-              <a:t>MCP</a:t>
-            </a:r>
-          </a:p>
-          <a:p>
-            <a:pPr algn="ctr"/>
-            <a:r>
-              <a:rPr lang="en-US" sz="1050" dirty="0">
-                <a:latin typeface="Segoe UI" panose="020B0502040204020203" pitchFamily="34" charset="0"/>
-                <a:cs typeface="Segoe UI" panose="020B0502040204020203" pitchFamily="34" charset="0"/>
-              </a:rPr>
-              <a:t>(stdio)</a:t>
-            </a:r>
-          </a:p>
-        </p:txBody>
-      </p:sp>
-      <p:sp>
-        <p:nvSpPr>
-          <p:cNvPr id="23603" name="TextBox 23602">
-            <a:extLst>
-              <a:ext uri="{FF2B5EF4-FFF2-40B4-BE49-F238E27FC236}">
-                <a16:creationId xmlns:a16="http://schemas.microsoft.com/office/drawing/2014/main" id="{06EC5741-478D-1D2E-A6E2-0BD464970AF4}"/>
-              </a:ext>
-            </a:extLst>
-          </p:cNvPr>
-          <p:cNvSpPr txBox="1"/>
-          <p:nvPr/>
-        </p:nvSpPr>
-        <p:spPr>
-          <a:xfrm>
-            <a:off x="8095227" y="3626874"/>
-            <a:ext cx="795129" cy="430887"/>
-          </a:xfrm>
-          <a:prstGeom prst="rect">
-            <a:avLst/>
-          </a:prstGeom>
-          <a:noFill/>
-        </p:spPr>
-        <p:txBody>
-          <a:bodyPr wrap="square">
-            <a:spAutoFit/>
-          </a:bodyPr>
-          <a:lstStyle/>
-          <a:p>
-            <a:pPr algn="ctr"/>
-            <a:r>
-              <a:rPr lang="en-US" sz="1050" dirty="0">
-                <a:latin typeface="Segoe UI" panose="020B0502040204020203" pitchFamily="34" charset="0"/>
-                <a:cs typeface="Segoe UI" panose="020B0502040204020203" pitchFamily="34" charset="0"/>
-              </a:rPr>
-              <a:t>MCP</a:t>
-            </a:r>
-          </a:p>
-          <a:p>
-            <a:pPr algn="ctr"/>
-            <a:r>
-              <a:rPr lang="en-US" sz="1050" dirty="0">
-                <a:latin typeface="Segoe UI" panose="020B0502040204020203" pitchFamily="34" charset="0"/>
-                <a:cs typeface="Segoe UI" panose="020B0502040204020203" pitchFamily="34" charset="0"/>
-              </a:rPr>
-              <a:t>(stdio)</a:t>
+              <a:t>HTTP</a:t>
             </a:r>
           </a:p>
         </p:txBody>
@@ -9306,8 +9841,8 @@
         </p:nvCxnSpPr>
         <p:spPr>
           <a:xfrm>
-            <a:off x="5842626" y="3229455"/>
-            <a:ext cx="1170840" cy="1239153"/>
+            <a:off x="6028154" y="3229455"/>
+            <a:ext cx="1267236" cy="1498820"/>
           </a:xfrm>
           <a:prstGeom prst="straightConnector1">
             <a:avLst/>
@@ -9348,8 +9883,8 @@
         </p:nvSpPr>
         <p:spPr>
           <a:xfrm>
-            <a:off x="5849167" y="3748867"/>
-            <a:ext cx="795129" cy="430887"/>
+            <a:off x="5931439" y="3748867"/>
+            <a:ext cx="795129" cy="253916"/>
           </a:xfrm>
           <a:prstGeom prst="rect">
             <a:avLst/>
@@ -9368,9 +9903,1678 @@
                 <a:latin typeface="Segoe UI" panose="020B0502040204020203" pitchFamily="34" charset="0"/>
                 <a:cs typeface="Segoe UI" panose="020B0502040204020203" pitchFamily="34" charset="0"/>
               </a:rPr>
+              <a:t>HTTP</a:t>
+            </a:r>
+          </a:p>
+        </p:txBody>
+      </p:sp>
+      <p:cxnSp>
+        <p:nvCxnSpPr>
+          <p:cNvPr id="6" name="Straight Arrow Connector 5">
+            <a:extLst>
+              <a:ext uri="{FF2B5EF4-FFF2-40B4-BE49-F238E27FC236}">
+                <a16:creationId xmlns:a16="http://schemas.microsoft.com/office/drawing/2014/main" id="{987C8BE9-C9B0-2940-6549-D8DB2C4C2A3D}"/>
+              </a:ext>
+            </a:extLst>
+          </p:cNvPr>
+          <p:cNvCxnSpPr/>
+          <p:nvPr/>
+        </p:nvCxnSpPr>
+        <p:spPr>
+          <a:xfrm>
+            <a:off x="4168230" y="3074989"/>
+            <a:ext cx="2766510" cy="1903449"/>
+          </a:xfrm>
+          <a:prstGeom prst="straightConnector1">
+            <a:avLst/>
+          </a:prstGeom>
+          <a:ln>
+            <a:solidFill>
+              <a:schemeClr val="bg1">
+                <a:lumMod val="75000"/>
+              </a:schemeClr>
+            </a:solidFill>
+            <a:prstDash val="lgDash"/>
+            <a:tailEnd type="triangle"/>
+          </a:ln>
+        </p:spPr>
+        <p:style>
+          <a:lnRef idx="2">
+            <a:schemeClr val="accent1"/>
+          </a:lnRef>
+          <a:fillRef idx="0">
+            <a:schemeClr val="accent1"/>
+          </a:fillRef>
+          <a:effectRef idx="1">
+            <a:schemeClr val="accent1"/>
+          </a:effectRef>
+          <a:fontRef idx="minor">
+            <a:schemeClr val="tx1"/>
+          </a:fontRef>
+        </p:style>
+      </p:cxnSp>
+      <p:sp>
+        <p:nvSpPr>
+          <p:cNvPr id="8" name="TextBox 7">
+            <a:extLst>
+              <a:ext uri="{FF2B5EF4-FFF2-40B4-BE49-F238E27FC236}">
+                <a16:creationId xmlns:a16="http://schemas.microsoft.com/office/drawing/2014/main" id="{34C22A73-B64D-CA8D-03CD-4D81FDDD1D90}"/>
+              </a:ext>
+            </a:extLst>
+          </p:cNvPr>
+          <p:cNvSpPr txBox="1"/>
+          <p:nvPr/>
+        </p:nvSpPr>
+        <p:spPr>
+          <a:xfrm>
+            <a:off x="4969178" y="3982901"/>
+            <a:ext cx="795129" cy="430887"/>
+          </a:xfrm>
+          <a:prstGeom prst="rect">
+            <a:avLst/>
+          </a:prstGeom>
+          <a:noFill/>
+        </p:spPr>
+        <p:txBody>
+          <a:bodyPr wrap="square">
+            <a:spAutoFit/>
+          </a:bodyPr>
+          <a:lstStyle/>
+          <a:p>
+            <a:pPr marL="0" marR="0" lvl="0" indent="0" algn="ctr" defTabSz="914400" rtl="0" eaLnBrk="1" fontAlgn="auto" latinLnBrk="0" hangingPunct="1">
+              <a:lnSpc>
+                <a:spcPct val="100000"/>
+              </a:lnSpc>
+              <a:spcBef>
+                <a:spcPts val="0"/>
+              </a:spcBef>
+              <a:spcAft>
+                <a:spcPts val="0"/>
+              </a:spcAft>
+              <a:buClrTx/>
+              <a:buSzTx/>
+              <a:buFontTx/>
+              <a:buNone/>
+              <a:tabLst/>
+              <a:defRPr/>
+            </a:pPr>
+            <a:r>
+              <a:rPr kumimoji="0" lang="en-US" sz="1050" b="0" i="0" u="none" strike="noStrike" kern="1200" cap="none" spc="0" normalizeH="0" baseline="0" noProof="0" dirty="0">
+                <a:ln>
+                  <a:noFill/>
+                </a:ln>
+                <a:solidFill>
+                  <a:prstClr val="black"/>
+                </a:solidFill>
+                <a:effectLst/>
+                <a:uLnTx/>
+                <a:uFillTx/>
+                <a:latin typeface="Segoe UI" panose="020B0502040204020203" pitchFamily="34" charset="0"/>
+                <a:ea typeface="+mn-ea"/>
+                <a:cs typeface="Segoe UI" panose="020B0502040204020203" pitchFamily="34" charset="0"/>
+              </a:rPr>
               <a:t>MCP</a:t>
             </a:r>
           </a:p>
+          <a:p>
+            <a:pPr marL="0" marR="0" lvl="0" indent="0" algn="ctr" defTabSz="914400" rtl="0" eaLnBrk="1" fontAlgn="auto" latinLnBrk="0" hangingPunct="1">
+              <a:lnSpc>
+                <a:spcPct val="100000"/>
+              </a:lnSpc>
+              <a:spcBef>
+                <a:spcPts val="0"/>
+              </a:spcBef>
+              <a:spcAft>
+                <a:spcPts val="0"/>
+              </a:spcAft>
+              <a:buClrTx/>
+              <a:buSzTx/>
+              <a:buFontTx/>
+              <a:buNone/>
+              <a:tabLst/>
+              <a:defRPr/>
+            </a:pPr>
+            <a:r>
+              <a:rPr kumimoji="0" lang="en-US" sz="1050" b="0" i="0" u="none" strike="noStrike" kern="1200" cap="none" spc="0" normalizeH="0" baseline="0" noProof="0" dirty="0">
+                <a:ln>
+                  <a:noFill/>
+                </a:ln>
+                <a:solidFill>
+                  <a:prstClr val="black"/>
+                </a:solidFill>
+                <a:effectLst/>
+                <a:uLnTx/>
+                <a:uFillTx/>
+                <a:latin typeface="Segoe UI" panose="020B0502040204020203" pitchFamily="34" charset="0"/>
+                <a:ea typeface="+mn-ea"/>
+                <a:cs typeface="Segoe UI" panose="020B0502040204020203" pitchFamily="34" charset="0"/>
+              </a:rPr>
+              <a:t>(stdio)</a:t>
+            </a:r>
+          </a:p>
+        </p:txBody>
+      </p:sp>
+      <p:sp>
+        <p:nvSpPr>
+          <p:cNvPr id="9" name="TextBox 8">
+            <a:extLst>
+              <a:ext uri="{FF2B5EF4-FFF2-40B4-BE49-F238E27FC236}">
+                <a16:creationId xmlns:a16="http://schemas.microsoft.com/office/drawing/2014/main" id="{FDA5732E-1678-32FE-986E-F026C19C94A0}"/>
+              </a:ext>
+            </a:extLst>
+          </p:cNvPr>
+          <p:cNvSpPr txBox="1"/>
+          <p:nvPr/>
+        </p:nvSpPr>
+        <p:spPr>
+          <a:xfrm>
+            <a:off x="4279633" y="3644520"/>
+            <a:ext cx="899948" cy="415498"/>
+          </a:xfrm>
+          <a:prstGeom prst="rect">
+            <a:avLst/>
+          </a:prstGeom>
+          <a:noFill/>
+        </p:spPr>
+        <p:txBody>
+          <a:bodyPr wrap="square">
+            <a:spAutoFit/>
+          </a:bodyPr>
+          <a:lstStyle/>
+          <a:p>
+            <a:pPr marL="0" marR="0" lvl="0" indent="0" algn="ctr" defTabSz="914400" rtl="0" eaLnBrk="1" fontAlgn="auto" latinLnBrk="0" hangingPunct="1">
+              <a:lnSpc>
+                <a:spcPct val="100000"/>
+              </a:lnSpc>
+              <a:spcBef>
+                <a:spcPts val="0"/>
+              </a:spcBef>
+              <a:spcAft>
+                <a:spcPts val="0"/>
+              </a:spcAft>
+              <a:buClrTx/>
+              <a:buSzTx/>
+              <a:buFontTx/>
+              <a:buNone/>
+              <a:tabLst/>
+              <a:defRPr/>
+            </a:pPr>
+            <a:r>
+              <a:rPr kumimoji="0" lang="en-US" sz="1050" b="1" i="0" u="none" strike="noStrike" kern="1200" cap="none" spc="0" normalizeH="0" baseline="0" noProof="0" dirty="0">
+                <a:ln>
+                  <a:noFill/>
+                </a:ln>
+                <a:solidFill>
+                  <a:prstClr val="black"/>
+                </a:solidFill>
+                <a:effectLst/>
+                <a:uLnTx/>
+                <a:uFillTx/>
+                <a:latin typeface="Segoe UI" panose="020B0502040204020203" pitchFamily="34" charset="0"/>
+                <a:ea typeface="+mn-ea"/>
+                <a:cs typeface="Segoe UI" panose="020B0502040204020203" pitchFamily="34" charset="0"/>
+              </a:rPr>
+              <a:t>Optional</a:t>
+            </a:r>
+          </a:p>
+          <a:p>
+            <a:pPr marL="0" marR="0" lvl="0" indent="0" algn="ctr" defTabSz="914400" rtl="0" eaLnBrk="1" fontAlgn="auto" latinLnBrk="0" hangingPunct="1">
+              <a:lnSpc>
+                <a:spcPct val="100000"/>
+              </a:lnSpc>
+              <a:spcBef>
+                <a:spcPts val="0"/>
+              </a:spcBef>
+              <a:spcAft>
+                <a:spcPts val="0"/>
+              </a:spcAft>
+              <a:buClrTx/>
+              <a:buSzTx/>
+              <a:buFontTx/>
+              <a:buNone/>
+              <a:tabLst/>
+              <a:defRPr/>
+            </a:pPr>
+            <a:r>
+              <a:rPr lang="en-US" sz="1050" b="1" dirty="0">
+                <a:solidFill>
+                  <a:prstClr val="black"/>
+                </a:solidFill>
+                <a:latin typeface="Segoe UI" panose="020B0502040204020203" pitchFamily="34" charset="0"/>
+                <a:cs typeface="Segoe UI" panose="020B0502040204020203" pitchFamily="34" charset="0"/>
+              </a:rPr>
+              <a:t>For testing</a:t>
+            </a:r>
+            <a:endParaRPr kumimoji="0" lang="en-US" sz="1050" b="1" i="0" u="none" strike="noStrike" kern="1200" cap="none" spc="0" normalizeH="0" baseline="0" noProof="0" dirty="0">
+              <a:ln>
+                <a:noFill/>
+              </a:ln>
+              <a:solidFill>
+                <a:prstClr val="black"/>
+              </a:solidFill>
+              <a:effectLst/>
+              <a:uLnTx/>
+              <a:uFillTx/>
+              <a:latin typeface="Segoe UI" panose="020B0502040204020203" pitchFamily="34" charset="0"/>
+              <a:ea typeface="+mn-ea"/>
+              <a:cs typeface="Segoe UI" panose="020B0502040204020203" pitchFamily="34" charset="0"/>
+            </a:endParaRPr>
+          </a:p>
+        </p:txBody>
+      </p:sp>
+      <p:pic>
+        <p:nvPicPr>
+          <p:cNvPr id="10" name="Picture 9" descr="Azure AI Foundry - Visual Studio Marketplace">
+            <a:extLst>
+              <a:ext uri="{FF2B5EF4-FFF2-40B4-BE49-F238E27FC236}">
+                <a16:creationId xmlns:a16="http://schemas.microsoft.com/office/drawing/2014/main" id="{7E4AF83A-D4E2-3C72-5CCC-C1013502A380}"/>
+              </a:ext>
+            </a:extLst>
+          </p:cNvPr>
+          <p:cNvPicPr>
+            <a:picLocks noChangeAspect="1"/>
+          </p:cNvPicPr>
+          <p:nvPr/>
+        </p:nvPicPr>
+        <p:blipFill>
+          <a:blip r:embed="rId12"/>
+          <a:stretch>
+            <a:fillRect/>
+          </a:stretch>
+        </p:blipFill>
+        <p:spPr>
+          <a:xfrm>
+            <a:off x="7480502" y="3211168"/>
+            <a:ext cx="439592" cy="439592"/>
+          </a:xfrm>
+          <a:prstGeom prst="rect">
+            <a:avLst/>
+          </a:prstGeom>
+        </p:spPr>
+      </p:pic>
+      <p:sp>
+        <p:nvSpPr>
+          <p:cNvPr id="13" name="TextBox 12">
+            <a:extLst>
+              <a:ext uri="{FF2B5EF4-FFF2-40B4-BE49-F238E27FC236}">
+                <a16:creationId xmlns:a16="http://schemas.microsoft.com/office/drawing/2014/main" id="{EFAEB063-6B6E-8A84-EAFD-7E3303CCFF7A}"/>
+              </a:ext>
+            </a:extLst>
+          </p:cNvPr>
+          <p:cNvSpPr txBox="1"/>
+          <p:nvPr/>
+        </p:nvSpPr>
+        <p:spPr>
+          <a:xfrm>
+            <a:off x="7680420" y="3448826"/>
+            <a:ext cx="607411" cy="369332"/>
+          </a:xfrm>
+          <a:prstGeom prst="rect">
+            <a:avLst/>
+          </a:prstGeom>
+          <a:noFill/>
+        </p:spPr>
+        <p:txBody>
+          <a:bodyPr wrap="square">
+            <a:spAutoFit/>
+          </a:bodyPr>
+          <a:lstStyle/>
+          <a:p>
+            <a:r>
+              <a:rPr lang="en-US" sz="900" dirty="0">
+                <a:latin typeface="Segoe UI" panose="020B0502040204020203" pitchFamily="34" charset="0"/>
+                <a:cs typeface="Segoe UI" panose="020B0502040204020203" pitchFamily="34" charset="0"/>
+              </a:rPr>
+              <a:t>Azure Foundry</a:t>
+            </a:r>
+          </a:p>
+        </p:txBody>
+      </p:sp>
+      <p:pic>
+        <p:nvPicPr>
+          <p:cNvPr id="14" name="Picture 13" descr="Azure AI Foundry - Visual Studio Marketplace">
+            <a:extLst>
+              <a:ext uri="{FF2B5EF4-FFF2-40B4-BE49-F238E27FC236}">
+                <a16:creationId xmlns:a16="http://schemas.microsoft.com/office/drawing/2014/main" id="{0D069E85-1843-5457-FE44-53073646A497}"/>
+              </a:ext>
+            </a:extLst>
+          </p:cNvPr>
+          <p:cNvPicPr>
+            <a:picLocks noChangeAspect="1"/>
+          </p:cNvPicPr>
+          <p:nvPr/>
+        </p:nvPicPr>
+        <p:blipFill>
+          <a:blip r:embed="rId12"/>
+          <a:stretch>
+            <a:fillRect/>
+          </a:stretch>
+        </p:blipFill>
+        <p:spPr>
+          <a:xfrm>
+            <a:off x="10697554" y="3309275"/>
+            <a:ext cx="439592" cy="439592"/>
+          </a:xfrm>
+          <a:prstGeom prst="rect">
+            <a:avLst/>
+          </a:prstGeom>
+        </p:spPr>
+      </p:pic>
+      <p:sp>
+        <p:nvSpPr>
+          <p:cNvPr id="15" name="TextBox 14">
+            <a:extLst>
+              <a:ext uri="{FF2B5EF4-FFF2-40B4-BE49-F238E27FC236}">
+                <a16:creationId xmlns:a16="http://schemas.microsoft.com/office/drawing/2014/main" id="{971FA7E3-FA59-5A94-7DDC-6635EAFE74F3}"/>
+              </a:ext>
+            </a:extLst>
+          </p:cNvPr>
+          <p:cNvSpPr txBox="1"/>
+          <p:nvPr/>
+        </p:nvSpPr>
+        <p:spPr>
+          <a:xfrm>
+            <a:off x="10897472" y="3546933"/>
+            <a:ext cx="607411" cy="369332"/>
+          </a:xfrm>
+          <a:prstGeom prst="rect">
+            <a:avLst/>
+          </a:prstGeom>
+          <a:noFill/>
+        </p:spPr>
+        <p:txBody>
+          <a:bodyPr wrap="square">
+            <a:spAutoFit/>
+          </a:bodyPr>
+          <a:lstStyle/>
+          <a:p>
+            <a:r>
+              <a:rPr lang="en-US" sz="900" dirty="0">
+                <a:latin typeface="Segoe UI" panose="020B0502040204020203" pitchFamily="34" charset="0"/>
+                <a:cs typeface="Segoe UI" panose="020B0502040204020203" pitchFamily="34" charset="0"/>
+              </a:rPr>
+              <a:t>Azure Foundry</a:t>
+            </a:r>
+          </a:p>
+        </p:txBody>
+      </p:sp>
+    </p:spTree>
+    <p:extLst>
+      <p:ext uri="{BB962C8B-B14F-4D97-AF65-F5344CB8AC3E}">
+        <p14:creationId xmlns:p14="http://schemas.microsoft.com/office/powerpoint/2010/main" val="3367990247"/>
+      </p:ext>
+    </p:extLst>
+  </p:cSld>
+  <p:clrMapOvr>
+    <a:masterClrMapping/>
+  </p:clrMapOvr>
+</p:sld>
+</file>
+
+<file path=ppt/slides/slide3.xml><?xml version="1.0" encoding="utf-8"?>
+<p:sld xmlns:a="http://schemas.openxmlformats.org/drawingml/2006/main" xmlns:r="http://schemas.openxmlformats.org/officeDocument/2006/relationships" xmlns:p="http://schemas.openxmlformats.org/presentationml/2006/main">
+  <p:cSld>
+    <p:spTree>
+      <p:nvGrpSpPr>
+        <p:cNvPr id="1" name="">
+          <a:extLst>
+            <a:ext uri="{FF2B5EF4-FFF2-40B4-BE49-F238E27FC236}">
+              <a16:creationId xmlns:a16="http://schemas.microsoft.com/office/drawing/2014/main" id="{5E9DC7EA-1A46-0044-F027-85EF672F0985}"/>
+            </a:ext>
+          </a:extLst>
+        </p:cNvPr>
+        <p:cNvGrpSpPr/>
+        <p:nvPr/>
+      </p:nvGrpSpPr>
+      <p:grpSpPr>
+        <a:xfrm>
+          <a:off x="0" y="0"/>
+          <a:ext cx="0" cy="0"/>
+          <a:chOff x="0" y="0"/>
+          <a:chExt cx="0" cy="0"/>
+        </a:xfrm>
+      </p:grpSpPr>
+      <p:sp>
+        <p:nvSpPr>
+          <p:cNvPr id="4" name="Rectangle 3">
+            <a:extLst>
+              <a:ext uri="{FF2B5EF4-FFF2-40B4-BE49-F238E27FC236}">
+                <a16:creationId xmlns:a16="http://schemas.microsoft.com/office/drawing/2014/main" id="{22B5A8CE-BEF3-428C-D4EE-9E89761AB7C5}"/>
+              </a:ext>
+            </a:extLst>
+          </p:cNvPr>
+          <p:cNvSpPr/>
+          <p:nvPr/>
+        </p:nvSpPr>
+        <p:spPr>
+          <a:xfrm>
+            <a:off x="755374" y="1311965"/>
+            <a:ext cx="10787269" cy="5006285"/>
+          </a:xfrm>
+          <a:prstGeom prst="rect">
+            <a:avLst/>
+          </a:prstGeom>
+          <a:solidFill>
+            <a:srgbClr val="F2F2F2"/>
+          </a:solidFill>
+          <a:ln>
+            <a:noFill/>
+          </a:ln>
+        </p:spPr>
+        <p:style>
+          <a:lnRef idx="2">
+            <a:schemeClr val="accent1">
+              <a:shade val="15000"/>
+            </a:schemeClr>
+          </a:lnRef>
+          <a:fillRef idx="1">
+            <a:schemeClr val="accent1"/>
+          </a:fillRef>
+          <a:effectRef idx="0">
+            <a:schemeClr val="accent1"/>
+          </a:effectRef>
+          <a:fontRef idx="minor">
+            <a:schemeClr val="lt1"/>
+          </a:fontRef>
+        </p:style>
+        <p:txBody>
+          <a:bodyPr rtlCol="0" anchor="ctr"/>
+          <a:lstStyle/>
+          <a:p>
+            <a:pPr algn="ctr"/>
+            <a:endParaRPr lang="en-US"/>
+          </a:p>
+        </p:txBody>
+      </p:sp>
+      <p:grpSp>
+        <p:nvGrpSpPr>
+          <p:cNvPr id="28" name="Group 27">
+            <a:extLst>
+              <a:ext uri="{FF2B5EF4-FFF2-40B4-BE49-F238E27FC236}">
+                <a16:creationId xmlns:a16="http://schemas.microsoft.com/office/drawing/2014/main" id="{939685B5-8ABF-F17E-6727-C22CD4ED1BB9}"/>
+              </a:ext>
+            </a:extLst>
+          </p:cNvPr>
+          <p:cNvGrpSpPr/>
+          <p:nvPr/>
+        </p:nvGrpSpPr>
+        <p:grpSpPr>
+          <a:xfrm>
+            <a:off x="6758357" y="4352057"/>
+            <a:ext cx="2351471" cy="1595264"/>
+            <a:chOff x="5499612" y="1667859"/>
+            <a:chExt cx="2351471" cy="1595264"/>
+          </a:xfrm>
+        </p:grpSpPr>
+        <p:sp>
+          <p:nvSpPr>
+            <p:cNvPr id="29" name="Rectangle: Rounded Corners 28">
+              <a:extLst>
+                <a:ext uri="{FF2B5EF4-FFF2-40B4-BE49-F238E27FC236}">
+                  <a16:creationId xmlns:a16="http://schemas.microsoft.com/office/drawing/2014/main" id="{88613FB9-46C7-1936-FEB4-C69EF6141695}"/>
+                </a:ext>
+              </a:extLst>
+            </p:cNvPr>
+            <p:cNvSpPr/>
+            <p:nvPr/>
+          </p:nvSpPr>
+          <p:spPr>
+            <a:xfrm>
+              <a:off x="5499612" y="1667859"/>
+              <a:ext cx="2351471" cy="1595264"/>
+            </a:xfrm>
+            <a:prstGeom prst="roundRect">
+              <a:avLst/>
+            </a:prstGeom>
+            <a:solidFill>
+              <a:schemeClr val="bg1">
+                <a:lumMod val="65000"/>
+              </a:schemeClr>
+            </a:solidFill>
+            <a:ln>
+              <a:noFill/>
+            </a:ln>
+          </p:spPr>
+          <p:style>
+            <a:lnRef idx="2">
+              <a:schemeClr val="accent1">
+                <a:shade val="15000"/>
+              </a:schemeClr>
+            </a:lnRef>
+            <a:fillRef idx="1">
+              <a:schemeClr val="accent1"/>
+            </a:fillRef>
+            <a:effectRef idx="0">
+              <a:schemeClr val="accent1"/>
+            </a:effectRef>
+            <a:fontRef idx="minor">
+              <a:schemeClr val="lt1"/>
+            </a:fontRef>
+          </p:style>
+          <p:txBody>
+            <a:bodyPr rtlCol="0" anchor="ctr"/>
+            <a:lstStyle/>
+            <a:p>
+              <a:pPr algn="ctr"/>
+              <a:endParaRPr lang="en-US" dirty="0"/>
+            </a:p>
+          </p:txBody>
+        </p:sp>
+        <p:pic>
+          <p:nvPicPr>
+            <p:cNvPr id="30" name="Picture 29" descr="Docker full logo transparent PNG - StickPNG">
+              <a:extLst>
+                <a:ext uri="{FF2B5EF4-FFF2-40B4-BE49-F238E27FC236}">
+                  <a16:creationId xmlns:a16="http://schemas.microsoft.com/office/drawing/2014/main" id="{A254B3D1-4AC9-8311-1769-38379A219935}"/>
+                </a:ext>
+              </a:extLst>
+            </p:cNvPr>
+            <p:cNvPicPr>
+              <a:picLocks noChangeAspect="1"/>
+            </p:cNvPicPr>
+            <p:nvPr/>
+          </p:nvPicPr>
+          <p:blipFill>
+            <a:blip r:embed="rId3"/>
+            <a:stretch>
+              <a:fillRect/>
+            </a:stretch>
+          </p:blipFill>
+          <p:spPr>
+            <a:xfrm>
+              <a:off x="6223506" y="1694356"/>
+              <a:ext cx="376356" cy="376356"/>
+            </a:xfrm>
+            <a:prstGeom prst="rect">
+              <a:avLst/>
+            </a:prstGeom>
+          </p:spPr>
+        </p:pic>
+        <p:sp>
+          <p:nvSpPr>
+            <p:cNvPr id="31" name="TextBox 30">
+              <a:extLst>
+                <a:ext uri="{FF2B5EF4-FFF2-40B4-BE49-F238E27FC236}">
+                  <a16:creationId xmlns:a16="http://schemas.microsoft.com/office/drawing/2014/main" id="{BAFC3E27-685F-B8DF-C0E8-D5EC0F48E7BC}"/>
+                </a:ext>
+              </a:extLst>
+            </p:cNvPr>
+            <p:cNvSpPr txBox="1"/>
+            <p:nvPr/>
+          </p:nvSpPr>
+          <p:spPr>
+            <a:xfrm>
+              <a:off x="6562182" y="1733566"/>
+              <a:ext cx="960660" cy="261610"/>
+            </a:xfrm>
+            <a:prstGeom prst="rect">
+              <a:avLst/>
+            </a:prstGeom>
+            <a:noFill/>
+          </p:spPr>
+          <p:txBody>
+            <a:bodyPr wrap="square">
+              <a:spAutoFit/>
+            </a:bodyPr>
+            <a:lstStyle/>
+            <a:p>
+              <a:r>
+                <a:rPr lang="en-US" sz="1100" dirty="0">
+                  <a:solidFill>
+                    <a:schemeClr val="bg1"/>
+                  </a:solidFill>
+                  <a:latin typeface="Segoe UI" panose="020B0502040204020203" pitchFamily="34" charset="0"/>
+                  <a:cs typeface="Segoe UI" panose="020B0502040204020203" pitchFamily="34" charset="0"/>
+                </a:rPr>
+                <a:t>Container</a:t>
+              </a:r>
+            </a:p>
+          </p:txBody>
+        </p:sp>
+      </p:grpSp>
+      <p:grpSp>
+        <p:nvGrpSpPr>
+          <p:cNvPr id="24" name="Group 23">
+            <a:extLst>
+              <a:ext uri="{FF2B5EF4-FFF2-40B4-BE49-F238E27FC236}">
+                <a16:creationId xmlns:a16="http://schemas.microsoft.com/office/drawing/2014/main" id="{98252549-6EE7-3827-D747-D0C56240ADB1}"/>
+              </a:ext>
+            </a:extLst>
+          </p:cNvPr>
+          <p:cNvGrpSpPr/>
+          <p:nvPr/>
+        </p:nvGrpSpPr>
+        <p:grpSpPr>
+          <a:xfrm>
+            <a:off x="8628580" y="1684064"/>
+            <a:ext cx="2351471" cy="1595264"/>
+            <a:chOff x="5499612" y="1667859"/>
+            <a:chExt cx="2351471" cy="1595264"/>
+          </a:xfrm>
+        </p:grpSpPr>
+        <p:sp>
+          <p:nvSpPr>
+            <p:cNvPr id="25" name="Rectangle: Rounded Corners 24">
+              <a:extLst>
+                <a:ext uri="{FF2B5EF4-FFF2-40B4-BE49-F238E27FC236}">
+                  <a16:creationId xmlns:a16="http://schemas.microsoft.com/office/drawing/2014/main" id="{29A7A7D6-4643-AEC7-9D3E-1D34B620528C}"/>
+                </a:ext>
+              </a:extLst>
+            </p:cNvPr>
+            <p:cNvSpPr/>
+            <p:nvPr/>
+          </p:nvSpPr>
+          <p:spPr>
+            <a:xfrm>
+              <a:off x="5499612" y="1667859"/>
+              <a:ext cx="2351471" cy="1595264"/>
+            </a:xfrm>
+            <a:prstGeom prst="roundRect">
+              <a:avLst/>
+            </a:prstGeom>
+            <a:solidFill>
+              <a:schemeClr val="bg1">
+                <a:lumMod val="65000"/>
+              </a:schemeClr>
+            </a:solidFill>
+            <a:ln>
+              <a:noFill/>
+            </a:ln>
+          </p:spPr>
+          <p:style>
+            <a:lnRef idx="2">
+              <a:schemeClr val="accent1">
+                <a:shade val="15000"/>
+              </a:schemeClr>
+            </a:lnRef>
+            <a:fillRef idx="1">
+              <a:schemeClr val="accent1"/>
+            </a:fillRef>
+            <a:effectRef idx="0">
+              <a:schemeClr val="accent1"/>
+            </a:effectRef>
+            <a:fontRef idx="minor">
+              <a:schemeClr val="lt1"/>
+            </a:fontRef>
+          </p:style>
+          <p:txBody>
+            <a:bodyPr rtlCol="0" anchor="ctr"/>
+            <a:lstStyle/>
+            <a:p>
+              <a:pPr algn="ctr"/>
+              <a:endParaRPr lang="en-US" dirty="0"/>
+            </a:p>
+          </p:txBody>
+        </p:sp>
+        <p:pic>
+          <p:nvPicPr>
+            <p:cNvPr id="26" name="Picture 25" descr="Docker full logo transparent PNG - StickPNG">
+              <a:extLst>
+                <a:ext uri="{FF2B5EF4-FFF2-40B4-BE49-F238E27FC236}">
+                  <a16:creationId xmlns:a16="http://schemas.microsoft.com/office/drawing/2014/main" id="{CE30B96F-ED44-FFD4-4F29-5D78FEF1ECDC}"/>
+                </a:ext>
+              </a:extLst>
+            </p:cNvPr>
+            <p:cNvPicPr>
+              <a:picLocks noChangeAspect="1"/>
+            </p:cNvPicPr>
+            <p:nvPr/>
+          </p:nvPicPr>
+          <p:blipFill>
+            <a:blip r:embed="rId3"/>
+            <a:stretch>
+              <a:fillRect/>
+            </a:stretch>
+          </p:blipFill>
+          <p:spPr>
+            <a:xfrm>
+              <a:off x="6223506" y="1694356"/>
+              <a:ext cx="376356" cy="376356"/>
+            </a:xfrm>
+            <a:prstGeom prst="rect">
+              <a:avLst/>
+            </a:prstGeom>
+          </p:spPr>
+        </p:pic>
+        <p:sp>
+          <p:nvSpPr>
+            <p:cNvPr id="27" name="TextBox 26">
+              <a:extLst>
+                <a:ext uri="{FF2B5EF4-FFF2-40B4-BE49-F238E27FC236}">
+                  <a16:creationId xmlns:a16="http://schemas.microsoft.com/office/drawing/2014/main" id="{CEB27B6E-1959-B854-17D8-6DE4C500B5D9}"/>
+                </a:ext>
+              </a:extLst>
+            </p:cNvPr>
+            <p:cNvSpPr txBox="1"/>
+            <p:nvPr/>
+          </p:nvSpPr>
+          <p:spPr>
+            <a:xfrm>
+              <a:off x="6555578" y="1751107"/>
+              <a:ext cx="960660" cy="261610"/>
+            </a:xfrm>
+            <a:prstGeom prst="rect">
+              <a:avLst/>
+            </a:prstGeom>
+            <a:noFill/>
+          </p:spPr>
+          <p:txBody>
+            <a:bodyPr wrap="square">
+              <a:spAutoFit/>
+            </a:bodyPr>
+            <a:lstStyle/>
+            <a:p>
+              <a:r>
+                <a:rPr lang="en-US" sz="1100" dirty="0">
+                  <a:solidFill>
+                    <a:schemeClr val="bg1"/>
+                  </a:solidFill>
+                  <a:latin typeface="Segoe UI" panose="020B0502040204020203" pitchFamily="34" charset="0"/>
+                  <a:cs typeface="Segoe UI" panose="020B0502040204020203" pitchFamily="34" charset="0"/>
+                </a:rPr>
+                <a:t>Container</a:t>
+              </a:r>
+            </a:p>
+          </p:txBody>
+        </p:sp>
+      </p:grpSp>
+      <p:grpSp>
+        <p:nvGrpSpPr>
+          <p:cNvPr id="23" name="Group 22">
+            <a:extLst>
+              <a:ext uri="{FF2B5EF4-FFF2-40B4-BE49-F238E27FC236}">
+                <a16:creationId xmlns:a16="http://schemas.microsoft.com/office/drawing/2014/main" id="{A0A501F8-1413-97FD-FA65-3E97D0D00582}"/>
+              </a:ext>
+            </a:extLst>
+          </p:cNvPr>
+          <p:cNvGrpSpPr/>
+          <p:nvPr/>
+        </p:nvGrpSpPr>
+        <p:grpSpPr>
+          <a:xfrm>
+            <a:off x="5499612" y="1667859"/>
+            <a:ext cx="2351471" cy="1595264"/>
+            <a:chOff x="5499612" y="1667859"/>
+            <a:chExt cx="2351471" cy="1595264"/>
+          </a:xfrm>
+        </p:grpSpPr>
+        <p:sp>
+          <p:nvSpPr>
+            <p:cNvPr id="19" name="Rectangle: Rounded Corners 18">
+              <a:extLst>
+                <a:ext uri="{FF2B5EF4-FFF2-40B4-BE49-F238E27FC236}">
+                  <a16:creationId xmlns:a16="http://schemas.microsoft.com/office/drawing/2014/main" id="{608CA53E-4377-E0A7-22C6-DE9BA3A8B025}"/>
+                </a:ext>
+              </a:extLst>
+            </p:cNvPr>
+            <p:cNvSpPr/>
+            <p:nvPr/>
+          </p:nvSpPr>
+          <p:spPr>
+            <a:xfrm>
+              <a:off x="5499612" y="1667859"/>
+              <a:ext cx="2351471" cy="1595264"/>
+            </a:xfrm>
+            <a:prstGeom prst="roundRect">
+              <a:avLst/>
+            </a:prstGeom>
+            <a:solidFill>
+              <a:schemeClr val="bg1">
+                <a:lumMod val="65000"/>
+              </a:schemeClr>
+            </a:solidFill>
+            <a:ln>
+              <a:noFill/>
+            </a:ln>
+          </p:spPr>
+          <p:style>
+            <a:lnRef idx="2">
+              <a:schemeClr val="accent1">
+                <a:shade val="15000"/>
+              </a:schemeClr>
+            </a:lnRef>
+            <a:fillRef idx="1">
+              <a:schemeClr val="accent1"/>
+            </a:fillRef>
+            <a:effectRef idx="0">
+              <a:schemeClr val="accent1"/>
+            </a:effectRef>
+            <a:fontRef idx="minor">
+              <a:schemeClr val="lt1"/>
+            </a:fontRef>
+          </p:style>
+          <p:txBody>
+            <a:bodyPr rtlCol="0" anchor="ctr"/>
+            <a:lstStyle/>
+            <a:p>
+              <a:pPr algn="ctr"/>
+              <a:endParaRPr lang="en-US" dirty="0"/>
+            </a:p>
+          </p:txBody>
+        </p:sp>
+        <p:pic>
+          <p:nvPicPr>
+            <p:cNvPr id="20" name="Picture 19" descr="Docker full logo transparent PNG - StickPNG">
+              <a:extLst>
+                <a:ext uri="{FF2B5EF4-FFF2-40B4-BE49-F238E27FC236}">
+                  <a16:creationId xmlns:a16="http://schemas.microsoft.com/office/drawing/2014/main" id="{61E11AAA-AE3D-8640-4E2C-0B4DA705A354}"/>
+                </a:ext>
+              </a:extLst>
+            </p:cNvPr>
+            <p:cNvPicPr>
+              <a:picLocks noChangeAspect="1"/>
+            </p:cNvPicPr>
+            <p:nvPr/>
+          </p:nvPicPr>
+          <p:blipFill>
+            <a:blip r:embed="rId3"/>
+            <a:stretch>
+              <a:fillRect/>
+            </a:stretch>
+          </p:blipFill>
+          <p:spPr>
+            <a:xfrm>
+              <a:off x="6223506" y="1694356"/>
+              <a:ext cx="376356" cy="376356"/>
+            </a:xfrm>
+            <a:prstGeom prst="rect">
+              <a:avLst/>
+            </a:prstGeom>
+          </p:spPr>
+        </p:pic>
+        <p:sp>
+          <p:nvSpPr>
+            <p:cNvPr id="22" name="TextBox 21">
+              <a:extLst>
+                <a:ext uri="{FF2B5EF4-FFF2-40B4-BE49-F238E27FC236}">
+                  <a16:creationId xmlns:a16="http://schemas.microsoft.com/office/drawing/2014/main" id="{83B337DE-ED86-1B9D-FA45-C39E381E9C25}"/>
+                </a:ext>
+              </a:extLst>
+            </p:cNvPr>
+            <p:cNvSpPr txBox="1"/>
+            <p:nvPr/>
+          </p:nvSpPr>
+          <p:spPr>
+            <a:xfrm>
+              <a:off x="6555578" y="1751107"/>
+              <a:ext cx="960660" cy="261610"/>
+            </a:xfrm>
+            <a:prstGeom prst="rect">
+              <a:avLst/>
+            </a:prstGeom>
+            <a:noFill/>
+          </p:spPr>
+          <p:txBody>
+            <a:bodyPr wrap="square">
+              <a:spAutoFit/>
+            </a:bodyPr>
+            <a:lstStyle/>
+            <a:p>
+              <a:r>
+                <a:rPr lang="en-US" sz="1100" dirty="0">
+                  <a:solidFill>
+                    <a:schemeClr val="bg1"/>
+                  </a:solidFill>
+                  <a:latin typeface="Segoe UI" panose="020B0502040204020203" pitchFamily="34" charset="0"/>
+                  <a:cs typeface="Segoe UI" panose="020B0502040204020203" pitchFamily="34" charset="0"/>
+                </a:rPr>
+                <a:t>Container</a:t>
+              </a:r>
+            </a:p>
+          </p:txBody>
+        </p:sp>
+      </p:grpSp>
+      <p:sp>
+        <p:nvSpPr>
+          <p:cNvPr id="2" name="Title 1">
+            <a:extLst>
+              <a:ext uri="{FF2B5EF4-FFF2-40B4-BE49-F238E27FC236}">
+                <a16:creationId xmlns:a16="http://schemas.microsoft.com/office/drawing/2014/main" id="{526C7EA4-BF30-C334-3027-A9ABEEFD764B}"/>
+              </a:ext>
+            </a:extLst>
+          </p:cNvPr>
+          <p:cNvSpPr>
+            <a:spLocks noGrp="1"/>
+          </p:cNvSpPr>
+          <p:nvPr>
+            <p:ph type="ctrTitle"/>
+          </p:nvPr>
+        </p:nvSpPr>
+        <p:spPr>
+          <a:xfrm>
+            <a:off x="812432" y="104035"/>
+            <a:ext cx="11036668" cy="963524"/>
+          </a:xfrm>
+        </p:spPr>
+        <p:txBody>
+          <a:bodyPr>
+            <a:normAutofit fontScale="90000"/>
+          </a:bodyPr>
+          <a:lstStyle/>
+          <a:p>
+            <a:r>
+              <a:rPr lang="en-US" sz="4000" dirty="0">
+                <a:latin typeface="Segoe UI" panose="020B0502040204020203" pitchFamily="34" charset="0"/>
+                <a:cs typeface="Segoe UI" panose="020B0502040204020203" pitchFamily="34" charset="0"/>
+              </a:rPr>
+              <a:t>“Production” - Architecture Diagram</a:t>
+            </a:r>
+            <a:br>
+              <a:rPr lang="en-US" sz="4000" dirty="0">
+                <a:latin typeface="Segoe UI" panose="020B0502040204020203" pitchFamily="34" charset="0"/>
+                <a:cs typeface="Segoe UI" panose="020B0502040204020203" pitchFamily="34" charset="0"/>
+              </a:rPr>
+            </a:br>
+            <a:r>
+              <a:rPr lang="en-US" sz="3100" dirty="0">
+                <a:latin typeface="Segoe UI" panose="020B0502040204020203" pitchFamily="34" charset="0"/>
+                <a:cs typeface="Segoe UI" panose="020B0502040204020203" pitchFamily="34" charset="0"/>
+              </a:rPr>
+              <a:t>(Decoupled Agents/MCP-servers containers in Kubernetes/Azure [*])</a:t>
+            </a:r>
+            <a:endParaRPr lang="en-US" sz="4000" dirty="0">
+              <a:latin typeface="Segoe UI" panose="020B0502040204020203" pitchFamily="34" charset="0"/>
+              <a:cs typeface="Segoe UI" panose="020B0502040204020203" pitchFamily="34" charset="0"/>
+            </a:endParaRPr>
+          </a:p>
+        </p:txBody>
+      </p:sp>
+      <p:sp>
+        <p:nvSpPr>
+          <p:cNvPr id="5" name="Rectangle: Rounded Corners 4">
+            <a:extLst>
+              <a:ext uri="{FF2B5EF4-FFF2-40B4-BE49-F238E27FC236}">
+                <a16:creationId xmlns:a16="http://schemas.microsoft.com/office/drawing/2014/main" id="{465E313D-2303-8A04-3114-22D8B6324EA9}"/>
+              </a:ext>
+            </a:extLst>
+          </p:cNvPr>
+          <p:cNvSpPr/>
+          <p:nvPr/>
+        </p:nvSpPr>
+        <p:spPr>
+          <a:xfrm>
+            <a:off x="5667504" y="2110236"/>
+            <a:ext cx="2047461" cy="1103244"/>
+          </a:xfrm>
+          <a:prstGeom prst="roundRect">
+            <a:avLst/>
+          </a:prstGeom>
+          <a:solidFill>
+            <a:schemeClr val="bg1"/>
+          </a:solidFill>
+          <a:ln>
+            <a:solidFill>
+              <a:schemeClr val="tx1"/>
+            </a:solidFill>
+          </a:ln>
+        </p:spPr>
+        <p:style>
+          <a:lnRef idx="2">
+            <a:schemeClr val="accent1">
+              <a:shade val="15000"/>
+            </a:schemeClr>
+          </a:lnRef>
+          <a:fillRef idx="1">
+            <a:schemeClr val="accent1"/>
+          </a:fillRef>
+          <a:effectRef idx="0">
+            <a:schemeClr val="accent1"/>
+          </a:effectRef>
+          <a:fontRef idx="minor">
+            <a:schemeClr val="lt1"/>
+          </a:fontRef>
+        </p:style>
+        <p:txBody>
+          <a:bodyPr rtlCol="0" anchor="ctr"/>
+          <a:lstStyle/>
+          <a:p>
+            <a:pPr algn="ctr"/>
+            <a:endParaRPr lang="en-US" dirty="0"/>
+          </a:p>
+        </p:txBody>
+      </p:sp>
+      <p:sp>
+        <p:nvSpPr>
+          <p:cNvPr id="7" name="TextBox 6">
+            <a:extLst>
+              <a:ext uri="{FF2B5EF4-FFF2-40B4-BE49-F238E27FC236}">
+                <a16:creationId xmlns:a16="http://schemas.microsoft.com/office/drawing/2014/main" id="{11932A4D-4112-E73D-9164-419D09D10D39}"/>
+              </a:ext>
+            </a:extLst>
+          </p:cNvPr>
+          <p:cNvSpPr txBox="1"/>
+          <p:nvPr/>
+        </p:nvSpPr>
+        <p:spPr>
+          <a:xfrm>
+            <a:off x="6327119" y="2097208"/>
+            <a:ext cx="1189346" cy="523220"/>
+          </a:xfrm>
+          <a:prstGeom prst="rect">
+            <a:avLst/>
+          </a:prstGeom>
+          <a:noFill/>
+        </p:spPr>
+        <p:txBody>
+          <a:bodyPr wrap="square">
+            <a:spAutoFit/>
+          </a:bodyPr>
+          <a:lstStyle/>
+          <a:p>
+            <a:pPr algn="ctr"/>
+            <a:r>
+              <a:rPr lang="en-US" sz="1400" dirty="0">
+                <a:latin typeface="Segoe UI" panose="020B0502040204020203" pitchFamily="34" charset="0"/>
+                <a:cs typeface="Segoe UI" panose="020B0502040204020203" pitchFamily="34" charset="0"/>
+              </a:rPr>
+              <a:t>AI Agent</a:t>
+            </a:r>
+          </a:p>
+          <a:p>
+            <a:pPr algn="ctr"/>
+            <a:r>
+              <a:rPr lang="en-US" sz="1400" dirty="0">
+                <a:solidFill>
+                  <a:schemeClr val="bg1">
+                    <a:lumMod val="50000"/>
+                  </a:schemeClr>
+                </a:solidFill>
+                <a:latin typeface="Segoe UI" panose="020B0502040204020203" pitchFamily="34" charset="0"/>
+                <a:cs typeface="Segoe UI" panose="020B0502040204020203" pitchFamily="34" charset="0"/>
+              </a:rPr>
+              <a:t>Orchestrator</a:t>
+            </a:r>
+          </a:p>
+        </p:txBody>
+      </p:sp>
+      <p:pic>
+        <p:nvPicPr>
+          <p:cNvPr id="36" name="Picture 35">
+            <a:extLst>
+              <a:ext uri="{FF2B5EF4-FFF2-40B4-BE49-F238E27FC236}">
+                <a16:creationId xmlns:a16="http://schemas.microsoft.com/office/drawing/2014/main" id="{CA6CA738-5D7D-24B6-0084-FAC21ACD5476}"/>
+              </a:ext>
+            </a:extLst>
+          </p:cNvPr>
+          <p:cNvPicPr>
+            <a:picLocks noChangeAspect="1"/>
+          </p:cNvPicPr>
+          <p:nvPr/>
+        </p:nvPicPr>
+        <p:blipFill>
+          <a:blip r:embed="rId4"/>
+          <a:stretch>
+            <a:fillRect/>
+          </a:stretch>
+        </p:blipFill>
+        <p:spPr>
+          <a:xfrm>
+            <a:off x="5781860" y="2143406"/>
+            <a:ext cx="500312" cy="443353"/>
+          </a:xfrm>
+          <a:prstGeom prst="rect">
+            <a:avLst/>
+          </a:prstGeom>
+        </p:spPr>
+      </p:pic>
+      <p:sp>
+        <p:nvSpPr>
+          <p:cNvPr id="37" name="Flowchart: Connector 36">
+            <a:extLst>
+              <a:ext uri="{FF2B5EF4-FFF2-40B4-BE49-F238E27FC236}">
+                <a16:creationId xmlns:a16="http://schemas.microsoft.com/office/drawing/2014/main" id="{40EEBB85-B969-716C-C363-8A979AB11189}"/>
+              </a:ext>
+            </a:extLst>
+          </p:cNvPr>
+          <p:cNvSpPr>
+            <a:spLocks noChangeAspect="1"/>
+          </p:cNvSpPr>
+          <p:nvPr/>
+        </p:nvSpPr>
+        <p:spPr>
+          <a:xfrm>
+            <a:off x="10421321" y="3541297"/>
+            <a:ext cx="439592" cy="439592"/>
+          </a:xfrm>
+          <a:prstGeom prst="flowChartConnector">
+            <a:avLst/>
+          </a:prstGeom>
+          <a:solidFill>
+            <a:schemeClr val="bg1"/>
+          </a:solidFill>
+          <a:ln>
+            <a:solidFill>
+              <a:schemeClr val="tx1"/>
+            </a:solidFill>
+          </a:ln>
+        </p:spPr>
+        <p:style>
+          <a:lnRef idx="2">
+            <a:schemeClr val="accent1">
+              <a:shade val="15000"/>
+            </a:schemeClr>
+          </a:lnRef>
+          <a:fillRef idx="1">
+            <a:schemeClr val="accent1"/>
+          </a:fillRef>
+          <a:effectRef idx="0">
+            <a:schemeClr val="accent1"/>
+          </a:effectRef>
+          <a:fontRef idx="minor">
+            <a:schemeClr val="lt1"/>
+          </a:fontRef>
+        </p:style>
+        <p:txBody>
+          <a:bodyPr rtlCol="0" anchor="ctr"/>
+          <a:lstStyle/>
+          <a:p>
+            <a:pPr algn="ctr"/>
+            <a:endParaRPr lang="en-US"/>
+          </a:p>
+        </p:txBody>
+      </p:sp>
+      <p:pic>
+        <p:nvPicPr>
+          <p:cNvPr id="23554" name="Picture 2" descr="Here's OpenAI's new logo | The Verge">
+            <a:extLst>
+              <a:ext uri="{FF2B5EF4-FFF2-40B4-BE49-F238E27FC236}">
+                <a16:creationId xmlns:a16="http://schemas.microsoft.com/office/drawing/2014/main" id="{F04968E8-19DB-DD61-1345-BF7039A4DEDE}"/>
+              </a:ext>
+            </a:extLst>
+          </p:cNvPr>
+          <p:cNvPicPr>
+            <a:picLocks noChangeAspect="1" noChangeArrowheads="1"/>
+          </p:cNvPicPr>
+          <p:nvPr/>
+        </p:nvPicPr>
+        <p:blipFill rotWithShape="1">
+          <a:blip r:embed="rId5">
+            <a:extLst>
+              <a:ext uri="{28A0092B-C50C-407E-A947-70E740481C1C}">
+                <a14:useLocalDpi xmlns:a14="http://schemas.microsoft.com/office/drawing/2010/main" val="0"/>
+              </a:ext>
+            </a:extLst>
+          </a:blip>
+          <a:srcRect l="24641" t="10723" r="22473" b="10725"/>
+          <a:stretch>
+            <a:fillRect/>
+          </a:stretch>
+        </p:blipFill>
+        <p:spPr bwMode="auto">
+          <a:xfrm>
+            <a:off x="10541917" y="3662439"/>
+            <a:ext cx="198400" cy="197308"/>
+          </a:xfrm>
+          <a:prstGeom prst="rect">
+            <a:avLst/>
+          </a:prstGeom>
+          <a:noFill/>
+          <a:extLst>
+            <a:ext uri="{909E8E84-426E-40DD-AFC4-6F175D3DCCD1}">
+              <a14:hiddenFill xmlns:a14="http://schemas.microsoft.com/office/drawing/2010/main">
+                <a:solidFill>
+                  <a:srgbClr val="FFFFFF"/>
+                </a:solidFill>
+              </a14:hiddenFill>
+            </a:ext>
+          </a:extLst>
+        </p:spPr>
+      </p:pic>
+      <p:sp>
+        <p:nvSpPr>
+          <p:cNvPr id="39" name="TextBox 38">
+            <a:extLst>
+              <a:ext uri="{FF2B5EF4-FFF2-40B4-BE49-F238E27FC236}">
+                <a16:creationId xmlns:a16="http://schemas.microsoft.com/office/drawing/2014/main" id="{D22E01B2-ACA9-6CB2-1C00-37250FD7A082}"/>
+              </a:ext>
+            </a:extLst>
+          </p:cNvPr>
+          <p:cNvSpPr txBox="1"/>
+          <p:nvPr/>
+        </p:nvSpPr>
+        <p:spPr>
+          <a:xfrm>
+            <a:off x="10419219" y="3976841"/>
+            <a:ext cx="443795" cy="230832"/>
+          </a:xfrm>
+          <a:prstGeom prst="rect">
+            <a:avLst/>
+          </a:prstGeom>
+          <a:noFill/>
+        </p:spPr>
+        <p:txBody>
+          <a:bodyPr wrap="square">
+            <a:spAutoFit/>
+          </a:bodyPr>
+          <a:lstStyle/>
+          <a:p>
+            <a:pPr algn="ctr"/>
+            <a:r>
+              <a:rPr lang="en-US" sz="900" dirty="0">
+                <a:latin typeface="Segoe UI" panose="020B0502040204020203" pitchFamily="34" charset="0"/>
+                <a:cs typeface="Segoe UI" panose="020B0502040204020203" pitchFamily="34" charset="0"/>
+              </a:rPr>
+              <a:t>LLM</a:t>
+            </a:r>
+          </a:p>
+        </p:txBody>
+      </p:sp>
+      <p:sp>
+        <p:nvSpPr>
+          <p:cNvPr id="40" name="Rectangle: Rounded Corners 39">
+            <a:extLst>
+              <a:ext uri="{FF2B5EF4-FFF2-40B4-BE49-F238E27FC236}">
+                <a16:creationId xmlns:a16="http://schemas.microsoft.com/office/drawing/2014/main" id="{5B11B44A-908F-DD5C-BC0C-5A5A10ADA623}"/>
+              </a:ext>
+            </a:extLst>
+          </p:cNvPr>
+          <p:cNvSpPr/>
+          <p:nvPr/>
+        </p:nvSpPr>
+        <p:spPr>
+          <a:xfrm>
+            <a:off x="2739225" y="2110237"/>
+            <a:ext cx="2047461" cy="1103244"/>
+          </a:xfrm>
+          <a:prstGeom prst="roundRect">
+            <a:avLst/>
+          </a:prstGeom>
+          <a:solidFill>
+            <a:schemeClr val="bg1"/>
+          </a:solidFill>
+          <a:ln>
+            <a:solidFill>
+              <a:srgbClr val="2189B8"/>
+            </a:solidFill>
+          </a:ln>
+        </p:spPr>
+        <p:style>
+          <a:lnRef idx="2">
+            <a:schemeClr val="accent1">
+              <a:shade val="15000"/>
+            </a:schemeClr>
+          </a:lnRef>
+          <a:fillRef idx="1">
+            <a:schemeClr val="accent1"/>
+          </a:fillRef>
+          <a:effectRef idx="0">
+            <a:schemeClr val="accent1"/>
+          </a:effectRef>
+          <a:fontRef idx="minor">
+            <a:schemeClr val="lt1"/>
+          </a:fontRef>
+        </p:style>
+        <p:txBody>
+          <a:bodyPr rtlCol="0" anchor="ctr"/>
+          <a:lstStyle/>
+          <a:p>
+            <a:pPr algn="ctr"/>
+            <a:endParaRPr lang="en-US" dirty="0"/>
+          </a:p>
+        </p:txBody>
+      </p:sp>
+      <p:sp>
+        <p:nvSpPr>
+          <p:cNvPr id="41" name="TextBox 40">
+            <a:extLst>
+              <a:ext uri="{FF2B5EF4-FFF2-40B4-BE49-F238E27FC236}">
+                <a16:creationId xmlns:a16="http://schemas.microsoft.com/office/drawing/2014/main" id="{4086989E-C859-B983-2616-A76E1B16B5AA}"/>
+              </a:ext>
+            </a:extLst>
+          </p:cNvPr>
+          <p:cNvSpPr txBox="1"/>
+          <p:nvPr/>
+        </p:nvSpPr>
+        <p:spPr>
+          <a:xfrm>
+            <a:off x="3509565" y="2120881"/>
+            <a:ext cx="1189346" cy="646331"/>
+          </a:xfrm>
+          <a:prstGeom prst="rect">
+            <a:avLst/>
+          </a:prstGeom>
+          <a:noFill/>
+        </p:spPr>
+        <p:txBody>
+          <a:bodyPr wrap="square">
+            <a:spAutoFit/>
+          </a:bodyPr>
+          <a:lstStyle/>
+          <a:p>
+            <a:pPr algn="ctr"/>
+            <a:r>
+              <a:rPr lang="en-US" sz="1400" dirty="0">
+                <a:latin typeface="Segoe UI" panose="020B0502040204020203" pitchFamily="34" charset="0"/>
+                <a:cs typeface="Segoe UI" panose="020B0502040204020203" pitchFamily="34" charset="0"/>
+              </a:rPr>
+              <a:t>Chat UI</a:t>
+            </a:r>
+          </a:p>
+          <a:p>
+            <a:pPr algn="ctr"/>
+            <a:r>
+              <a:rPr lang="en-US" sz="1100" dirty="0">
+                <a:solidFill>
+                  <a:schemeClr val="bg1">
+                    <a:lumMod val="50000"/>
+                  </a:schemeClr>
+                </a:solidFill>
+                <a:latin typeface="Segoe UI" panose="020B0502040204020203" pitchFamily="34" charset="0"/>
+                <a:cs typeface="Segoe UI" panose="020B0502040204020203" pitchFamily="34" charset="0"/>
+              </a:rPr>
+              <a:t>Claude, GitHub CoPilot, etc.</a:t>
+            </a:r>
+          </a:p>
+        </p:txBody>
+      </p:sp>
+      <p:pic>
+        <p:nvPicPr>
+          <p:cNvPr id="23556" name="Picture 4" descr="User Icon Images – Browse 1,701,604 Stock Photos, Vectors ...">
+            <a:extLst>
+              <a:ext uri="{FF2B5EF4-FFF2-40B4-BE49-F238E27FC236}">
+                <a16:creationId xmlns:a16="http://schemas.microsoft.com/office/drawing/2014/main" id="{0E174EEE-8F58-B25C-0A49-601B81DAEDFF}"/>
+              </a:ext>
+            </a:extLst>
+          </p:cNvPr>
+          <p:cNvPicPr>
+            <a:picLocks noChangeAspect="1" noChangeArrowheads="1"/>
+          </p:cNvPicPr>
+          <p:nvPr/>
+        </p:nvPicPr>
+        <p:blipFill rotWithShape="1">
+          <a:blip r:embed="rId6">
+            <a:clrChange>
+              <a:clrFrom>
+                <a:srgbClr val="FFFFFF"/>
+              </a:clrFrom>
+              <a:clrTo>
+                <a:srgbClr val="FFFFFF">
+                  <a:alpha val="0"/>
+                </a:srgbClr>
+              </a:clrTo>
+            </a:clrChange>
+            <a:duotone>
+              <a:schemeClr val="accent4">
+                <a:shade val="45000"/>
+                <a:satMod val="135000"/>
+              </a:schemeClr>
+              <a:prstClr val="white"/>
+            </a:duotone>
+            <a:extLst>
+              <a:ext uri="{28A0092B-C50C-407E-A947-70E740481C1C}">
+                <a14:useLocalDpi xmlns:a14="http://schemas.microsoft.com/office/drawing/2010/main" val="0"/>
+              </a:ext>
+            </a:extLst>
+          </a:blip>
+          <a:srcRect l="19935" t="20528" r="20355" b="20435"/>
+          <a:stretch>
+            <a:fillRect/>
+          </a:stretch>
+        </p:blipFill>
+        <p:spPr bwMode="auto">
+          <a:xfrm>
+            <a:off x="1211949" y="2303152"/>
+            <a:ext cx="732147" cy="723895"/>
+          </a:xfrm>
+          <a:prstGeom prst="rect">
+            <a:avLst/>
+          </a:prstGeom>
+          <a:noFill/>
+          <a:extLst>
+            <a:ext uri="{909E8E84-426E-40DD-AFC4-6F175D3DCCD1}">
+              <a14:hiddenFill xmlns:a14="http://schemas.microsoft.com/office/drawing/2010/main">
+                <a:solidFill>
+                  <a:srgbClr val="FFFFFF"/>
+                </a:solidFill>
+              </a14:hiddenFill>
+            </a:ext>
+          </a:extLst>
+        </p:spPr>
+      </p:pic>
+      <p:sp>
+        <p:nvSpPr>
+          <p:cNvPr id="42" name="TextBox 41">
+            <a:extLst>
+              <a:ext uri="{FF2B5EF4-FFF2-40B4-BE49-F238E27FC236}">
+                <a16:creationId xmlns:a16="http://schemas.microsoft.com/office/drawing/2014/main" id="{B0CC5818-701F-D677-4C66-189C1B5B2C66}"/>
+              </a:ext>
+            </a:extLst>
+          </p:cNvPr>
+          <p:cNvSpPr txBox="1"/>
+          <p:nvPr/>
+        </p:nvSpPr>
+        <p:spPr>
+          <a:xfrm>
+            <a:off x="1152315" y="2970966"/>
+            <a:ext cx="891620" cy="307777"/>
+          </a:xfrm>
+          <a:prstGeom prst="rect">
+            <a:avLst/>
+          </a:prstGeom>
+          <a:noFill/>
+        </p:spPr>
+        <p:txBody>
+          <a:bodyPr wrap="square">
+            <a:spAutoFit/>
+          </a:bodyPr>
+          <a:lstStyle/>
+          <a:p>
+            <a:pPr algn="ctr"/>
+            <a:r>
+              <a:rPr lang="en-US" sz="1400" dirty="0">
+                <a:latin typeface="Segoe UI" panose="020B0502040204020203" pitchFamily="34" charset="0"/>
+                <a:cs typeface="Segoe UI" panose="020B0502040204020203" pitchFamily="34" charset="0"/>
+              </a:rPr>
+              <a:t>User</a:t>
+            </a:r>
+          </a:p>
+        </p:txBody>
+      </p:sp>
+      <p:cxnSp>
+        <p:nvCxnSpPr>
+          <p:cNvPr id="44" name="Straight Arrow Connector 43">
+            <a:extLst>
+              <a:ext uri="{FF2B5EF4-FFF2-40B4-BE49-F238E27FC236}">
+                <a16:creationId xmlns:a16="http://schemas.microsoft.com/office/drawing/2014/main" id="{5385614D-AC3F-A54B-43EB-E30B8E15BBAC}"/>
+              </a:ext>
+            </a:extLst>
+          </p:cNvPr>
+          <p:cNvCxnSpPr>
+            <a:stCxn id="23556" idx="3"/>
+            <a:endCxn id="40" idx="1"/>
+          </p:cNvCxnSpPr>
+          <p:nvPr/>
+        </p:nvCxnSpPr>
+        <p:spPr>
+          <a:xfrm flipV="1">
+            <a:off x="1944096" y="2661859"/>
+            <a:ext cx="795129" cy="3241"/>
+          </a:xfrm>
+          <a:prstGeom prst="straightConnector1">
+            <a:avLst/>
+          </a:prstGeom>
+          <a:ln>
+            <a:headEnd type="triangle"/>
+            <a:tailEnd type="triangle"/>
+          </a:ln>
+        </p:spPr>
+        <p:style>
+          <a:lnRef idx="2">
+            <a:schemeClr val="dk1"/>
+          </a:lnRef>
+          <a:fillRef idx="0">
+            <a:schemeClr val="dk1"/>
+          </a:fillRef>
+          <a:effectRef idx="1">
+            <a:schemeClr val="dk1"/>
+          </a:effectRef>
+          <a:fontRef idx="minor">
+            <a:schemeClr val="tx1"/>
+          </a:fontRef>
+        </p:style>
+      </p:cxnSp>
+      <p:cxnSp>
+        <p:nvCxnSpPr>
+          <p:cNvPr id="45" name="Straight Arrow Connector 44">
+            <a:extLst>
+              <a:ext uri="{FF2B5EF4-FFF2-40B4-BE49-F238E27FC236}">
+                <a16:creationId xmlns:a16="http://schemas.microsoft.com/office/drawing/2014/main" id="{7BFCE2F1-6FBF-4E95-F243-D4B4EE1F39CF}"/>
+              </a:ext>
+            </a:extLst>
+          </p:cNvPr>
+          <p:cNvCxnSpPr>
+            <a:cxnSpLocks/>
+            <a:endCxn id="5" idx="1"/>
+          </p:cNvCxnSpPr>
+          <p:nvPr/>
+        </p:nvCxnSpPr>
+        <p:spPr>
+          <a:xfrm flipV="1">
+            <a:off x="4681437" y="2661858"/>
+            <a:ext cx="986067" cy="273449"/>
+          </a:xfrm>
+          <a:prstGeom prst="straightConnector1">
+            <a:avLst/>
+          </a:prstGeom>
+          <a:ln>
+            <a:headEnd type="triangle"/>
+            <a:tailEnd type="triangle"/>
+          </a:ln>
+        </p:spPr>
+        <p:style>
+          <a:lnRef idx="2">
+            <a:schemeClr val="dk1"/>
+          </a:lnRef>
+          <a:fillRef idx="0">
+            <a:schemeClr val="dk1"/>
+          </a:fillRef>
+          <a:effectRef idx="1">
+            <a:schemeClr val="dk1"/>
+          </a:effectRef>
+          <a:fontRef idx="minor">
+            <a:schemeClr val="tx1"/>
+          </a:fontRef>
+        </p:style>
+      </p:cxnSp>
+      <p:pic>
+        <p:nvPicPr>
+          <p:cNvPr id="47" name="Picture 46">
+            <a:extLst>
+              <a:ext uri="{FF2B5EF4-FFF2-40B4-BE49-F238E27FC236}">
+                <a16:creationId xmlns:a16="http://schemas.microsoft.com/office/drawing/2014/main" id="{AB73A60D-83CE-DB87-6482-561399BB6368}"/>
+              </a:ext>
+            </a:extLst>
+          </p:cNvPr>
+          <p:cNvPicPr>
+            <a:picLocks noChangeAspect="1"/>
+          </p:cNvPicPr>
+          <p:nvPr/>
+        </p:nvPicPr>
+        <p:blipFill>
+          <a:blip r:embed="rId7"/>
+          <a:stretch>
+            <a:fillRect/>
+          </a:stretch>
+        </p:blipFill>
+        <p:spPr>
+          <a:xfrm>
+            <a:off x="2838278" y="2454086"/>
+            <a:ext cx="713056" cy="415545"/>
+          </a:xfrm>
+          <a:prstGeom prst="rect">
+            <a:avLst/>
+          </a:prstGeom>
+          <a:ln>
+            <a:solidFill>
+              <a:schemeClr val="bg1">
+                <a:lumMod val="75000"/>
+              </a:schemeClr>
+            </a:solidFill>
+          </a:ln>
+        </p:spPr>
+      </p:pic>
+      <p:sp>
+        <p:nvSpPr>
+          <p:cNvPr id="48" name="TextBox 47">
+            <a:extLst>
+              <a:ext uri="{FF2B5EF4-FFF2-40B4-BE49-F238E27FC236}">
+                <a16:creationId xmlns:a16="http://schemas.microsoft.com/office/drawing/2014/main" id="{4C959E60-D8C2-E999-C892-EE2555B855A7}"/>
+              </a:ext>
+            </a:extLst>
+          </p:cNvPr>
+          <p:cNvSpPr txBox="1"/>
+          <p:nvPr/>
+        </p:nvSpPr>
+        <p:spPr>
+          <a:xfrm>
+            <a:off x="3655022" y="2767212"/>
+            <a:ext cx="1026415" cy="307777"/>
+          </a:xfrm>
+          <a:prstGeom prst="rect">
+            <a:avLst/>
+          </a:prstGeom>
+          <a:noFill/>
+          <a:ln>
+            <a:solidFill>
+              <a:schemeClr val="bg1">
+                <a:lumMod val="85000"/>
+              </a:schemeClr>
+            </a:solidFill>
+          </a:ln>
+        </p:spPr>
+        <p:txBody>
+          <a:bodyPr wrap="square">
+            <a:spAutoFit/>
+          </a:bodyPr>
+          <a:lstStyle/>
+          <a:p>
+            <a:pPr algn="ctr"/>
+            <a:r>
+              <a:rPr lang="en-US" sz="1400" dirty="0">
+                <a:latin typeface="Segoe UI" panose="020B0502040204020203" pitchFamily="34" charset="0"/>
+                <a:cs typeface="Segoe UI" panose="020B0502040204020203" pitchFamily="34" charset="0"/>
+              </a:rPr>
+              <a:t>MCP client</a:t>
+            </a:r>
+            <a:endParaRPr lang="en-US" sz="1100" dirty="0">
+              <a:solidFill>
+                <a:schemeClr val="bg1">
+                  <a:lumMod val="50000"/>
+                </a:schemeClr>
+              </a:solidFill>
+              <a:latin typeface="Segoe UI" panose="020B0502040204020203" pitchFamily="34" charset="0"/>
+              <a:cs typeface="Segoe UI" panose="020B0502040204020203" pitchFamily="34" charset="0"/>
+            </a:endParaRPr>
+          </a:p>
+        </p:txBody>
+      </p:sp>
+      <p:sp>
+        <p:nvSpPr>
+          <p:cNvPr id="52" name="TextBox 51">
+            <a:extLst>
+              <a:ext uri="{FF2B5EF4-FFF2-40B4-BE49-F238E27FC236}">
+                <a16:creationId xmlns:a16="http://schemas.microsoft.com/office/drawing/2014/main" id="{41E5DA4C-9B28-1F99-9128-4E741A8F45A0}"/>
+              </a:ext>
+            </a:extLst>
+          </p:cNvPr>
+          <p:cNvSpPr txBox="1"/>
+          <p:nvPr/>
+        </p:nvSpPr>
+        <p:spPr>
+          <a:xfrm>
+            <a:off x="4724045" y="2556721"/>
+            <a:ext cx="795129" cy="253916"/>
+          </a:xfrm>
+          <a:prstGeom prst="rect">
+            <a:avLst/>
+          </a:prstGeom>
+          <a:noFill/>
+        </p:spPr>
+        <p:txBody>
+          <a:bodyPr wrap="square">
+            <a:spAutoFit/>
+          </a:bodyPr>
+          <a:lstStyle/>
           <a:p>
             <a:pPr algn="ctr"/>
             <a:r>
@@ -9378,15 +11582,2222 @@
                 <a:latin typeface="Segoe UI" panose="020B0502040204020203" pitchFamily="34" charset="0"/>
                 <a:cs typeface="Segoe UI" panose="020B0502040204020203" pitchFamily="34" charset="0"/>
               </a:rPr>
+              <a:t>HTTP</a:t>
+            </a:r>
+          </a:p>
+        </p:txBody>
+      </p:sp>
+      <p:pic>
+        <p:nvPicPr>
+          <p:cNvPr id="23558" name="Picture 6" descr="Semantic Kernel Roadmap H1 2025 ...">
+            <a:extLst>
+              <a:ext uri="{FF2B5EF4-FFF2-40B4-BE49-F238E27FC236}">
+                <a16:creationId xmlns:a16="http://schemas.microsoft.com/office/drawing/2014/main" id="{1D486882-3184-68D1-EB5B-E26BAADD11D1}"/>
+              </a:ext>
+            </a:extLst>
+          </p:cNvPr>
+          <p:cNvPicPr>
+            <a:picLocks noChangeAspect="1" noChangeArrowheads="1"/>
+          </p:cNvPicPr>
+          <p:nvPr/>
+        </p:nvPicPr>
+        <p:blipFill rotWithShape="1">
+          <a:blip r:embed="rId8">
+            <a:clrChange>
+              <a:clrFrom>
+                <a:srgbClr val="FFFFFF"/>
+              </a:clrFrom>
+              <a:clrTo>
+                <a:srgbClr val="FFFFFF">
+                  <a:alpha val="0"/>
+                </a:srgbClr>
+              </a:clrTo>
+            </a:clrChange>
+            <a:extLst>
+              <a:ext uri="{28A0092B-C50C-407E-A947-70E740481C1C}">
+                <a14:useLocalDpi xmlns:a14="http://schemas.microsoft.com/office/drawing/2010/main" val="0"/>
+              </a:ext>
+            </a:extLst>
+          </a:blip>
+          <a:srcRect l="28311" r="23923" b="24870"/>
+          <a:stretch>
+            <a:fillRect/>
+          </a:stretch>
+        </p:blipFill>
+        <p:spPr bwMode="auto">
+          <a:xfrm>
+            <a:off x="6599862" y="2673417"/>
+            <a:ext cx="200765" cy="258486"/>
+          </a:xfrm>
+          <a:prstGeom prst="rect">
+            <a:avLst/>
+          </a:prstGeom>
+          <a:noFill/>
+          <a:extLst>
+            <a:ext uri="{909E8E84-426E-40DD-AFC4-6F175D3DCCD1}">
+              <a14:hiddenFill xmlns:a14="http://schemas.microsoft.com/office/drawing/2010/main">
+                <a:solidFill>
+                  <a:srgbClr val="FFFFFF"/>
+                </a:solidFill>
+              </a14:hiddenFill>
+            </a:ext>
+          </a:extLst>
+        </p:spPr>
+      </p:pic>
+      <p:pic>
+        <p:nvPicPr>
+          <p:cNvPr id="23560" name="Picture 8" descr="MCP (Model Context Protocol) Logo Fr ...">
+            <a:extLst>
+              <a:ext uri="{FF2B5EF4-FFF2-40B4-BE49-F238E27FC236}">
+                <a16:creationId xmlns:a16="http://schemas.microsoft.com/office/drawing/2014/main" id="{2CD1CDCA-E05E-B5EF-49F0-25D0293D1B13}"/>
+              </a:ext>
+            </a:extLst>
+          </p:cNvPr>
+          <p:cNvPicPr>
+            <a:picLocks noChangeAspect="1" noChangeArrowheads="1"/>
+          </p:cNvPicPr>
+          <p:nvPr/>
+        </p:nvPicPr>
+        <p:blipFill>
+          <a:blip r:embed="rId9">
+            <a:extLst>
+              <a:ext uri="{28A0092B-C50C-407E-A947-70E740481C1C}">
+                <a14:useLocalDpi xmlns:a14="http://schemas.microsoft.com/office/drawing/2010/main" val="0"/>
+              </a:ext>
+            </a:extLst>
+          </a:blip>
+          <a:srcRect/>
+          <a:stretch>
+            <a:fillRect/>
+          </a:stretch>
+        </p:blipFill>
+        <p:spPr bwMode="auto">
+          <a:xfrm>
+            <a:off x="5883324" y="2673417"/>
+            <a:ext cx="261889" cy="261889"/>
+          </a:xfrm>
+          <a:prstGeom prst="rect">
+            <a:avLst/>
+          </a:prstGeom>
+          <a:noFill/>
+          <a:extLst>
+            <a:ext uri="{909E8E84-426E-40DD-AFC4-6F175D3DCCD1}">
+              <a14:hiddenFill xmlns:a14="http://schemas.microsoft.com/office/drawing/2010/main">
+                <a:solidFill>
+                  <a:srgbClr val="FFFFFF"/>
+                </a:solidFill>
+              </a14:hiddenFill>
+            </a:ext>
+          </a:extLst>
+        </p:spPr>
+      </p:pic>
+      <p:pic>
+        <p:nvPicPr>
+          <p:cNvPr id="23562" name="Picture 10" descr="Microsoft Dot Net icon SVG Vector &amp; PNG ...">
+            <a:extLst>
+              <a:ext uri="{FF2B5EF4-FFF2-40B4-BE49-F238E27FC236}">
+                <a16:creationId xmlns:a16="http://schemas.microsoft.com/office/drawing/2014/main" id="{A0E8A86E-CCB1-15E3-A94D-B66576A8E1BA}"/>
+              </a:ext>
+            </a:extLst>
+          </p:cNvPr>
+          <p:cNvPicPr>
+            <a:picLocks noChangeAspect="1" noChangeArrowheads="1"/>
+          </p:cNvPicPr>
+          <p:nvPr/>
+        </p:nvPicPr>
+        <p:blipFill>
+          <a:blip r:embed="rId10">
+            <a:extLst>
+              <a:ext uri="{28A0092B-C50C-407E-A947-70E740481C1C}">
+                <a14:useLocalDpi xmlns:a14="http://schemas.microsoft.com/office/drawing/2010/main" val="0"/>
+              </a:ext>
+            </a:extLst>
+          </a:blip>
+          <a:srcRect/>
+          <a:stretch>
+            <a:fillRect/>
+          </a:stretch>
+        </p:blipFill>
+        <p:spPr bwMode="auto">
+          <a:xfrm>
+            <a:off x="7147989" y="2677537"/>
+            <a:ext cx="261889" cy="261889"/>
+          </a:xfrm>
+          <a:prstGeom prst="rect">
+            <a:avLst/>
+          </a:prstGeom>
+          <a:noFill/>
+          <a:extLst>
+            <a:ext uri="{909E8E84-426E-40DD-AFC4-6F175D3DCCD1}">
+              <a14:hiddenFill xmlns:a14="http://schemas.microsoft.com/office/drawing/2010/main">
+                <a:solidFill>
+                  <a:srgbClr val="FFFFFF"/>
+                </a:solidFill>
+              </a14:hiddenFill>
+            </a:ext>
+          </a:extLst>
+        </p:spPr>
+      </p:pic>
+      <p:sp>
+        <p:nvSpPr>
+          <p:cNvPr id="54" name="TextBox 53">
+            <a:extLst>
+              <a:ext uri="{FF2B5EF4-FFF2-40B4-BE49-F238E27FC236}">
+                <a16:creationId xmlns:a16="http://schemas.microsoft.com/office/drawing/2014/main" id="{B4BD73A3-8ABC-5CA5-5590-C468FDF192C0}"/>
+              </a:ext>
+            </a:extLst>
+          </p:cNvPr>
+          <p:cNvSpPr txBox="1"/>
+          <p:nvPr/>
+        </p:nvSpPr>
+        <p:spPr>
+          <a:xfrm>
+            <a:off x="6388827" y="2886547"/>
+            <a:ext cx="604720" cy="338554"/>
+          </a:xfrm>
+          <a:prstGeom prst="rect">
+            <a:avLst/>
+          </a:prstGeom>
+          <a:noFill/>
+        </p:spPr>
+        <p:txBody>
+          <a:bodyPr wrap="square">
+            <a:spAutoFit/>
+          </a:bodyPr>
+          <a:lstStyle/>
+          <a:p>
+            <a:pPr algn="ctr"/>
+            <a:r>
+              <a:rPr lang="en-US" sz="800" dirty="0">
+                <a:latin typeface="Segoe UI" panose="020B0502040204020203" pitchFamily="34" charset="0"/>
+                <a:cs typeface="Segoe UI" panose="020B0502040204020203" pitchFamily="34" charset="0"/>
+              </a:rPr>
+              <a:t>Semantic</a:t>
+            </a:r>
+          </a:p>
+          <a:p>
+            <a:pPr algn="ctr"/>
+            <a:r>
+              <a:rPr lang="en-US" sz="800" dirty="0">
+                <a:latin typeface="Segoe UI" panose="020B0502040204020203" pitchFamily="34" charset="0"/>
+                <a:cs typeface="Segoe UI" panose="020B0502040204020203" pitchFamily="34" charset="0"/>
+              </a:rPr>
+              <a:t>Kernel</a:t>
+            </a:r>
+          </a:p>
+        </p:txBody>
+      </p:sp>
+      <p:sp>
+        <p:nvSpPr>
+          <p:cNvPr id="55" name="TextBox 54">
+            <a:extLst>
+              <a:ext uri="{FF2B5EF4-FFF2-40B4-BE49-F238E27FC236}">
+                <a16:creationId xmlns:a16="http://schemas.microsoft.com/office/drawing/2014/main" id="{463E137F-3AE7-7F84-1CD9-7E1284EE022B}"/>
+              </a:ext>
+            </a:extLst>
+          </p:cNvPr>
+          <p:cNvSpPr txBox="1"/>
+          <p:nvPr/>
+        </p:nvSpPr>
+        <p:spPr>
+          <a:xfrm>
+            <a:off x="5602012" y="2890901"/>
+            <a:ext cx="852284" cy="338554"/>
+          </a:xfrm>
+          <a:prstGeom prst="rect">
+            <a:avLst/>
+          </a:prstGeom>
+          <a:noFill/>
+        </p:spPr>
+        <p:txBody>
+          <a:bodyPr wrap="square">
+            <a:spAutoFit/>
+          </a:bodyPr>
+          <a:lstStyle/>
+          <a:p>
+            <a:pPr algn="ctr"/>
+            <a:r>
+              <a:rPr lang="en-US" sz="800" dirty="0">
+                <a:latin typeface="Segoe UI" panose="020B0502040204020203" pitchFamily="34" charset="0"/>
+                <a:cs typeface="Segoe UI" panose="020B0502040204020203" pitchFamily="34" charset="0"/>
+              </a:rPr>
+              <a:t>Model Context Protocol</a:t>
+            </a:r>
+          </a:p>
+        </p:txBody>
+      </p:sp>
+      <p:sp>
+        <p:nvSpPr>
+          <p:cNvPr id="56" name="TextBox 55">
+            <a:extLst>
+              <a:ext uri="{FF2B5EF4-FFF2-40B4-BE49-F238E27FC236}">
+                <a16:creationId xmlns:a16="http://schemas.microsoft.com/office/drawing/2014/main" id="{EA3C8C56-0237-A98E-9B40-10B7B654F33D}"/>
+              </a:ext>
+            </a:extLst>
+          </p:cNvPr>
+          <p:cNvSpPr txBox="1"/>
+          <p:nvPr/>
+        </p:nvSpPr>
+        <p:spPr>
+          <a:xfrm>
+            <a:off x="6997972" y="2931903"/>
+            <a:ext cx="604720" cy="215444"/>
+          </a:xfrm>
+          <a:prstGeom prst="rect">
+            <a:avLst/>
+          </a:prstGeom>
+          <a:noFill/>
+        </p:spPr>
+        <p:txBody>
+          <a:bodyPr wrap="square">
+            <a:spAutoFit/>
+          </a:bodyPr>
+          <a:lstStyle/>
+          <a:p>
+            <a:pPr algn="ctr"/>
+            <a:r>
+              <a:rPr lang="en-US" sz="800" dirty="0">
+                <a:latin typeface="Segoe UI" panose="020B0502040204020203" pitchFamily="34" charset="0"/>
+                <a:cs typeface="Segoe UI" panose="020B0502040204020203" pitchFamily="34" charset="0"/>
+              </a:rPr>
+              <a:t>C#</a:t>
+            </a:r>
+          </a:p>
+        </p:txBody>
+      </p:sp>
+      <p:sp>
+        <p:nvSpPr>
+          <p:cNvPr id="58" name="Rectangle: Rounded Corners 57">
+            <a:extLst>
+              <a:ext uri="{FF2B5EF4-FFF2-40B4-BE49-F238E27FC236}">
+                <a16:creationId xmlns:a16="http://schemas.microsoft.com/office/drawing/2014/main" id="{B0EC1D08-F0B1-EFF1-0D21-AE29163AD28D}"/>
+              </a:ext>
+            </a:extLst>
+          </p:cNvPr>
+          <p:cNvSpPr/>
+          <p:nvPr/>
+        </p:nvSpPr>
+        <p:spPr>
+          <a:xfrm>
+            <a:off x="8805129" y="2110236"/>
+            <a:ext cx="2047461" cy="1103244"/>
+          </a:xfrm>
+          <a:prstGeom prst="roundRect">
+            <a:avLst/>
+          </a:prstGeom>
+          <a:solidFill>
+            <a:schemeClr val="bg1"/>
+          </a:solidFill>
+          <a:ln>
+            <a:solidFill>
+              <a:schemeClr val="tx1"/>
+            </a:solidFill>
+          </a:ln>
+        </p:spPr>
+        <p:style>
+          <a:lnRef idx="2">
+            <a:schemeClr val="accent1">
+              <a:shade val="15000"/>
+            </a:schemeClr>
+          </a:lnRef>
+          <a:fillRef idx="1">
+            <a:schemeClr val="accent1"/>
+          </a:fillRef>
+          <a:effectRef idx="0">
+            <a:schemeClr val="accent1"/>
+          </a:effectRef>
+          <a:fontRef idx="minor">
+            <a:schemeClr val="lt1"/>
+          </a:fontRef>
+        </p:style>
+        <p:txBody>
+          <a:bodyPr rtlCol="0" anchor="ctr"/>
+          <a:lstStyle/>
+          <a:p>
+            <a:pPr algn="ctr"/>
+            <a:endParaRPr lang="en-US" dirty="0"/>
+          </a:p>
+        </p:txBody>
+      </p:sp>
+      <p:sp>
+        <p:nvSpPr>
+          <p:cNvPr id="59" name="TextBox 58">
+            <a:extLst>
+              <a:ext uri="{FF2B5EF4-FFF2-40B4-BE49-F238E27FC236}">
+                <a16:creationId xmlns:a16="http://schemas.microsoft.com/office/drawing/2014/main" id="{7BA99010-BDB8-F8EB-6431-9C8DFDCAB82A}"/>
+              </a:ext>
+            </a:extLst>
+          </p:cNvPr>
+          <p:cNvSpPr txBox="1"/>
+          <p:nvPr/>
+        </p:nvSpPr>
+        <p:spPr>
+          <a:xfrm>
+            <a:off x="9464744" y="2097208"/>
+            <a:ext cx="1189346" cy="523220"/>
+          </a:xfrm>
+          <a:prstGeom prst="rect">
+            <a:avLst/>
+          </a:prstGeom>
+          <a:noFill/>
+        </p:spPr>
+        <p:txBody>
+          <a:bodyPr wrap="square">
+            <a:spAutoFit/>
+          </a:bodyPr>
+          <a:lstStyle/>
+          <a:p>
+            <a:pPr algn="ctr"/>
+            <a:r>
+              <a:rPr lang="en-US" sz="1400" dirty="0">
+                <a:latin typeface="Segoe UI" panose="020B0502040204020203" pitchFamily="34" charset="0"/>
+                <a:cs typeface="Segoe UI" panose="020B0502040204020203" pitchFamily="34" charset="0"/>
+              </a:rPr>
+              <a:t>AI Agent</a:t>
+            </a:r>
+          </a:p>
+          <a:p>
+            <a:pPr algn="ctr"/>
+            <a:r>
+              <a:rPr lang="en-US" sz="1400" dirty="0">
+                <a:solidFill>
+                  <a:schemeClr val="bg1">
+                    <a:lumMod val="50000"/>
+                  </a:schemeClr>
+                </a:solidFill>
+                <a:latin typeface="Segoe UI" panose="020B0502040204020203" pitchFamily="34" charset="0"/>
+                <a:cs typeface="Segoe UI" panose="020B0502040204020203" pitchFamily="34" charset="0"/>
+              </a:rPr>
+              <a:t>Chat</a:t>
+            </a:r>
+          </a:p>
+        </p:txBody>
+      </p:sp>
+      <p:pic>
+        <p:nvPicPr>
+          <p:cNvPr id="60" name="Picture 59">
+            <a:extLst>
+              <a:ext uri="{FF2B5EF4-FFF2-40B4-BE49-F238E27FC236}">
+                <a16:creationId xmlns:a16="http://schemas.microsoft.com/office/drawing/2014/main" id="{32623152-DECC-270F-2C4A-897EDD19DEA7}"/>
+              </a:ext>
+            </a:extLst>
+          </p:cNvPr>
+          <p:cNvPicPr>
+            <a:picLocks noChangeAspect="1"/>
+          </p:cNvPicPr>
+          <p:nvPr/>
+        </p:nvPicPr>
+        <p:blipFill>
+          <a:blip r:embed="rId4"/>
+          <a:stretch>
+            <a:fillRect/>
+          </a:stretch>
+        </p:blipFill>
+        <p:spPr>
+          <a:xfrm>
+            <a:off x="8919485" y="2143406"/>
+            <a:ext cx="500312" cy="443353"/>
+          </a:xfrm>
+          <a:prstGeom prst="rect">
+            <a:avLst/>
+          </a:prstGeom>
+        </p:spPr>
+      </p:pic>
+      <p:pic>
+        <p:nvPicPr>
+          <p:cNvPr id="61" name="Picture 6" descr="Semantic Kernel Roadmap H1 2025 ...">
+            <a:extLst>
+              <a:ext uri="{FF2B5EF4-FFF2-40B4-BE49-F238E27FC236}">
+                <a16:creationId xmlns:a16="http://schemas.microsoft.com/office/drawing/2014/main" id="{AB15610B-F764-B65F-10C4-ABBC6F8742E6}"/>
+              </a:ext>
+            </a:extLst>
+          </p:cNvPr>
+          <p:cNvPicPr>
+            <a:picLocks noChangeAspect="1" noChangeArrowheads="1"/>
+          </p:cNvPicPr>
+          <p:nvPr/>
+        </p:nvPicPr>
+        <p:blipFill rotWithShape="1">
+          <a:blip r:embed="rId8">
+            <a:clrChange>
+              <a:clrFrom>
+                <a:srgbClr val="FFFFFF"/>
+              </a:clrFrom>
+              <a:clrTo>
+                <a:srgbClr val="FFFFFF">
+                  <a:alpha val="0"/>
+                </a:srgbClr>
+              </a:clrTo>
+            </a:clrChange>
+            <a:extLst>
+              <a:ext uri="{28A0092B-C50C-407E-A947-70E740481C1C}">
+                <a14:useLocalDpi xmlns:a14="http://schemas.microsoft.com/office/drawing/2010/main" val="0"/>
+              </a:ext>
+            </a:extLst>
+          </a:blip>
+          <a:srcRect l="28311" r="23923" b="24870"/>
+          <a:stretch>
+            <a:fillRect/>
+          </a:stretch>
+        </p:blipFill>
+        <p:spPr bwMode="auto">
+          <a:xfrm>
+            <a:off x="9737487" y="2673417"/>
+            <a:ext cx="200765" cy="258486"/>
+          </a:xfrm>
+          <a:prstGeom prst="rect">
+            <a:avLst/>
+          </a:prstGeom>
+          <a:noFill/>
+          <a:extLst>
+            <a:ext uri="{909E8E84-426E-40DD-AFC4-6F175D3DCCD1}">
+              <a14:hiddenFill xmlns:a14="http://schemas.microsoft.com/office/drawing/2010/main">
+                <a:solidFill>
+                  <a:srgbClr val="FFFFFF"/>
+                </a:solidFill>
+              </a14:hiddenFill>
+            </a:ext>
+          </a:extLst>
+        </p:spPr>
+      </p:pic>
+      <p:pic>
+        <p:nvPicPr>
+          <p:cNvPr id="62" name="Picture 8" descr="MCP (Model Context Protocol) Logo Fr ...">
+            <a:extLst>
+              <a:ext uri="{FF2B5EF4-FFF2-40B4-BE49-F238E27FC236}">
+                <a16:creationId xmlns:a16="http://schemas.microsoft.com/office/drawing/2014/main" id="{AE1EEDE5-C7F5-AE2E-01EF-86264A3F9632}"/>
+              </a:ext>
+            </a:extLst>
+          </p:cNvPr>
+          <p:cNvPicPr>
+            <a:picLocks noChangeAspect="1" noChangeArrowheads="1"/>
+          </p:cNvPicPr>
+          <p:nvPr/>
+        </p:nvPicPr>
+        <p:blipFill>
+          <a:blip r:embed="rId9">
+            <a:extLst>
+              <a:ext uri="{28A0092B-C50C-407E-A947-70E740481C1C}">
+                <a14:useLocalDpi xmlns:a14="http://schemas.microsoft.com/office/drawing/2010/main" val="0"/>
+              </a:ext>
+            </a:extLst>
+          </a:blip>
+          <a:srcRect/>
+          <a:stretch>
+            <a:fillRect/>
+          </a:stretch>
+        </p:blipFill>
+        <p:spPr bwMode="auto">
+          <a:xfrm>
+            <a:off x="9020949" y="2673417"/>
+            <a:ext cx="261889" cy="261889"/>
+          </a:xfrm>
+          <a:prstGeom prst="rect">
+            <a:avLst/>
+          </a:prstGeom>
+          <a:noFill/>
+          <a:extLst>
+            <a:ext uri="{909E8E84-426E-40DD-AFC4-6F175D3DCCD1}">
+              <a14:hiddenFill xmlns:a14="http://schemas.microsoft.com/office/drawing/2010/main">
+                <a:solidFill>
+                  <a:srgbClr val="FFFFFF"/>
+                </a:solidFill>
+              </a14:hiddenFill>
+            </a:ext>
+          </a:extLst>
+        </p:spPr>
+      </p:pic>
+      <p:pic>
+        <p:nvPicPr>
+          <p:cNvPr id="63" name="Picture 10" descr="Microsoft Dot Net icon SVG Vector &amp; PNG ...">
+            <a:extLst>
+              <a:ext uri="{FF2B5EF4-FFF2-40B4-BE49-F238E27FC236}">
+                <a16:creationId xmlns:a16="http://schemas.microsoft.com/office/drawing/2014/main" id="{C430D58D-A79A-3182-C54F-F0B7D9004930}"/>
+              </a:ext>
+            </a:extLst>
+          </p:cNvPr>
+          <p:cNvPicPr>
+            <a:picLocks noChangeAspect="1" noChangeArrowheads="1"/>
+          </p:cNvPicPr>
+          <p:nvPr/>
+        </p:nvPicPr>
+        <p:blipFill>
+          <a:blip r:embed="rId10">
+            <a:extLst>
+              <a:ext uri="{28A0092B-C50C-407E-A947-70E740481C1C}">
+                <a14:useLocalDpi xmlns:a14="http://schemas.microsoft.com/office/drawing/2010/main" val="0"/>
+              </a:ext>
+            </a:extLst>
+          </a:blip>
+          <a:srcRect/>
+          <a:stretch>
+            <a:fillRect/>
+          </a:stretch>
+        </p:blipFill>
+        <p:spPr bwMode="auto">
+          <a:xfrm>
+            <a:off x="10285614" y="2677537"/>
+            <a:ext cx="261889" cy="261889"/>
+          </a:xfrm>
+          <a:prstGeom prst="rect">
+            <a:avLst/>
+          </a:prstGeom>
+          <a:noFill/>
+          <a:extLst>
+            <a:ext uri="{909E8E84-426E-40DD-AFC4-6F175D3DCCD1}">
+              <a14:hiddenFill xmlns:a14="http://schemas.microsoft.com/office/drawing/2010/main">
+                <a:solidFill>
+                  <a:srgbClr val="FFFFFF"/>
+                </a:solidFill>
+              </a14:hiddenFill>
+            </a:ext>
+          </a:extLst>
+        </p:spPr>
+      </p:pic>
+      <p:sp>
+        <p:nvSpPr>
+          <p:cNvPr id="23552" name="TextBox 23551">
+            <a:extLst>
+              <a:ext uri="{FF2B5EF4-FFF2-40B4-BE49-F238E27FC236}">
+                <a16:creationId xmlns:a16="http://schemas.microsoft.com/office/drawing/2014/main" id="{DE922811-AE2F-EE04-1130-42386BF82753}"/>
+              </a:ext>
+            </a:extLst>
+          </p:cNvPr>
+          <p:cNvSpPr txBox="1"/>
+          <p:nvPr/>
+        </p:nvSpPr>
+        <p:spPr>
+          <a:xfrm>
+            <a:off x="9526452" y="2886547"/>
+            <a:ext cx="604720" cy="338554"/>
+          </a:xfrm>
+          <a:prstGeom prst="rect">
+            <a:avLst/>
+          </a:prstGeom>
+          <a:noFill/>
+        </p:spPr>
+        <p:txBody>
+          <a:bodyPr wrap="square">
+            <a:spAutoFit/>
+          </a:bodyPr>
+          <a:lstStyle/>
+          <a:p>
+            <a:pPr algn="ctr"/>
+            <a:r>
+              <a:rPr lang="en-US" sz="800" dirty="0">
+                <a:latin typeface="Segoe UI" panose="020B0502040204020203" pitchFamily="34" charset="0"/>
+                <a:cs typeface="Segoe UI" panose="020B0502040204020203" pitchFamily="34" charset="0"/>
+              </a:rPr>
+              <a:t>Semantic</a:t>
+            </a:r>
+          </a:p>
+          <a:p>
+            <a:pPr algn="ctr"/>
+            <a:r>
+              <a:rPr lang="en-US" sz="800" dirty="0">
+                <a:latin typeface="Segoe UI" panose="020B0502040204020203" pitchFamily="34" charset="0"/>
+                <a:cs typeface="Segoe UI" panose="020B0502040204020203" pitchFamily="34" charset="0"/>
+              </a:rPr>
+              <a:t>Kernel</a:t>
+            </a:r>
+          </a:p>
+        </p:txBody>
+      </p:sp>
+      <p:sp>
+        <p:nvSpPr>
+          <p:cNvPr id="23553" name="TextBox 23552">
+            <a:extLst>
+              <a:ext uri="{FF2B5EF4-FFF2-40B4-BE49-F238E27FC236}">
+                <a16:creationId xmlns:a16="http://schemas.microsoft.com/office/drawing/2014/main" id="{8949050B-A895-1637-6423-824FDE7F4681}"/>
+              </a:ext>
+            </a:extLst>
+          </p:cNvPr>
+          <p:cNvSpPr txBox="1"/>
+          <p:nvPr/>
+        </p:nvSpPr>
+        <p:spPr>
+          <a:xfrm>
+            <a:off x="8739637" y="2890901"/>
+            <a:ext cx="852284" cy="338554"/>
+          </a:xfrm>
+          <a:prstGeom prst="rect">
+            <a:avLst/>
+          </a:prstGeom>
+          <a:noFill/>
+        </p:spPr>
+        <p:txBody>
+          <a:bodyPr wrap="square">
+            <a:spAutoFit/>
+          </a:bodyPr>
+          <a:lstStyle/>
+          <a:p>
+            <a:pPr algn="ctr"/>
+            <a:r>
+              <a:rPr lang="en-US" sz="800" dirty="0">
+                <a:latin typeface="Segoe UI" panose="020B0502040204020203" pitchFamily="34" charset="0"/>
+                <a:cs typeface="Segoe UI" panose="020B0502040204020203" pitchFamily="34" charset="0"/>
+              </a:rPr>
+              <a:t>Model Context Protocol</a:t>
+            </a:r>
+          </a:p>
+        </p:txBody>
+      </p:sp>
+      <p:sp>
+        <p:nvSpPr>
+          <p:cNvPr id="23555" name="TextBox 23554">
+            <a:extLst>
+              <a:ext uri="{FF2B5EF4-FFF2-40B4-BE49-F238E27FC236}">
+                <a16:creationId xmlns:a16="http://schemas.microsoft.com/office/drawing/2014/main" id="{491F640F-A667-BB91-7B8E-991590D8103C}"/>
+              </a:ext>
+            </a:extLst>
+          </p:cNvPr>
+          <p:cNvSpPr txBox="1"/>
+          <p:nvPr/>
+        </p:nvSpPr>
+        <p:spPr>
+          <a:xfrm>
+            <a:off x="10135597" y="2931903"/>
+            <a:ext cx="604720" cy="215444"/>
+          </a:xfrm>
+          <a:prstGeom prst="rect">
+            <a:avLst/>
+          </a:prstGeom>
+          <a:noFill/>
+        </p:spPr>
+        <p:txBody>
+          <a:bodyPr wrap="square">
+            <a:spAutoFit/>
+          </a:bodyPr>
+          <a:lstStyle/>
+          <a:p>
+            <a:pPr algn="ctr"/>
+            <a:r>
+              <a:rPr lang="en-US" sz="800" dirty="0">
+                <a:latin typeface="Segoe UI" panose="020B0502040204020203" pitchFamily="34" charset="0"/>
+                <a:cs typeface="Segoe UI" panose="020B0502040204020203" pitchFamily="34" charset="0"/>
+              </a:rPr>
+              <a:t>C#</a:t>
+            </a:r>
+          </a:p>
+        </p:txBody>
+      </p:sp>
+      <p:sp>
+        <p:nvSpPr>
+          <p:cNvPr id="23557" name="Flowchart: Connector 23556">
+            <a:extLst>
+              <a:ext uri="{FF2B5EF4-FFF2-40B4-BE49-F238E27FC236}">
+                <a16:creationId xmlns:a16="http://schemas.microsoft.com/office/drawing/2014/main" id="{11F99F2A-2A48-1191-8561-D560BEE0F65A}"/>
+              </a:ext>
+            </a:extLst>
+          </p:cNvPr>
+          <p:cNvSpPr>
+            <a:spLocks noChangeAspect="1"/>
+          </p:cNvSpPr>
+          <p:nvPr/>
+        </p:nvSpPr>
+        <p:spPr>
+          <a:xfrm>
+            <a:off x="7296669" y="3541297"/>
+            <a:ext cx="439592" cy="439592"/>
+          </a:xfrm>
+          <a:prstGeom prst="flowChartConnector">
+            <a:avLst/>
+          </a:prstGeom>
+          <a:solidFill>
+            <a:schemeClr val="bg1"/>
+          </a:solidFill>
+          <a:ln>
+            <a:solidFill>
+              <a:schemeClr val="tx1"/>
+            </a:solidFill>
+          </a:ln>
+        </p:spPr>
+        <p:style>
+          <a:lnRef idx="2">
+            <a:schemeClr val="accent1">
+              <a:shade val="15000"/>
+            </a:schemeClr>
+          </a:lnRef>
+          <a:fillRef idx="1">
+            <a:schemeClr val="accent1"/>
+          </a:fillRef>
+          <a:effectRef idx="0">
+            <a:schemeClr val="accent1"/>
+          </a:effectRef>
+          <a:fontRef idx="minor">
+            <a:schemeClr val="lt1"/>
+          </a:fontRef>
+        </p:style>
+        <p:txBody>
+          <a:bodyPr rtlCol="0" anchor="ctr"/>
+          <a:lstStyle/>
+          <a:p>
+            <a:pPr algn="ctr"/>
+            <a:endParaRPr lang="en-US"/>
+          </a:p>
+        </p:txBody>
+      </p:sp>
+      <p:pic>
+        <p:nvPicPr>
+          <p:cNvPr id="23559" name="Picture 2" descr="Here's OpenAI's new logo | The Verge">
+            <a:extLst>
+              <a:ext uri="{FF2B5EF4-FFF2-40B4-BE49-F238E27FC236}">
+                <a16:creationId xmlns:a16="http://schemas.microsoft.com/office/drawing/2014/main" id="{9FCDDEF4-1335-6EBC-17BF-E2D202E04590}"/>
+              </a:ext>
+            </a:extLst>
+          </p:cNvPr>
+          <p:cNvPicPr>
+            <a:picLocks noChangeAspect="1" noChangeArrowheads="1"/>
+          </p:cNvPicPr>
+          <p:nvPr/>
+        </p:nvPicPr>
+        <p:blipFill rotWithShape="1">
+          <a:blip r:embed="rId5">
+            <a:extLst>
+              <a:ext uri="{28A0092B-C50C-407E-A947-70E740481C1C}">
+                <a14:useLocalDpi xmlns:a14="http://schemas.microsoft.com/office/drawing/2010/main" val="0"/>
+              </a:ext>
+            </a:extLst>
+          </a:blip>
+          <a:srcRect l="24641" t="10723" r="22473" b="10725"/>
+          <a:stretch>
+            <a:fillRect/>
+          </a:stretch>
+        </p:blipFill>
+        <p:spPr bwMode="auto">
+          <a:xfrm>
+            <a:off x="7417265" y="3662439"/>
+            <a:ext cx="198400" cy="197308"/>
+          </a:xfrm>
+          <a:prstGeom prst="rect">
+            <a:avLst/>
+          </a:prstGeom>
+          <a:noFill/>
+          <a:extLst>
+            <a:ext uri="{909E8E84-426E-40DD-AFC4-6F175D3DCCD1}">
+              <a14:hiddenFill xmlns:a14="http://schemas.microsoft.com/office/drawing/2010/main">
+                <a:solidFill>
+                  <a:srgbClr val="FFFFFF"/>
+                </a:solidFill>
+              </a14:hiddenFill>
+            </a:ext>
+          </a:extLst>
+        </p:spPr>
+      </p:pic>
+      <p:sp>
+        <p:nvSpPr>
+          <p:cNvPr id="23561" name="TextBox 23560">
+            <a:extLst>
+              <a:ext uri="{FF2B5EF4-FFF2-40B4-BE49-F238E27FC236}">
+                <a16:creationId xmlns:a16="http://schemas.microsoft.com/office/drawing/2014/main" id="{B317CAEB-8464-6947-F39D-446FD1D1C5F7}"/>
+              </a:ext>
+            </a:extLst>
+          </p:cNvPr>
+          <p:cNvSpPr txBox="1"/>
+          <p:nvPr/>
+        </p:nvSpPr>
+        <p:spPr>
+          <a:xfrm>
+            <a:off x="7294567" y="3976841"/>
+            <a:ext cx="443795" cy="230832"/>
+          </a:xfrm>
+          <a:prstGeom prst="rect">
+            <a:avLst/>
+          </a:prstGeom>
+          <a:noFill/>
+        </p:spPr>
+        <p:txBody>
+          <a:bodyPr wrap="square">
+            <a:spAutoFit/>
+          </a:bodyPr>
+          <a:lstStyle/>
+          <a:p>
+            <a:pPr algn="ctr"/>
+            <a:r>
+              <a:rPr lang="en-US" sz="900" dirty="0">
+                <a:latin typeface="Segoe UI" panose="020B0502040204020203" pitchFamily="34" charset="0"/>
+                <a:cs typeface="Segoe UI" panose="020B0502040204020203" pitchFamily="34" charset="0"/>
+              </a:rPr>
+              <a:t>LLM</a:t>
+            </a:r>
+          </a:p>
+        </p:txBody>
+      </p:sp>
+      <p:sp>
+        <p:nvSpPr>
+          <p:cNvPr id="23563" name="Rectangle: Rounded Corners 23562">
+            <a:extLst>
+              <a:ext uri="{FF2B5EF4-FFF2-40B4-BE49-F238E27FC236}">
+                <a16:creationId xmlns:a16="http://schemas.microsoft.com/office/drawing/2014/main" id="{352FD6F0-98ED-373F-C4B9-07DDBBF0274E}"/>
+              </a:ext>
+            </a:extLst>
+          </p:cNvPr>
+          <p:cNvSpPr/>
+          <p:nvPr/>
+        </p:nvSpPr>
+        <p:spPr>
+          <a:xfrm>
+            <a:off x="6934740" y="4731612"/>
+            <a:ext cx="2047461" cy="1103244"/>
+          </a:xfrm>
+          <a:prstGeom prst="roundRect">
+            <a:avLst/>
+          </a:prstGeom>
+          <a:solidFill>
+            <a:schemeClr val="bg1"/>
+          </a:solidFill>
+          <a:ln>
+            <a:solidFill>
+              <a:schemeClr val="tx1"/>
+            </a:solidFill>
+          </a:ln>
+        </p:spPr>
+        <p:style>
+          <a:lnRef idx="2">
+            <a:schemeClr val="accent1">
+              <a:shade val="15000"/>
+            </a:schemeClr>
+          </a:lnRef>
+          <a:fillRef idx="1">
+            <a:schemeClr val="accent1"/>
+          </a:fillRef>
+          <a:effectRef idx="0">
+            <a:schemeClr val="accent1"/>
+          </a:effectRef>
+          <a:fontRef idx="minor">
+            <a:schemeClr val="lt1"/>
+          </a:fontRef>
+        </p:style>
+        <p:txBody>
+          <a:bodyPr rtlCol="0" anchor="ctr"/>
+          <a:lstStyle/>
+          <a:p>
+            <a:pPr algn="ctr"/>
+            <a:endParaRPr lang="en-US" dirty="0"/>
+          </a:p>
+        </p:txBody>
+      </p:sp>
+      <p:sp>
+        <p:nvSpPr>
+          <p:cNvPr id="23565" name="TextBox 23564">
+            <a:extLst>
+              <a:ext uri="{FF2B5EF4-FFF2-40B4-BE49-F238E27FC236}">
+                <a16:creationId xmlns:a16="http://schemas.microsoft.com/office/drawing/2014/main" id="{0C08994E-C87D-DF24-C7BB-FA1860CCF83E}"/>
+              </a:ext>
+            </a:extLst>
+          </p:cNvPr>
+          <p:cNvSpPr txBox="1"/>
+          <p:nvPr/>
+        </p:nvSpPr>
+        <p:spPr>
+          <a:xfrm>
+            <a:off x="7487287" y="4718584"/>
+            <a:ext cx="1552064" cy="523220"/>
+          </a:xfrm>
+          <a:prstGeom prst="rect">
+            <a:avLst/>
+          </a:prstGeom>
+          <a:noFill/>
+        </p:spPr>
+        <p:txBody>
+          <a:bodyPr wrap="square">
+            <a:spAutoFit/>
+          </a:bodyPr>
+          <a:lstStyle/>
+          <a:p>
+            <a:pPr algn="ctr"/>
+            <a:r>
+              <a:rPr lang="en-US" sz="1400" dirty="0">
+                <a:latin typeface="Segoe UI" panose="020B0502040204020203" pitchFamily="34" charset="0"/>
+                <a:cs typeface="Segoe UI" panose="020B0502040204020203" pitchFamily="34" charset="0"/>
+              </a:rPr>
+              <a:t>MCP Server</a:t>
+            </a:r>
+          </a:p>
+          <a:p>
+            <a:pPr algn="ctr"/>
+            <a:r>
+              <a:rPr lang="en-US" sz="1400" dirty="0">
+                <a:solidFill>
+                  <a:schemeClr val="bg1">
+                    <a:lumMod val="50000"/>
+                  </a:schemeClr>
+                </a:solidFill>
+                <a:latin typeface="Segoe UI" panose="020B0502040204020203" pitchFamily="34" charset="0"/>
+                <a:cs typeface="Segoe UI" panose="020B0502040204020203" pitchFamily="34" charset="0"/>
+              </a:rPr>
+              <a:t>KB Content</a:t>
+            </a:r>
+          </a:p>
+        </p:txBody>
+      </p:sp>
+      <p:pic>
+        <p:nvPicPr>
+          <p:cNvPr id="23570" name="Picture 8" descr="MCP (Model Context Protocol) Logo Fr ...">
+            <a:extLst>
+              <a:ext uri="{FF2B5EF4-FFF2-40B4-BE49-F238E27FC236}">
+                <a16:creationId xmlns:a16="http://schemas.microsoft.com/office/drawing/2014/main" id="{F137F0C9-9D96-3791-16F5-952C233DA25D}"/>
+              </a:ext>
+            </a:extLst>
+          </p:cNvPr>
+          <p:cNvPicPr>
+            <a:picLocks noChangeAspect="1" noChangeArrowheads="1"/>
+          </p:cNvPicPr>
+          <p:nvPr/>
+        </p:nvPicPr>
+        <p:blipFill>
+          <a:blip r:embed="rId9">
+            <a:extLst>
+              <a:ext uri="{28A0092B-C50C-407E-A947-70E740481C1C}">
+                <a14:useLocalDpi xmlns:a14="http://schemas.microsoft.com/office/drawing/2010/main" val="0"/>
+              </a:ext>
+            </a:extLst>
+          </a:blip>
+          <a:srcRect/>
+          <a:stretch>
+            <a:fillRect/>
+          </a:stretch>
+        </p:blipFill>
+        <p:spPr bwMode="auto">
+          <a:xfrm>
+            <a:off x="7150560" y="5294793"/>
+            <a:ext cx="261889" cy="261889"/>
+          </a:xfrm>
+          <a:prstGeom prst="rect">
+            <a:avLst/>
+          </a:prstGeom>
+          <a:noFill/>
+          <a:extLst>
+            <a:ext uri="{909E8E84-426E-40DD-AFC4-6F175D3DCCD1}">
+              <a14:hiddenFill xmlns:a14="http://schemas.microsoft.com/office/drawing/2010/main">
+                <a:solidFill>
+                  <a:srgbClr val="FFFFFF"/>
+                </a:solidFill>
+              </a14:hiddenFill>
+            </a:ext>
+          </a:extLst>
+        </p:spPr>
+      </p:pic>
+      <p:pic>
+        <p:nvPicPr>
+          <p:cNvPr id="23571" name="Picture 10" descr="Microsoft Dot Net icon SVG Vector &amp; PNG ...">
+            <a:extLst>
+              <a:ext uri="{FF2B5EF4-FFF2-40B4-BE49-F238E27FC236}">
+                <a16:creationId xmlns:a16="http://schemas.microsoft.com/office/drawing/2014/main" id="{AD1BE820-5550-641C-6AC4-BAFB04097611}"/>
+              </a:ext>
+            </a:extLst>
+          </p:cNvPr>
+          <p:cNvPicPr>
+            <a:picLocks noChangeAspect="1" noChangeArrowheads="1"/>
+          </p:cNvPicPr>
+          <p:nvPr/>
+        </p:nvPicPr>
+        <p:blipFill>
+          <a:blip r:embed="rId10">
+            <a:extLst>
+              <a:ext uri="{28A0092B-C50C-407E-A947-70E740481C1C}">
+                <a14:useLocalDpi xmlns:a14="http://schemas.microsoft.com/office/drawing/2010/main" val="0"/>
+              </a:ext>
+            </a:extLst>
+          </a:blip>
+          <a:srcRect/>
+          <a:stretch>
+            <a:fillRect/>
+          </a:stretch>
+        </p:blipFill>
+        <p:spPr bwMode="auto">
+          <a:xfrm>
+            <a:off x="8415225" y="5298913"/>
+            <a:ext cx="261889" cy="261889"/>
+          </a:xfrm>
+          <a:prstGeom prst="rect">
+            <a:avLst/>
+          </a:prstGeom>
+          <a:noFill/>
+          <a:extLst>
+            <a:ext uri="{909E8E84-426E-40DD-AFC4-6F175D3DCCD1}">
+              <a14:hiddenFill xmlns:a14="http://schemas.microsoft.com/office/drawing/2010/main">
+                <a:solidFill>
+                  <a:srgbClr val="FFFFFF"/>
+                </a:solidFill>
+              </a14:hiddenFill>
+            </a:ext>
+          </a:extLst>
+        </p:spPr>
+      </p:pic>
+      <p:sp>
+        <p:nvSpPr>
+          <p:cNvPr id="23573" name="TextBox 23572">
+            <a:extLst>
+              <a:ext uri="{FF2B5EF4-FFF2-40B4-BE49-F238E27FC236}">
+                <a16:creationId xmlns:a16="http://schemas.microsoft.com/office/drawing/2014/main" id="{E7EB0A76-BBBB-5AB0-F875-62224EED6017}"/>
+              </a:ext>
+            </a:extLst>
+          </p:cNvPr>
+          <p:cNvSpPr txBox="1"/>
+          <p:nvPr/>
+        </p:nvSpPr>
+        <p:spPr>
+          <a:xfrm>
+            <a:off x="6869248" y="5512277"/>
+            <a:ext cx="852284" cy="338554"/>
+          </a:xfrm>
+          <a:prstGeom prst="rect">
+            <a:avLst/>
+          </a:prstGeom>
+          <a:noFill/>
+        </p:spPr>
+        <p:txBody>
+          <a:bodyPr wrap="square">
+            <a:spAutoFit/>
+          </a:bodyPr>
+          <a:lstStyle/>
+          <a:p>
+            <a:pPr algn="ctr"/>
+            <a:r>
+              <a:rPr lang="en-US" sz="800" dirty="0">
+                <a:latin typeface="Segoe UI" panose="020B0502040204020203" pitchFamily="34" charset="0"/>
+                <a:cs typeface="Segoe UI" panose="020B0502040204020203" pitchFamily="34" charset="0"/>
+              </a:rPr>
+              <a:t>Model Context Protocol</a:t>
+            </a:r>
+          </a:p>
+        </p:txBody>
+      </p:sp>
+      <p:sp>
+        <p:nvSpPr>
+          <p:cNvPr id="23574" name="TextBox 23573">
+            <a:extLst>
+              <a:ext uri="{FF2B5EF4-FFF2-40B4-BE49-F238E27FC236}">
+                <a16:creationId xmlns:a16="http://schemas.microsoft.com/office/drawing/2014/main" id="{1DF50376-9D0F-C87D-6092-CDD418EC3488}"/>
+              </a:ext>
+            </a:extLst>
+          </p:cNvPr>
+          <p:cNvSpPr txBox="1"/>
+          <p:nvPr/>
+        </p:nvSpPr>
+        <p:spPr>
+          <a:xfrm>
+            <a:off x="8265208" y="5553279"/>
+            <a:ext cx="604720" cy="215444"/>
+          </a:xfrm>
+          <a:prstGeom prst="rect">
+            <a:avLst/>
+          </a:prstGeom>
+          <a:noFill/>
+        </p:spPr>
+        <p:txBody>
+          <a:bodyPr wrap="square">
+            <a:spAutoFit/>
+          </a:bodyPr>
+          <a:lstStyle/>
+          <a:p>
+            <a:pPr algn="ctr"/>
+            <a:r>
+              <a:rPr lang="en-US" sz="800" dirty="0">
+                <a:latin typeface="Segoe UI" panose="020B0502040204020203" pitchFamily="34" charset="0"/>
+                <a:cs typeface="Segoe UI" panose="020B0502040204020203" pitchFamily="34" charset="0"/>
+              </a:rPr>
+              <a:t>C#</a:t>
+            </a:r>
+          </a:p>
+        </p:txBody>
+      </p:sp>
+      <p:pic>
+        <p:nvPicPr>
+          <p:cNvPr id="23579" name="Picture 23578">
+            <a:extLst>
+              <a:ext uri="{FF2B5EF4-FFF2-40B4-BE49-F238E27FC236}">
+                <a16:creationId xmlns:a16="http://schemas.microsoft.com/office/drawing/2014/main" id="{0E694938-1055-D1C3-DAAF-B5B0102CC4D4}"/>
+              </a:ext>
+            </a:extLst>
+          </p:cNvPr>
+          <p:cNvPicPr>
+            <a:picLocks noChangeAspect="1"/>
+          </p:cNvPicPr>
+          <p:nvPr/>
+        </p:nvPicPr>
+        <p:blipFill>
+          <a:blip r:embed="rId11"/>
+          <a:stretch>
+            <a:fillRect/>
+          </a:stretch>
+        </p:blipFill>
+        <p:spPr>
+          <a:xfrm>
+            <a:off x="7013466" y="4782942"/>
+            <a:ext cx="364617" cy="407200"/>
+          </a:xfrm>
+          <a:prstGeom prst="rect">
+            <a:avLst/>
+          </a:prstGeom>
+        </p:spPr>
+      </p:pic>
+      <p:cxnSp>
+        <p:nvCxnSpPr>
+          <p:cNvPr id="23588" name="Straight Arrow Connector 23587">
+            <a:extLst>
+              <a:ext uri="{FF2B5EF4-FFF2-40B4-BE49-F238E27FC236}">
+                <a16:creationId xmlns:a16="http://schemas.microsoft.com/office/drawing/2014/main" id="{6299180B-166D-6895-3E3A-2E27D9C1EF19}"/>
+              </a:ext>
+            </a:extLst>
+          </p:cNvPr>
+          <p:cNvCxnSpPr>
+            <a:cxnSpLocks/>
+            <a:stCxn id="23553" idx="2"/>
+          </p:cNvCxnSpPr>
+          <p:nvPr/>
+        </p:nvCxnSpPr>
+        <p:spPr>
+          <a:xfrm flipH="1">
+            <a:off x="8556999" y="3229455"/>
+            <a:ext cx="608780" cy="1502157"/>
+          </a:xfrm>
+          <a:prstGeom prst="straightConnector1">
+            <a:avLst/>
+          </a:prstGeom>
+          <a:ln>
+            <a:solidFill>
+              <a:schemeClr val="tx1"/>
+            </a:solidFill>
+            <a:tailEnd type="triangle"/>
+          </a:ln>
+        </p:spPr>
+        <p:style>
+          <a:lnRef idx="2">
+            <a:schemeClr val="accent1"/>
+          </a:lnRef>
+          <a:fillRef idx="0">
+            <a:schemeClr val="accent1"/>
+          </a:fillRef>
+          <a:effectRef idx="1">
+            <a:schemeClr val="accent1"/>
+          </a:effectRef>
+          <a:fontRef idx="minor">
+            <a:schemeClr val="tx1"/>
+          </a:fontRef>
+        </p:style>
+      </p:cxnSp>
+      <p:cxnSp>
+        <p:nvCxnSpPr>
+          <p:cNvPr id="23594" name="Connector: Curved 23593">
+            <a:extLst>
+              <a:ext uri="{FF2B5EF4-FFF2-40B4-BE49-F238E27FC236}">
+                <a16:creationId xmlns:a16="http://schemas.microsoft.com/office/drawing/2014/main" id="{5C0F3FD5-BDB2-520C-2387-5F2AB20A3AB7}"/>
+              </a:ext>
+            </a:extLst>
+          </p:cNvPr>
+          <p:cNvCxnSpPr>
+            <a:stCxn id="54" idx="2"/>
+            <a:endCxn id="23557" idx="1"/>
+          </p:cNvCxnSpPr>
+          <p:nvPr/>
+        </p:nvCxnSpPr>
+        <p:spPr>
+          <a:xfrm rot="16200000" flipH="1">
+            <a:off x="6835830" y="3080457"/>
+            <a:ext cx="380573" cy="669859"/>
+          </a:xfrm>
+          <a:prstGeom prst="curvedConnector3">
+            <a:avLst/>
+          </a:prstGeom>
+          <a:ln>
+            <a:solidFill>
+              <a:srgbClr val="0070C0"/>
+            </a:solidFill>
+            <a:prstDash val="lgDash"/>
+            <a:tailEnd type="triangle"/>
+          </a:ln>
+        </p:spPr>
+        <p:style>
+          <a:lnRef idx="2">
+            <a:schemeClr val="accent1"/>
+          </a:lnRef>
+          <a:fillRef idx="0">
+            <a:schemeClr val="accent1"/>
+          </a:fillRef>
+          <a:effectRef idx="1">
+            <a:schemeClr val="accent1"/>
+          </a:effectRef>
+          <a:fontRef idx="minor">
+            <a:schemeClr val="tx1"/>
+          </a:fontRef>
+        </p:style>
+      </p:cxnSp>
+      <p:cxnSp>
+        <p:nvCxnSpPr>
+          <p:cNvPr id="23595" name="Connector: Curved 23594">
+            <a:extLst>
+              <a:ext uri="{FF2B5EF4-FFF2-40B4-BE49-F238E27FC236}">
+                <a16:creationId xmlns:a16="http://schemas.microsoft.com/office/drawing/2014/main" id="{F234531B-CE41-09DC-72FE-76B10753AC65}"/>
+              </a:ext>
+            </a:extLst>
+          </p:cNvPr>
+          <p:cNvCxnSpPr>
+            <a:cxnSpLocks/>
+            <a:stCxn id="23552" idx="2"/>
+            <a:endCxn id="37" idx="1"/>
+          </p:cNvCxnSpPr>
+          <p:nvPr/>
+        </p:nvCxnSpPr>
+        <p:spPr>
+          <a:xfrm rot="16200000" flipH="1">
+            <a:off x="9966969" y="3086944"/>
+            <a:ext cx="380573" cy="656886"/>
+          </a:xfrm>
+          <a:prstGeom prst="curvedConnector3">
+            <a:avLst>
+              <a:gd name="adj1" fmla="val 50000"/>
+            </a:avLst>
+          </a:prstGeom>
+          <a:ln>
+            <a:solidFill>
+              <a:srgbClr val="0070C0"/>
+            </a:solidFill>
+            <a:prstDash val="lgDash"/>
+            <a:tailEnd type="triangle"/>
+          </a:ln>
+        </p:spPr>
+        <p:style>
+          <a:lnRef idx="2">
+            <a:schemeClr val="accent1"/>
+          </a:lnRef>
+          <a:fillRef idx="0">
+            <a:schemeClr val="accent1"/>
+          </a:fillRef>
+          <a:effectRef idx="1">
+            <a:schemeClr val="accent1"/>
+          </a:effectRef>
+          <a:fontRef idx="minor">
+            <a:schemeClr val="tx1"/>
+          </a:fontRef>
+        </p:style>
+      </p:cxnSp>
+      <p:cxnSp>
+        <p:nvCxnSpPr>
+          <p:cNvPr id="23598" name="Straight Arrow Connector 23597">
+            <a:extLst>
+              <a:ext uri="{FF2B5EF4-FFF2-40B4-BE49-F238E27FC236}">
+                <a16:creationId xmlns:a16="http://schemas.microsoft.com/office/drawing/2014/main" id="{BE750646-66C8-B932-2FA7-8822912ABD7F}"/>
+              </a:ext>
+            </a:extLst>
+          </p:cNvPr>
+          <p:cNvCxnSpPr>
+            <a:cxnSpLocks/>
+            <a:stCxn id="5" idx="3"/>
+            <a:endCxn id="58" idx="1"/>
+          </p:cNvCxnSpPr>
+          <p:nvPr/>
+        </p:nvCxnSpPr>
+        <p:spPr>
+          <a:xfrm>
+            <a:off x="7714965" y="2661858"/>
+            <a:ext cx="1090164" cy="0"/>
+          </a:xfrm>
+          <a:prstGeom prst="straightConnector1">
+            <a:avLst/>
+          </a:prstGeom>
+          <a:ln>
+            <a:headEnd type="triangle"/>
+            <a:tailEnd type="triangle"/>
+          </a:ln>
+        </p:spPr>
+        <p:style>
+          <a:lnRef idx="2">
+            <a:schemeClr val="dk1"/>
+          </a:lnRef>
+          <a:fillRef idx="0">
+            <a:schemeClr val="dk1"/>
+          </a:fillRef>
+          <a:effectRef idx="1">
+            <a:schemeClr val="dk1"/>
+          </a:effectRef>
+          <a:fontRef idx="minor">
+            <a:schemeClr val="tx1"/>
+          </a:fontRef>
+        </p:style>
+      </p:cxnSp>
+      <p:sp>
+        <p:nvSpPr>
+          <p:cNvPr id="23602" name="TextBox 23601">
+            <a:extLst>
+              <a:ext uri="{FF2B5EF4-FFF2-40B4-BE49-F238E27FC236}">
+                <a16:creationId xmlns:a16="http://schemas.microsoft.com/office/drawing/2014/main" id="{538A1E72-B51F-51FB-185B-FA1BD42A3FA2}"/>
+              </a:ext>
+            </a:extLst>
+          </p:cNvPr>
+          <p:cNvSpPr txBox="1"/>
+          <p:nvPr/>
+        </p:nvSpPr>
+        <p:spPr>
+          <a:xfrm>
+            <a:off x="7812609" y="2636403"/>
+            <a:ext cx="795129" cy="253916"/>
+          </a:xfrm>
+          <a:prstGeom prst="rect">
+            <a:avLst/>
+          </a:prstGeom>
+          <a:noFill/>
+        </p:spPr>
+        <p:txBody>
+          <a:bodyPr wrap="square">
+            <a:spAutoFit/>
+          </a:bodyPr>
+          <a:lstStyle/>
+          <a:p>
+            <a:pPr algn="ctr"/>
+            <a:r>
+              <a:rPr lang="en-US" sz="1050" dirty="0">
+                <a:latin typeface="Segoe UI" panose="020B0502040204020203" pitchFamily="34" charset="0"/>
+                <a:cs typeface="Segoe UI" panose="020B0502040204020203" pitchFamily="34" charset="0"/>
+              </a:rPr>
+              <a:t>HTTP</a:t>
+            </a:r>
+          </a:p>
+        </p:txBody>
+      </p:sp>
+      <p:sp>
+        <p:nvSpPr>
+          <p:cNvPr id="23603" name="TextBox 23602">
+            <a:extLst>
+              <a:ext uri="{FF2B5EF4-FFF2-40B4-BE49-F238E27FC236}">
+                <a16:creationId xmlns:a16="http://schemas.microsoft.com/office/drawing/2014/main" id="{1171FD22-99CC-59A6-B549-087A7CC19A8E}"/>
+              </a:ext>
+            </a:extLst>
+          </p:cNvPr>
+          <p:cNvSpPr txBox="1"/>
+          <p:nvPr/>
+        </p:nvSpPr>
+        <p:spPr>
+          <a:xfrm>
+            <a:off x="8767010" y="3646540"/>
+            <a:ext cx="795129" cy="253916"/>
+          </a:xfrm>
+          <a:prstGeom prst="rect">
+            <a:avLst/>
+          </a:prstGeom>
+          <a:noFill/>
+        </p:spPr>
+        <p:txBody>
+          <a:bodyPr wrap="square">
+            <a:spAutoFit/>
+          </a:bodyPr>
+          <a:lstStyle/>
+          <a:p>
+            <a:pPr algn="ctr"/>
+            <a:r>
+              <a:rPr lang="en-US" sz="1050" dirty="0">
+                <a:latin typeface="Segoe UI" panose="020B0502040204020203" pitchFamily="34" charset="0"/>
+                <a:cs typeface="Segoe UI" panose="020B0502040204020203" pitchFamily="34" charset="0"/>
+              </a:rPr>
+              <a:t>HTTP</a:t>
+            </a:r>
+          </a:p>
+        </p:txBody>
+      </p:sp>
+      <p:cxnSp>
+        <p:nvCxnSpPr>
+          <p:cNvPr id="23604" name="Straight Arrow Connector 23603">
+            <a:extLst>
+              <a:ext uri="{FF2B5EF4-FFF2-40B4-BE49-F238E27FC236}">
+                <a16:creationId xmlns:a16="http://schemas.microsoft.com/office/drawing/2014/main" id="{3DE93470-EE29-7526-4AFE-5CC6E1F1D81D}"/>
+              </a:ext>
+            </a:extLst>
+          </p:cNvPr>
+          <p:cNvCxnSpPr>
+            <a:cxnSpLocks/>
+            <a:stCxn id="55" idx="2"/>
+          </p:cNvCxnSpPr>
+          <p:nvPr/>
+        </p:nvCxnSpPr>
+        <p:spPr>
+          <a:xfrm>
+            <a:off x="6028154" y="3229455"/>
+            <a:ext cx="1267236" cy="1498820"/>
+          </a:xfrm>
+          <a:prstGeom prst="straightConnector1">
+            <a:avLst/>
+          </a:prstGeom>
+          <a:ln>
+            <a:solidFill>
+              <a:schemeClr val="tx1"/>
+            </a:solidFill>
+            <a:tailEnd type="triangle"/>
+          </a:ln>
+        </p:spPr>
+        <p:style>
+          <a:lnRef idx="2">
+            <a:schemeClr val="accent1"/>
+          </a:lnRef>
+          <a:fillRef idx="0">
+            <a:schemeClr val="accent1"/>
+          </a:fillRef>
+          <a:effectRef idx="1">
+            <a:schemeClr val="accent1"/>
+          </a:effectRef>
+          <a:fontRef idx="minor">
+            <a:schemeClr val="tx1"/>
+          </a:fontRef>
+        </p:style>
+      </p:cxnSp>
+      <p:sp>
+        <p:nvSpPr>
+          <p:cNvPr id="3" name="TextBox 2">
+            <a:extLst>
+              <a:ext uri="{FF2B5EF4-FFF2-40B4-BE49-F238E27FC236}">
+                <a16:creationId xmlns:a16="http://schemas.microsoft.com/office/drawing/2014/main" id="{E68E5029-855C-2D4C-8926-15FFB3DAD1F8}"/>
+              </a:ext>
+            </a:extLst>
+          </p:cNvPr>
+          <p:cNvSpPr txBox="1"/>
+          <p:nvPr/>
+        </p:nvSpPr>
+        <p:spPr>
+          <a:xfrm>
+            <a:off x="5931439" y="3748867"/>
+            <a:ext cx="795129" cy="253916"/>
+          </a:xfrm>
+          <a:prstGeom prst="rect">
+            <a:avLst/>
+          </a:prstGeom>
+          <a:noFill/>
+        </p:spPr>
+        <p:txBody>
+          <a:bodyPr wrap="square">
+            <a:spAutoFit/>
+          </a:bodyPr>
+          <a:lstStyle/>
+          <a:p>
+            <a:pPr algn="ctr"/>
+            <a:r>
+              <a:rPr lang="en-US" sz="1050" dirty="0">
+                <a:latin typeface="Segoe UI" panose="020B0502040204020203" pitchFamily="34" charset="0"/>
+                <a:cs typeface="Segoe UI" panose="020B0502040204020203" pitchFamily="34" charset="0"/>
+              </a:rPr>
+              <a:t>HTTP</a:t>
+            </a:r>
+          </a:p>
+        </p:txBody>
+      </p:sp>
+      <p:cxnSp>
+        <p:nvCxnSpPr>
+          <p:cNvPr id="6" name="Straight Arrow Connector 5">
+            <a:extLst>
+              <a:ext uri="{FF2B5EF4-FFF2-40B4-BE49-F238E27FC236}">
+                <a16:creationId xmlns:a16="http://schemas.microsoft.com/office/drawing/2014/main" id="{A1FE1D5B-7308-ADE0-DE51-9F3C2AD05322}"/>
+              </a:ext>
+            </a:extLst>
+          </p:cNvPr>
+          <p:cNvCxnSpPr/>
+          <p:nvPr/>
+        </p:nvCxnSpPr>
+        <p:spPr>
+          <a:xfrm>
+            <a:off x="4168230" y="3074989"/>
+            <a:ext cx="2766510" cy="1903449"/>
+          </a:xfrm>
+          <a:prstGeom prst="straightConnector1">
+            <a:avLst/>
+          </a:prstGeom>
+          <a:ln>
+            <a:solidFill>
+              <a:schemeClr val="bg1">
+                <a:lumMod val="75000"/>
+              </a:schemeClr>
+            </a:solidFill>
+            <a:prstDash val="lgDash"/>
+            <a:tailEnd type="triangle"/>
+          </a:ln>
+        </p:spPr>
+        <p:style>
+          <a:lnRef idx="2">
+            <a:schemeClr val="accent1"/>
+          </a:lnRef>
+          <a:fillRef idx="0">
+            <a:schemeClr val="accent1"/>
+          </a:fillRef>
+          <a:effectRef idx="1">
+            <a:schemeClr val="accent1"/>
+          </a:effectRef>
+          <a:fontRef idx="minor">
+            <a:schemeClr val="tx1"/>
+          </a:fontRef>
+        </p:style>
+      </p:cxnSp>
+      <p:sp>
+        <p:nvSpPr>
+          <p:cNvPr id="8" name="TextBox 7">
+            <a:extLst>
+              <a:ext uri="{FF2B5EF4-FFF2-40B4-BE49-F238E27FC236}">
+                <a16:creationId xmlns:a16="http://schemas.microsoft.com/office/drawing/2014/main" id="{56C2B4C2-8F99-DAAD-40E7-2035C58D8E29}"/>
+              </a:ext>
+            </a:extLst>
+          </p:cNvPr>
+          <p:cNvSpPr txBox="1"/>
+          <p:nvPr/>
+        </p:nvSpPr>
+        <p:spPr>
+          <a:xfrm>
+            <a:off x="4969178" y="3982901"/>
+            <a:ext cx="795129" cy="430887"/>
+          </a:xfrm>
+          <a:prstGeom prst="rect">
+            <a:avLst/>
+          </a:prstGeom>
+          <a:noFill/>
+        </p:spPr>
+        <p:txBody>
+          <a:bodyPr wrap="square">
+            <a:spAutoFit/>
+          </a:bodyPr>
+          <a:lstStyle/>
+          <a:p>
+            <a:pPr marL="0" marR="0" lvl="0" indent="0" algn="ctr" defTabSz="914400" rtl="0" eaLnBrk="1" fontAlgn="auto" latinLnBrk="0" hangingPunct="1">
+              <a:lnSpc>
+                <a:spcPct val="100000"/>
+              </a:lnSpc>
+              <a:spcBef>
+                <a:spcPts val="0"/>
+              </a:spcBef>
+              <a:spcAft>
+                <a:spcPts val="0"/>
+              </a:spcAft>
+              <a:buClrTx/>
+              <a:buSzTx/>
+              <a:buFontTx/>
+              <a:buNone/>
+              <a:tabLst/>
+              <a:defRPr/>
+            </a:pPr>
+            <a:r>
+              <a:rPr kumimoji="0" lang="en-US" sz="1050" b="0" i="0" u="none" strike="noStrike" kern="1200" cap="none" spc="0" normalizeH="0" baseline="0" noProof="0" dirty="0">
+                <a:ln>
+                  <a:noFill/>
+                </a:ln>
+                <a:solidFill>
+                  <a:prstClr val="black"/>
+                </a:solidFill>
+                <a:effectLst/>
+                <a:uLnTx/>
+                <a:uFillTx/>
+                <a:latin typeface="Segoe UI" panose="020B0502040204020203" pitchFamily="34" charset="0"/>
+                <a:ea typeface="+mn-ea"/>
+                <a:cs typeface="Segoe UI" panose="020B0502040204020203" pitchFamily="34" charset="0"/>
+              </a:rPr>
+              <a:t>MCP</a:t>
+            </a:r>
+          </a:p>
+          <a:p>
+            <a:pPr marL="0" marR="0" lvl="0" indent="0" algn="ctr" defTabSz="914400" rtl="0" eaLnBrk="1" fontAlgn="auto" latinLnBrk="0" hangingPunct="1">
+              <a:lnSpc>
+                <a:spcPct val="100000"/>
+              </a:lnSpc>
+              <a:spcBef>
+                <a:spcPts val="0"/>
+              </a:spcBef>
+              <a:spcAft>
+                <a:spcPts val="0"/>
+              </a:spcAft>
+              <a:buClrTx/>
+              <a:buSzTx/>
+              <a:buFontTx/>
+              <a:buNone/>
+              <a:tabLst/>
+              <a:defRPr/>
+            </a:pPr>
+            <a:r>
+              <a:rPr kumimoji="0" lang="en-US" sz="1050" b="0" i="0" u="none" strike="noStrike" kern="1200" cap="none" spc="0" normalizeH="0" baseline="0" noProof="0" dirty="0">
+                <a:ln>
+                  <a:noFill/>
+                </a:ln>
+                <a:solidFill>
+                  <a:prstClr val="black"/>
+                </a:solidFill>
+                <a:effectLst/>
+                <a:uLnTx/>
+                <a:uFillTx/>
+                <a:latin typeface="Segoe UI" panose="020B0502040204020203" pitchFamily="34" charset="0"/>
+                <a:ea typeface="+mn-ea"/>
+                <a:cs typeface="Segoe UI" panose="020B0502040204020203" pitchFamily="34" charset="0"/>
+              </a:rPr>
               <a:t>(stdio)</a:t>
             </a:r>
+          </a:p>
+        </p:txBody>
+      </p:sp>
+      <p:sp>
+        <p:nvSpPr>
+          <p:cNvPr id="9" name="TextBox 8">
+            <a:extLst>
+              <a:ext uri="{FF2B5EF4-FFF2-40B4-BE49-F238E27FC236}">
+                <a16:creationId xmlns:a16="http://schemas.microsoft.com/office/drawing/2014/main" id="{B9F480F7-407B-FFD6-2E04-03B6AF1E1B76}"/>
+              </a:ext>
+            </a:extLst>
+          </p:cNvPr>
+          <p:cNvSpPr txBox="1"/>
+          <p:nvPr/>
+        </p:nvSpPr>
+        <p:spPr>
+          <a:xfrm>
+            <a:off x="4279633" y="3644520"/>
+            <a:ext cx="899948" cy="415498"/>
+          </a:xfrm>
+          <a:prstGeom prst="rect">
+            <a:avLst/>
+          </a:prstGeom>
+          <a:noFill/>
+        </p:spPr>
+        <p:txBody>
+          <a:bodyPr wrap="square">
+            <a:spAutoFit/>
+          </a:bodyPr>
+          <a:lstStyle/>
+          <a:p>
+            <a:pPr marL="0" marR="0" lvl="0" indent="0" algn="ctr" defTabSz="914400" rtl="0" eaLnBrk="1" fontAlgn="auto" latinLnBrk="0" hangingPunct="1">
+              <a:lnSpc>
+                <a:spcPct val="100000"/>
+              </a:lnSpc>
+              <a:spcBef>
+                <a:spcPts val="0"/>
+              </a:spcBef>
+              <a:spcAft>
+                <a:spcPts val="0"/>
+              </a:spcAft>
+              <a:buClrTx/>
+              <a:buSzTx/>
+              <a:buFontTx/>
+              <a:buNone/>
+              <a:tabLst/>
+              <a:defRPr/>
+            </a:pPr>
+            <a:r>
+              <a:rPr kumimoji="0" lang="en-US" sz="1050" b="1" i="0" u="none" strike="noStrike" kern="1200" cap="none" spc="0" normalizeH="0" baseline="0" noProof="0" dirty="0">
+                <a:ln>
+                  <a:noFill/>
+                </a:ln>
+                <a:solidFill>
+                  <a:prstClr val="black"/>
+                </a:solidFill>
+                <a:effectLst/>
+                <a:uLnTx/>
+                <a:uFillTx/>
+                <a:latin typeface="Segoe UI" panose="020B0502040204020203" pitchFamily="34" charset="0"/>
+                <a:ea typeface="+mn-ea"/>
+                <a:cs typeface="Segoe UI" panose="020B0502040204020203" pitchFamily="34" charset="0"/>
+              </a:rPr>
+              <a:t>Optional</a:t>
+            </a:r>
+          </a:p>
+          <a:p>
+            <a:pPr marL="0" marR="0" lvl="0" indent="0" algn="ctr" defTabSz="914400" rtl="0" eaLnBrk="1" fontAlgn="auto" latinLnBrk="0" hangingPunct="1">
+              <a:lnSpc>
+                <a:spcPct val="100000"/>
+              </a:lnSpc>
+              <a:spcBef>
+                <a:spcPts val="0"/>
+              </a:spcBef>
+              <a:spcAft>
+                <a:spcPts val="0"/>
+              </a:spcAft>
+              <a:buClrTx/>
+              <a:buSzTx/>
+              <a:buFontTx/>
+              <a:buNone/>
+              <a:tabLst/>
+              <a:defRPr/>
+            </a:pPr>
+            <a:r>
+              <a:rPr lang="en-US" sz="1050" b="1" dirty="0">
+                <a:solidFill>
+                  <a:prstClr val="black"/>
+                </a:solidFill>
+                <a:latin typeface="Segoe UI" panose="020B0502040204020203" pitchFamily="34" charset="0"/>
+                <a:cs typeface="Segoe UI" panose="020B0502040204020203" pitchFamily="34" charset="0"/>
+              </a:rPr>
+              <a:t>For testing</a:t>
+            </a:r>
+            <a:endParaRPr kumimoji="0" lang="en-US" sz="1050" b="1" i="0" u="none" strike="noStrike" kern="1200" cap="none" spc="0" normalizeH="0" baseline="0" noProof="0" dirty="0">
+              <a:ln>
+                <a:noFill/>
+              </a:ln>
+              <a:solidFill>
+                <a:prstClr val="black"/>
+              </a:solidFill>
+              <a:effectLst/>
+              <a:uLnTx/>
+              <a:uFillTx/>
+              <a:latin typeface="Segoe UI" panose="020B0502040204020203" pitchFamily="34" charset="0"/>
+              <a:ea typeface="+mn-ea"/>
+              <a:cs typeface="Segoe UI" panose="020B0502040204020203" pitchFamily="34" charset="0"/>
+            </a:endParaRPr>
+          </a:p>
+        </p:txBody>
+      </p:sp>
+      <p:pic>
+        <p:nvPicPr>
+          <p:cNvPr id="10" name="Picture 9" descr="Azure AI Foundry - Visual Studio Marketplace">
+            <a:extLst>
+              <a:ext uri="{FF2B5EF4-FFF2-40B4-BE49-F238E27FC236}">
+                <a16:creationId xmlns:a16="http://schemas.microsoft.com/office/drawing/2014/main" id="{03E6C501-EB30-F8C4-F45B-464A68E8E41C}"/>
+              </a:ext>
+            </a:extLst>
+          </p:cNvPr>
+          <p:cNvPicPr>
+            <a:picLocks noChangeAspect="1"/>
+          </p:cNvPicPr>
+          <p:nvPr/>
+        </p:nvPicPr>
+        <p:blipFill>
+          <a:blip r:embed="rId12"/>
+          <a:stretch>
+            <a:fillRect/>
+          </a:stretch>
+        </p:blipFill>
+        <p:spPr>
+          <a:xfrm>
+            <a:off x="7480502" y="3211168"/>
+            <a:ext cx="439592" cy="439592"/>
+          </a:xfrm>
+          <a:prstGeom prst="rect">
+            <a:avLst/>
+          </a:prstGeom>
+        </p:spPr>
+      </p:pic>
+      <p:sp>
+        <p:nvSpPr>
+          <p:cNvPr id="13" name="TextBox 12">
+            <a:extLst>
+              <a:ext uri="{FF2B5EF4-FFF2-40B4-BE49-F238E27FC236}">
+                <a16:creationId xmlns:a16="http://schemas.microsoft.com/office/drawing/2014/main" id="{D922E186-801C-2635-4666-F7C375AA399B}"/>
+              </a:ext>
+            </a:extLst>
+          </p:cNvPr>
+          <p:cNvSpPr txBox="1"/>
+          <p:nvPr/>
+        </p:nvSpPr>
+        <p:spPr>
+          <a:xfrm>
+            <a:off x="7680420" y="3448826"/>
+            <a:ext cx="607411" cy="369332"/>
+          </a:xfrm>
+          <a:prstGeom prst="rect">
+            <a:avLst/>
+          </a:prstGeom>
+          <a:noFill/>
+        </p:spPr>
+        <p:txBody>
+          <a:bodyPr wrap="square">
+            <a:spAutoFit/>
+          </a:bodyPr>
+          <a:lstStyle/>
+          <a:p>
+            <a:r>
+              <a:rPr lang="en-US" sz="900" dirty="0">
+                <a:latin typeface="Segoe UI" panose="020B0502040204020203" pitchFamily="34" charset="0"/>
+                <a:cs typeface="Segoe UI" panose="020B0502040204020203" pitchFamily="34" charset="0"/>
+              </a:rPr>
+              <a:t>Azure Foundry</a:t>
+            </a:r>
+          </a:p>
+        </p:txBody>
+      </p:sp>
+      <p:pic>
+        <p:nvPicPr>
+          <p:cNvPr id="14" name="Picture 13" descr="Azure AI Foundry - Visual Studio Marketplace">
+            <a:extLst>
+              <a:ext uri="{FF2B5EF4-FFF2-40B4-BE49-F238E27FC236}">
+                <a16:creationId xmlns:a16="http://schemas.microsoft.com/office/drawing/2014/main" id="{E032CE3A-5B77-BE22-B8F5-1524E8904EFC}"/>
+              </a:ext>
+            </a:extLst>
+          </p:cNvPr>
+          <p:cNvPicPr>
+            <a:picLocks noChangeAspect="1"/>
+          </p:cNvPicPr>
+          <p:nvPr/>
+        </p:nvPicPr>
+        <p:blipFill>
+          <a:blip r:embed="rId12"/>
+          <a:stretch>
+            <a:fillRect/>
+          </a:stretch>
+        </p:blipFill>
+        <p:spPr>
+          <a:xfrm>
+            <a:off x="10697554" y="3309275"/>
+            <a:ext cx="439592" cy="439592"/>
+          </a:xfrm>
+          <a:prstGeom prst="rect">
+            <a:avLst/>
+          </a:prstGeom>
+        </p:spPr>
+      </p:pic>
+      <p:sp>
+        <p:nvSpPr>
+          <p:cNvPr id="15" name="TextBox 14">
+            <a:extLst>
+              <a:ext uri="{FF2B5EF4-FFF2-40B4-BE49-F238E27FC236}">
+                <a16:creationId xmlns:a16="http://schemas.microsoft.com/office/drawing/2014/main" id="{0F26C9B3-0534-07B3-FE43-39377027328F}"/>
+              </a:ext>
+            </a:extLst>
+          </p:cNvPr>
+          <p:cNvSpPr txBox="1"/>
+          <p:nvPr/>
+        </p:nvSpPr>
+        <p:spPr>
+          <a:xfrm>
+            <a:off x="10897472" y="3546933"/>
+            <a:ext cx="607411" cy="369332"/>
+          </a:xfrm>
+          <a:prstGeom prst="rect">
+            <a:avLst/>
+          </a:prstGeom>
+          <a:noFill/>
+        </p:spPr>
+        <p:txBody>
+          <a:bodyPr wrap="square">
+            <a:spAutoFit/>
+          </a:bodyPr>
+          <a:lstStyle/>
+          <a:p>
+            <a:r>
+              <a:rPr lang="en-US" sz="900" dirty="0">
+                <a:latin typeface="Segoe UI" panose="020B0502040204020203" pitchFamily="34" charset="0"/>
+                <a:cs typeface="Segoe UI" panose="020B0502040204020203" pitchFamily="34" charset="0"/>
+              </a:rPr>
+              <a:t>Azure Foundry</a:t>
+            </a:r>
+          </a:p>
+        </p:txBody>
+      </p:sp>
+      <p:grpSp>
+        <p:nvGrpSpPr>
+          <p:cNvPr id="17" name="Group 16">
+            <a:extLst>
+              <a:ext uri="{FF2B5EF4-FFF2-40B4-BE49-F238E27FC236}">
+                <a16:creationId xmlns:a16="http://schemas.microsoft.com/office/drawing/2014/main" id="{D89C6E89-9E5C-8B22-6EB2-365D53D30E7E}"/>
+              </a:ext>
+            </a:extLst>
+          </p:cNvPr>
+          <p:cNvGrpSpPr/>
+          <p:nvPr/>
+        </p:nvGrpSpPr>
+        <p:grpSpPr>
+          <a:xfrm>
+            <a:off x="7444967" y="1464607"/>
+            <a:ext cx="1201530" cy="423510"/>
+            <a:chOff x="7444967" y="1464607"/>
+            <a:chExt cx="1201530" cy="423510"/>
+          </a:xfrm>
+        </p:grpSpPr>
+        <p:pic>
+          <p:nvPicPr>
+            <p:cNvPr id="11" name="Picture 10" descr="Pricing - Azure Kubernetes Service (AKS) | Microsoft Azure">
+              <a:extLst>
+                <a:ext uri="{FF2B5EF4-FFF2-40B4-BE49-F238E27FC236}">
+                  <a16:creationId xmlns:a16="http://schemas.microsoft.com/office/drawing/2014/main" id="{E9988510-12E7-B08B-95B5-0AF8FE9278D6}"/>
+                </a:ext>
+              </a:extLst>
+            </p:cNvPr>
+            <p:cNvPicPr>
+              <a:picLocks noChangeAspect="1"/>
+            </p:cNvPicPr>
+            <p:nvPr/>
+          </p:nvPicPr>
+          <p:blipFill>
+            <a:blip r:embed="rId13"/>
+            <a:stretch>
+              <a:fillRect/>
+            </a:stretch>
+          </p:blipFill>
+          <p:spPr>
+            <a:xfrm>
+              <a:off x="7444967" y="1464607"/>
+              <a:ext cx="806685" cy="423510"/>
+            </a:xfrm>
+            <a:prstGeom prst="rect">
+              <a:avLst/>
+            </a:prstGeom>
+          </p:spPr>
+        </p:pic>
+        <p:sp>
+          <p:nvSpPr>
+            <p:cNvPr id="16" name="TextBox 15">
+              <a:extLst>
+                <a:ext uri="{FF2B5EF4-FFF2-40B4-BE49-F238E27FC236}">
+                  <a16:creationId xmlns:a16="http://schemas.microsoft.com/office/drawing/2014/main" id="{8083FC8A-94DC-32CE-BAEF-BBA1FD63216D}"/>
+                </a:ext>
+              </a:extLst>
+            </p:cNvPr>
+            <p:cNvSpPr txBox="1"/>
+            <p:nvPr/>
+          </p:nvSpPr>
+          <p:spPr>
+            <a:xfrm>
+              <a:off x="8012040" y="1545557"/>
+              <a:ext cx="634457" cy="261610"/>
+            </a:xfrm>
+            <a:prstGeom prst="rect">
+              <a:avLst/>
+            </a:prstGeom>
+            <a:noFill/>
+          </p:spPr>
+          <p:txBody>
+            <a:bodyPr wrap="square">
+              <a:spAutoFit/>
+            </a:bodyPr>
+            <a:lstStyle/>
+            <a:p>
+              <a:r>
+                <a:rPr lang="en-US" sz="1100" dirty="0"/>
+                <a:t>AKS</a:t>
+              </a:r>
+            </a:p>
+          </p:txBody>
+        </p:sp>
+      </p:grpSp>
+      <p:grpSp>
+        <p:nvGrpSpPr>
+          <p:cNvPr id="18" name="Group 17">
+            <a:extLst>
+              <a:ext uri="{FF2B5EF4-FFF2-40B4-BE49-F238E27FC236}">
+                <a16:creationId xmlns:a16="http://schemas.microsoft.com/office/drawing/2014/main" id="{9C7400B9-FD77-D479-1158-583E7066EDFF}"/>
+              </a:ext>
+            </a:extLst>
+          </p:cNvPr>
+          <p:cNvGrpSpPr/>
+          <p:nvPr/>
+        </p:nvGrpSpPr>
+        <p:grpSpPr>
+          <a:xfrm>
+            <a:off x="10556018" y="1464607"/>
+            <a:ext cx="1201530" cy="423510"/>
+            <a:chOff x="7444967" y="1464607"/>
+            <a:chExt cx="1201530" cy="423510"/>
+          </a:xfrm>
+        </p:grpSpPr>
+        <p:pic>
+          <p:nvPicPr>
+            <p:cNvPr id="21" name="Picture 20" descr="Pricing - Azure Kubernetes Service (AKS) | Microsoft Azure">
+              <a:extLst>
+                <a:ext uri="{FF2B5EF4-FFF2-40B4-BE49-F238E27FC236}">
+                  <a16:creationId xmlns:a16="http://schemas.microsoft.com/office/drawing/2014/main" id="{E8FE1870-08A4-C790-162F-336E0B4E3044}"/>
+                </a:ext>
+              </a:extLst>
+            </p:cNvPr>
+            <p:cNvPicPr>
+              <a:picLocks noChangeAspect="1"/>
+            </p:cNvPicPr>
+            <p:nvPr/>
+          </p:nvPicPr>
+          <p:blipFill>
+            <a:blip r:embed="rId13"/>
+            <a:stretch>
+              <a:fillRect/>
+            </a:stretch>
+          </p:blipFill>
+          <p:spPr>
+            <a:xfrm>
+              <a:off x="7444967" y="1464607"/>
+              <a:ext cx="806685" cy="423510"/>
+            </a:xfrm>
+            <a:prstGeom prst="rect">
+              <a:avLst/>
+            </a:prstGeom>
+          </p:spPr>
+        </p:pic>
+        <p:sp>
+          <p:nvSpPr>
+            <p:cNvPr id="32" name="TextBox 31">
+              <a:extLst>
+                <a:ext uri="{FF2B5EF4-FFF2-40B4-BE49-F238E27FC236}">
+                  <a16:creationId xmlns:a16="http://schemas.microsoft.com/office/drawing/2014/main" id="{FC5E7BFF-51EC-9A83-CC38-1D53F31A575F}"/>
+                </a:ext>
+              </a:extLst>
+            </p:cNvPr>
+            <p:cNvSpPr txBox="1"/>
+            <p:nvPr/>
+          </p:nvSpPr>
+          <p:spPr>
+            <a:xfrm>
+              <a:off x="8012040" y="1545557"/>
+              <a:ext cx="634457" cy="261610"/>
+            </a:xfrm>
+            <a:prstGeom prst="rect">
+              <a:avLst/>
+            </a:prstGeom>
+            <a:noFill/>
+          </p:spPr>
+          <p:txBody>
+            <a:bodyPr wrap="square">
+              <a:spAutoFit/>
+            </a:bodyPr>
+            <a:lstStyle/>
+            <a:p>
+              <a:r>
+                <a:rPr lang="en-US" sz="1100" dirty="0"/>
+                <a:t>AKS</a:t>
+              </a:r>
+            </a:p>
+          </p:txBody>
+        </p:sp>
+      </p:grpSp>
+      <p:grpSp>
+        <p:nvGrpSpPr>
+          <p:cNvPr id="33" name="Group 32">
+            <a:extLst>
+              <a:ext uri="{FF2B5EF4-FFF2-40B4-BE49-F238E27FC236}">
+                <a16:creationId xmlns:a16="http://schemas.microsoft.com/office/drawing/2014/main" id="{09791FB5-DB5E-C7EC-A4E0-F42C028735C5}"/>
+              </a:ext>
+            </a:extLst>
+          </p:cNvPr>
+          <p:cNvGrpSpPr/>
+          <p:nvPr/>
+        </p:nvGrpSpPr>
+        <p:grpSpPr>
+          <a:xfrm>
+            <a:off x="8736722" y="4157879"/>
+            <a:ext cx="1201530" cy="423510"/>
+            <a:chOff x="7444967" y="1464607"/>
+            <a:chExt cx="1201530" cy="423510"/>
+          </a:xfrm>
+        </p:grpSpPr>
+        <p:pic>
+          <p:nvPicPr>
+            <p:cNvPr id="34" name="Picture 33" descr="Pricing - Azure Kubernetes Service (AKS) | Microsoft Azure">
+              <a:extLst>
+                <a:ext uri="{FF2B5EF4-FFF2-40B4-BE49-F238E27FC236}">
+                  <a16:creationId xmlns:a16="http://schemas.microsoft.com/office/drawing/2014/main" id="{E78876FF-E03E-4739-38FD-B490576BEEF3}"/>
+                </a:ext>
+              </a:extLst>
+            </p:cNvPr>
+            <p:cNvPicPr>
+              <a:picLocks noChangeAspect="1"/>
+            </p:cNvPicPr>
+            <p:nvPr/>
+          </p:nvPicPr>
+          <p:blipFill>
+            <a:blip r:embed="rId13"/>
+            <a:stretch>
+              <a:fillRect/>
+            </a:stretch>
+          </p:blipFill>
+          <p:spPr>
+            <a:xfrm>
+              <a:off x="7444967" y="1464607"/>
+              <a:ext cx="806685" cy="423510"/>
+            </a:xfrm>
+            <a:prstGeom prst="rect">
+              <a:avLst/>
+            </a:prstGeom>
+          </p:spPr>
+        </p:pic>
+        <p:sp>
+          <p:nvSpPr>
+            <p:cNvPr id="35" name="TextBox 34">
+              <a:extLst>
+                <a:ext uri="{FF2B5EF4-FFF2-40B4-BE49-F238E27FC236}">
+                  <a16:creationId xmlns:a16="http://schemas.microsoft.com/office/drawing/2014/main" id="{5420318B-5530-011C-48B9-51CE9155200F}"/>
+                </a:ext>
+              </a:extLst>
+            </p:cNvPr>
+            <p:cNvSpPr txBox="1"/>
+            <p:nvPr/>
+          </p:nvSpPr>
+          <p:spPr>
+            <a:xfrm>
+              <a:off x="8012040" y="1545557"/>
+              <a:ext cx="634457" cy="261610"/>
+            </a:xfrm>
+            <a:prstGeom prst="rect">
+              <a:avLst/>
+            </a:prstGeom>
+            <a:noFill/>
+          </p:spPr>
+          <p:txBody>
+            <a:bodyPr wrap="square">
+              <a:spAutoFit/>
+            </a:bodyPr>
+            <a:lstStyle/>
+            <a:p>
+              <a:r>
+                <a:rPr lang="en-US" sz="1100" dirty="0"/>
+                <a:t>AKS</a:t>
+              </a:r>
+            </a:p>
+          </p:txBody>
+        </p:sp>
+      </p:grpSp>
+      <p:sp>
+        <p:nvSpPr>
+          <p:cNvPr id="43" name="TextBox 42">
+            <a:extLst>
+              <a:ext uri="{FF2B5EF4-FFF2-40B4-BE49-F238E27FC236}">
+                <a16:creationId xmlns:a16="http://schemas.microsoft.com/office/drawing/2014/main" id="{8E54CCBD-8A03-CC86-510B-1AD01F1BD89E}"/>
+              </a:ext>
+            </a:extLst>
+          </p:cNvPr>
+          <p:cNvSpPr txBox="1"/>
+          <p:nvPr/>
+        </p:nvSpPr>
+        <p:spPr>
+          <a:xfrm>
+            <a:off x="888537" y="6382071"/>
+            <a:ext cx="10787269" cy="307777"/>
+          </a:xfrm>
+          <a:prstGeom prst="rect">
+            <a:avLst/>
+          </a:prstGeom>
+          <a:noFill/>
+        </p:spPr>
+        <p:txBody>
+          <a:bodyPr wrap="square">
+            <a:spAutoFit/>
+          </a:bodyPr>
+          <a:lstStyle/>
+          <a:p>
+            <a:r>
+              <a:rPr lang="en-US" sz="1400" dirty="0">
+                <a:latin typeface="Segoe UI" panose="020B0502040204020203" pitchFamily="34" charset="0"/>
+                <a:cs typeface="Segoe UI" panose="020B0502040204020203" pitchFamily="34" charset="0"/>
+              </a:rPr>
+              <a:t>[*] Deployment in Azure could be </a:t>
+            </a:r>
+            <a:r>
+              <a:rPr lang="en-US" sz="1400" b="1" dirty="0">
+                <a:latin typeface="Segoe UI" panose="020B0502040204020203" pitchFamily="34" charset="0"/>
+                <a:cs typeface="Segoe UI" panose="020B0502040204020203" pitchFamily="34" charset="0"/>
+              </a:rPr>
+              <a:t>Azure Kubernetes Service (AKS)</a:t>
+            </a:r>
+            <a:r>
+              <a:rPr lang="en-US" sz="1400" dirty="0">
+                <a:latin typeface="Segoe UI" panose="020B0502040204020203" pitchFamily="34" charset="0"/>
+                <a:cs typeface="Segoe UI" panose="020B0502040204020203" pitchFamily="34" charset="0"/>
+              </a:rPr>
+              <a:t> or </a:t>
+            </a:r>
+            <a:r>
+              <a:rPr lang="en-US" sz="1400" b="1" dirty="0">
+                <a:latin typeface="Segoe UI" panose="020B0502040204020203" pitchFamily="34" charset="0"/>
+                <a:cs typeface="Segoe UI" panose="020B0502040204020203" pitchFamily="34" charset="0"/>
+              </a:rPr>
+              <a:t>Azure Container Apps</a:t>
+            </a:r>
+            <a:r>
+              <a:rPr lang="en-US" sz="1400" dirty="0">
+                <a:latin typeface="Segoe UI" panose="020B0502040204020203" pitchFamily="34" charset="0"/>
+                <a:cs typeface="Segoe UI" panose="020B0502040204020203" pitchFamily="34" charset="0"/>
+              </a:rPr>
+              <a:t>, depending on the system’s complexity.</a:t>
+            </a:r>
+            <a:endParaRPr lang="en-US" sz="1400" dirty="0"/>
           </a:p>
         </p:txBody>
       </p:sp>
     </p:spTree>
     <p:extLst>
       <p:ext uri="{BB962C8B-B14F-4D97-AF65-F5344CB8AC3E}">
-        <p14:creationId xmlns:p14="http://schemas.microsoft.com/office/powerpoint/2010/main" val="3367990247"/>
+        <p14:creationId xmlns:p14="http://schemas.microsoft.com/office/powerpoint/2010/main" val="1726806818"/>
       </p:ext>
     </p:extLst>
   </p:cSld>

--- a/docs/simplified-directions/Prototype-Architecture-Diagrams.pptx
+++ b/docs/simplified-directions/Prototype-Architecture-Diagrams.pptx
@@ -4133,7 +4133,7 @@
               </a:rPr>
             </a:br>
             <a:r>
-              <a:rPr lang="en-US" sz="3100" dirty="0">
+              <a:rPr lang="en-US" sz="2700" dirty="0">
                 <a:latin typeface="Segoe UI" panose="020B0502040204020203" pitchFamily="34" charset="0"/>
                 <a:cs typeface="Segoe UI" panose="020B0502040204020203" pitchFamily="34" charset="0"/>
               </a:rPr>
@@ -7671,8 +7671,8 @@
         </p:nvSpPr>
         <p:spPr>
           <a:xfrm>
-            <a:off x="812432" y="316849"/>
-            <a:ext cx="10567135" cy="750709"/>
+            <a:off x="812432" y="67021"/>
+            <a:ext cx="10567135" cy="1000538"/>
           </a:xfrm>
         </p:spPr>
         <p:txBody>
@@ -7686,7 +7686,7 @@
                 <a:latin typeface="Segoe UI" panose="020B0502040204020203" pitchFamily="34" charset="0"/>
                 <a:cs typeface="Segoe UI" panose="020B0502040204020203" pitchFamily="34" charset="0"/>
               </a:rPr>
-              <a:t>MVP - Architecture Diagram</a:t>
+              <a:t>Dockerized - Architecture Diagram</a:t>
             </a:r>
             <a:br>
               <a:rPr lang="en-US" sz="4000" dirty="0">
@@ -7695,7 +7695,7 @@
               </a:rPr>
             </a:br>
             <a:r>
-              <a:rPr lang="en-US" sz="3100" dirty="0">
+              <a:rPr lang="en-US" sz="2700" dirty="0">
                 <a:latin typeface="Segoe UI" panose="020B0502040204020203" pitchFamily="34" charset="0"/>
                 <a:cs typeface="Segoe UI" panose="020B0502040204020203" pitchFamily="34" charset="0"/>
               </a:rPr>
@@ -10857,7 +10857,7 @@
                 <a:latin typeface="Segoe UI" panose="020B0502040204020203" pitchFamily="34" charset="0"/>
                 <a:cs typeface="Segoe UI" panose="020B0502040204020203" pitchFamily="34" charset="0"/>
               </a:rPr>
-              <a:t>“Production” - Architecture Diagram</a:t>
+              <a:t>Cloud-Native - Architecture Diagram</a:t>
             </a:r>
             <a:br>
               <a:rPr lang="en-US" sz="4000" dirty="0">
@@ -10866,11 +10866,11 @@
               </a:rPr>
             </a:br>
             <a:r>
-              <a:rPr lang="en-US" sz="3100" dirty="0">
+              <a:rPr lang="en-US" sz="2700" dirty="0">
                 <a:latin typeface="Segoe UI" panose="020B0502040204020203" pitchFamily="34" charset="0"/>
                 <a:cs typeface="Segoe UI" panose="020B0502040204020203" pitchFamily="34" charset="0"/>
               </a:rPr>
-              <a:t>(Decoupled Agents/MCP-servers containers in Kubernetes/Azure [*])</a:t>
+              <a:t>(Decoupled Agents / MCP servers as containers in Kubernetes/Azure [*])</a:t>
             </a:r>
             <a:endParaRPr lang="en-US" sz="4000" dirty="0">
               <a:latin typeface="Segoe UI" panose="020B0502040204020203" pitchFamily="34" charset="0"/>
@@ -13741,8 +13741,8 @@
         </p:nvSpPr>
         <p:spPr>
           <a:xfrm>
-            <a:off x="888537" y="6382071"/>
-            <a:ext cx="10787269" cy="307777"/>
+            <a:off x="1117325" y="6382071"/>
+            <a:ext cx="9800643" cy="276999"/>
           </a:xfrm>
           <a:prstGeom prst="rect">
             <a:avLst/>
@@ -13756,41 +13756,41 @@
           <a:lstStyle/>
           <a:p>
             <a:r>
-              <a:rPr lang="en-US" sz="1400" dirty="0">
+              <a:rPr lang="en-US" sz="1200" dirty="0">
                 <a:latin typeface="Segoe UI" panose="020B0502040204020203" pitchFamily="34" charset="0"/>
                 <a:cs typeface="Segoe UI" panose="020B0502040204020203" pitchFamily="34" charset="0"/>
               </a:rPr>
               <a:t>[*] Deployment in Azure could be </a:t>
             </a:r>
             <a:r>
-              <a:rPr lang="en-US" sz="1400" b="1" dirty="0">
+              <a:rPr lang="en-US" sz="1200" b="1" dirty="0">
                 <a:latin typeface="Segoe UI" panose="020B0502040204020203" pitchFamily="34" charset="0"/>
                 <a:cs typeface="Segoe UI" panose="020B0502040204020203" pitchFamily="34" charset="0"/>
               </a:rPr>
               <a:t>Azure Kubernetes Service (AKS)</a:t>
             </a:r>
             <a:r>
-              <a:rPr lang="en-US" sz="1400" dirty="0">
+              <a:rPr lang="en-US" sz="1200" dirty="0">
                 <a:latin typeface="Segoe UI" panose="020B0502040204020203" pitchFamily="34" charset="0"/>
                 <a:cs typeface="Segoe UI" panose="020B0502040204020203" pitchFamily="34" charset="0"/>
               </a:rPr>
               <a:t> or </a:t>
             </a:r>
             <a:r>
-              <a:rPr lang="en-US" sz="1400" b="1" dirty="0">
+              <a:rPr lang="en-US" sz="1200" b="1" dirty="0">
                 <a:latin typeface="Segoe UI" panose="020B0502040204020203" pitchFamily="34" charset="0"/>
                 <a:cs typeface="Segoe UI" panose="020B0502040204020203" pitchFamily="34" charset="0"/>
               </a:rPr>
-              <a:t>Azure Container Apps</a:t>
-            </a:r>
-            <a:r>
-              <a:rPr lang="en-US" sz="1400" dirty="0">
+              <a:t>Azure Container Apps (ACA)</a:t>
+            </a:r>
+            <a:r>
+              <a:rPr lang="en-US" sz="1200" dirty="0">
                 <a:latin typeface="Segoe UI" panose="020B0502040204020203" pitchFamily="34" charset="0"/>
                 <a:cs typeface="Segoe UI" panose="020B0502040204020203" pitchFamily="34" charset="0"/>
               </a:rPr>
               <a:t>, depending on the system’s complexity.</a:t>
             </a:r>
-            <a:endParaRPr lang="en-US" sz="1400" dirty="0"/>
+            <a:endParaRPr lang="en-US" sz="1200" dirty="0"/>
           </a:p>
         </p:txBody>
       </p:sp>

--- a/docs/simplified-directions/Prototype-Architecture-Diagrams.pptx
+++ b/docs/simplified-directions/Prototype-Architecture-Diagrams.pptx
@@ -5,12 +5,13 @@
     <p:sldMasterId id="2147483648" r:id="rId1"/>
   </p:sldMasterIdLst>
   <p:notesMasterIdLst>
-    <p:notesMasterId r:id="rId5"/>
+    <p:notesMasterId r:id="rId6"/>
   </p:notesMasterIdLst>
   <p:sldIdLst>
-    <p:sldId id="276" r:id="rId2"/>
-    <p:sldId id="275" r:id="rId3"/>
-    <p:sldId id="277" r:id="rId4"/>
+    <p:sldId id="278" r:id="rId2"/>
+    <p:sldId id="276" r:id="rId3"/>
+    <p:sldId id="275" r:id="rId4"/>
+    <p:sldId id="277" r:id="rId5"/>
   </p:sldIdLst>
   <p:sldSz cx="12192000" cy="6858000"/>
   <p:notesSz cx="6858000" cy="9144000"/>
@@ -199,7 +200,7 @@
           <a:p>
             <a:fld id="{17C0FFDD-2F91-4327-83DF-AC11DEFCAA33}" type="datetimeFigureOut">
               <a:rPr lang="en-US" smtClean="0"/>
-              <a:t>9/16/2025</a:t>
+              <a:t>9/17/2025</a:t>
             </a:fld>
             <a:endParaRPr lang="en-US"/>
           </a:p>
@@ -474,7 +475,7 @@
         <p:cNvPr id="1" name="">
           <a:extLst>
             <a:ext uri="{FF2B5EF4-FFF2-40B4-BE49-F238E27FC236}">
-              <a16:creationId xmlns:a16="http://schemas.microsoft.com/office/drawing/2014/main" id="{EDE4B02D-1099-0750-E53A-19E83318E91A}"/>
+              <a16:creationId xmlns:a16="http://schemas.microsoft.com/office/drawing/2014/main" id="{45D5B14C-D83E-956F-9EF4-7462DE9B14FE}"/>
             </a:ext>
           </a:extLst>
         </p:cNvPr>
@@ -494,7 +495,7 @@
           <p:cNvPr id="2" name="Slide Image Placeholder 1">
             <a:extLst>
               <a:ext uri="{FF2B5EF4-FFF2-40B4-BE49-F238E27FC236}">
-                <a16:creationId xmlns:a16="http://schemas.microsoft.com/office/drawing/2014/main" id="{C59D28F9-6476-9171-5625-2B44BFE35E16}"/>
+                <a16:creationId xmlns:a16="http://schemas.microsoft.com/office/drawing/2014/main" id="{E853A101-D004-5B22-2595-D83F865C613D}"/>
               </a:ext>
             </a:extLst>
           </p:cNvPr>
@@ -519,7 +520,7 @@
           <p:cNvPr id="3" name="Notes Placeholder 2">
             <a:extLst>
               <a:ext uri="{FF2B5EF4-FFF2-40B4-BE49-F238E27FC236}">
-                <a16:creationId xmlns:a16="http://schemas.microsoft.com/office/drawing/2014/main" id="{BE19D7F5-6142-95EE-DBAC-516C0F7B9850}"/>
+                <a16:creationId xmlns:a16="http://schemas.microsoft.com/office/drawing/2014/main" id="{B0348BA5-C8B1-52CC-65F0-1010DCD4BC20}"/>
               </a:ext>
             </a:extLst>
           </p:cNvPr>
@@ -544,7 +545,7 @@
           <p:cNvPr id="4" name="Slide Number Placeholder 3">
             <a:extLst>
               <a:ext uri="{FF2B5EF4-FFF2-40B4-BE49-F238E27FC236}">
-                <a16:creationId xmlns:a16="http://schemas.microsoft.com/office/drawing/2014/main" id="{240515AC-4C13-BA48-F874-FB2AF59B6B18}"/>
+                <a16:creationId xmlns:a16="http://schemas.microsoft.com/office/drawing/2014/main" id="{0F8B43FE-5994-5A09-382B-476839EF932C}"/>
               </a:ext>
             </a:extLst>
           </p:cNvPr>
@@ -631,6 +632,181 @@
     </p:spTree>
     <p:extLst>
       <p:ext uri="{BB962C8B-B14F-4D97-AF65-F5344CB8AC3E}">
+        <p14:creationId xmlns:p14="http://schemas.microsoft.com/office/powerpoint/2010/main" val="3543550751"/>
+      </p:ext>
+    </p:extLst>
+  </p:cSld>
+  <p:clrMapOvr>
+    <a:masterClrMapping/>
+  </p:clrMapOvr>
+</p:notes>
+</file>
+
+<file path=ppt/notesSlides/notesSlide2.xml><?xml version="1.0" encoding="utf-8"?>
+<p:notes xmlns:a="http://schemas.openxmlformats.org/drawingml/2006/main" xmlns:r="http://schemas.openxmlformats.org/officeDocument/2006/relationships" xmlns:p="http://schemas.openxmlformats.org/presentationml/2006/main">
+  <p:cSld>
+    <p:spTree>
+      <p:nvGrpSpPr>
+        <p:cNvPr id="1" name="">
+          <a:extLst>
+            <a:ext uri="{FF2B5EF4-FFF2-40B4-BE49-F238E27FC236}">
+              <a16:creationId xmlns:a16="http://schemas.microsoft.com/office/drawing/2014/main" id="{EDE4B02D-1099-0750-E53A-19E83318E91A}"/>
+            </a:ext>
+          </a:extLst>
+        </p:cNvPr>
+        <p:cNvGrpSpPr/>
+        <p:nvPr/>
+      </p:nvGrpSpPr>
+      <p:grpSpPr>
+        <a:xfrm>
+          <a:off x="0" y="0"/>
+          <a:ext cx="0" cy="0"/>
+          <a:chOff x="0" y="0"/>
+          <a:chExt cx="0" cy="0"/>
+        </a:xfrm>
+      </p:grpSpPr>
+      <p:sp>
+        <p:nvSpPr>
+          <p:cNvPr id="2" name="Slide Image Placeholder 1">
+            <a:extLst>
+              <a:ext uri="{FF2B5EF4-FFF2-40B4-BE49-F238E27FC236}">
+                <a16:creationId xmlns:a16="http://schemas.microsoft.com/office/drawing/2014/main" id="{C59D28F9-6476-9171-5625-2B44BFE35E16}"/>
+              </a:ext>
+            </a:extLst>
+          </p:cNvPr>
+          <p:cNvSpPr>
+            <a:spLocks noGrp="1" noRot="1" noChangeAspect="1"/>
+          </p:cNvSpPr>
+          <p:nvPr>
+            <p:ph type="sldImg"/>
+          </p:nvPr>
+        </p:nvSpPr>
+        <p:spPr/>
+        <p:txBody>
+          <a:bodyPr/>
+          <a:lstStyle/>
+          <a:p>
+            <a:endParaRPr lang="en-US"/>
+          </a:p>
+        </p:txBody>
+      </p:sp>
+      <p:sp>
+        <p:nvSpPr>
+          <p:cNvPr id="3" name="Notes Placeholder 2">
+            <a:extLst>
+              <a:ext uri="{FF2B5EF4-FFF2-40B4-BE49-F238E27FC236}">
+                <a16:creationId xmlns:a16="http://schemas.microsoft.com/office/drawing/2014/main" id="{BE19D7F5-6142-95EE-DBAC-516C0F7B9850}"/>
+              </a:ext>
+            </a:extLst>
+          </p:cNvPr>
+          <p:cNvSpPr>
+            <a:spLocks noGrp="1"/>
+          </p:cNvSpPr>
+          <p:nvPr>
+            <p:ph type="body" idx="1"/>
+          </p:nvPr>
+        </p:nvSpPr>
+        <p:spPr/>
+        <p:txBody>
+          <a:bodyPr/>
+          <a:lstStyle/>
+          <a:p>
+            <a:endParaRPr lang="en-US" dirty="0"/>
+          </a:p>
+        </p:txBody>
+      </p:sp>
+      <p:sp>
+        <p:nvSpPr>
+          <p:cNvPr id="4" name="Slide Number Placeholder 3">
+            <a:extLst>
+              <a:ext uri="{FF2B5EF4-FFF2-40B4-BE49-F238E27FC236}">
+                <a16:creationId xmlns:a16="http://schemas.microsoft.com/office/drawing/2014/main" id="{240515AC-4C13-BA48-F874-FB2AF59B6B18}"/>
+              </a:ext>
+            </a:extLst>
+          </p:cNvPr>
+          <p:cNvSpPr>
+            <a:spLocks noGrp="1"/>
+          </p:cNvSpPr>
+          <p:nvPr>
+            <p:ph type="sldNum" sz="quarter" idx="5"/>
+          </p:nvPr>
+        </p:nvSpPr>
+        <p:spPr/>
+        <p:txBody>
+          <a:bodyPr/>
+          <a:lstStyle/>
+          <a:p>
+            <a:pPr marL="0" marR="0" lvl="0" indent="0" algn="r" defTabSz="914400" rtl="0" eaLnBrk="1" fontAlgn="auto" latinLnBrk="0" hangingPunct="1">
+              <a:lnSpc>
+                <a:spcPct val="100000"/>
+              </a:lnSpc>
+              <a:spcBef>
+                <a:spcPts val="0"/>
+              </a:spcBef>
+              <a:spcAft>
+                <a:spcPts val="0"/>
+              </a:spcAft>
+              <a:buClrTx/>
+              <a:buSzTx/>
+              <a:buFontTx/>
+              <a:buNone/>
+              <a:tabLst/>
+              <a:defRPr/>
+            </a:pPr>
+            <a:fld id="{08BA0505-E843-4A21-A0D1-6C1CEE786CA8}" type="slidenum">
+              <a:rPr kumimoji="0" lang="en-US" sz="1200" b="0" i="0" u="none" strike="noStrike" kern="1200" cap="none" spc="0" normalizeH="0" baseline="0" noProof="0" smtClean="0">
+                <a:ln>
+                  <a:noFill/>
+                </a:ln>
+                <a:solidFill>
+                  <a:prstClr val="black"/>
+                </a:solidFill>
+                <a:effectLst/>
+                <a:uLnTx/>
+                <a:uFillTx/>
+                <a:latin typeface="Aptos" panose="02110004020202020204"/>
+                <a:ea typeface="+mn-ea"/>
+                <a:cs typeface="+mn-cs"/>
+              </a:rPr>
+              <a:pPr marL="0" marR="0" lvl="0" indent="0" algn="r" defTabSz="914400" rtl="0" eaLnBrk="1" fontAlgn="auto" latinLnBrk="0" hangingPunct="1">
+                <a:lnSpc>
+                  <a:spcPct val="100000"/>
+                </a:lnSpc>
+                <a:spcBef>
+                  <a:spcPts val="0"/>
+                </a:spcBef>
+                <a:spcAft>
+                  <a:spcPts val="0"/>
+                </a:spcAft>
+                <a:buClrTx/>
+                <a:buSzTx/>
+                <a:buFontTx/>
+                <a:buNone/>
+                <a:tabLst/>
+                <a:defRPr/>
+              </a:pPr>
+              <a:t>2</a:t>
+            </a:fld>
+            <a:endParaRPr kumimoji="0" lang="en-US" sz="1200" b="0" i="0" u="none" strike="noStrike" kern="1200" cap="none" spc="0" normalizeH="0" baseline="0" noProof="0">
+              <a:ln>
+                <a:noFill/>
+              </a:ln>
+              <a:solidFill>
+                <a:prstClr val="black"/>
+              </a:solidFill>
+              <a:effectLst/>
+              <a:uLnTx/>
+              <a:uFillTx/>
+              <a:latin typeface="Aptos" panose="02110004020202020204"/>
+              <a:ea typeface="+mn-ea"/>
+              <a:cs typeface="+mn-cs"/>
+            </a:endParaRPr>
+          </a:p>
+        </p:txBody>
+      </p:sp>
+    </p:spTree>
+    <p:extLst>
+      <p:ext uri="{BB962C8B-B14F-4D97-AF65-F5344CB8AC3E}">
         <p14:creationId xmlns:p14="http://schemas.microsoft.com/office/powerpoint/2010/main" val="2653528649"/>
       </p:ext>
     </p:extLst>
@@ -641,7 +817,7 @@
 </p:notes>
 </file>
 
-<file path=ppt/notesSlides/notesSlide2.xml><?xml version="1.0" encoding="utf-8"?>
+<file path=ppt/notesSlides/notesSlide3.xml><?xml version="1.0" encoding="utf-8"?>
 <p:notes xmlns:a="http://schemas.openxmlformats.org/drawingml/2006/main" xmlns:r="http://schemas.openxmlformats.org/officeDocument/2006/relationships" xmlns:p="http://schemas.openxmlformats.org/presentationml/2006/main">
   <p:cSld>
     <p:spTree>
@@ -737,7 +913,7 @@
           <a:p>
             <a:fld id="{08BA0505-E843-4A21-A0D1-6C1CEE786CA8}" type="slidenum">
               <a:rPr lang="en-US" smtClean="0"/>
-              <a:t>2</a:t>
+              <a:t>3</a:t>
             </a:fld>
             <a:endParaRPr lang="en-US"/>
           </a:p>
@@ -756,7 +932,7 @@
 </p:notes>
 </file>
 
-<file path=ppt/notesSlides/notesSlide3.xml><?xml version="1.0" encoding="utf-8"?>
+<file path=ppt/notesSlides/notesSlide4.xml><?xml version="1.0" encoding="utf-8"?>
 <p:notes xmlns:a="http://schemas.openxmlformats.org/drawingml/2006/main" xmlns:r="http://schemas.openxmlformats.org/officeDocument/2006/relationships" xmlns:p="http://schemas.openxmlformats.org/presentationml/2006/main">
   <p:cSld>
     <p:spTree>
@@ -852,7 +1028,7 @@
           <a:p>
             <a:fld id="{08BA0505-E843-4A21-A0D1-6C1CEE786CA8}" type="slidenum">
               <a:rPr lang="en-US" smtClean="0"/>
-              <a:t>3</a:t>
+              <a:t>4</a:t>
             </a:fld>
             <a:endParaRPr lang="en-US"/>
           </a:p>
@@ -1018,7 +1194,7 @@
           <a:p>
             <a:fld id="{F3562317-0748-4C3E-8EEC-4AF870B98677}" type="datetimeFigureOut">
               <a:rPr lang="en-US" smtClean="0"/>
-              <a:t>9/16/2025</a:t>
+              <a:t>9/17/2025</a:t>
             </a:fld>
             <a:endParaRPr lang="en-US"/>
           </a:p>
@@ -1216,7 +1392,7 @@
           <a:p>
             <a:fld id="{F3562317-0748-4C3E-8EEC-4AF870B98677}" type="datetimeFigureOut">
               <a:rPr lang="en-US" smtClean="0"/>
-              <a:t>9/16/2025</a:t>
+              <a:t>9/17/2025</a:t>
             </a:fld>
             <a:endParaRPr lang="en-US"/>
           </a:p>
@@ -1424,7 +1600,7 @@
           <a:p>
             <a:fld id="{F3562317-0748-4C3E-8EEC-4AF870B98677}" type="datetimeFigureOut">
               <a:rPr lang="en-US" smtClean="0"/>
-              <a:t>9/16/2025</a:t>
+              <a:t>9/17/2025</a:t>
             </a:fld>
             <a:endParaRPr lang="en-US"/>
           </a:p>
@@ -1622,7 +1798,7 @@
           <a:p>
             <a:fld id="{F3562317-0748-4C3E-8EEC-4AF870B98677}" type="datetimeFigureOut">
               <a:rPr lang="en-US" smtClean="0"/>
-              <a:t>9/16/2025</a:t>
+              <a:t>9/17/2025</a:t>
             </a:fld>
             <a:endParaRPr lang="en-US"/>
           </a:p>
@@ -1897,7 +2073,7 @@
           <a:p>
             <a:fld id="{F3562317-0748-4C3E-8EEC-4AF870B98677}" type="datetimeFigureOut">
               <a:rPr lang="en-US" smtClean="0"/>
-              <a:t>9/16/2025</a:t>
+              <a:t>9/17/2025</a:t>
             </a:fld>
             <a:endParaRPr lang="en-US"/>
           </a:p>
@@ -2162,7 +2338,7 @@
           <a:p>
             <a:fld id="{F3562317-0748-4C3E-8EEC-4AF870B98677}" type="datetimeFigureOut">
               <a:rPr lang="en-US" smtClean="0"/>
-              <a:t>9/16/2025</a:t>
+              <a:t>9/17/2025</a:t>
             </a:fld>
             <a:endParaRPr lang="en-US"/>
           </a:p>
@@ -2574,7 +2750,7 @@
           <a:p>
             <a:fld id="{F3562317-0748-4C3E-8EEC-4AF870B98677}" type="datetimeFigureOut">
               <a:rPr lang="en-US" smtClean="0"/>
-              <a:t>9/16/2025</a:t>
+              <a:t>9/17/2025</a:t>
             </a:fld>
             <a:endParaRPr lang="en-US"/>
           </a:p>
@@ -2715,7 +2891,7 @@
           <a:p>
             <a:fld id="{F3562317-0748-4C3E-8EEC-4AF870B98677}" type="datetimeFigureOut">
               <a:rPr lang="en-US" smtClean="0"/>
-              <a:t>9/16/2025</a:t>
+              <a:t>9/17/2025</a:t>
             </a:fld>
             <a:endParaRPr lang="en-US"/>
           </a:p>
@@ -2828,7 +3004,7 @@
           <a:p>
             <a:fld id="{F3562317-0748-4C3E-8EEC-4AF870B98677}" type="datetimeFigureOut">
               <a:rPr lang="en-US" smtClean="0"/>
-              <a:t>9/16/2025</a:t>
+              <a:t>9/17/2025</a:t>
             </a:fld>
             <a:endParaRPr lang="en-US"/>
           </a:p>
@@ -3139,7 +3315,7 @@
           <a:p>
             <a:fld id="{F3562317-0748-4C3E-8EEC-4AF870B98677}" type="datetimeFigureOut">
               <a:rPr lang="en-US" smtClean="0"/>
-              <a:t>9/16/2025</a:t>
+              <a:t>9/17/2025</a:t>
             </a:fld>
             <a:endParaRPr lang="en-US"/>
           </a:p>
@@ -3427,7 +3603,7 @@
           <a:p>
             <a:fld id="{F3562317-0748-4C3E-8EEC-4AF870B98677}" type="datetimeFigureOut">
               <a:rPr lang="en-US" smtClean="0"/>
-              <a:t>9/16/2025</a:t>
+              <a:t>9/17/2025</a:t>
             </a:fld>
             <a:endParaRPr lang="en-US"/>
           </a:p>
@@ -3668,7 +3844,7 @@
           <a:p>
             <a:fld id="{F3562317-0748-4C3E-8EEC-4AF870B98677}" type="datetimeFigureOut">
               <a:rPr lang="en-US" smtClean="0"/>
-              <a:t>9/16/2025</a:t>
+              <a:t>9/17/2025</a:t>
             </a:fld>
             <a:endParaRPr lang="en-US"/>
           </a:p>
@@ -4076,7 +4252,7 @@
         <p:cNvPr id="1" name="">
           <a:extLst>
             <a:ext uri="{FF2B5EF4-FFF2-40B4-BE49-F238E27FC236}">
-              <a16:creationId xmlns:a16="http://schemas.microsoft.com/office/drawing/2014/main" id="{6E5C599B-9632-CFC4-257F-309AC14A0E5F}"/>
+              <a16:creationId xmlns:a16="http://schemas.microsoft.com/office/drawing/2014/main" id="{16BDC21E-F5C6-4E76-B09D-2F298D8099F9}"/>
             </a:ext>
           </a:extLst>
         </p:cNvPr>
@@ -4096,7 +4272,7 @@
           <p:cNvPr id="2" name="Title 1">
             <a:extLst>
               <a:ext uri="{FF2B5EF4-FFF2-40B4-BE49-F238E27FC236}">
-                <a16:creationId xmlns:a16="http://schemas.microsoft.com/office/drawing/2014/main" id="{2404D172-88D6-EA99-6BC0-1AF6BAEBBAE1}"/>
+                <a16:creationId xmlns:a16="http://schemas.microsoft.com/office/drawing/2014/main" id="{5D6549D7-2AF7-797B-E37D-08047CEE72CC}"/>
               </a:ext>
             </a:extLst>
           </p:cNvPr>
@@ -4109,8 +4285,8 @@
         </p:nvSpPr>
         <p:spPr>
           <a:xfrm>
-            <a:off x="755373" y="97866"/>
-            <a:ext cx="10567135" cy="1006685"/>
+            <a:off x="699582" y="503988"/>
+            <a:ext cx="10567135" cy="628088"/>
           </a:xfrm>
         </p:spPr>
         <p:txBody>
@@ -4119,12 +4295,19 @@
           </a:bodyPr>
           <a:lstStyle/>
           <a:p>
+            <a:r>
+              <a:rPr lang="en-US" sz="4000" b="1" dirty="0">
+                <a:latin typeface="Segoe UI" panose="020B0502040204020203" pitchFamily="34" charset="0"/>
+                <a:cs typeface="Segoe UI" panose="020B0502040204020203" pitchFamily="34" charset="0"/>
+              </a:rPr>
+              <a:t>Vision</a:t>
+            </a:r>
             <a:r>
               <a:rPr lang="en-US" sz="4000" dirty="0">
                 <a:latin typeface="Segoe UI" panose="020B0502040204020203" pitchFamily="34" charset="0"/>
                 <a:cs typeface="Segoe UI" panose="020B0502040204020203" pitchFamily="34" charset="0"/>
               </a:rPr>
-              <a:t>Initial prototype/POC Architecture Diagram</a:t>
+              <a:t>: My custom and domain specific </a:t>
             </a:r>
             <a:br>
               <a:rPr lang="en-US" sz="4000" dirty="0">
@@ -4133,16 +4316,12 @@
               </a:rPr>
             </a:br>
             <a:r>
-              <a:rPr lang="en-US" sz="2700" dirty="0">
+              <a:rPr lang="en-US" sz="4000" b="1" dirty="0">
                 <a:latin typeface="Segoe UI" panose="020B0502040204020203" pitchFamily="34" charset="0"/>
                 <a:cs typeface="Segoe UI" panose="020B0502040204020203" pitchFamily="34" charset="0"/>
               </a:rPr>
-              <a:t>(Local Agent/PC-Server processes)</a:t>
-            </a:r>
-            <a:endParaRPr lang="en-US" sz="4000" dirty="0">
-              <a:latin typeface="Segoe UI" panose="020B0502040204020203" pitchFamily="34" charset="0"/>
-              <a:cs typeface="Segoe UI" panose="020B0502040204020203" pitchFamily="34" charset="0"/>
-            </a:endParaRPr>
+              <a:t>Agentic system</a:t>
+            </a:r>
           </a:p>
         </p:txBody>
       </p:sp>
@@ -4151,7 +4330,7 @@
           <p:cNvPr id="4" name="Rectangle 3">
             <a:extLst>
               <a:ext uri="{FF2B5EF4-FFF2-40B4-BE49-F238E27FC236}">
-                <a16:creationId xmlns:a16="http://schemas.microsoft.com/office/drawing/2014/main" id="{FDE498AB-3C48-1FD2-D159-F5557685BFB4}"/>
+                <a16:creationId xmlns:a16="http://schemas.microsoft.com/office/drawing/2014/main" id="{5734BD5D-21FA-6DD2-D90E-7EF1E96B10FA}"/>
               </a:ext>
             </a:extLst>
           </p:cNvPr>
@@ -4160,8 +4339,8 @@
         </p:nvSpPr>
         <p:spPr>
           <a:xfrm>
-            <a:off x="755374" y="1311965"/>
-            <a:ext cx="10567135" cy="4755459"/>
+            <a:off x="609053" y="1179443"/>
+            <a:ext cx="10840878" cy="4755459"/>
           </a:xfrm>
           <a:prstGeom prst="rect">
             <a:avLst/>
@@ -4232,7 +4411,7 @@
           <p:cNvPr id="5" name="Rectangle: Rounded Corners 4">
             <a:extLst>
               <a:ext uri="{FF2B5EF4-FFF2-40B4-BE49-F238E27FC236}">
-                <a16:creationId xmlns:a16="http://schemas.microsoft.com/office/drawing/2014/main" id="{A33A8F7F-52AB-8916-F9E3-17EA7B2151DC}"/>
+                <a16:creationId xmlns:a16="http://schemas.microsoft.com/office/drawing/2014/main" id="{DE1F2376-223D-5F82-0C36-6C4D638B1447}"/>
               </a:ext>
             </a:extLst>
           </p:cNvPr>
@@ -4241,7 +4420,7 @@
         </p:nvSpPr>
         <p:spPr>
           <a:xfrm>
-            <a:off x="5481976" y="2110236"/>
+            <a:off x="5609397" y="1977714"/>
             <a:ext cx="2047461" cy="1103244"/>
           </a:xfrm>
           <a:prstGeom prst="roundRect">
@@ -4315,7 +4494,7 @@
           <p:cNvPr id="7" name="TextBox 6">
             <a:extLst>
               <a:ext uri="{FF2B5EF4-FFF2-40B4-BE49-F238E27FC236}">
-                <a16:creationId xmlns:a16="http://schemas.microsoft.com/office/drawing/2014/main" id="{B775193A-83E5-F332-983F-A9E4585B93A6}"/>
+                <a16:creationId xmlns:a16="http://schemas.microsoft.com/office/drawing/2014/main" id="{719794CA-6F92-46E7-F69C-31BB24016CD9}"/>
               </a:ext>
             </a:extLst>
           </p:cNvPr>
@@ -4324,7 +4503,7 @@
         </p:nvSpPr>
         <p:spPr>
           <a:xfrm>
-            <a:off x="6141591" y="2097208"/>
+            <a:off x="6269012" y="1964686"/>
             <a:ext cx="1189346" cy="523220"/>
           </a:xfrm>
           <a:prstGeom prst="rect">
@@ -4418,7 +4597,7 @@
           <p:cNvPr id="36" name="Picture 35">
             <a:extLst>
               <a:ext uri="{FF2B5EF4-FFF2-40B4-BE49-F238E27FC236}">
-                <a16:creationId xmlns:a16="http://schemas.microsoft.com/office/drawing/2014/main" id="{B7120497-70CE-6479-7D74-BBA57805A277}"/>
+                <a16:creationId xmlns:a16="http://schemas.microsoft.com/office/drawing/2014/main" id="{683E8337-80FC-4194-CB65-754D09EE791A}"/>
               </a:ext>
             </a:extLst>
           </p:cNvPr>
@@ -4435,7 +4614,7 @@
         </p:blipFill>
         <p:spPr>
           <a:xfrm>
-            <a:off x="5596332" y="2143406"/>
+            <a:off x="5723753" y="2010884"/>
             <a:ext cx="500312" cy="443353"/>
           </a:xfrm>
           <a:prstGeom prst="rect">
@@ -4445,10 +4624,769 @@
       </p:pic>
       <p:sp>
         <p:nvSpPr>
-          <p:cNvPr id="40" name="Rectangle: Rounded Corners 39">
-            <a:extLst>
-              <a:ext uri="{FF2B5EF4-FFF2-40B4-BE49-F238E27FC236}">
-                <a16:creationId xmlns:a16="http://schemas.microsoft.com/office/drawing/2014/main" id="{E2296413-E9C9-9EEA-E0E3-2F5FB177661C}"/>
+          <p:cNvPr id="41" name="TextBox 40">
+            <a:extLst>
+              <a:ext uri="{FF2B5EF4-FFF2-40B4-BE49-F238E27FC236}">
+                <a16:creationId xmlns:a16="http://schemas.microsoft.com/office/drawing/2014/main" id="{55DE0EC8-D8E2-DF8E-F6D0-440432626635}"/>
+              </a:ext>
+            </a:extLst>
+          </p:cNvPr>
+          <p:cNvSpPr txBox="1"/>
+          <p:nvPr/>
+        </p:nvSpPr>
+        <p:spPr>
+          <a:xfrm>
+            <a:off x="1927806" y="1460323"/>
+            <a:ext cx="3100641" cy="276999"/>
+          </a:xfrm>
+          <a:prstGeom prst="rect">
+            <a:avLst/>
+          </a:prstGeom>
+          <a:noFill/>
+        </p:spPr>
+        <p:txBody>
+          <a:bodyPr wrap="square">
+            <a:spAutoFit/>
+          </a:bodyPr>
+          <a:lstStyle/>
+          <a:p>
+            <a:pPr marL="0" marR="0" lvl="0" indent="0" defTabSz="914400" rtl="0" eaLnBrk="1" fontAlgn="auto" latinLnBrk="0" hangingPunct="1">
+              <a:lnSpc>
+                <a:spcPct val="100000"/>
+              </a:lnSpc>
+              <a:spcBef>
+                <a:spcPts val="0"/>
+              </a:spcBef>
+              <a:spcAft>
+                <a:spcPts val="0"/>
+              </a:spcAft>
+              <a:buClrTx/>
+              <a:buSzTx/>
+              <a:buFontTx/>
+              <a:buNone/>
+              <a:tabLst/>
+              <a:defRPr/>
+            </a:pPr>
+            <a:r>
+              <a:rPr kumimoji="0" lang="en-US" sz="1200" b="0" i="1" u="none" strike="noStrike" kern="1200" cap="none" spc="0" normalizeH="0" baseline="0" noProof="0" dirty="0">
+                <a:ln>
+                  <a:noFill/>
+                </a:ln>
+                <a:solidFill>
+                  <a:prstClr val="black"/>
+                </a:solidFill>
+                <a:effectLst/>
+                <a:uLnTx/>
+                <a:uFillTx/>
+                <a:latin typeface="Segoe UI" panose="020B0502040204020203" pitchFamily="34" charset="0"/>
+                <a:ea typeface="+mn-ea"/>
+                <a:cs typeface="Segoe UI" panose="020B0502040204020203" pitchFamily="34" charset="0"/>
+              </a:rPr>
+              <a:t>Example domain: </a:t>
+            </a:r>
+            <a:r>
+              <a:rPr kumimoji="0" lang="en-US" sz="1200" b="0" i="1" u="none" strike="noStrike" kern="1200" cap="none" spc="0" normalizeH="0" baseline="0" noProof="0" dirty="0">
+                <a:ln>
+                  <a:noFill/>
+                </a:ln>
+                <a:solidFill>
+                  <a:prstClr val="black"/>
+                </a:solidFill>
+                <a:effectLst/>
+                <a:uLnTx/>
+                <a:uFillTx/>
+                <a:latin typeface="Segoe UI" panose="020B0502040204020203" pitchFamily="34" charset="0"/>
+                <a:ea typeface="+mn-ea"/>
+                <a:cs typeface="Segoe UI" panose="020B0502040204020203" pitchFamily="34" charset="0"/>
+                <a:hlinkClick r:id="rId4"/>
+              </a:rPr>
+              <a:t>Azure Managed Grafana</a:t>
+            </a:r>
+            <a:endParaRPr kumimoji="0" lang="en-US" sz="1200" b="0" i="1" u="none" strike="noStrike" kern="1200" cap="none" spc="0" normalizeH="0" baseline="0" noProof="0" dirty="0">
+              <a:ln>
+                <a:noFill/>
+              </a:ln>
+              <a:solidFill>
+                <a:prstClr val="black"/>
+              </a:solidFill>
+              <a:effectLst/>
+              <a:uLnTx/>
+              <a:uFillTx/>
+              <a:latin typeface="Segoe UI" panose="020B0502040204020203" pitchFamily="34" charset="0"/>
+              <a:ea typeface="+mn-ea"/>
+              <a:cs typeface="Segoe UI" panose="020B0502040204020203" pitchFamily="34" charset="0"/>
+            </a:endParaRPr>
+          </a:p>
+        </p:txBody>
+      </p:sp>
+      <p:pic>
+        <p:nvPicPr>
+          <p:cNvPr id="23556" name="Picture 4" descr="User Icon Images – Browse 1,701,604 Stock Photos, Vectors ...">
+            <a:extLst>
+              <a:ext uri="{FF2B5EF4-FFF2-40B4-BE49-F238E27FC236}">
+                <a16:creationId xmlns:a16="http://schemas.microsoft.com/office/drawing/2014/main" id="{491B6C00-78E0-9B2A-E7BD-73E91479FBAD}"/>
+              </a:ext>
+            </a:extLst>
+          </p:cNvPr>
+          <p:cNvPicPr>
+            <a:picLocks noChangeAspect="1" noChangeArrowheads="1"/>
+          </p:cNvPicPr>
+          <p:nvPr/>
+        </p:nvPicPr>
+        <p:blipFill rotWithShape="1">
+          <a:blip r:embed="rId5">
+            <a:clrChange>
+              <a:clrFrom>
+                <a:srgbClr val="FFFFFF"/>
+              </a:clrFrom>
+              <a:clrTo>
+                <a:srgbClr val="FFFFFF">
+                  <a:alpha val="0"/>
+                </a:srgbClr>
+              </a:clrTo>
+            </a:clrChange>
+            <a:duotone>
+              <a:schemeClr val="accent4">
+                <a:shade val="45000"/>
+                <a:satMod val="135000"/>
+              </a:schemeClr>
+              <a:prstClr val="white"/>
+            </a:duotone>
+            <a:extLst>
+              <a:ext uri="{28A0092B-C50C-407E-A947-70E740481C1C}">
+                <a14:useLocalDpi xmlns:a14="http://schemas.microsoft.com/office/drawing/2010/main" val="0"/>
+              </a:ext>
+            </a:extLst>
+          </a:blip>
+          <a:srcRect l="19935" t="20528" r="20355" b="20435"/>
+          <a:stretch>
+            <a:fillRect/>
+          </a:stretch>
+        </p:blipFill>
+        <p:spPr bwMode="auto">
+          <a:xfrm>
+            <a:off x="759216" y="2345361"/>
+            <a:ext cx="732147" cy="723895"/>
+          </a:xfrm>
+          <a:prstGeom prst="rect">
+            <a:avLst/>
+          </a:prstGeom>
+          <a:noFill/>
+          <a:extLst>
+            <a:ext uri="{909E8E84-426E-40DD-AFC4-6F175D3DCCD1}">
+              <a14:hiddenFill xmlns:a14="http://schemas.microsoft.com/office/drawing/2010/main">
+                <a:solidFill>
+                  <a:srgbClr val="FFFFFF"/>
+                </a:solidFill>
+              </a14:hiddenFill>
+            </a:ext>
+          </a:extLst>
+        </p:spPr>
+      </p:pic>
+      <p:sp>
+        <p:nvSpPr>
+          <p:cNvPr id="42" name="TextBox 41">
+            <a:extLst>
+              <a:ext uri="{FF2B5EF4-FFF2-40B4-BE49-F238E27FC236}">
+                <a16:creationId xmlns:a16="http://schemas.microsoft.com/office/drawing/2014/main" id="{4B09DCC9-27AD-5050-75E4-9C541C67A3F5}"/>
+              </a:ext>
+            </a:extLst>
+          </p:cNvPr>
+          <p:cNvSpPr txBox="1"/>
+          <p:nvPr/>
+        </p:nvSpPr>
+        <p:spPr>
+          <a:xfrm>
+            <a:off x="699582" y="3013175"/>
+            <a:ext cx="891620" cy="307777"/>
+          </a:xfrm>
+          <a:prstGeom prst="rect">
+            <a:avLst/>
+          </a:prstGeom>
+          <a:noFill/>
+        </p:spPr>
+        <p:txBody>
+          <a:bodyPr wrap="square">
+            <a:spAutoFit/>
+          </a:bodyPr>
+          <a:lstStyle/>
+          <a:p>
+            <a:pPr marL="0" marR="0" lvl="0" indent="0" algn="ctr" defTabSz="914400" rtl="0" eaLnBrk="1" fontAlgn="auto" latinLnBrk="0" hangingPunct="1">
+              <a:lnSpc>
+                <a:spcPct val="100000"/>
+              </a:lnSpc>
+              <a:spcBef>
+                <a:spcPts val="0"/>
+              </a:spcBef>
+              <a:spcAft>
+                <a:spcPts val="0"/>
+              </a:spcAft>
+              <a:buClrTx/>
+              <a:buSzTx/>
+              <a:buFontTx/>
+              <a:buNone/>
+              <a:tabLst/>
+              <a:defRPr/>
+            </a:pPr>
+            <a:r>
+              <a:rPr kumimoji="0" lang="en-US" sz="1400" b="0" i="0" u="none" strike="noStrike" kern="1200" cap="none" spc="0" normalizeH="0" baseline="0" noProof="0" dirty="0">
+                <a:ln>
+                  <a:noFill/>
+                </a:ln>
+                <a:solidFill>
+                  <a:prstClr val="black"/>
+                </a:solidFill>
+                <a:effectLst/>
+                <a:uLnTx/>
+                <a:uFillTx/>
+                <a:latin typeface="Segoe UI" panose="020B0502040204020203" pitchFamily="34" charset="0"/>
+                <a:ea typeface="+mn-ea"/>
+                <a:cs typeface="Segoe UI" panose="020B0502040204020203" pitchFamily="34" charset="0"/>
+              </a:rPr>
+              <a:t>User</a:t>
+            </a:r>
+          </a:p>
+        </p:txBody>
+      </p:sp>
+      <p:cxnSp>
+        <p:nvCxnSpPr>
+          <p:cNvPr id="44" name="Straight Arrow Connector 43">
+            <a:extLst>
+              <a:ext uri="{FF2B5EF4-FFF2-40B4-BE49-F238E27FC236}">
+                <a16:creationId xmlns:a16="http://schemas.microsoft.com/office/drawing/2014/main" id="{A8016B8A-A64E-C448-464A-921BDAD3C766}"/>
+              </a:ext>
+            </a:extLst>
+          </p:cNvPr>
+          <p:cNvCxnSpPr>
+            <a:cxnSpLocks/>
+            <a:stCxn id="23556" idx="3"/>
+            <a:endCxn id="13" idx="1"/>
+          </p:cNvCxnSpPr>
+          <p:nvPr/>
+        </p:nvCxnSpPr>
+        <p:spPr>
+          <a:xfrm flipV="1">
+            <a:off x="1491363" y="2703049"/>
+            <a:ext cx="523881" cy="4260"/>
+          </a:xfrm>
+          <a:prstGeom prst="straightConnector1">
+            <a:avLst/>
+          </a:prstGeom>
+          <a:ln>
+            <a:headEnd type="triangle"/>
+            <a:tailEnd type="triangle"/>
+          </a:ln>
+        </p:spPr>
+        <p:style>
+          <a:lnRef idx="2">
+            <a:schemeClr val="dk1"/>
+          </a:lnRef>
+          <a:fillRef idx="0">
+            <a:schemeClr val="dk1"/>
+          </a:fillRef>
+          <a:effectRef idx="1">
+            <a:schemeClr val="dk1"/>
+          </a:effectRef>
+          <a:fontRef idx="minor">
+            <a:schemeClr val="tx1"/>
+          </a:fontRef>
+        </p:style>
+      </p:cxnSp>
+      <p:cxnSp>
+        <p:nvCxnSpPr>
+          <p:cNvPr id="45" name="Straight Arrow Connector 44">
+            <a:extLst>
+              <a:ext uri="{FF2B5EF4-FFF2-40B4-BE49-F238E27FC236}">
+                <a16:creationId xmlns:a16="http://schemas.microsoft.com/office/drawing/2014/main" id="{7A4A4A68-6BC8-6222-778D-1481528A317F}"/>
+              </a:ext>
+            </a:extLst>
+          </p:cNvPr>
+          <p:cNvCxnSpPr>
+            <a:cxnSpLocks/>
+          </p:cNvCxnSpPr>
+          <p:nvPr/>
+        </p:nvCxnSpPr>
+        <p:spPr>
+          <a:xfrm flipV="1">
+            <a:off x="5028447" y="2540896"/>
+            <a:ext cx="580950" cy="213129"/>
+          </a:xfrm>
+          <a:prstGeom prst="straightConnector1">
+            <a:avLst/>
+          </a:prstGeom>
+          <a:ln>
+            <a:headEnd type="triangle"/>
+            <a:tailEnd type="triangle"/>
+          </a:ln>
+        </p:spPr>
+        <p:style>
+          <a:lnRef idx="2">
+            <a:schemeClr val="dk1"/>
+          </a:lnRef>
+          <a:fillRef idx="0">
+            <a:schemeClr val="dk1"/>
+          </a:fillRef>
+          <a:effectRef idx="1">
+            <a:schemeClr val="dk1"/>
+          </a:effectRef>
+          <a:fontRef idx="minor">
+            <a:schemeClr val="tx1"/>
+          </a:fontRef>
+        </p:style>
+      </p:cxnSp>
+      <p:sp>
+        <p:nvSpPr>
+          <p:cNvPr id="52" name="TextBox 51">
+            <a:extLst>
+              <a:ext uri="{FF2B5EF4-FFF2-40B4-BE49-F238E27FC236}">
+                <a16:creationId xmlns:a16="http://schemas.microsoft.com/office/drawing/2014/main" id="{B412134A-1AA9-FD87-5E07-2AACB8763DCE}"/>
+              </a:ext>
+            </a:extLst>
+          </p:cNvPr>
+          <p:cNvSpPr txBox="1"/>
+          <p:nvPr/>
+        </p:nvSpPr>
+        <p:spPr>
+          <a:xfrm>
+            <a:off x="4903112" y="2393816"/>
+            <a:ext cx="795129" cy="253916"/>
+          </a:xfrm>
+          <a:prstGeom prst="rect">
+            <a:avLst/>
+          </a:prstGeom>
+          <a:noFill/>
+        </p:spPr>
+        <p:txBody>
+          <a:bodyPr wrap="square">
+            <a:spAutoFit/>
+          </a:bodyPr>
+          <a:lstStyle/>
+          <a:p>
+            <a:pPr marL="0" marR="0" lvl="0" indent="0" algn="ctr" defTabSz="914400" rtl="0" eaLnBrk="1" fontAlgn="auto" latinLnBrk="0" hangingPunct="1">
+              <a:lnSpc>
+                <a:spcPct val="100000"/>
+              </a:lnSpc>
+              <a:spcBef>
+                <a:spcPts val="0"/>
+              </a:spcBef>
+              <a:spcAft>
+                <a:spcPts val="0"/>
+              </a:spcAft>
+              <a:buClrTx/>
+              <a:buSzTx/>
+              <a:buFontTx/>
+              <a:buNone/>
+              <a:tabLst/>
+              <a:defRPr/>
+            </a:pPr>
+            <a:r>
+              <a:rPr kumimoji="0" lang="en-US" sz="1050" b="1" i="0" u="none" strike="noStrike" kern="1200" cap="none" spc="0" normalizeH="0" baseline="0" noProof="0" dirty="0">
+                <a:ln>
+                  <a:noFill/>
+                </a:ln>
+                <a:solidFill>
+                  <a:prstClr val="black"/>
+                </a:solidFill>
+                <a:effectLst/>
+                <a:uLnTx/>
+                <a:uFillTx/>
+                <a:latin typeface="Segoe UI" panose="020B0502040204020203" pitchFamily="34" charset="0"/>
+                <a:ea typeface="+mn-ea"/>
+                <a:cs typeface="Segoe UI" panose="020B0502040204020203" pitchFamily="34" charset="0"/>
+              </a:rPr>
+              <a:t>MCP</a:t>
+            </a:r>
+          </a:p>
+        </p:txBody>
+      </p:sp>
+      <p:pic>
+        <p:nvPicPr>
+          <p:cNvPr id="23558" name="Picture 6" descr="Semantic Kernel Roadmap H1 2025 ...">
+            <a:extLst>
+              <a:ext uri="{FF2B5EF4-FFF2-40B4-BE49-F238E27FC236}">
+                <a16:creationId xmlns:a16="http://schemas.microsoft.com/office/drawing/2014/main" id="{D3AF3294-7381-0608-2F81-834ACAF3A3C9}"/>
+              </a:ext>
+            </a:extLst>
+          </p:cNvPr>
+          <p:cNvPicPr>
+            <a:picLocks noChangeAspect="1" noChangeArrowheads="1"/>
+          </p:cNvPicPr>
+          <p:nvPr/>
+        </p:nvPicPr>
+        <p:blipFill rotWithShape="1">
+          <a:blip r:embed="rId6">
+            <a:clrChange>
+              <a:clrFrom>
+                <a:srgbClr val="FFFFFF"/>
+              </a:clrFrom>
+              <a:clrTo>
+                <a:srgbClr val="FFFFFF">
+                  <a:alpha val="0"/>
+                </a:srgbClr>
+              </a:clrTo>
+            </a:clrChange>
+            <a:extLst>
+              <a:ext uri="{28A0092B-C50C-407E-A947-70E740481C1C}">
+                <a14:useLocalDpi xmlns:a14="http://schemas.microsoft.com/office/drawing/2010/main" val="0"/>
+              </a:ext>
+            </a:extLst>
+          </a:blip>
+          <a:srcRect l="28311" r="23923" b="24870"/>
+          <a:stretch>
+            <a:fillRect/>
+          </a:stretch>
+        </p:blipFill>
+        <p:spPr bwMode="auto">
+          <a:xfrm>
+            <a:off x="6541755" y="2540895"/>
+            <a:ext cx="200765" cy="258486"/>
+          </a:xfrm>
+          <a:prstGeom prst="rect">
+            <a:avLst/>
+          </a:prstGeom>
+          <a:noFill/>
+          <a:extLst>
+            <a:ext uri="{909E8E84-426E-40DD-AFC4-6F175D3DCCD1}">
+              <a14:hiddenFill xmlns:a14="http://schemas.microsoft.com/office/drawing/2010/main">
+                <a:solidFill>
+                  <a:srgbClr val="FFFFFF"/>
+                </a:solidFill>
+              </a14:hiddenFill>
+            </a:ext>
+          </a:extLst>
+        </p:spPr>
+      </p:pic>
+      <p:pic>
+        <p:nvPicPr>
+          <p:cNvPr id="23560" name="Picture 8" descr="MCP (Model Context Protocol) Logo Fr ...">
+            <a:extLst>
+              <a:ext uri="{FF2B5EF4-FFF2-40B4-BE49-F238E27FC236}">
+                <a16:creationId xmlns:a16="http://schemas.microsoft.com/office/drawing/2014/main" id="{280A6485-88AC-2CCB-9CB3-E0A0F300CFF3}"/>
+              </a:ext>
+            </a:extLst>
+          </p:cNvPr>
+          <p:cNvPicPr>
+            <a:picLocks noChangeAspect="1" noChangeArrowheads="1"/>
+          </p:cNvPicPr>
+          <p:nvPr/>
+        </p:nvPicPr>
+        <p:blipFill>
+          <a:blip r:embed="rId7">
+            <a:extLst>
+              <a:ext uri="{28A0092B-C50C-407E-A947-70E740481C1C}">
+                <a14:useLocalDpi xmlns:a14="http://schemas.microsoft.com/office/drawing/2010/main" val="0"/>
+              </a:ext>
+            </a:extLst>
+          </a:blip>
+          <a:srcRect/>
+          <a:stretch>
+            <a:fillRect/>
+          </a:stretch>
+        </p:blipFill>
+        <p:spPr bwMode="auto">
+          <a:xfrm>
+            <a:off x="5825217" y="2540895"/>
+            <a:ext cx="261889" cy="261889"/>
+          </a:xfrm>
+          <a:prstGeom prst="rect">
+            <a:avLst/>
+          </a:prstGeom>
+          <a:noFill/>
+          <a:extLst>
+            <a:ext uri="{909E8E84-426E-40DD-AFC4-6F175D3DCCD1}">
+              <a14:hiddenFill xmlns:a14="http://schemas.microsoft.com/office/drawing/2010/main">
+                <a:solidFill>
+                  <a:srgbClr val="FFFFFF"/>
+                </a:solidFill>
+              </a14:hiddenFill>
+            </a:ext>
+          </a:extLst>
+        </p:spPr>
+      </p:pic>
+      <p:pic>
+        <p:nvPicPr>
+          <p:cNvPr id="23562" name="Picture 10" descr="Microsoft Dot Net icon SVG Vector &amp; PNG ...">
+            <a:extLst>
+              <a:ext uri="{FF2B5EF4-FFF2-40B4-BE49-F238E27FC236}">
+                <a16:creationId xmlns:a16="http://schemas.microsoft.com/office/drawing/2014/main" id="{1D30A310-F415-24C8-F827-9EE27FE110C9}"/>
+              </a:ext>
+            </a:extLst>
+          </p:cNvPr>
+          <p:cNvPicPr>
+            <a:picLocks noChangeAspect="1" noChangeArrowheads="1"/>
+          </p:cNvPicPr>
+          <p:nvPr/>
+        </p:nvPicPr>
+        <p:blipFill>
+          <a:blip r:embed="rId8">
+            <a:extLst>
+              <a:ext uri="{28A0092B-C50C-407E-A947-70E740481C1C}">
+                <a14:useLocalDpi xmlns:a14="http://schemas.microsoft.com/office/drawing/2010/main" val="0"/>
+              </a:ext>
+            </a:extLst>
+          </a:blip>
+          <a:srcRect/>
+          <a:stretch>
+            <a:fillRect/>
+          </a:stretch>
+        </p:blipFill>
+        <p:spPr bwMode="auto">
+          <a:xfrm>
+            <a:off x="7089882" y="2545015"/>
+            <a:ext cx="261889" cy="261889"/>
+          </a:xfrm>
+          <a:prstGeom prst="rect">
+            <a:avLst/>
+          </a:prstGeom>
+          <a:noFill/>
+          <a:extLst>
+            <a:ext uri="{909E8E84-426E-40DD-AFC4-6F175D3DCCD1}">
+              <a14:hiddenFill xmlns:a14="http://schemas.microsoft.com/office/drawing/2010/main">
+                <a:solidFill>
+                  <a:srgbClr val="FFFFFF"/>
+                </a:solidFill>
+              </a14:hiddenFill>
+            </a:ext>
+          </a:extLst>
+        </p:spPr>
+      </p:pic>
+      <p:sp>
+        <p:nvSpPr>
+          <p:cNvPr id="54" name="TextBox 53">
+            <a:extLst>
+              <a:ext uri="{FF2B5EF4-FFF2-40B4-BE49-F238E27FC236}">
+                <a16:creationId xmlns:a16="http://schemas.microsoft.com/office/drawing/2014/main" id="{DF638FE1-0550-BAD1-45E4-DF07E7755B13}"/>
+              </a:ext>
+            </a:extLst>
+          </p:cNvPr>
+          <p:cNvSpPr txBox="1"/>
+          <p:nvPr/>
+        </p:nvSpPr>
+        <p:spPr>
+          <a:xfrm>
+            <a:off x="6330720" y="2754025"/>
+            <a:ext cx="604720" cy="338554"/>
+          </a:xfrm>
+          <a:prstGeom prst="rect">
+            <a:avLst/>
+          </a:prstGeom>
+          <a:noFill/>
+        </p:spPr>
+        <p:txBody>
+          <a:bodyPr wrap="square">
+            <a:spAutoFit/>
+          </a:bodyPr>
+          <a:lstStyle/>
+          <a:p>
+            <a:pPr marL="0" marR="0" lvl="0" indent="0" algn="ctr" defTabSz="914400" rtl="0" eaLnBrk="1" fontAlgn="auto" latinLnBrk="0" hangingPunct="1">
+              <a:lnSpc>
+                <a:spcPct val="100000"/>
+              </a:lnSpc>
+              <a:spcBef>
+                <a:spcPts val="0"/>
+              </a:spcBef>
+              <a:spcAft>
+                <a:spcPts val="0"/>
+              </a:spcAft>
+              <a:buClrTx/>
+              <a:buSzTx/>
+              <a:buFontTx/>
+              <a:buNone/>
+              <a:tabLst/>
+              <a:defRPr/>
+            </a:pPr>
+            <a:r>
+              <a:rPr kumimoji="0" lang="en-US" sz="800" b="0" i="0" u="none" strike="noStrike" kern="1200" cap="none" spc="0" normalizeH="0" baseline="0" noProof="0" dirty="0">
+                <a:ln>
+                  <a:noFill/>
+                </a:ln>
+                <a:solidFill>
+                  <a:prstClr val="black"/>
+                </a:solidFill>
+                <a:effectLst/>
+                <a:uLnTx/>
+                <a:uFillTx/>
+                <a:latin typeface="Segoe UI" panose="020B0502040204020203" pitchFamily="34" charset="0"/>
+                <a:ea typeface="+mn-ea"/>
+                <a:cs typeface="Segoe UI" panose="020B0502040204020203" pitchFamily="34" charset="0"/>
+              </a:rPr>
+              <a:t>Semantic</a:t>
+            </a:r>
+          </a:p>
+          <a:p>
+            <a:pPr marL="0" marR="0" lvl="0" indent="0" algn="ctr" defTabSz="914400" rtl="0" eaLnBrk="1" fontAlgn="auto" latinLnBrk="0" hangingPunct="1">
+              <a:lnSpc>
+                <a:spcPct val="100000"/>
+              </a:lnSpc>
+              <a:spcBef>
+                <a:spcPts val="0"/>
+              </a:spcBef>
+              <a:spcAft>
+                <a:spcPts val="0"/>
+              </a:spcAft>
+              <a:buClrTx/>
+              <a:buSzTx/>
+              <a:buFontTx/>
+              <a:buNone/>
+              <a:tabLst/>
+              <a:defRPr/>
+            </a:pPr>
+            <a:r>
+              <a:rPr kumimoji="0" lang="en-US" sz="800" b="0" i="0" u="none" strike="noStrike" kern="1200" cap="none" spc="0" normalizeH="0" baseline="0" noProof="0" dirty="0">
+                <a:ln>
+                  <a:noFill/>
+                </a:ln>
+                <a:solidFill>
+                  <a:prstClr val="black"/>
+                </a:solidFill>
+                <a:effectLst/>
+                <a:uLnTx/>
+                <a:uFillTx/>
+                <a:latin typeface="Segoe UI" panose="020B0502040204020203" pitchFamily="34" charset="0"/>
+                <a:ea typeface="+mn-ea"/>
+                <a:cs typeface="Segoe UI" panose="020B0502040204020203" pitchFamily="34" charset="0"/>
+              </a:rPr>
+              <a:t>Kernel</a:t>
+            </a:r>
+          </a:p>
+        </p:txBody>
+      </p:sp>
+      <p:sp>
+        <p:nvSpPr>
+          <p:cNvPr id="55" name="TextBox 54">
+            <a:extLst>
+              <a:ext uri="{FF2B5EF4-FFF2-40B4-BE49-F238E27FC236}">
+                <a16:creationId xmlns:a16="http://schemas.microsoft.com/office/drawing/2014/main" id="{4F0CAD13-7591-DFA2-33B6-FE9370081116}"/>
+              </a:ext>
+            </a:extLst>
+          </p:cNvPr>
+          <p:cNvSpPr txBox="1"/>
+          <p:nvPr/>
+        </p:nvSpPr>
+        <p:spPr>
+          <a:xfrm>
+            <a:off x="5543905" y="2758379"/>
+            <a:ext cx="852284" cy="338554"/>
+          </a:xfrm>
+          <a:prstGeom prst="rect">
+            <a:avLst/>
+          </a:prstGeom>
+          <a:noFill/>
+        </p:spPr>
+        <p:txBody>
+          <a:bodyPr wrap="square">
+            <a:spAutoFit/>
+          </a:bodyPr>
+          <a:lstStyle/>
+          <a:p>
+            <a:pPr marL="0" marR="0" lvl="0" indent="0" algn="ctr" defTabSz="914400" rtl="0" eaLnBrk="1" fontAlgn="auto" latinLnBrk="0" hangingPunct="1">
+              <a:lnSpc>
+                <a:spcPct val="100000"/>
+              </a:lnSpc>
+              <a:spcBef>
+                <a:spcPts val="0"/>
+              </a:spcBef>
+              <a:spcAft>
+                <a:spcPts val="0"/>
+              </a:spcAft>
+              <a:buClrTx/>
+              <a:buSzTx/>
+              <a:buFontTx/>
+              <a:buNone/>
+              <a:tabLst/>
+              <a:defRPr/>
+            </a:pPr>
+            <a:r>
+              <a:rPr kumimoji="0" lang="en-US" sz="800" b="0" i="0" u="none" strike="noStrike" kern="1200" cap="none" spc="0" normalizeH="0" baseline="0" noProof="0" dirty="0">
+                <a:ln>
+                  <a:noFill/>
+                </a:ln>
+                <a:solidFill>
+                  <a:prstClr val="black"/>
+                </a:solidFill>
+                <a:effectLst/>
+                <a:uLnTx/>
+                <a:uFillTx/>
+                <a:latin typeface="Segoe UI" panose="020B0502040204020203" pitchFamily="34" charset="0"/>
+                <a:ea typeface="+mn-ea"/>
+                <a:cs typeface="Segoe UI" panose="020B0502040204020203" pitchFamily="34" charset="0"/>
+              </a:rPr>
+              <a:t>Model Context Protocol</a:t>
+            </a:r>
+          </a:p>
+        </p:txBody>
+      </p:sp>
+      <p:sp>
+        <p:nvSpPr>
+          <p:cNvPr id="56" name="TextBox 55">
+            <a:extLst>
+              <a:ext uri="{FF2B5EF4-FFF2-40B4-BE49-F238E27FC236}">
+                <a16:creationId xmlns:a16="http://schemas.microsoft.com/office/drawing/2014/main" id="{55950688-5337-A86F-4624-8142F0DBEC76}"/>
+              </a:ext>
+            </a:extLst>
+          </p:cNvPr>
+          <p:cNvSpPr txBox="1"/>
+          <p:nvPr/>
+        </p:nvSpPr>
+        <p:spPr>
+          <a:xfrm>
+            <a:off x="6939865" y="2799381"/>
+            <a:ext cx="604720" cy="215444"/>
+          </a:xfrm>
+          <a:prstGeom prst="rect">
+            <a:avLst/>
+          </a:prstGeom>
+          <a:noFill/>
+        </p:spPr>
+        <p:txBody>
+          <a:bodyPr wrap="square">
+            <a:spAutoFit/>
+          </a:bodyPr>
+          <a:lstStyle/>
+          <a:p>
+            <a:pPr marL="0" marR="0" lvl="0" indent="0" algn="ctr" defTabSz="914400" rtl="0" eaLnBrk="1" fontAlgn="auto" latinLnBrk="0" hangingPunct="1">
+              <a:lnSpc>
+                <a:spcPct val="100000"/>
+              </a:lnSpc>
+              <a:spcBef>
+                <a:spcPts val="0"/>
+              </a:spcBef>
+              <a:spcAft>
+                <a:spcPts val="0"/>
+              </a:spcAft>
+              <a:buClrTx/>
+              <a:buSzTx/>
+              <a:buFontTx/>
+              <a:buNone/>
+              <a:tabLst/>
+              <a:defRPr/>
+            </a:pPr>
+            <a:r>
+              <a:rPr kumimoji="0" lang="en-US" sz="800" b="0" i="0" u="none" strike="noStrike" kern="1200" cap="none" spc="0" normalizeH="0" baseline="0" noProof="0" dirty="0">
+                <a:ln>
+                  <a:noFill/>
+                </a:ln>
+                <a:solidFill>
+                  <a:prstClr val="black"/>
+                </a:solidFill>
+                <a:effectLst/>
+                <a:uLnTx/>
+                <a:uFillTx/>
+                <a:latin typeface="Segoe UI" panose="020B0502040204020203" pitchFamily="34" charset="0"/>
+                <a:ea typeface="+mn-ea"/>
+                <a:cs typeface="Segoe UI" panose="020B0502040204020203" pitchFamily="34" charset="0"/>
+              </a:rPr>
+              <a:t>C#</a:t>
+            </a:r>
+          </a:p>
+        </p:txBody>
+      </p:sp>
+      <p:sp>
+        <p:nvSpPr>
+          <p:cNvPr id="58" name="Rectangle: Rounded Corners 57">
+            <a:extLst>
+              <a:ext uri="{FF2B5EF4-FFF2-40B4-BE49-F238E27FC236}">
+                <a16:creationId xmlns:a16="http://schemas.microsoft.com/office/drawing/2014/main" id="{638C8832-A77A-A202-7775-C655EE03BEAE}"/>
               </a:ext>
             </a:extLst>
           </p:cNvPr>
@@ -4457,7 +5395,7 @@
         </p:nvSpPr>
         <p:spPr>
           <a:xfrm>
-            <a:off x="2739225" y="2110237"/>
+            <a:off x="8296454" y="1977714"/>
             <a:ext cx="2047461" cy="1103244"/>
           </a:xfrm>
           <a:prstGeom prst="roundRect">
@@ -4468,7 +5406,7 @@
           </a:solidFill>
           <a:ln>
             <a:solidFill>
-              <a:srgbClr val="2189B8"/>
+              <a:schemeClr val="tx1"/>
             </a:solidFill>
           </a:ln>
         </p:spPr>
@@ -4528,10 +5466,10 @@
       </p:sp>
       <p:sp>
         <p:nvSpPr>
-          <p:cNvPr id="41" name="TextBox 40">
-            <a:extLst>
-              <a:ext uri="{FF2B5EF4-FFF2-40B4-BE49-F238E27FC236}">
-                <a16:creationId xmlns:a16="http://schemas.microsoft.com/office/drawing/2014/main" id="{670F1925-53AE-32FB-1C12-5C2F58BB4A60}"/>
+          <p:cNvPr id="59" name="TextBox 58">
+            <a:extLst>
+              <a:ext uri="{FF2B5EF4-FFF2-40B4-BE49-F238E27FC236}">
+                <a16:creationId xmlns:a16="http://schemas.microsoft.com/office/drawing/2014/main" id="{72EF3889-A73B-15A4-CDF5-433E8D7159CC}"/>
               </a:ext>
             </a:extLst>
           </p:cNvPr>
@@ -4540,8 +5478,8 @@
         </p:nvSpPr>
         <p:spPr>
           <a:xfrm>
-            <a:off x="3509565" y="2120881"/>
-            <a:ext cx="1189346" cy="646331"/>
+            <a:off x="8860679" y="1964686"/>
+            <a:ext cx="1471172" cy="630942"/>
           </a:xfrm>
           <a:prstGeom prst="rect">
             <a:avLst/>
@@ -4586,9 +5524,202 @@
                 <a:ea typeface="+mn-ea"/>
                 <a:cs typeface="Segoe UI" panose="020B0502040204020203" pitchFamily="34" charset="0"/>
               </a:rPr>
-              <a:t>Chat UI</a:t>
-            </a:r>
-          </a:p>
+              <a:t>AI Agent</a:t>
+            </a:r>
+          </a:p>
+          <a:p>
+            <a:pPr algn="ctr"/>
+            <a:r>
+              <a:rPr lang="en-US" sz="1200" dirty="0">
+                <a:solidFill>
+                  <a:prstClr val="white">
+                    <a:lumMod val="50000"/>
+                  </a:prstClr>
+                </a:solidFill>
+                <a:latin typeface="Segoe UI" panose="020B0502040204020203" pitchFamily="34" charset="0"/>
+                <a:cs typeface="Segoe UI" panose="020B0502040204020203" pitchFamily="34" charset="0"/>
+              </a:rPr>
+              <a:t>Chat Agent</a:t>
+            </a:r>
+          </a:p>
+          <a:p>
+            <a:pPr algn="ctr"/>
+            <a:r>
+              <a:rPr lang="en-US" sz="900" dirty="0">
+                <a:solidFill>
+                  <a:prstClr val="white">
+                    <a:lumMod val="50000"/>
+                  </a:prstClr>
+                </a:solidFill>
+                <a:latin typeface="Segoe UI" panose="020B0502040204020203" pitchFamily="34" charset="0"/>
+                <a:cs typeface="Segoe UI" panose="020B0502040204020203" pitchFamily="34" charset="0"/>
+              </a:rPr>
+              <a:t>(ChatCompletionAgent)</a:t>
+            </a:r>
+          </a:p>
+        </p:txBody>
+      </p:sp>
+      <p:pic>
+        <p:nvPicPr>
+          <p:cNvPr id="60" name="Picture 59">
+            <a:extLst>
+              <a:ext uri="{FF2B5EF4-FFF2-40B4-BE49-F238E27FC236}">
+                <a16:creationId xmlns:a16="http://schemas.microsoft.com/office/drawing/2014/main" id="{39942C87-E992-365E-C71D-ABECED7A683E}"/>
+              </a:ext>
+            </a:extLst>
+          </p:cNvPr>
+          <p:cNvPicPr>
+            <a:picLocks noChangeAspect="1"/>
+          </p:cNvPicPr>
+          <p:nvPr/>
+        </p:nvPicPr>
+        <p:blipFill>
+          <a:blip r:embed="rId3"/>
+          <a:stretch>
+            <a:fillRect/>
+          </a:stretch>
+        </p:blipFill>
+        <p:spPr>
+          <a:xfrm>
+            <a:off x="8410810" y="2010884"/>
+            <a:ext cx="500312" cy="443353"/>
+          </a:xfrm>
+          <a:prstGeom prst="rect">
+            <a:avLst/>
+          </a:prstGeom>
+        </p:spPr>
+      </p:pic>
+      <p:pic>
+        <p:nvPicPr>
+          <p:cNvPr id="61" name="Picture 6" descr="Semantic Kernel Roadmap H1 2025 ...">
+            <a:extLst>
+              <a:ext uri="{FF2B5EF4-FFF2-40B4-BE49-F238E27FC236}">
+                <a16:creationId xmlns:a16="http://schemas.microsoft.com/office/drawing/2014/main" id="{E7D85D24-9A57-88E2-4351-471591CCB062}"/>
+              </a:ext>
+            </a:extLst>
+          </p:cNvPr>
+          <p:cNvPicPr>
+            <a:picLocks noChangeAspect="1" noChangeArrowheads="1"/>
+          </p:cNvPicPr>
+          <p:nvPr/>
+        </p:nvPicPr>
+        <p:blipFill rotWithShape="1">
+          <a:blip r:embed="rId6">
+            <a:clrChange>
+              <a:clrFrom>
+                <a:srgbClr val="FFFFFF"/>
+              </a:clrFrom>
+              <a:clrTo>
+                <a:srgbClr val="FFFFFF">
+                  <a:alpha val="0"/>
+                </a:srgbClr>
+              </a:clrTo>
+            </a:clrChange>
+            <a:extLst>
+              <a:ext uri="{28A0092B-C50C-407E-A947-70E740481C1C}">
+                <a14:useLocalDpi xmlns:a14="http://schemas.microsoft.com/office/drawing/2010/main" val="0"/>
+              </a:ext>
+            </a:extLst>
+          </a:blip>
+          <a:srcRect l="28311" r="23923" b="24870"/>
+          <a:stretch>
+            <a:fillRect/>
+          </a:stretch>
+        </p:blipFill>
+        <p:spPr bwMode="auto">
+          <a:xfrm>
+            <a:off x="8916295" y="2564045"/>
+            <a:ext cx="200765" cy="258486"/>
+          </a:xfrm>
+          <a:prstGeom prst="rect">
+            <a:avLst/>
+          </a:prstGeom>
+          <a:noFill/>
+          <a:extLst>
+            <a:ext uri="{909E8E84-426E-40DD-AFC4-6F175D3DCCD1}">
+              <a14:hiddenFill xmlns:a14="http://schemas.microsoft.com/office/drawing/2010/main">
+                <a:solidFill>
+                  <a:srgbClr val="FFFFFF"/>
+                </a:solidFill>
+              </a14:hiddenFill>
+            </a:ext>
+          </a:extLst>
+        </p:spPr>
+      </p:pic>
+      <p:pic>
+        <p:nvPicPr>
+          <p:cNvPr id="63" name="Picture 10" descr="Microsoft Dot Net icon SVG Vector &amp; PNG ...">
+            <a:extLst>
+              <a:ext uri="{FF2B5EF4-FFF2-40B4-BE49-F238E27FC236}">
+                <a16:creationId xmlns:a16="http://schemas.microsoft.com/office/drawing/2014/main" id="{2DDDB24B-6D36-ED01-FF2F-595623BBED81}"/>
+              </a:ext>
+            </a:extLst>
+          </p:cNvPr>
+          <p:cNvPicPr>
+            <a:picLocks noChangeAspect="1" noChangeArrowheads="1"/>
+          </p:cNvPicPr>
+          <p:nvPr/>
+        </p:nvPicPr>
+        <p:blipFill>
+          <a:blip r:embed="rId8">
+            <a:extLst>
+              <a:ext uri="{28A0092B-C50C-407E-A947-70E740481C1C}">
+                <a14:useLocalDpi xmlns:a14="http://schemas.microsoft.com/office/drawing/2010/main" val="0"/>
+              </a:ext>
+            </a:extLst>
+          </a:blip>
+          <a:srcRect/>
+          <a:stretch>
+            <a:fillRect/>
+          </a:stretch>
+        </p:blipFill>
+        <p:spPr bwMode="auto">
+          <a:xfrm>
+            <a:off x="9464422" y="2568165"/>
+            <a:ext cx="261889" cy="261889"/>
+          </a:xfrm>
+          <a:prstGeom prst="rect">
+            <a:avLst/>
+          </a:prstGeom>
+          <a:noFill/>
+          <a:extLst>
+            <a:ext uri="{909E8E84-426E-40DD-AFC4-6F175D3DCCD1}">
+              <a14:hiddenFill xmlns:a14="http://schemas.microsoft.com/office/drawing/2010/main">
+                <a:solidFill>
+                  <a:srgbClr val="FFFFFF"/>
+                </a:solidFill>
+              </a14:hiddenFill>
+            </a:ext>
+          </a:extLst>
+        </p:spPr>
+      </p:pic>
+      <p:sp>
+        <p:nvSpPr>
+          <p:cNvPr id="23552" name="TextBox 23551">
+            <a:extLst>
+              <a:ext uri="{FF2B5EF4-FFF2-40B4-BE49-F238E27FC236}">
+                <a16:creationId xmlns:a16="http://schemas.microsoft.com/office/drawing/2014/main" id="{B0078559-4467-1FA2-3CA4-3432A368E499}"/>
+              </a:ext>
+            </a:extLst>
+          </p:cNvPr>
+          <p:cNvSpPr txBox="1"/>
+          <p:nvPr/>
+        </p:nvSpPr>
+        <p:spPr>
+          <a:xfrm>
+            <a:off x="8705260" y="2777175"/>
+            <a:ext cx="604720" cy="338554"/>
+          </a:xfrm>
+          <a:prstGeom prst="rect">
+            <a:avLst/>
+          </a:prstGeom>
+          <a:noFill/>
+        </p:spPr>
+        <p:txBody>
+          <a:bodyPr wrap="square">
+            <a:spAutoFit/>
+          </a:bodyPr>
+          <a:lstStyle/>
           <a:p>
             <a:pPr marL="0" marR="0" lvl="0" indent="0" algn="ctr" defTabSz="914400" rtl="0" eaLnBrk="1" fontAlgn="auto" latinLnBrk="0" hangingPunct="1">
               <a:lnSpc>
@@ -4608,14 +5739,12 @@
               <a:defRPr/>
             </a:pPr>
             <a:r>
-              <a:rPr kumimoji="0" lang="en-US" sz="1100" b="0" i="0" u="none" strike="noStrike" kern="1200" cap="none" spc="0" normalizeH="0" baseline="0" noProof="0" dirty="0">
+              <a:rPr kumimoji="0" lang="en-US" sz="800" b="0" i="0" u="none" strike="noStrike" kern="1200" cap="none" spc="0" normalizeH="0" baseline="0" noProof="0" dirty="0">
                 <a:ln>
                   <a:noFill/>
                 </a:ln>
                 <a:solidFill>
-                  <a:prstClr val="white">
-                    <a:lumMod val="50000"/>
-                  </a:prstClr>
+                  <a:prstClr val="black"/>
                 </a:solidFill>
                 <a:effectLst/>
                 <a:uLnTx/>
@@ -4624,102 +5753,9 @@
                 <a:ea typeface="+mn-ea"/>
                 <a:cs typeface="Segoe UI" panose="020B0502040204020203" pitchFamily="34" charset="0"/>
               </a:rPr>
-              <a:t>Claude, GitHub CoPilot, etc.</a:t>
-            </a:r>
-          </a:p>
-        </p:txBody>
-      </p:sp>
-      <p:pic>
-        <p:nvPicPr>
-          <p:cNvPr id="23556" name="Picture 4" descr="User Icon Images – Browse 1,701,604 Stock Photos, Vectors ...">
-            <a:extLst>
-              <a:ext uri="{FF2B5EF4-FFF2-40B4-BE49-F238E27FC236}">
-                <a16:creationId xmlns:a16="http://schemas.microsoft.com/office/drawing/2014/main" id="{93A7AF3C-EE48-3E0B-5E96-8FEA4EC66E90}"/>
-              </a:ext>
-            </a:extLst>
-          </p:cNvPr>
-          <p:cNvPicPr>
-            <a:picLocks noChangeAspect="1" noChangeArrowheads="1"/>
-          </p:cNvPicPr>
-          <p:nvPr/>
-        </p:nvPicPr>
-        <p:blipFill rotWithShape="1">
-          <a:blip r:embed="rId4">
-            <a:clrChange>
-              <a:clrFrom>
-                <a:srgbClr val="FFFFFF"/>
-              </a:clrFrom>
-              <a:clrTo>
-                <a:srgbClr val="FFFFFF">
-                  <a:alpha val="0"/>
-                </a:srgbClr>
-              </a:clrTo>
-            </a:clrChange>
-            <a:duotone>
-              <a:schemeClr val="accent4">
-                <a:shade val="45000"/>
-                <a:satMod val="135000"/>
-              </a:schemeClr>
-              <a:prstClr val="white"/>
-            </a:duotone>
-            <a:extLst>
-              <a:ext uri="{28A0092B-C50C-407E-A947-70E740481C1C}">
-                <a14:useLocalDpi xmlns:a14="http://schemas.microsoft.com/office/drawing/2010/main" val="0"/>
-              </a:ext>
-            </a:extLst>
-          </a:blip>
-          <a:srcRect l="19935" t="20528" r="20355" b="20435"/>
-          <a:stretch>
-            <a:fillRect/>
-          </a:stretch>
-        </p:blipFill>
-        <p:spPr bwMode="auto">
-          <a:xfrm>
-            <a:off x="1211949" y="2303152"/>
-            <a:ext cx="732147" cy="723895"/>
-          </a:xfrm>
-          <a:prstGeom prst="rect">
-            <a:avLst/>
-          </a:prstGeom>
-          <a:noFill/>
-          <a:extLst>
-            <a:ext uri="{909E8E84-426E-40DD-AFC4-6F175D3DCCD1}">
-              <a14:hiddenFill xmlns:a14="http://schemas.microsoft.com/office/drawing/2010/main">
-                <a:solidFill>
-                  <a:srgbClr val="FFFFFF"/>
-                </a:solidFill>
-              </a14:hiddenFill>
-            </a:ext>
-          </a:extLst>
-        </p:spPr>
-      </p:pic>
-      <p:sp>
-        <p:nvSpPr>
-          <p:cNvPr id="42" name="TextBox 41">
-            <a:extLst>
-              <a:ext uri="{FF2B5EF4-FFF2-40B4-BE49-F238E27FC236}">
-                <a16:creationId xmlns:a16="http://schemas.microsoft.com/office/drawing/2014/main" id="{62CE79E6-4AE6-C25E-C303-9AB0F795D216}"/>
-              </a:ext>
-            </a:extLst>
-          </p:cNvPr>
-          <p:cNvSpPr txBox="1"/>
-          <p:nvPr/>
-        </p:nvSpPr>
-        <p:spPr>
-          <a:xfrm>
-            <a:off x="1152315" y="2970966"/>
-            <a:ext cx="891620" cy="307777"/>
-          </a:xfrm>
-          <a:prstGeom prst="rect">
-            <a:avLst/>
-          </a:prstGeom>
-          <a:noFill/>
-        </p:spPr>
-        <p:txBody>
-          <a:bodyPr wrap="square">
-            <a:spAutoFit/>
-          </a:bodyPr>
-          <a:lstStyle/>
+              <a:t>Semantic</a:t>
+            </a:r>
+          </a:p>
           <a:p>
             <a:pPr marL="0" marR="0" lvl="0" indent="0" algn="ctr" defTabSz="914400" rtl="0" eaLnBrk="1" fontAlgn="auto" latinLnBrk="0" hangingPunct="1">
               <a:lnSpc>
@@ -4739,7 +5775,7 @@
               <a:defRPr/>
             </a:pPr>
             <a:r>
-              <a:rPr kumimoji="0" lang="en-US" sz="1400" b="0" i="0" u="none" strike="noStrike" kern="1200" cap="none" spc="0" normalizeH="0" baseline="0" noProof="0" dirty="0">
+              <a:rPr kumimoji="0" lang="en-US" sz="800" b="0" i="0" u="none" strike="noStrike" kern="1200" cap="none" spc="0" normalizeH="0" baseline="0" noProof="0" dirty="0">
                 <a:ln>
                   <a:noFill/>
                 </a:ln>
@@ -4753,161 +5789,32 @@
                 <a:ea typeface="+mn-ea"/>
                 <a:cs typeface="Segoe UI" panose="020B0502040204020203" pitchFamily="34" charset="0"/>
               </a:rPr>
-              <a:t>User</a:t>
-            </a:r>
-          </a:p>
-        </p:txBody>
-      </p:sp>
-      <p:cxnSp>
-        <p:nvCxnSpPr>
-          <p:cNvPr id="44" name="Straight Arrow Connector 43">
-            <a:extLst>
-              <a:ext uri="{FF2B5EF4-FFF2-40B4-BE49-F238E27FC236}">
-                <a16:creationId xmlns:a16="http://schemas.microsoft.com/office/drawing/2014/main" id="{B5CFD885-AEF2-EF7A-A583-10F2D5257545}"/>
-              </a:ext>
-            </a:extLst>
-          </p:cNvPr>
-          <p:cNvCxnSpPr>
-            <a:stCxn id="23556" idx="3"/>
-            <a:endCxn id="40" idx="1"/>
-          </p:cNvCxnSpPr>
-          <p:nvPr/>
-        </p:nvCxnSpPr>
-        <p:spPr>
-          <a:xfrm flipV="1">
-            <a:off x="1944096" y="2661859"/>
-            <a:ext cx="795129" cy="3241"/>
-          </a:xfrm>
-          <a:prstGeom prst="straightConnector1">
-            <a:avLst/>
-          </a:prstGeom>
-          <a:ln>
-            <a:headEnd type="triangle"/>
-            <a:tailEnd type="triangle"/>
-          </a:ln>
-        </p:spPr>
-        <p:style>
-          <a:lnRef idx="2">
-            <a:schemeClr val="dk1"/>
-          </a:lnRef>
-          <a:fillRef idx="0">
-            <a:schemeClr val="dk1"/>
-          </a:fillRef>
-          <a:effectRef idx="1">
-            <a:schemeClr val="dk1"/>
-          </a:effectRef>
-          <a:fontRef idx="minor">
-            <a:schemeClr val="tx1"/>
-          </a:fontRef>
-        </p:style>
-      </p:cxnSp>
-      <p:cxnSp>
-        <p:nvCxnSpPr>
-          <p:cNvPr id="45" name="Straight Arrow Connector 44">
-            <a:extLst>
-              <a:ext uri="{FF2B5EF4-FFF2-40B4-BE49-F238E27FC236}">
-                <a16:creationId xmlns:a16="http://schemas.microsoft.com/office/drawing/2014/main" id="{60273D2B-6369-6FCF-E691-094ACD1802D9}"/>
-              </a:ext>
-            </a:extLst>
-          </p:cNvPr>
-          <p:cNvCxnSpPr>
-            <a:cxnSpLocks/>
-          </p:cNvCxnSpPr>
-          <p:nvPr/>
-        </p:nvCxnSpPr>
-        <p:spPr>
-          <a:xfrm flipV="1">
-            <a:off x="4681437" y="2673418"/>
-            <a:ext cx="800539" cy="261889"/>
-          </a:xfrm>
-          <a:prstGeom prst="straightConnector1">
-            <a:avLst/>
-          </a:prstGeom>
-          <a:ln>
-            <a:headEnd type="triangle"/>
-            <a:tailEnd type="triangle"/>
-          </a:ln>
-        </p:spPr>
-        <p:style>
-          <a:lnRef idx="2">
-            <a:schemeClr val="dk1"/>
-          </a:lnRef>
-          <a:fillRef idx="0">
-            <a:schemeClr val="dk1"/>
-          </a:fillRef>
-          <a:effectRef idx="1">
-            <a:schemeClr val="dk1"/>
-          </a:effectRef>
-          <a:fontRef idx="minor">
-            <a:schemeClr val="tx1"/>
-          </a:fontRef>
-        </p:style>
-      </p:cxnSp>
-      <p:pic>
-        <p:nvPicPr>
-          <p:cNvPr id="47" name="Picture 46">
-            <a:extLst>
-              <a:ext uri="{FF2B5EF4-FFF2-40B4-BE49-F238E27FC236}">
-                <a16:creationId xmlns:a16="http://schemas.microsoft.com/office/drawing/2014/main" id="{DEC483FB-C404-8CBC-6796-8E56F6FE0049}"/>
-              </a:ext>
-            </a:extLst>
-          </p:cNvPr>
-          <p:cNvPicPr>
-            <a:picLocks noChangeAspect="1"/>
-          </p:cNvPicPr>
-          <p:nvPr/>
-        </p:nvPicPr>
-        <p:blipFill>
-          <a:blip r:embed="rId5"/>
-          <a:stretch>
-            <a:fillRect/>
-          </a:stretch>
-        </p:blipFill>
-        <p:spPr>
-          <a:xfrm>
-            <a:off x="2838278" y="2454086"/>
-            <a:ext cx="713056" cy="415545"/>
+              <a:t>Kernel</a:t>
+            </a:r>
+          </a:p>
+        </p:txBody>
+      </p:sp>
+      <p:sp>
+        <p:nvSpPr>
+          <p:cNvPr id="23555" name="TextBox 23554">
+            <a:extLst>
+              <a:ext uri="{FF2B5EF4-FFF2-40B4-BE49-F238E27FC236}">
+                <a16:creationId xmlns:a16="http://schemas.microsoft.com/office/drawing/2014/main" id="{8F5ED0E8-F603-C3B8-8A41-FE7CE843B92E}"/>
+              </a:ext>
+            </a:extLst>
+          </p:cNvPr>
+          <p:cNvSpPr txBox="1"/>
+          <p:nvPr/>
+        </p:nvSpPr>
+        <p:spPr>
+          <a:xfrm>
+            <a:off x="9314405" y="2822531"/>
+            <a:ext cx="604720" cy="215444"/>
           </a:xfrm>
           <a:prstGeom prst="rect">
             <a:avLst/>
           </a:prstGeom>
-          <a:ln>
-            <a:solidFill>
-              <a:schemeClr val="bg1">
-                <a:lumMod val="75000"/>
-              </a:schemeClr>
-            </a:solidFill>
-          </a:ln>
-        </p:spPr>
-      </p:pic>
-      <p:sp>
-        <p:nvSpPr>
-          <p:cNvPr id="48" name="TextBox 47">
-            <a:extLst>
-              <a:ext uri="{FF2B5EF4-FFF2-40B4-BE49-F238E27FC236}">
-                <a16:creationId xmlns:a16="http://schemas.microsoft.com/office/drawing/2014/main" id="{FF583515-6C96-6674-A508-B0ED64246822}"/>
-              </a:ext>
-            </a:extLst>
-          </p:cNvPr>
-          <p:cNvSpPr txBox="1"/>
-          <p:nvPr/>
-        </p:nvSpPr>
-        <p:spPr>
-          <a:xfrm>
-            <a:off x="3655022" y="2767212"/>
-            <a:ext cx="1026415" cy="307777"/>
-          </a:xfrm>
-          <a:prstGeom prst="rect">
-            <a:avLst/>
-          </a:prstGeom>
           <a:noFill/>
-          <a:ln>
-            <a:solidFill>
-              <a:schemeClr val="bg1">
-                <a:lumMod val="85000"/>
-              </a:schemeClr>
-            </a:solidFill>
-          </a:ln>
         </p:spPr>
         <p:txBody>
           <a:bodyPr wrap="square">
@@ -4933,7 +5840,7 @@
               <a:defRPr/>
             </a:pPr>
             <a:r>
-              <a:rPr kumimoji="0" lang="en-US" sz="1400" b="0" i="0" u="none" strike="noStrike" kern="1200" cap="none" spc="0" normalizeH="0" baseline="0" noProof="0" dirty="0">
+              <a:rPr kumimoji="0" lang="en-US" sz="800" b="0" i="0" u="none" strike="noStrike" kern="1200" cap="none" spc="0" normalizeH="0" baseline="0" noProof="0" dirty="0">
                 <a:ln>
                   <a:noFill/>
                 </a:ln>
@@ -4947,53 +5854,60 @@
                 <a:ea typeface="+mn-ea"/>
                 <a:cs typeface="Segoe UI" panose="020B0502040204020203" pitchFamily="34" charset="0"/>
               </a:rPr>
-              <a:t>MCP client</a:t>
-            </a:r>
-            <a:endParaRPr kumimoji="0" lang="en-US" sz="1100" b="0" i="0" u="none" strike="noStrike" kern="1200" cap="none" spc="0" normalizeH="0" baseline="0" noProof="0" dirty="0">
-              <a:ln>
-                <a:noFill/>
-              </a:ln>
-              <a:solidFill>
-                <a:prstClr val="white">
-                  <a:lumMod val="50000"/>
-                </a:prstClr>
-              </a:solidFill>
-              <a:effectLst/>
-              <a:uLnTx/>
-              <a:uFillTx/>
-              <a:latin typeface="Segoe UI" panose="020B0502040204020203" pitchFamily="34" charset="0"/>
-              <a:ea typeface="+mn-ea"/>
-              <a:cs typeface="Segoe UI" panose="020B0502040204020203" pitchFamily="34" charset="0"/>
-            </a:endParaRPr>
-          </a:p>
-        </p:txBody>
-      </p:sp>
-      <p:sp>
-        <p:nvSpPr>
-          <p:cNvPr id="52" name="TextBox 51">
-            <a:extLst>
-              <a:ext uri="{FF2B5EF4-FFF2-40B4-BE49-F238E27FC236}">
-                <a16:creationId xmlns:a16="http://schemas.microsoft.com/office/drawing/2014/main" id="{5B13A669-9069-F5B2-15F5-432BD65A7EE2}"/>
-              </a:ext>
-            </a:extLst>
-          </p:cNvPr>
-          <p:cNvSpPr txBox="1"/>
-          <p:nvPr/>
-        </p:nvSpPr>
-        <p:spPr>
-          <a:xfrm>
-            <a:off x="4698911" y="2358818"/>
-            <a:ext cx="795129" cy="430887"/>
-          </a:xfrm>
-          <a:prstGeom prst="rect">
-            <a:avLst/>
-          </a:prstGeom>
-          <a:noFill/>
-        </p:spPr>
-        <p:txBody>
-          <a:bodyPr wrap="square">
-            <a:spAutoFit/>
-          </a:bodyPr>
+              <a:t>C#</a:t>
+            </a:r>
+          </a:p>
+        </p:txBody>
+      </p:sp>
+      <p:sp>
+        <p:nvSpPr>
+          <p:cNvPr id="23557" name="Flowchart: Connector 23556">
+            <a:extLst>
+              <a:ext uri="{FF2B5EF4-FFF2-40B4-BE49-F238E27FC236}">
+                <a16:creationId xmlns:a16="http://schemas.microsoft.com/office/drawing/2014/main" id="{2E2F807B-98F8-D1B8-61FF-927CAA0607C2}"/>
+              </a:ext>
+            </a:extLst>
+          </p:cNvPr>
+          <p:cNvSpPr>
+            <a:spLocks noChangeAspect="1"/>
+          </p:cNvSpPr>
+          <p:nvPr/>
+        </p:nvSpPr>
+        <p:spPr>
+          <a:xfrm>
+            <a:off x="7238562" y="3408775"/>
+            <a:ext cx="439592" cy="439592"/>
+          </a:xfrm>
+          <a:prstGeom prst="flowChartConnector">
+            <a:avLst/>
+          </a:prstGeom>
+          <a:solidFill>
+            <a:schemeClr val="bg1"/>
+          </a:solidFill>
+          <a:ln>
+            <a:solidFill>
+              <a:schemeClr val="tx1"/>
+            </a:solidFill>
+          </a:ln>
+        </p:spPr>
+        <p:style>
+          <a:lnRef idx="2">
+            <a:schemeClr val="accent1">
+              <a:shade val="15000"/>
+            </a:schemeClr>
+          </a:lnRef>
+          <a:fillRef idx="1">
+            <a:schemeClr val="accent1"/>
+          </a:fillRef>
+          <a:effectRef idx="0">
+            <a:schemeClr val="accent1"/>
+          </a:effectRef>
+          <a:fontRef idx="minor">
+            <a:schemeClr val="lt1"/>
+          </a:fontRef>
+        </p:style>
+        <p:txBody>
+          <a:bodyPr rtlCol="0" anchor="ctr"/>
           <a:lstStyle/>
           <a:p>
             <a:pPr marL="0" marR="0" lvl="0" indent="0" algn="ctr" defTabSz="914400" rtl="0" eaLnBrk="1" fontAlgn="auto" latinLnBrk="0" hangingPunct="1">
@@ -5013,24 +5927,97 @@
               <a:tabLst/>
               <a:defRPr/>
             </a:pPr>
-            <a:r>
-              <a:rPr kumimoji="0" lang="en-US" sz="1050" b="0" i="0" u="none" strike="noStrike" kern="1200" cap="none" spc="0" normalizeH="0" baseline="0" noProof="0" dirty="0">
-                <a:ln>
-                  <a:noFill/>
-                </a:ln>
+            <a:endParaRPr kumimoji="0" lang="en-US" sz="1800" b="0" i="0" u="none" strike="noStrike" kern="1200" cap="none" spc="0" normalizeH="0" baseline="0" noProof="0">
+              <a:ln>
+                <a:noFill/>
+              </a:ln>
+              <a:solidFill>
+                <a:prstClr val="white"/>
+              </a:solidFill>
+              <a:effectLst/>
+              <a:uLnTx/>
+              <a:uFillTx/>
+              <a:latin typeface="Aptos" panose="02110004020202020204"/>
+              <a:ea typeface="+mn-ea"/>
+              <a:cs typeface="+mn-cs"/>
+            </a:endParaRPr>
+          </a:p>
+        </p:txBody>
+      </p:sp>
+      <p:pic>
+        <p:nvPicPr>
+          <p:cNvPr id="23559" name="Picture 2" descr="Here's OpenAI's new logo | The Verge">
+            <a:extLst>
+              <a:ext uri="{FF2B5EF4-FFF2-40B4-BE49-F238E27FC236}">
+                <a16:creationId xmlns:a16="http://schemas.microsoft.com/office/drawing/2014/main" id="{1469B496-B7A8-2710-64CB-D13766637B7D}"/>
+              </a:ext>
+            </a:extLst>
+          </p:cNvPr>
+          <p:cNvPicPr>
+            <a:picLocks noChangeAspect="1" noChangeArrowheads="1"/>
+          </p:cNvPicPr>
+          <p:nvPr/>
+        </p:nvPicPr>
+        <p:blipFill rotWithShape="1">
+          <a:blip r:embed="rId9">
+            <a:extLst>
+              <a:ext uri="{28A0092B-C50C-407E-A947-70E740481C1C}">
+                <a14:useLocalDpi xmlns:a14="http://schemas.microsoft.com/office/drawing/2010/main" val="0"/>
+              </a:ext>
+            </a:extLst>
+          </a:blip>
+          <a:srcRect l="24641" t="10723" r="22473" b="10725"/>
+          <a:stretch>
+            <a:fillRect/>
+          </a:stretch>
+        </p:blipFill>
+        <p:spPr bwMode="auto">
+          <a:xfrm>
+            <a:off x="7359158" y="3529917"/>
+            <a:ext cx="198400" cy="197308"/>
+          </a:xfrm>
+          <a:prstGeom prst="rect">
+            <a:avLst/>
+          </a:prstGeom>
+          <a:noFill/>
+          <a:extLst>
+            <a:ext uri="{909E8E84-426E-40DD-AFC4-6F175D3DCCD1}">
+              <a14:hiddenFill xmlns:a14="http://schemas.microsoft.com/office/drawing/2010/main">
                 <a:solidFill>
-                  <a:prstClr val="black"/>
+                  <a:srgbClr val="FFFFFF"/>
                 </a:solidFill>
-                <a:effectLst/>
-                <a:uLnTx/>
-                <a:uFillTx/>
-                <a:latin typeface="Segoe UI" panose="020B0502040204020203" pitchFamily="34" charset="0"/>
-                <a:ea typeface="+mn-ea"/>
-                <a:cs typeface="Segoe UI" panose="020B0502040204020203" pitchFamily="34" charset="0"/>
-              </a:rPr>
-              <a:t>MCP</a:t>
-            </a:r>
-          </a:p>
+              </a14:hiddenFill>
+            </a:ext>
+          </a:extLst>
+        </p:spPr>
+      </p:pic>
+      <p:sp>
+        <p:nvSpPr>
+          <p:cNvPr id="23561" name="TextBox 23560">
+            <a:extLst>
+              <a:ext uri="{FF2B5EF4-FFF2-40B4-BE49-F238E27FC236}">
+                <a16:creationId xmlns:a16="http://schemas.microsoft.com/office/drawing/2014/main" id="{7AA1998E-4BB4-6B6B-1A58-EC25E39338AD}"/>
+              </a:ext>
+            </a:extLst>
+          </p:cNvPr>
+          <p:cNvSpPr txBox="1"/>
+          <p:nvPr/>
+        </p:nvSpPr>
+        <p:spPr>
+          <a:xfrm>
+            <a:off x="7236460" y="3844319"/>
+            <a:ext cx="443795" cy="230832"/>
+          </a:xfrm>
+          <a:prstGeom prst="rect">
+            <a:avLst/>
+          </a:prstGeom>
+          <a:noFill/>
+        </p:spPr>
+        <p:txBody>
+          <a:bodyPr wrap="square">
+            <a:spAutoFit/>
+          </a:bodyPr>
+          <a:lstStyle/>
           <a:p>
             <a:pPr marL="0" marR="0" lvl="0" indent="0" algn="ctr" defTabSz="914400" rtl="0" eaLnBrk="1" fontAlgn="auto" latinLnBrk="0" hangingPunct="1">
               <a:lnSpc>
@@ -5050,7 +6037,7 @@
               <a:defRPr/>
             </a:pPr>
             <a:r>
-              <a:rPr kumimoji="0" lang="en-US" sz="1050" b="0" i="0" u="none" strike="noStrike" kern="1200" cap="none" spc="0" normalizeH="0" baseline="0" noProof="0" dirty="0">
+              <a:rPr kumimoji="0" lang="en-US" sz="900" b="0" i="0" u="none" strike="noStrike" kern="1200" cap="none" spc="0" normalizeH="0" baseline="0" noProof="0" dirty="0">
                 <a:ln>
                   <a:noFill/>
                 </a:ln>
@@ -5064,399 +6051,17 @@
                 <a:ea typeface="+mn-ea"/>
                 <a:cs typeface="Segoe UI" panose="020B0502040204020203" pitchFamily="34" charset="0"/>
               </a:rPr>
-              <a:t>(stdio)</a:t>
-            </a:r>
-          </a:p>
-        </p:txBody>
-      </p:sp>
-      <p:pic>
-        <p:nvPicPr>
-          <p:cNvPr id="23558" name="Picture 6" descr="Semantic Kernel Roadmap H1 2025 ...">
-            <a:extLst>
-              <a:ext uri="{FF2B5EF4-FFF2-40B4-BE49-F238E27FC236}">
-                <a16:creationId xmlns:a16="http://schemas.microsoft.com/office/drawing/2014/main" id="{51A36023-89A7-C879-0EF6-D310EE0F0DD9}"/>
-              </a:ext>
-            </a:extLst>
-          </p:cNvPr>
-          <p:cNvPicPr>
-            <a:picLocks noChangeAspect="1" noChangeArrowheads="1"/>
-          </p:cNvPicPr>
-          <p:nvPr/>
-        </p:nvPicPr>
-        <p:blipFill rotWithShape="1">
-          <a:blip r:embed="rId6">
-            <a:clrChange>
-              <a:clrFrom>
-                <a:srgbClr val="FFFFFF"/>
-              </a:clrFrom>
-              <a:clrTo>
-                <a:srgbClr val="FFFFFF">
-                  <a:alpha val="0"/>
-                </a:srgbClr>
-              </a:clrTo>
-            </a:clrChange>
-            <a:extLst>
-              <a:ext uri="{28A0092B-C50C-407E-A947-70E740481C1C}">
-                <a14:useLocalDpi xmlns:a14="http://schemas.microsoft.com/office/drawing/2010/main" val="0"/>
-              </a:ext>
-            </a:extLst>
-          </a:blip>
-          <a:srcRect l="28311" r="23923" b="24870"/>
-          <a:stretch>
-            <a:fillRect/>
-          </a:stretch>
-        </p:blipFill>
-        <p:spPr bwMode="auto">
-          <a:xfrm>
-            <a:off x="6414334" y="2673417"/>
-            <a:ext cx="200765" cy="258486"/>
-          </a:xfrm>
-          <a:prstGeom prst="rect">
-            <a:avLst/>
-          </a:prstGeom>
-          <a:noFill/>
-          <a:extLst>
-            <a:ext uri="{909E8E84-426E-40DD-AFC4-6F175D3DCCD1}">
-              <a14:hiddenFill xmlns:a14="http://schemas.microsoft.com/office/drawing/2010/main">
-                <a:solidFill>
-                  <a:srgbClr val="FFFFFF"/>
-                </a:solidFill>
-              </a14:hiddenFill>
-            </a:ext>
-          </a:extLst>
-        </p:spPr>
-      </p:pic>
-      <p:pic>
-        <p:nvPicPr>
-          <p:cNvPr id="23560" name="Picture 8" descr="MCP (Model Context Protocol) Logo Fr ...">
-            <a:extLst>
-              <a:ext uri="{FF2B5EF4-FFF2-40B4-BE49-F238E27FC236}">
-                <a16:creationId xmlns:a16="http://schemas.microsoft.com/office/drawing/2014/main" id="{90CC50FB-C3BE-96D9-F162-3316E455C2B9}"/>
-              </a:ext>
-            </a:extLst>
-          </p:cNvPr>
-          <p:cNvPicPr>
-            <a:picLocks noChangeAspect="1" noChangeArrowheads="1"/>
-          </p:cNvPicPr>
-          <p:nvPr/>
-        </p:nvPicPr>
-        <p:blipFill>
-          <a:blip r:embed="rId7">
-            <a:extLst>
-              <a:ext uri="{28A0092B-C50C-407E-A947-70E740481C1C}">
-                <a14:useLocalDpi xmlns:a14="http://schemas.microsoft.com/office/drawing/2010/main" val="0"/>
-              </a:ext>
-            </a:extLst>
-          </a:blip>
-          <a:srcRect/>
-          <a:stretch>
-            <a:fillRect/>
-          </a:stretch>
-        </p:blipFill>
-        <p:spPr bwMode="auto">
-          <a:xfrm>
-            <a:off x="5697796" y="2673417"/>
-            <a:ext cx="261889" cy="261889"/>
-          </a:xfrm>
-          <a:prstGeom prst="rect">
-            <a:avLst/>
-          </a:prstGeom>
-          <a:noFill/>
-          <a:extLst>
-            <a:ext uri="{909E8E84-426E-40DD-AFC4-6F175D3DCCD1}">
-              <a14:hiddenFill xmlns:a14="http://schemas.microsoft.com/office/drawing/2010/main">
-                <a:solidFill>
-                  <a:srgbClr val="FFFFFF"/>
-                </a:solidFill>
-              </a14:hiddenFill>
-            </a:ext>
-          </a:extLst>
-        </p:spPr>
-      </p:pic>
-      <p:pic>
-        <p:nvPicPr>
-          <p:cNvPr id="23562" name="Picture 10" descr="Microsoft Dot Net icon SVG Vector &amp; PNG ...">
-            <a:extLst>
-              <a:ext uri="{FF2B5EF4-FFF2-40B4-BE49-F238E27FC236}">
-                <a16:creationId xmlns:a16="http://schemas.microsoft.com/office/drawing/2014/main" id="{14CE05A4-1533-91E8-5BD7-3B7039F87254}"/>
-              </a:ext>
-            </a:extLst>
-          </p:cNvPr>
-          <p:cNvPicPr>
-            <a:picLocks noChangeAspect="1" noChangeArrowheads="1"/>
-          </p:cNvPicPr>
-          <p:nvPr/>
-        </p:nvPicPr>
-        <p:blipFill>
-          <a:blip r:embed="rId8">
-            <a:extLst>
-              <a:ext uri="{28A0092B-C50C-407E-A947-70E740481C1C}">
-                <a14:useLocalDpi xmlns:a14="http://schemas.microsoft.com/office/drawing/2010/main" val="0"/>
-              </a:ext>
-            </a:extLst>
-          </a:blip>
-          <a:srcRect/>
-          <a:stretch>
-            <a:fillRect/>
-          </a:stretch>
-        </p:blipFill>
-        <p:spPr bwMode="auto">
-          <a:xfrm>
-            <a:off x="6962461" y="2677537"/>
-            <a:ext cx="261889" cy="261889"/>
-          </a:xfrm>
-          <a:prstGeom prst="rect">
-            <a:avLst/>
-          </a:prstGeom>
-          <a:noFill/>
-          <a:extLst>
-            <a:ext uri="{909E8E84-426E-40DD-AFC4-6F175D3DCCD1}">
-              <a14:hiddenFill xmlns:a14="http://schemas.microsoft.com/office/drawing/2010/main">
-                <a:solidFill>
-                  <a:srgbClr val="FFFFFF"/>
-                </a:solidFill>
-              </a14:hiddenFill>
-            </a:ext>
-          </a:extLst>
-        </p:spPr>
-      </p:pic>
-      <p:sp>
-        <p:nvSpPr>
-          <p:cNvPr id="54" name="TextBox 53">
-            <a:extLst>
-              <a:ext uri="{FF2B5EF4-FFF2-40B4-BE49-F238E27FC236}">
-                <a16:creationId xmlns:a16="http://schemas.microsoft.com/office/drawing/2014/main" id="{3DC94B3E-F729-3A7E-76E9-D586696ABD4E}"/>
-              </a:ext>
-            </a:extLst>
-          </p:cNvPr>
-          <p:cNvSpPr txBox="1"/>
-          <p:nvPr/>
-        </p:nvSpPr>
-        <p:spPr>
-          <a:xfrm>
-            <a:off x="6203299" y="2886547"/>
-            <a:ext cx="604720" cy="338554"/>
-          </a:xfrm>
-          <a:prstGeom prst="rect">
-            <a:avLst/>
-          </a:prstGeom>
-          <a:noFill/>
-        </p:spPr>
-        <p:txBody>
-          <a:bodyPr wrap="square">
-            <a:spAutoFit/>
-          </a:bodyPr>
-          <a:lstStyle/>
-          <a:p>
-            <a:pPr marL="0" marR="0" lvl="0" indent="0" algn="ctr" defTabSz="914400" rtl="0" eaLnBrk="1" fontAlgn="auto" latinLnBrk="0" hangingPunct="1">
-              <a:lnSpc>
-                <a:spcPct val="100000"/>
-              </a:lnSpc>
-              <a:spcBef>
-                <a:spcPts val="0"/>
-              </a:spcBef>
-              <a:spcAft>
-                <a:spcPts val="0"/>
-              </a:spcAft>
-              <a:buClrTx/>
-              <a:buSzTx/>
-              <a:buFontTx/>
-              <a:buNone/>
-              <a:tabLst/>
-              <a:defRPr/>
-            </a:pPr>
-            <a:r>
-              <a:rPr kumimoji="0" lang="en-US" sz="800" b="0" i="0" u="none" strike="noStrike" kern="1200" cap="none" spc="0" normalizeH="0" baseline="0" noProof="0" dirty="0">
-                <a:ln>
-                  <a:noFill/>
-                </a:ln>
-                <a:solidFill>
-                  <a:prstClr val="black"/>
-                </a:solidFill>
-                <a:effectLst/>
-                <a:uLnTx/>
-                <a:uFillTx/>
-                <a:latin typeface="Segoe UI" panose="020B0502040204020203" pitchFamily="34" charset="0"/>
-                <a:ea typeface="+mn-ea"/>
-                <a:cs typeface="Segoe UI" panose="020B0502040204020203" pitchFamily="34" charset="0"/>
-              </a:rPr>
-              <a:t>Semantic</a:t>
-            </a:r>
-          </a:p>
-          <a:p>
-            <a:pPr marL="0" marR="0" lvl="0" indent="0" algn="ctr" defTabSz="914400" rtl="0" eaLnBrk="1" fontAlgn="auto" latinLnBrk="0" hangingPunct="1">
-              <a:lnSpc>
-                <a:spcPct val="100000"/>
-              </a:lnSpc>
-              <a:spcBef>
-                <a:spcPts val="0"/>
-              </a:spcBef>
-              <a:spcAft>
-                <a:spcPts val="0"/>
-              </a:spcAft>
-              <a:buClrTx/>
-              <a:buSzTx/>
-              <a:buFontTx/>
-              <a:buNone/>
-              <a:tabLst/>
-              <a:defRPr/>
-            </a:pPr>
-            <a:r>
-              <a:rPr kumimoji="0" lang="en-US" sz="800" b="0" i="0" u="none" strike="noStrike" kern="1200" cap="none" spc="0" normalizeH="0" baseline="0" noProof="0" dirty="0">
-                <a:ln>
-                  <a:noFill/>
-                </a:ln>
-                <a:solidFill>
-                  <a:prstClr val="black"/>
-                </a:solidFill>
-                <a:effectLst/>
-                <a:uLnTx/>
-                <a:uFillTx/>
-                <a:latin typeface="Segoe UI" panose="020B0502040204020203" pitchFamily="34" charset="0"/>
-                <a:ea typeface="+mn-ea"/>
-                <a:cs typeface="Segoe UI" panose="020B0502040204020203" pitchFamily="34" charset="0"/>
-              </a:rPr>
-              <a:t>Kernel</a:t>
-            </a:r>
-          </a:p>
-        </p:txBody>
-      </p:sp>
-      <p:sp>
-        <p:nvSpPr>
-          <p:cNvPr id="55" name="TextBox 54">
-            <a:extLst>
-              <a:ext uri="{FF2B5EF4-FFF2-40B4-BE49-F238E27FC236}">
-                <a16:creationId xmlns:a16="http://schemas.microsoft.com/office/drawing/2014/main" id="{282E1F6E-6194-994A-F0A3-1E2A85815ED7}"/>
-              </a:ext>
-            </a:extLst>
-          </p:cNvPr>
-          <p:cNvSpPr txBox="1"/>
-          <p:nvPr/>
-        </p:nvSpPr>
-        <p:spPr>
-          <a:xfrm>
-            <a:off x="5416484" y="2890901"/>
-            <a:ext cx="852284" cy="338554"/>
-          </a:xfrm>
-          <a:prstGeom prst="rect">
-            <a:avLst/>
-          </a:prstGeom>
-          <a:noFill/>
-        </p:spPr>
-        <p:txBody>
-          <a:bodyPr wrap="square">
-            <a:spAutoFit/>
-          </a:bodyPr>
-          <a:lstStyle/>
-          <a:p>
-            <a:pPr marL="0" marR="0" lvl="0" indent="0" algn="ctr" defTabSz="914400" rtl="0" eaLnBrk="1" fontAlgn="auto" latinLnBrk="0" hangingPunct="1">
-              <a:lnSpc>
-                <a:spcPct val="100000"/>
-              </a:lnSpc>
-              <a:spcBef>
-                <a:spcPts val="0"/>
-              </a:spcBef>
-              <a:spcAft>
-                <a:spcPts val="0"/>
-              </a:spcAft>
-              <a:buClrTx/>
-              <a:buSzTx/>
-              <a:buFontTx/>
-              <a:buNone/>
-              <a:tabLst/>
-              <a:defRPr/>
-            </a:pPr>
-            <a:r>
-              <a:rPr kumimoji="0" lang="en-US" sz="800" b="0" i="0" u="none" strike="noStrike" kern="1200" cap="none" spc="0" normalizeH="0" baseline="0" noProof="0" dirty="0">
-                <a:ln>
-                  <a:noFill/>
-                </a:ln>
-                <a:solidFill>
-                  <a:prstClr val="black"/>
-                </a:solidFill>
-                <a:effectLst/>
-                <a:uLnTx/>
-                <a:uFillTx/>
-                <a:latin typeface="Segoe UI" panose="020B0502040204020203" pitchFamily="34" charset="0"/>
-                <a:ea typeface="+mn-ea"/>
-                <a:cs typeface="Segoe UI" panose="020B0502040204020203" pitchFamily="34" charset="0"/>
-              </a:rPr>
-              <a:t>Model Context Protocol</a:t>
-            </a:r>
-          </a:p>
-        </p:txBody>
-      </p:sp>
-      <p:sp>
-        <p:nvSpPr>
-          <p:cNvPr id="56" name="TextBox 55">
-            <a:extLst>
-              <a:ext uri="{FF2B5EF4-FFF2-40B4-BE49-F238E27FC236}">
-                <a16:creationId xmlns:a16="http://schemas.microsoft.com/office/drawing/2014/main" id="{9234BCD2-2132-026F-7921-A4F0E63719AD}"/>
-              </a:ext>
-            </a:extLst>
-          </p:cNvPr>
-          <p:cNvSpPr txBox="1"/>
-          <p:nvPr/>
-        </p:nvSpPr>
-        <p:spPr>
-          <a:xfrm>
-            <a:off x="6812444" y="2931903"/>
-            <a:ext cx="604720" cy="215444"/>
-          </a:xfrm>
-          <a:prstGeom prst="rect">
-            <a:avLst/>
-          </a:prstGeom>
-          <a:noFill/>
-        </p:spPr>
-        <p:txBody>
-          <a:bodyPr wrap="square">
-            <a:spAutoFit/>
-          </a:bodyPr>
-          <a:lstStyle/>
-          <a:p>
-            <a:pPr marL="0" marR="0" lvl="0" indent="0" algn="ctr" defTabSz="914400" rtl="0" eaLnBrk="1" fontAlgn="auto" latinLnBrk="0" hangingPunct="1">
-              <a:lnSpc>
-                <a:spcPct val="100000"/>
-              </a:lnSpc>
-              <a:spcBef>
-                <a:spcPts val="0"/>
-              </a:spcBef>
-              <a:spcAft>
-                <a:spcPts val="0"/>
-              </a:spcAft>
-              <a:buClrTx/>
-              <a:buSzTx/>
-              <a:buFontTx/>
-              <a:buNone/>
-              <a:tabLst/>
-              <a:defRPr/>
-            </a:pPr>
-            <a:r>
-              <a:rPr kumimoji="0" lang="en-US" sz="800" b="0" i="0" u="none" strike="noStrike" kern="1200" cap="none" spc="0" normalizeH="0" baseline="0" noProof="0" dirty="0">
-                <a:ln>
-                  <a:noFill/>
-                </a:ln>
-                <a:solidFill>
-                  <a:prstClr val="black"/>
-                </a:solidFill>
-                <a:effectLst/>
-                <a:uLnTx/>
-                <a:uFillTx/>
-                <a:latin typeface="Segoe UI" panose="020B0502040204020203" pitchFamily="34" charset="0"/>
-                <a:ea typeface="+mn-ea"/>
-                <a:cs typeface="Segoe UI" panose="020B0502040204020203" pitchFamily="34" charset="0"/>
-              </a:rPr>
-              <a:t>C#</a:t>
-            </a:r>
-          </a:p>
-        </p:txBody>
-      </p:sp>
-      <p:sp>
-        <p:nvSpPr>
-          <p:cNvPr id="58" name="Rectangle: Rounded Corners 57">
-            <a:extLst>
-              <a:ext uri="{FF2B5EF4-FFF2-40B4-BE49-F238E27FC236}">
-                <a16:creationId xmlns:a16="http://schemas.microsoft.com/office/drawing/2014/main" id="{DC1CA802-B794-0CF1-9455-D04D93565294}"/>
+              <a:t>LLM</a:t>
+            </a:r>
+          </a:p>
+        </p:txBody>
+      </p:sp>
+      <p:sp>
+        <p:nvSpPr>
+          <p:cNvPr id="23563" name="Rectangle: Rounded Corners 23562">
+            <a:extLst>
+              <a:ext uri="{FF2B5EF4-FFF2-40B4-BE49-F238E27FC236}">
+                <a16:creationId xmlns:a16="http://schemas.microsoft.com/office/drawing/2014/main" id="{6CD259AE-1077-5E9B-7A21-37BCDC4B7B30}"/>
               </a:ext>
             </a:extLst>
           </p:cNvPr>
@@ -5465,7 +6070,7 @@
         </p:nvSpPr>
         <p:spPr>
           <a:xfrm>
-            <a:off x="8169033" y="2110236"/>
+            <a:off x="7062161" y="4294294"/>
             <a:ext cx="2047461" cy="1103244"/>
           </a:xfrm>
           <a:prstGeom prst="roundRect">
@@ -5536,10 +6141,10 @@
       </p:sp>
       <p:sp>
         <p:nvSpPr>
-          <p:cNvPr id="59" name="TextBox 58">
-            <a:extLst>
-              <a:ext uri="{FF2B5EF4-FFF2-40B4-BE49-F238E27FC236}">
-                <a16:creationId xmlns:a16="http://schemas.microsoft.com/office/drawing/2014/main" id="{9F1BCAE6-670B-0AD9-AAA5-186DC2FAA921}"/>
+          <p:cNvPr id="23565" name="TextBox 23564">
+            <a:extLst>
+              <a:ext uri="{FF2B5EF4-FFF2-40B4-BE49-F238E27FC236}">
+                <a16:creationId xmlns:a16="http://schemas.microsoft.com/office/drawing/2014/main" id="{97AA300F-86ED-22E0-5F9A-D0F81C27B4D4}"/>
               </a:ext>
             </a:extLst>
           </p:cNvPr>
@@ -5548,8 +6153,8 @@
         </p:nvSpPr>
         <p:spPr>
           <a:xfrm>
-            <a:off x="8733258" y="2097208"/>
-            <a:ext cx="1471172" cy="630942"/>
+            <a:off x="7614708" y="4281266"/>
+            <a:ext cx="1552064" cy="523220"/>
           </a:xfrm>
           <a:prstGeom prst="rect">
             <a:avLst/>
@@ -5594,202 +6199,9 @@
                 <a:ea typeface="+mn-ea"/>
                 <a:cs typeface="Segoe UI" panose="020B0502040204020203" pitchFamily="34" charset="0"/>
               </a:rPr>
-              <a:t>AI Agent</a:t>
-            </a:r>
-          </a:p>
-          <a:p>
-            <a:pPr algn="ctr"/>
-            <a:r>
-              <a:rPr lang="en-US" sz="1200" dirty="0">
-                <a:solidFill>
-                  <a:prstClr val="white">
-                    <a:lumMod val="50000"/>
-                  </a:prstClr>
-                </a:solidFill>
-                <a:latin typeface="Segoe UI" panose="020B0502040204020203" pitchFamily="34" charset="0"/>
-                <a:cs typeface="Segoe UI" panose="020B0502040204020203" pitchFamily="34" charset="0"/>
-              </a:rPr>
-              <a:t>Chat Agent</a:t>
-            </a:r>
-          </a:p>
-          <a:p>
-            <a:pPr algn="ctr"/>
-            <a:r>
-              <a:rPr lang="en-US" sz="900" dirty="0">
-                <a:solidFill>
-                  <a:prstClr val="white">
-                    <a:lumMod val="50000"/>
-                  </a:prstClr>
-                </a:solidFill>
-                <a:latin typeface="Segoe UI" panose="020B0502040204020203" pitchFamily="34" charset="0"/>
-                <a:cs typeface="Segoe UI" panose="020B0502040204020203" pitchFamily="34" charset="0"/>
-              </a:rPr>
-              <a:t>(ChatCompletionAgent)</a:t>
-            </a:r>
-          </a:p>
-        </p:txBody>
-      </p:sp>
-      <p:pic>
-        <p:nvPicPr>
-          <p:cNvPr id="60" name="Picture 59">
-            <a:extLst>
-              <a:ext uri="{FF2B5EF4-FFF2-40B4-BE49-F238E27FC236}">
-                <a16:creationId xmlns:a16="http://schemas.microsoft.com/office/drawing/2014/main" id="{B930D32E-D55A-BC7E-346B-38D688EBD1EA}"/>
-              </a:ext>
-            </a:extLst>
-          </p:cNvPr>
-          <p:cNvPicPr>
-            <a:picLocks noChangeAspect="1"/>
-          </p:cNvPicPr>
-          <p:nvPr/>
-        </p:nvPicPr>
-        <p:blipFill>
-          <a:blip r:embed="rId3"/>
-          <a:stretch>
-            <a:fillRect/>
-          </a:stretch>
-        </p:blipFill>
-        <p:spPr>
-          <a:xfrm>
-            <a:off x="8283389" y="2143406"/>
-            <a:ext cx="500312" cy="443353"/>
-          </a:xfrm>
-          <a:prstGeom prst="rect">
-            <a:avLst/>
-          </a:prstGeom>
-        </p:spPr>
-      </p:pic>
-      <p:pic>
-        <p:nvPicPr>
-          <p:cNvPr id="61" name="Picture 6" descr="Semantic Kernel Roadmap H1 2025 ...">
-            <a:extLst>
-              <a:ext uri="{FF2B5EF4-FFF2-40B4-BE49-F238E27FC236}">
-                <a16:creationId xmlns:a16="http://schemas.microsoft.com/office/drawing/2014/main" id="{951BC739-38BB-A92E-D4C1-5A052CF4FA79}"/>
-              </a:ext>
-            </a:extLst>
-          </p:cNvPr>
-          <p:cNvPicPr>
-            <a:picLocks noChangeAspect="1" noChangeArrowheads="1"/>
-          </p:cNvPicPr>
-          <p:nvPr/>
-        </p:nvPicPr>
-        <p:blipFill rotWithShape="1">
-          <a:blip r:embed="rId6">
-            <a:clrChange>
-              <a:clrFrom>
-                <a:srgbClr val="FFFFFF"/>
-              </a:clrFrom>
-              <a:clrTo>
-                <a:srgbClr val="FFFFFF">
-                  <a:alpha val="0"/>
-                </a:srgbClr>
-              </a:clrTo>
-            </a:clrChange>
-            <a:extLst>
-              <a:ext uri="{28A0092B-C50C-407E-A947-70E740481C1C}">
-                <a14:useLocalDpi xmlns:a14="http://schemas.microsoft.com/office/drawing/2010/main" val="0"/>
-              </a:ext>
-            </a:extLst>
-          </a:blip>
-          <a:srcRect l="28311" r="23923" b="24870"/>
-          <a:stretch>
-            <a:fillRect/>
-          </a:stretch>
-        </p:blipFill>
-        <p:spPr bwMode="auto">
-          <a:xfrm>
-            <a:off x="8788874" y="2696567"/>
-            <a:ext cx="200765" cy="258486"/>
-          </a:xfrm>
-          <a:prstGeom prst="rect">
-            <a:avLst/>
-          </a:prstGeom>
-          <a:noFill/>
-          <a:extLst>
-            <a:ext uri="{909E8E84-426E-40DD-AFC4-6F175D3DCCD1}">
-              <a14:hiddenFill xmlns:a14="http://schemas.microsoft.com/office/drawing/2010/main">
-                <a:solidFill>
-                  <a:srgbClr val="FFFFFF"/>
-                </a:solidFill>
-              </a14:hiddenFill>
-            </a:ext>
-          </a:extLst>
-        </p:spPr>
-      </p:pic>
-      <p:pic>
-        <p:nvPicPr>
-          <p:cNvPr id="63" name="Picture 10" descr="Microsoft Dot Net icon SVG Vector &amp; PNG ...">
-            <a:extLst>
-              <a:ext uri="{FF2B5EF4-FFF2-40B4-BE49-F238E27FC236}">
-                <a16:creationId xmlns:a16="http://schemas.microsoft.com/office/drawing/2014/main" id="{4AB3B8DA-4C71-9A05-B443-8714FC5E389C}"/>
-              </a:ext>
-            </a:extLst>
-          </p:cNvPr>
-          <p:cNvPicPr>
-            <a:picLocks noChangeAspect="1" noChangeArrowheads="1"/>
-          </p:cNvPicPr>
-          <p:nvPr/>
-        </p:nvPicPr>
-        <p:blipFill>
-          <a:blip r:embed="rId8">
-            <a:extLst>
-              <a:ext uri="{28A0092B-C50C-407E-A947-70E740481C1C}">
-                <a14:useLocalDpi xmlns:a14="http://schemas.microsoft.com/office/drawing/2010/main" val="0"/>
-              </a:ext>
-            </a:extLst>
-          </a:blip>
-          <a:srcRect/>
-          <a:stretch>
-            <a:fillRect/>
-          </a:stretch>
-        </p:blipFill>
-        <p:spPr bwMode="auto">
-          <a:xfrm>
-            <a:off x="9337001" y="2700687"/>
-            <a:ext cx="261889" cy="261889"/>
-          </a:xfrm>
-          <a:prstGeom prst="rect">
-            <a:avLst/>
-          </a:prstGeom>
-          <a:noFill/>
-          <a:extLst>
-            <a:ext uri="{909E8E84-426E-40DD-AFC4-6F175D3DCCD1}">
-              <a14:hiddenFill xmlns:a14="http://schemas.microsoft.com/office/drawing/2010/main">
-                <a:solidFill>
-                  <a:srgbClr val="FFFFFF"/>
-                </a:solidFill>
-              </a14:hiddenFill>
-            </a:ext>
-          </a:extLst>
-        </p:spPr>
-      </p:pic>
-      <p:sp>
-        <p:nvSpPr>
-          <p:cNvPr id="23552" name="TextBox 23551">
-            <a:extLst>
-              <a:ext uri="{FF2B5EF4-FFF2-40B4-BE49-F238E27FC236}">
-                <a16:creationId xmlns:a16="http://schemas.microsoft.com/office/drawing/2014/main" id="{F94A16F3-FFD0-9241-8B7A-01005CDA26FF}"/>
-              </a:ext>
-            </a:extLst>
-          </p:cNvPr>
-          <p:cNvSpPr txBox="1"/>
-          <p:nvPr/>
-        </p:nvSpPr>
-        <p:spPr>
-          <a:xfrm>
-            <a:off x="8577839" y="2909697"/>
-            <a:ext cx="604720" cy="338554"/>
-          </a:xfrm>
-          <a:prstGeom prst="rect">
-            <a:avLst/>
-          </a:prstGeom>
-          <a:noFill/>
-        </p:spPr>
-        <p:txBody>
-          <a:bodyPr wrap="square">
-            <a:spAutoFit/>
-          </a:bodyPr>
-          <a:lstStyle/>
+              <a:t>MCP Server</a:t>
+            </a:r>
+          </a:p>
           <a:p>
             <a:pPr marL="0" marR="0" lvl="0" indent="0" algn="ctr" defTabSz="914400" rtl="0" eaLnBrk="1" fontAlgn="auto" latinLnBrk="0" hangingPunct="1">
               <a:lnSpc>
@@ -5809,12 +6221,14 @@
               <a:defRPr/>
             </a:pPr>
             <a:r>
-              <a:rPr kumimoji="0" lang="en-US" sz="800" b="0" i="0" u="none" strike="noStrike" kern="1200" cap="none" spc="0" normalizeH="0" baseline="0" noProof="0" dirty="0">
+              <a:rPr kumimoji="0" lang="en-US" sz="1400" b="0" i="0" u="none" strike="noStrike" kern="1200" cap="none" spc="0" normalizeH="0" baseline="0" noProof="0" dirty="0">
                 <a:ln>
                   <a:noFill/>
                 </a:ln>
                 <a:solidFill>
-                  <a:prstClr val="black"/>
+                  <a:prstClr val="white">
+                    <a:lumMod val="50000"/>
+                  </a:prstClr>
                 </a:solidFill>
                 <a:effectLst/>
                 <a:uLnTx/>
@@ -5823,9 +6237,132 @@
                 <a:ea typeface="+mn-ea"/>
                 <a:cs typeface="Segoe UI" panose="020B0502040204020203" pitchFamily="34" charset="0"/>
               </a:rPr>
-              <a:t>Semantic</a:t>
-            </a:r>
-          </a:p>
+              <a:t>KB Content</a:t>
+            </a:r>
+          </a:p>
+        </p:txBody>
+      </p:sp>
+      <p:pic>
+        <p:nvPicPr>
+          <p:cNvPr id="23570" name="Picture 8" descr="MCP (Model Context Protocol) Logo Fr ...">
+            <a:extLst>
+              <a:ext uri="{FF2B5EF4-FFF2-40B4-BE49-F238E27FC236}">
+                <a16:creationId xmlns:a16="http://schemas.microsoft.com/office/drawing/2014/main" id="{FC193C7E-6251-44A6-5890-144C2CDB4401}"/>
+              </a:ext>
+            </a:extLst>
+          </p:cNvPr>
+          <p:cNvPicPr>
+            <a:picLocks noChangeAspect="1" noChangeArrowheads="1"/>
+          </p:cNvPicPr>
+          <p:nvPr/>
+        </p:nvPicPr>
+        <p:blipFill>
+          <a:blip r:embed="rId7">
+            <a:extLst>
+              <a:ext uri="{28A0092B-C50C-407E-A947-70E740481C1C}">
+                <a14:useLocalDpi xmlns:a14="http://schemas.microsoft.com/office/drawing/2010/main" val="0"/>
+              </a:ext>
+            </a:extLst>
+          </a:blip>
+          <a:srcRect/>
+          <a:stretch>
+            <a:fillRect/>
+          </a:stretch>
+        </p:blipFill>
+        <p:spPr bwMode="auto">
+          <a:xfrm>
+            <a:off x="7277981" y="4857475"/>
+            <a:ext cx="261889" cy="261889"/>
+          </a:xfrm>
+          <a:prstGeom prst="rect">
+            <a:avLst/>
+          </a:prstGeom>
+          <a:noFill/>
+          <a:extLst>
+            <a:ext uri="{909E8E84-426E-40DD-AFC4-6F175D3DCCD1}">
+              <a14:hiddenFill xmlns:a14="http://schemas.microsoft.com/office/drawing/2010/main">
+                <a:solidFill>
+                  <a:srgbClr val="FFFFFF"/>
+                </a:solidFill>
+              </a14:hiddenFill>
+            </a:ext>
+          </a:extLst>
+        </p:spPr>
+      </p:pic>
+      <p:pic>
+        <p:nvPicPr>
+          <p:cNvPr id="23571" name="Picture 10" descr="Microsoft Dot Net icon SVG Vector &amp; PNG ...">
+            <a:extLst>
+              <a:ext uri="{FF2B5EF4-FFF2-40B4-BE49-F238E27FC236}">
+                <a16:creationId xmlns:a16="http://schemas.microsoft.com/office/drawing/2014/main" id="{3A464AA9-90B1-2D1D-4B7A-38FE8243CFD3}"/>
+              </a:ext>
+            </a:extLst>
+          </p:cNvPr>
+          <p:cNvPicPr>
+            <a:picLocks noChangeAspect="1" noChangeArrowheads="1"/>
+          </p:cNvPicPr>
+          <p:nvPr/>
+        </p:nvPicPr>
+        <p:blipFill>
+          <a:blip r:embed="rId8">
+            <a:extLst>
+              <a:ext uri="{28A0092B-C50C-407E-A947-70E740481C1C}">
+                <a14:useLocalDpi xmlns:a14="http://schemas.microsoft.com/office/drawing/2010/main" val="0"/>
+              </a:ext>
+            </a:extLst>
+          </a:blip>
+          <a:srcRect/>
+          <a:stretch>
+            <a:fillRect/>
+          </a:stretch>
+        </p:blipFill>
+        <p:spPr bwMode="auto">
+          <a:xfrm>
+            <a:off x="8542646" y="4861595"/>
+            <a:ext cx="261889" cy="261889"/>
+          </a:xfrm>
+          <a:prstGeom prst="rect">
+            <a:avLst/>
+          </a:prstGeom>
+          <a:noFill/>
+          <a:extLst>
+            <a:ext uri="{909E8E84-426E-40DD-AFC4-6F175D3DCCD1}">
+              <a14:hiddenFill xmlns:a14="http://schemas.microsoft.com/office/drawing/2010/main">
+                <a:solidFill>
+                  <a:srgbClr val="FFFFFF"/>
+                </a:solidFill>
+              </a14:hiddenFill>
+            </a:ext>
+          </a:extLst>
+        </p:spPr>
+      </p:pic>
+      <p:sp>
+        <p:nvSpPr>
+          <p:cNvPr id="23573" name="TextBox 23572">
+            <a:extLst>
+              <a:ext uri="{FF2B5EF4-FFF2-40B4-BE49-F238E27FC236}">
+                <a16:creationId xmlns:a16="http://schemas.microsoft.com/office/drawing/2014/main" id="{197C9CC0-0DE9-6881-4A84-9EB4854EBF79}"/>
+              </a:ext>
+            </a:extLst>
+          </p:cNvPr>
+          <p:cNvSpPr txBox="1"/>
+          <p:nvPr/>
+        </p:nvSpPr>
+        <p:spPr>
+          <a:xfrm>
+            <a:off x="6996669" y="5074959"/>
+            <a:ext cx="852284" cy="338554"/>
+          </a:xfrm>
+          <a:prstGeom prst="rect">
+            <a:avLst/>
+          </a:prstGeom>
+          <a:noFill/>
+        </p:spPr>
+        <p:txBody>
+          <a:bodyPr wrap="square">
+            <a:spAutoFit/>
+          </a:bodyPr>
+          <a:lstStyle/>
           <a:p>
             <a:pPr marL="0" marR="0" lvl="0" indent="0" algn="ctr" defTabSz="914400" rtl="0" eaLnBrk="1" fontAlgn="auto" latinLnBrk="0" hangingPunct="1">
               <a:lnSpc>
@@ -5859,17 +6396,17 @@
                 <a:ea typeface="+mn-ea"/>
                 <a:cs typeface="Segoe UI" panose="020B0502040204020203" pitchFamily="34" charset="0"/>
               </a:rPr>
-              <a:t>Kernel</a:t>
-            </a:r>
-          </a:p>
-        </p:txBody>
-      </p:sp>
-      <p:sp>
-        <p:nvSpPr>
-          <p:cNvPr id="23555" name="TextBox 23554">
-            <a:extLst>
-              <a:ext uri="{FF2B5EF4-FFF2-40B4-BE49-F238E27FC236}">
-                <a16:creationId xmlns:a16="http://schemas.microsoft.com/office/drawing/2014/main" id="{970B9F47-CE0D-5D2F-D352-BE3CB2C11FCF}"/>
+              <a:t>Model Context Protocol</a:t>
+            </a:r>
+          </a:p>
+        </p:txBody>
+      </p:sp>
+      <p:sp>
+        <p:nvSpPr>
+          <p:cNvPr id="23574" name="TextBox 23573">
+            <a:extLst>
+              <a:ext uri="{FF2B5EF4-FFF2-40B4-BE49-F238E27FC236}">
+                <a16:creationId xmlns:a16="http://schemas.microsoft.com/office/drawing/2014/main" id="{C72B8204-394E-BF3E-B986-B4944AA33C8C}"/>
               </a:ext>
             </a:extLst>
           </p:cNvPr>
@@ -5878,7 +6415,7 @@
         </p:nvSpPr>
         <p:spPr>
           <a:xfrm>
-            <a:off x="9186984" y="2955053"/>
+            <a:off x="8392629" y="5115961"/>
             <a:ext cx="604720" cy="215444"/>
           </a:xfrm>
           <a:prstGeom prst="rect">
@@ -5929,35 +6466,735 @@
           </a:p>
         </p:txBody>
       </p:sp>
-      <p:sp>
-        <p:nvSpPr>
-          <p:cNvPr id="23557" name="Flowchart: Connector 23556">
-            <a:extLst>
-              <a:ext uri="{FF2B5EF4-FFF2-40B4-BE49-F238E27FC236}">
-                <a16:creationId xmlns:a16="http://schemas.microsoft.com/office/drawing/2014/main" id="{FDEFFD87-CFA7-4D06-2546-02D4C6104873}"/>
-              </a:ext>
-            </a:extLst>
-          </p:cNvPr>
-          <p:cNvSpPr>
-            <a:spLocks noChangeAspect="1"/>
-          </p:cNvSpPr>
-          <p:nvPr/>
-        </p:nvSpPr>
-        <p:spPr>
-          <a:xfrm>
-            <a:off x="7111141" y="3541297"/>
-            <a:ext cx="439592" cy="439592"/>
-          </a:xfrm>
-          <a:prstGeom prst="flowChartConnector">
-            <a:avLst/>
-          </a:prstGeom>
-          <a:solidFill>
-            <a:schemeClr val="bg1"/>
-          </a:solidFill>
+      <p:pic>
+        <p:nvPicPr>
+          <p:cNvPr id="23579" name="Picture 23578">
+            <a:extLst>
+              <a:ext uri="{FF2B5EF4-FFF2-40B4-BE49-F238E27FC236}">
+                <a16:creationId xmlns:a16="http://schemas.microsoft.com/office/drawing/2014/main" id="{F2457EB7-4890-3BC9-A98C-651213588D2D}"/>
+              </a:ext>
+            </a:extLst>
+          </p:cNvPr>
+          <p:cNvPicPr>
+            <a:picLocks noChangeAspect="1"/>
+          </p:cNvPicPr>
+          <p:nvPr/>
+        </p:nvPicPr>
+        <p:blipFill>
+          <a:blip r:embed="rId10"/>
+          <a:stretch>
+            <a:fillRect/>
+          </a:stretch>
+        </p:blipFill>
+        <p:spPr>
+          <a:xfrm>
+            <a:off x="7140887" y="4345624"/>
+            <a:ext cx="364617" cy="407200"/>
+          </a:xfrm>
+          <a:prstGeom prst="rect">
+            <a:avLst/>
+          </a:prstGeom>
+        </p:spPr>
+      </p:pic>
+      <p:cxnSp>
+        <p:nvCxnSpPr>
+          <p:cNvPr id="23594" name="Connector: Curved 23593">
+            <a:extLst>
+              <a:ext uri="{FF2B5EF4-FFF2-40B4-BE49-F238E27FC236}">
+                <a16:creationId xmlns:a16="http://schemas.microsoft.com/office/drawing/2014/main" id="{36414244-0B60-2AB5-2988-1F0E953FB810}"/>
+              </a:ext>
+            </a:extLst>
+          </p:cNvPr>
+          <p:cNvCxnSpPr>
+            <a:stCxn id="54" idx="2"/>
+            <a:endCxn id="23557" idx="1"/>
+          </p:cNvCxnSpPr>
+          <p:nvPr/>
+        </p:nvCxnSpPr>
+        <p:spPr>
+          <a:xfrm rot="16200000" flipH="1">
+            <a:off x="6777723" y="2947935"/>
+            <a:ext cx="380573" cy="669859"/>
+          </a:xfrm>
+          <a:prstGeom prst="curvedConnector3">
+            <a:avLst/>
+          </a:prstGeom>
+          <a:ln>
+            <a:solidFill>
+              <a:srgbClr val="0070C0"/>
+            </a:solidFill>
+            <a:prstDash val="lgDash"/>
+            <a:tailEnd type="triangle"/>
+          </a:ln>
+        </p:spPr>
+        <p:style>
+          <a:lnRef idx="2">
+            <a:schemeClr val="accent1"/>
+          </a:lnRef>
+          <a:fillRef idx="0">
+            <a:schemeClr val="accent1"/>
+          </a:fillRef>
+          <a:effectRef idx="1">
+            <a:schemeClr val="accent1"/>
+          </a:effectRef>
+          <a:fontRef idx="minor">
+            <a:schemeClr val="tx1"/>
+          </a:fontRef>
+        </p:style>
+      </p:cxnSp>
+      <p:cxnSp>
+        <p:nvCxnSpPr>
+          <p:cNvPr id="23598" name="Straight Arrow Connector 23597">
+            <a:extLst>
+              <a:ext uri="{FF2B5EF4-FFF2-40B4-BE49-F238E27FC236}">
+                <a16:creationId xmlns:a16="http://schemas.microsoft.com/office/drawing/2014/main" id="{B48E4B65-A9D9-31F2-7535-914AE307ECFC}"/>
+              </a:ext>
+            </a:extLst>
+          </p:cNvPr>
+          <p:cNvCxnSpPr>
+            <a:cxnSpLocks/>
+            <a:stCxn id="5" idx="3"/>
+            <a:endCxn id="58" idx="1"/>
+          </p:cNvCxnSpPr>
+          <p:nvPr/>
+        </p:nvCxnSpPr>
+        <p:spPr>
+          <a:xfrm>
+            <a:off x="7656858" y="2529336"/>
+            <a:ext cx="639596" cy="0"/>
+          </a:xfrm>
+          <a:prstGeom prst="straightConnector1">
+            <a:avLst/>
+          </a:prstGeom>
+          <a:ln>
+            <a:headEnd type="triangle"/>
+            <a:tailEnd type="triangle"/>
+          </a:ln>
+        </p:spPr>
+        <p:style>
+          <a:lnRef idx="2">
+            <a:schemeClr val="dk1"/>
+          </a:lnRef>
+          <a:fillRef idx="0">
+            <a:schemeClr val="dk1"/>
+          </a:fillRef>
+          <a:effectRef idx="1">
+            <a:schemeClr val="dk1"/>
+          </a:effectRef>
+          <a:fontRef idx="minor">
+            <a:schemeClr val="tx1"/>
+          </a:fontRef>
+        </p:style>
+      </p:cxnSp>
+      <p:cxnSp>
+        <p:nvCxnSpPr>
+          <p:cNvPr id="23604" name="Straight Arrow Connector 23603">
+            <a:extLst>
+              <a:ext uri="{FF2B5EF4-FFF2-40B4-BE49-F238E27FC236}">
+                <a16:creationId xmlns:a16="http://schemas.microsoft.com/office/drawing/2014/main" id="{FFF33325-798B-C2C2-0B83-94355989B331}"/>
+              </a:ext>
+            </a:extLst>
+          </p:cNvPr>
+          <p:cNvCxnSpPr>
+            <a:cxnSpLocks/>
+            <a:stCxn id="55" idx="2"/>
+          </p:cNvCxnSpPr>
+          <p:nvPr/>
+        </p:nvCxnSpPr>
+        <p:spPr>
+          <a:xfrm>
+            <a:off x="5970047" y="3096933"/>
+            <a:ext cx="1170840" cy="1239153"/>
+          </a:xfrm>
+          <a:prstGeom prst="straightConnector1">
+            <a:avLst/>
+          </a:prstGeom>
           <a:ln>
             <a:solidFill>
               <a:schemeClr val="tx1"/>
             </a:solidFill>
+            <a:tailEnd type="triangle"/>
+          </a:ln>
+        </p:spPr>
+        <p:style>
+          <a:lnRef idx="2">
+            <a:schemeClr val="accent1"/>
+          </a:lnRef>
+          <a:fillRef idx="0">
+            <a:schemeClr val="accent1"/>
+          </a:fillRef>
+          <a:effectRef idx="1">
+            <a:schemeClr val="accent1"/>
+          </a:effectRef>
+          <a:fontRef idx="minor">
+            <a:schemeClr val="tx1"/>
+          </a:fontRef>
+        </p:style>
+      </p:cxnSp>
+      <p:pic>
+        <p:nvPicPr>
+          <p:cNvPr id="8" name="Picture 7" descr="Azure AI Foundry - Visual Studio Marketplace">
+            <a:extLst>
+              <a:ext uri="{FF2B5EF4-FFF2-40B4-BE49-F238E27FC236}">
+                <a16:creationId xmlns:a16="http://schemas.microsoft.com/office/drawing/2014/main" id="{791D13CE-D845-C007-9C30-AE713939C494}"/>
+              </a:ext>
+            </a:extLst>
+          </p:cNvPr>
+          <p:cNvPicPr>
+            <a:picLocks noChangeAspect="1"/>
+          </p:cNvPicPr>
+          <p:nvPr/>
+        </p:nvPicPr>
+        <p:blipFill>
+          <a:blip r:embed="rId11"/>
+          <a:stretch>
+            <a:fillRect/>
+          </a:stretch>
+        </p:blipFill>
+        <p:spPr>
+          <a:xfrm>
+            <a:off x="7422395" y="3078646"/>
+            <a:ext cx="439592" cy="439592"/>
+          </a:xfrm>
+          <a:prstGeom prst="rect">
+            <a:avLst/>
+          </a:prstGeom>
+        </p:spPr>
+      </p:pic>
+      <p:sp>
+        <p:nvSpPr>
+          <p:cNvPr id="9" name="TextBox 8">
+            <a:extLst>
+              <a:ext uri="{FF2B5EF4-FFF2-40B4-BE49-F238E27FC236}">
+                <a16:creationId xmlns:a16="http://schemas.microsoft.com/office/drawing/2014/main" id="{C5F461FF-425F-932D-DF44-26513F636C98}"/>
+              </a:ext>
+            </a:extLst>
+          </p:cNvPr>
+          <p:cNvSpPr txBox="1"/>
+          <p:nvPr/>
+        </p:nvSpPr>
+        <p:spPr>
+          <a:xfrm>
+            <a:off x="7622313" y="3316304"/>
+            <a:ext cx="607411" cy="369332"/>
+          </a:xfrm>
+          <a:prstGeom prst="rect">
+            <a:avLst/>
+          </a:prstGeom>
+          <a:noFill/>
+        </p:spPr>
+        <p:txBody>
+          <a:bodyPr wrap="square">
+            <a:spAutoFit/>
+          </a:bodyPr>
+          <a:lstStyle/>
+          <a:p>
+            <a:r>
+              <a:rPr lang="en-US" sz="900" dirty="0">
+                <a:latin typeface="Segoe UI" panose="020B0502040204020203" pitchFamily="34" charset="0"/>
+                <a:cs typeface="Segoe UI" panose="020B0502040204020203" pitchFamily="34" charset="0"/>
+              </a:rPr>
+              <a:t>Azure Foundry</a:t>
+            </a:r>
+          </a:p>
+        </p:txBody>
+      </p:sp>
+      <p:pic>
+        <p:nvPicPr>
+          <p:cNvPr id="13" name="Picture 12">
+            <a:extLst>
+              <a:ext uri="{FF2B5EF4-FFF2-40B4-BE49-F238E27FC236}">
+                <a16:creationId xmlns:a16="http://schemas.microsoft.com/office/drawing/2014/main" id="{99909095-357B-118C-FDA7-716EA5327792}"/>
+              </a:ext>
+            </a:extLst>
+          </p:cNvPr>
+          <p:cNvPicPr>
+            <a:picLocks noChangeAspect="1"/>
+          </p:cNvPicPr>
+          <p:nvPr/>
+        </p:nvPicPr>
+        <p:blipFill>
+          <a:blip r:embed="rId12"/>
+          <a:stretch>
+            <a:fillRect/>
+          </a:stretch>
+        </p:blipFill>
+        <p:spPr>
+          <a:xfrm>
+            <a:off x="2015244" y="1789753"/>
+            <a:ext cx="2987372" cy="1826592"/>
+          </a:xfrm>
+          <a:prstGeom prst="rect">
+            <a:avLst/>
+          </a:prstGeom>
+          <a:ln>
+            <a:solidFill>
+              <a:schemeClr val="bg1">
+                <a:lumMod val="65000"/>
+              </a:schemeClr>
+            </a:solidFill>
+          </a:ln>
+        </p:spPr>
+      </p:pic>
+      <p:sp>
+        <p:nvSpPr>
+          <p:cNvPr id="18" name="Rectangle: Rounded Corners 17">
+            <a:extLst>
+              <a:ext uri="{FF2B5EF4-FFF2-40B4-BE49-F238E27FC236}">
+                <a16:creationId xmlns:a16="http://schemas.microsoft.com/office/drawing/2014/main" id="{A7504979-F49B-E969-0E3F-384941B6FDBC}"/>
+              </a:ext>
+            </a:extLst>
+          </p:cNvPr>
+          <p:cNvSpPr/>
+          <p:nvPr/>
+        </p:nvSpPr>
+        <p:spPr>
+          <a:xfrm>
+            <a:off x="4182890" y="1964686"/>
+            <a:ext cx="804231" cy="1651659"/>
+          </a:xfrm>
+          <a:prstGeom prst="roundRect">
+            <a:avLst/>
+          </a:prstGeom>
+          <a:noFill/>
+          <a:ln>
+            <a:solidFill>
+              <a:srgbClr val="FFFF00"/>
+            </a:solidFill>
+          </a:ln>
+        </p:spPr>
+        <p:style>
+          <a:lnRef idx="2">
+            <a:schemeClr val="accent1">
+              <a:shade val="15000"/>
+            </a:schemeClr>
+          </a:lnRef>
+          <a:fillRef idx="1">
+            <a:schemeClr val="accent1"/>
+          </a:fillRef>
+          <a:effectRef idx="0">
+            <a:schemeClr val="accent1"/>
+          </a:effectRef>
+          <a:fontRef idx="minor">
+            <a:schemeClr val="lt1"/>
+          </a:fontRef>
+        </p:style>
+        <p:txBody>
+          <a:bodyPr rtlCol="0" anchor="ctr"/>
+          <a:lstStyle/>
+          <a:p>
+            <a:pPr algn="ctr"/>
+            <a:endParaRPr lang="en-US"/>
+          </a:p>
+        </p:txBody>
+      </p:sp>
+      <p:sp>
+        <p:nvSpPr>
+          <p:cNvPr id="21" name="TextBox 20">
+            <a:extLst>
+              <a:ext uri="{FF2B5EF4-FFF2-40B4-BE49-F238E27FC236}">
+                <a16:creationId xmlns:a16="http://schemas.microsoft.com/office/drawing/2014/main" id="{397E4A79-BA7C-B122-D80A-3A531FF32AD4}"/>
+              </a:ext>
+            </a:extLst>
+          </p:cNvPr>
+          <p:cNvSpPr txBox="1"/>
+          <p:nvPr/>
+        </p:nvSpPr>
+        <p:spPr>
+          <a:xfrm>
+            <a:off x="4188941" y="2382653"/>
+            <a:ext cx="813676" cy="492443"/>
+          </a:xfrm>
+          <a:prstGeom prst="rect">
+            <a:avLst/>
+          </a:prstGeom>
+          <a:noFill/>
+        </p:spPr>
+        <p:txBody>
+          <a:bodyPr wrap="square">
+            <a:spAutoFit/>
+          </a:bodyPr>
+          <a:lstStyle/>
+          <a:p>
+            <a:pPr algn="ctr"/>
+            <a:r>
+              <a:rPr lang="en-US" sz="1300" dirty="0"/>
+              <a:t>ChatBot</a:t>
+            </a:r>
+          </a:p>
+          <a:p>
+            <a:pPr algn="ctr"/>
+            <a:r>
+              <a:rPr lang="en-US" sz="1300" dirty="0"/>
+              <a:t>UI</a:t>
+            </a:r>
+          </a:p>
+        </p:txBody>
+      </p:sp>
+      <p:sp>
+        <p:nvSpPr>
+          <p:cNvPr id="22" name="TextBox 21">
+            <a:extLst>
+              <a:ext uri="{FF2B5EF4-FFF2-40B4-BE49-F238E27FC236}">
+                <a16:creationId xmlns:a16="http://schemas.microsoft.com/office/drawing/2014/main" id="{9CF73E11-F7E9-BD4B-43BC-9985453A0AD2}"/>
+              </a:ext>
+            </a:extLst>
+          </p:cNvPr>
+          <p:cNvSpPr txBox="1"/>
+          <p:nvPr/>
+        </p:nvSpPr>
+        <p:spPr>
+          <a:xfrm>
+            <a:off x="5905292" y="3622373"/>
+            <a:ext cx="795129" cy="253916"/>
+          </a:xfrm>
+          <a:prstGeom prst="rect">
+            <a:avLst/>
+          </a:prstGeom>
+          <a:noFill/>
+        </p:spPr>
+        <p:txBody>
+          <a:bodyPr wrap="square">
+            <a:spAutoFit/>
+          </a:bodyPr>
+          <a:lstStyle/>
+          <a:p>
+            <a:pPr marL="0" marR="0" lvl="0" indent="0" algn="ctr" defTabSz="914400" rtl="0" eaLnBrk="1" fontAlgn="auto" latinLnBrk="0" hangingPunct="1">
+              <a:lnSpc>
+                <a:spcPct val="100000"/>
+              </a:lnSpc>
+              <a:spcBef>
+                <a:spcPts val="0"/>
+              </a:spcBef>
+              <a:spcAft>
+                <a:spcPts val="0"/>
+              </a:spcAft>
+              <a:buClrTx/>
+              <a:buSzTx/>
+              <a:buFontTx/>
+              <a:buNone/>
+              <a:tabLst/>
+              <a:defRPr/>
+            </a:pPr>
+            <a:r>
+              <a:rPr kumimoji="0" lang="en-US" sz="1050" b="1" i="0" u="none" strike="noStrike" kern="1200" cap="none" spc="0" normalizeH="0" baseline="0" noProof="0" dirty="0">
+                <a:ln>
+                  <a:noFill/>
+                </a:ln>
+                <a:solidFill>
+                  <a:prstClr val="black"/>
+                </a:solidFill>
+                <a:effectLst/>
+                <a:uLnTx/>
+                <a:uFillTx/>
+                <a:latin typeface="Segoe UI" panose="020B0502040204020203" pitchFamily="34" charset="0"/>
+                <a:ea typeface="+mn-ea"/>
+                <a:cs typeface="Segoe UI" panose="020B0502040204020203" pitchFamily="34" charset="0"/>
+              </a:rPr>
+              <a:t>MCP</a:t>
+            </a:r>
+          </a:p>
+        </p:txBody>
+      </p:sp>
+      <p:sp>
+        <p:nvSpPr>
+          <p:cNvPr id="23" name="TextBox 22">
+            <a:extLst>
+              <a:ext uri="{FF2B5EF4-FFF2-40B4-BE49-F238E27FC236}">
+                <a16:creationId xmlns:a16="http://schemas.microsoft.com/office/drawing/2014/main" id="{37550B86-3FBD-7D03-1E9F-A315F54B9FAB}"/>
+              </a:ext>
+            </a:extLst>
+          </p:cNvPr>
+          <p:cNvSpPr txBox="1"/>
+          <p:nvPr/>
+        </p:nvSpPr>
+        <p:spPr>
+          <a:xfrm>
+            <a:off x="9166772" y="4417542"/>
+            <a:ext cx="1905528" cy="830997"/>
+          </a:xfrm>
+          <a:prstGeom prst="rect">
+            <a:avLst/>
+          </a:prstGeom>
+          <a:noFill/>
+        </p:spPr>
+        <p:txBody>
+          <a:bodyPr wrap="square">
+            <a:spAutoFit/>
+          </a:bodyPr>
+          <a:lstStyle/>
+          <a:p>
+            <a:pPr marL="0" marR="0" lvl="0" indent="0" defTabSz="914400" rtl="0" eaLnBrk="1" fontAlgn="auto" latinLnBrk="0" hangingPunct="1">
+              <a:lnSpc>
+                <a:spcPct val="100000"/>
+              </a:lnSpc>
+              <a:spcBef>
+                <a:spcPts val="0"/>
+              </a:spcBef>
+              <a:spcAft>
+                <a:spcPts val="0"/>
+              </a:spcAft>
+              <a:buClrTx/>
+              <a:buSzTx/>
+              <a:buFontTx/>
+              <a:buNone/>
+              <a:tabLst/>
+              <a:defRPr/>
+            </a:pPr>
+            <a:r>
+              <a:rPr kumimoji="0" lang="en-US" sz="1200" b="0" i="1" u="none" strike="noStrike" kern="1200" cap="none" spc="0" normalizeH="0" baseline="0" noProof="0" dirty="0">
+                <a:ln>
+                  <a:noFill/>
+                </a:ln>
+                <a:solidFill>
+                  <a:prstClr val="black"/>
+                </a:solidFill>
+                <a:effectLst/>
+                <a:uLnTx/>
+                <a:uFillTx/>
+                <a:latin typeface="Segoe UI" panose="020B0502040204020203" pitchFamily="34" charset="0"/>
+                <a:ea typeface="+mn-ea"/>
+                <a:cs typeface="Segoe UI" panose="020B0502040204020203" pitchFamily="34" charset="0"/>
+              </a:rPr>
+              <a:t>Example domain</a:t>
+            </a:r>
+          </a:p>
+          <a:p>
+            <a:pPr marL="0" marR="0" lvl="0" indent="0" defTabSz="914400" rtl="0" eaLnBrk="1" fontAlgn="auto" latinLnBrk="0" hangingPunct="1">
+              <a:lnSpc>
+                <a:spcPct val="100000"/>
+              </a:lnSpc>
+              <a:spcBef>
+                <a:spcPts val="0"/>
+              </a:spcBef>
+              <a:spcAft>
+                <a:spcPts val="0"/>
+              </a:spcAft>
+              <a:buClrTx/>
+              <a:buSzTx/>
+              <a:buFontTx/>
+              <a:buNone/>
+              <a:tabLst/>
+              <a:defRPr/>
+            </a:pPr>
+            <a:r>
+              <a:rPr lang="en-US" sz="1200" i="1" dirty="0">
+                <a:solidFill>
+                  <a:prstClr val="black"/>
+                </a:solidFill>
+                <a:latin typeface="Segoe UI" panose="020B0502040204020203" pitchFamily="34" charset="0"/>
+                <a:cs typeface="Segoe UI" panose="020B0502040204020203" pitchFamily="34" charset="0"/>
+              </a:rPr>
+              <a:t>Knowledge Base on</a:t>
+            </a:r>
+            <a:r>
+              <a:rPr kumimoji="0" lang="en-US" sz="1200" b="0" i="1" u="none" strike="noStrike" kern="1200" cap="none" spc="0" normalizeH="0" baseline="0" noProof="0" dirty="0">
+                <a:ln>
+                  <a:noFill/>
+                </a:ln>
+                <a:solidFill>
+                  <a:prstClr val="black"/>
+                </a:solidFill>
+                <a:effectLst/>
+                <a:uLnTx/>
+                <a:uFillTx/>
+                <a:latin typeface="Segoe UI" panose="020B0502040204020203" pitchFamily="34" charset="0"/>
+                <a:ea typeface="+mn-ea"/>
+                <a:cs typeface="Segoe UI" panose="020B0502040204020203" pitchFamily="34" charset="0"/>
+              </a:rPr>
+              <a:t> </a:t>
+            </a:r>
+          </a:p>
+          <a:p>
+            <a:pPr marL="0" marR="0" lvl="0" indent="0" defTabSz="914400" rtl="0" eaLnBrk="1" fontAlgn="auto" latinLnBrk="0" hangingPunct="1">
+              <a:lnSpc>
+                <a:spcPct val="100000"/>
+              </a:lnSpc>
+              <a:spcBef>
+                <a:spcPts val="0"/>
+              </a:spcBef>
+              <a:spcAft>
+                <a:spcPts val="0"/>
+              </a:spcAft>
+              <a:buClrTx/>
+              <a:buSzTx/>
+              <a:buFontTx/>
+              <a:buNone/>
+              <a:tabLst/>
+              <a:defRPr/>
+            </a:pPr>
+            <a:r>
+              <a:rPr kumimoji="0" lang="en-US" sz="1200" b="0" i="1" u="none" strike="noStrike" kern="1200" cap="none" spc="0" normalizeH="0" baseline="0" noProof="0" dirty="0">
+                <a:ln>
+                  <a:noFill/>
+                </a:ln>
+                <a:solidFill>
+                  <a:prstClr val="black"/>
+                </a:solidFill>
+                <a:effectLst/>
+                <a:uLnTx/>
+                <a:uFillTx/>
+                <a:latin typeface="Segoe UI" panose="020B0502040204020203" pitchFamily="34" charset="0"/>
+                <a:ea typeface="+mn-ea"/>
+                <a:cs typeface="Segoe UI" panose="020B0502040204020203" pitchFamily="34" charset="0"/>
+              </a:rPr>
+              <a:t>Azure Managed Grafana </a:t>
+            </a:r>
+          </a:p>
+          <a:p>
+            <a:pPr marL="0" marR="0" lvl="0" indent="0" defTabSz="914400" rtl="0" eaLnBrk="1" fontAlgn="auto" latinLnBrk="0" hangingPunct="1">
+              <a:lnSpc>
+                <a:spcPct val="100000"/>
+              </a:lnSpc>
+              <a:spcBef>
+                <a:spcPts val="0"/>
+              </a:spcBef>
+              <a:spcAft>
+                <a:spcPts val="0"/>
+              </a:spcAft>
+              <a:buClrTx/>
+              <a:buSzTx/>
+              <a:buFontTx/>
+              <a:buNone/>
+              <a:tabLst/>
+              <a:defRPr/>
+            </a:pPr>
+            <a:r>
+              <a:rPr kumimoji="0" lang="en-US" sz="1200" b="0" i="1" u="none" strike="noStrike" kern="1200" cap="none" spc="0" normalizeH="0" baseline="0" noProof="0" dirty="0">
+                <a:ln>
+                  <a:noFill/>
+                </a:ln>
+                <a:solidFill>
+                  <a:prstClr val="black"/>
+                </a:solidFill>
+                <a:effectLst/>
+                <a:uLnTx/>
+                <a:uFillTx/>
+                <a:latin typeface="Segoe UI" panose="020B0502040204020203" pitchFamily="34" charset="0"/>
+                <a:ea typeface="+mn-ea"/>
+                <a:cs typeface="Segoe UI" panose="020B0502040204020203" pitchFamily="34" charset="0"/>
+              </a:rPr>
+              <a:t>(or “any other”)</a:t>
+            </a:r>
+          </a:p>
+        </p:txBody>
+      </p:sp>
+    </p:spTree>
+    <p:extLst>
+      <p:ext uri="{BB962C8B-B14F-4D97-AF65-F5344CB8AC3E}">
+        <p14:creationId xmlns:p14="http://schemas.microsoft.com/office/powerpoint/2010/main" val="2090041388"/>
+      </p:ext>
+    </p:extLst>
+  </p:cSld>
+  <p:clrMapOvr>
+    <a:masterClrMapping/>
+  </p:clrMapOvr>
+</p:sld>
+</file>
+
+<file path=ppt/slides/slide2.xml><?xml version="1.0" encoding="utf-8"?>
+<p:sld xmlns:a="http://schemas.openxmlformats.org/drawingml/2006/main" xmlns:r="http://schemas.openxmlformats.org/officeDocument/2006/relationships" xmlns:p="http://schemas.openxmlformats.org/presentationml/2006/main">
+  <p:cSld>
+    <p:spTree>
+      <p:nvGrpSpPr>
+        <p:cNvPr id="1" name="">
+          <a:extLst>
+            <a:ext uri="{FF2B5EF4-FFF2-40B4-BE49-F238E27FC236}">
+              <a16:creationId xmlns:a16="http://schemas.microsoft.com/office/drawing/2014/main" id="{6E5C599B-9632-CFC4-257F-309AC14A0E5F}"/>
+            </a:ext>
+          </a:extLst>
+        </p:cNvPr>
+        <p:cNvGrpSpPr/>
+        <p:nvPr/>
+      </p:nvGrpSpPr>
+      <p:grpSpPr>
+        <a:xfrm>
+          <a:off x="0" y="0"/>
+          <a:ext cx="0" cy="0"/>
+          <a:chOff x="0" y="0"/>
+          <a:chExt cx="0" cy="0"/>
+        </a:xfrm>
+      </p:grpSpPr>
+      <p:sp>
+        <p:nvSpPr>
+          <p:cNvPr id="2" name="Title 1">
+            <a:extLst>
+              <a:ext uri="{FF2B5EF4-FFF2-40B4-BE49-F238E27FC236}">
+                <a16:creationId xmlns:a16="http://schemas.microsoft.com/office/drawing/2014/main" id="{2404D172-88D6-EA99-6BC0-1AF6BAEBBAE1}"/>
+              </a:ext>
+            </a:extLst>
+          </p:cNvPr>
+          <p:cNvSpPr>
+            <a:spLocks noGrp="1"/>
+          </p:cNvSpPr>
+          <p:nvPr>
+            <p:ph type="ctrTitle"/>
+          </p:nvPr>
+        </p:nvSpPr>
+        <p:spPr>
+          <a:xfrm>
+            <a:off x="755373" y="97866"/>
+            <a:ext cx="10567135" cy="1006685"/>
+          </a:xfrm>
+        </p:spPr>
+        <p:txBody>
+          <a:bodyPr>
+            <a:normAutofit fontScale="90000"/>
+          </a:bodyPr>
+          <a:lstStyle/>
+          <a:p>
+            <a:r>
+              <a:rPr lang="en-US" sz="4000" dirty="0">
+                <a:latin typeface="Segoe UI" panose="020B0502040204020203" pitchFamily="34" charset="0"/>
+                <a:cs typeface="Segoe UI" panose="020B0502040204020203" pitchFamily="34" charset="0"/>
+              </a:rPr>
+              <a:t>Initial prototype/POC Architecture Diagram</a:t>
+            </a:r>
+            <a:br>
+              <a:rPr lang="en-US" sz="4000" dirty="0">
+                <a:latin typeface="Segoe UI" panose="020B0502040204020203" pitchFamily="34" charset="0"/>
+                <a:cs typeface="Segoe UI" panose="020B0502040204020203" pitchFamily="34" charset="0"/>
+              </a:rPr>
+            </a:br>
+            <a:r>
+              <a:rPr lang="en-US" sz="2700" dirty="0">
+                <a:latin typeface="Segoe UI" panose="020B0502040204020203" pitchFamily="34" charset="0"/>
+                <a:cs typeface="Segoe UI" panose="020B0502040204020203" pitchFamily="34" charset="0"/>
+              </a:rPr>
+              <a:t>(Local Agent/PC-Server processes)</a:t>
+            </a:r>
+            <a:endParaRPr lang="en-US" sz="4000" dirty="0">
+              <a:latin typeface="Segoe UI" panose="020B0502040204020203" pitchFamily="34" charset="0"/>
+              <a:cs typeface="Segoe UI" panose="020B0502040204020203" pitchFamily="34" charset="0"/>
+            </a:endParaRPr>
+          </a:p>
+        </p:txBody>
+      </p:sp>
+      <p:sp>
+        <p:nvSpPr>
+          <p:cNvPr id="4" name="Rectangle 3">
+            <a:extLst>
+              <a:ext uri="{FF2B5EF4-FFF2-40B4-BE49-F238E27FC236}">
+                <a16:creationId xmlns:a16="http://schemas.microsoft.com/office/drawing/2014/main" id="{FDE498AB-3C48-1FD2-D159-F5557685BFB4}"/>
+              </a:ext>
+            </a:extLst>
+          </p:cNvPr>
+          <p:cNvSpPr/>
+          <p:nvPr/>
+        </p:nvSpPr>
+        <p:spPr>
+          <a:xfrm>
+            <a:off x="755374" y="1311965"/>
+            <a:ext cx="10567135" cy="4755459"/>
+          </a:xfrm>
+          <a:prstGeom prst="rect">
+            <a:avLst/>
+          </a:prstGeom>
+          <a:solidFill>
+            <a:srgbClr val="F2F2F2"/>
+          </a:solidFill>
+          <a:ln>
+            <a:noFill/>
           </a:ln>
         </p:spPr>
         <p:style>
@@ -6014,124 +7251,12 @@
           </a:p>
         </p:txBody>
       </p:sp>
-      <p:pic>
-        <p:nvPicPr>
-          <p:cNvPr id="23559" name="Picture 2" descr="Here's OpenAI's new logo | The Verge">
-            <a:extLst>
-              <a:ext uri="{FF2B5EF4-FFF2-40B4-BE49-F238E27FC236}">
-                <a16:creationId xmlns:a16="http://schemas.microsoft.com/office/drawing/2014/main" id="{6376F93C-4665-9F23-220A-B1679BD15F43}"/>
-              </a:ext>
-            </a:extLst>
-          </p:cNvPr>
-          <p:cNvPicPr>
-            <a:picLocks noChangeAspect="1" noChangeArrowheads="1"/>
-          </p:cNvPicPr>
-          <p:nvPr/>
-        </p:nvPicPr>
-        <p:blipFill rotWithShape="1">
-          <a:blip r:embed="rId9">
-            <a:extLst>
-              <a:ext uri="{28A0092B-C50C-407E-A947-70E740481C1C}">
-                <a14:useLocalDpi xmlns:a14="http://schemas.microsoft.com/office/drawing/2010/main" val="0"/>
-              </a:ext>
-            </a:extLst>
-          </a:blip>
-          <a:srcRect l="24641" t="10723" r="22473" b="10725"/>
-          <a:stretch>
-            <a:fillRect/>
-          </a:stretch>
-        </p:blipFill>
-        <p:spPr bwMode="auto">
-          <a:xfrm>
-            <a:off x="7231737" y="3662439"/>
-            <a:ext cx="198400" cy="197308"/>
-          </a:xfrm>
-          <a:prstGeom prst="rect">
-            <a:avLst/>
-          </a:prstGeom>
-          <a:noFill/>
-          <a:extLst>
-            <a:ext uri="{909E8E84-426E-40DD-AFC4-6F175D3DCCD1}">
-              <a14:hiddenFill xmlns:a14="http://schemas.microsoft.com/office/drawing/2010/main">
-                <a:solidFill>
-                  <a:srgbClr val="FFFFFF"/>
-                </a:solidFill>
-              </a14:hiddenFill>
-            </a:ext>
-          </a:extLst>
-        </p:spPr>
-      </p:pic>
-      <p:sp>
-        <p:nvSpPr>
-          <p:cNvPr id="23561" name="TextBox 23560">
-            <a:extLst>
-              <a:ext uri="{FF2B5EF4-FFF2-40B4-BE49-F238E27FC236}">
-                <a16:creationId xmlns:a16="http://schemas.microsoft.com/office/drawing/2014/main" id="{2862BE3A-5F25-E1DB-2633-0DF61065DD74}"/>
-              </a:ext>
-            </a:extLst>
-          </p:cNvPr>
-          <p:cNvSpPr txBox="1"/>
-          <p:nvPr/>
-        </p:nvSpPr>
-        <p:spPr>
-          <a:xfrm>
-            <a:off x="7109039" y="3976841"/>
-            <a:ext cx="443795" cy="230832"/>
-          </a:xfrm>
-          <a:prstGeom prst="rect">
-            <a:avLst/>
-          </a:prstGeom>
-          <a:noFill/>
-        </p:spPr>
-        <p:txBody>
-          <a:bodyPr wrap="square">
-            <a:spAutoFit/>
-          </a:bodyPr>
-          <a:lstStyle/>
-          <a:p>
-            <a:pPr marL="0" marR="0" lvl="0" indent="0" algn="ctr" defTabSz="914400" rtl="0" eaLnBrk="1" fontAlgn="auto" latinLnBrk="0" hangingPunct="1">
-              <a:lnSpc>
-                <a:spcPct val="100000"/>
-              </a:lnSpc>
-              <a:spcBef>
-                <a:spcPts val="0"/>
-              </a:spcBef>
-              <a:spcAft>
-                <a:spcPts val="0"/>
-              </a:spcAft>
-              <a:buClrTx/>
-              <a:buSzTx/>
-              <a:buFontTx/>
-              <a:buNone/>
-              <a:tabLst/>
-              <a:defRPr/>
-            </a:pPr>
-            <a:r>
-              <a:rPr kumimoji="0" lang="en-US" sz="900" b="0" i="0" u="none" strike="noStrike" kern="1200" cap="none" spc="0" normalizeH="0" baseline="0" noProof="0" dirty="0">
-                <a:ln>
-                  <a:noFill/>
-                </a:ln>
-                <a:solidFill>
-                  <a:prstClr val="black"/>
-                </a:solidFill>
-                <a:effectLst/>
-                <a:uLnTx/>
-                <a:uFillTx/>
-                <a:latin typeface="Segoe UI" panose="020B0502040204020203" pitchFamily="34" charset="0"/>
-                <a:ea typeface="+mn-ea"/>
-                <a:cs typeface="Segoe UI" panose="020B0502040204020203" pitchFamily="34" charset="0"/>
-              </a:rPr>
-              <a:t>LLM</a:t>
-            </a:r>
-          </a:p>
-        </p:txBody>
-      </p:sp>
-      <p:sp>
-        <p:nvSpPr>
-          <p:cNvPr id="23563" name="Rectangle: Rounded Corners 23562">
-            <a:extLst>
-              <a:ext uri="{FF2B5EF4-FFF2-40B4-BE49-F238E27FC236}">
-                <a16:creationId xmlns:a16="http://schemas.microsoft.com/office/drawing/2014/main" id="{A736A2E6-BFE6-36C3-0834-4D5115C7911E}"/>
+      <p:sp>
+        <p:nvSpPr>
+          <p:cNvPr id="5" name="Rectangle: Rounded Corners 4">
+            <a:extLst>
+              <a:ext uri="{FF2B5EF4-FFF2-40B4-BE49-F238E27FC236}">
+                <a16:creationId xmlns:a16="http://schemas.microsoft.com/office/drawing/2014/main" id="{A33A8F7F-52AB-8916-F9E3-17EA7B2151DC}"/>
               </a:ext>
             </a:extLst>
           </p:cNvPr>
@@ -6140,7 +7265,7 @@
         </p:nvSpPr>
         <p:spPr>
           <a:xfrm>
-            <a:off x="6934740" y="4426816"/>
+            <a:off x="5481976" y="2110236"/>
             <a:ext cx="2047461" cy="1103244"/>
           </a:xfrm>
           <a:prstGeom prst="roundRect">
@@ -6211,6 +7336,1905 @@
       </p:sp>
       <p:sp>
         <p:nvSpPr>
+          <p:cNvPr id="7" name="TextBox 6">
+            <a:extLst>
+              <a:ext uri="{FF2B5EF4-FFF2-40B4-BE49-F238E27FC236}">
+                <a16:creationId xmlns:a16="http://schemas.microsoft.com/office/drawing/2014/main" id="{B775193A-83E5-F332-983F-A9E4585B93A6}"/>
+              </a:ext>
+            </a:extLst>
+          </p:cNvPr>
+          <p:cNvSpPr txBox="1"/>
+          <p:nvPr/>
+        </p:nvSpPr>
+        <p:spPr>
+          <a:xfrm>
+            <a:off x="6141591" y="2097208"/>
+            <a:ext cx="1189346" cy="523220"/>
+          </a:xfrm>
+          <a:prstGeom prst="rect">
+            <a:avLst/>
+          </a:prstGeom>
+          <a:noFill/>
+        </p:spPr>
+        <p:txBody>
+          <a:bodyPr wrap="square">
+            <a:spAutoFit/>
+          </a:bodyPr>
+          <a:lstStyle/>
+          <a:p>
+            <a:pPr marL="0" marR="0" lvl="0" indent="0" algn="ctr" defTabSz="914400" rtl="0" eaLnBrk="1" fontAlgn="auto" latinLnBrk="0" hangingPunct="1">
+              <a:lnSpc>
+                <a:spcPct val="100000"/>
+              </a:lnSpc>
+              <a:spcBef>
+                <a:spcPts val="0"/>
+              </a:spcBef>
+              <a:spcAft>
+                <a:spcPts val="0"/>
+              </a:spcAft>
+              <a:buClrTx/>
+              <a:buSzTx/>
+              <a:buFontTx/>
+              <a:buNone/>
+              <a:tabLst/>
+              <a:defRPr/>
+            </a:pPr>
+            <a:r>
+              <a:rPr kumimoji="0" lang="en-US" sz="1400" b="0" i="0" u="none" strike="noStrike" kern="1200" cap="none" spc="0" normalizeH="0" baseline="0" noProof="0" dirty="0">
+                <a:ln>
+                  <a:noFill/>
+                </a:ln>
+                <a:solidFill>
+                  <a:prstClr val="black"/>
+                </a:solidFill>
+                <a:effectLst/>
+                <a:uLnTx/>
+                <a:uFillTx/>
+                <a:latin typeface="Segoe UI" panose="020B0502040204020203" pitchFamily="34" charset="0"/>
+                <a:ea typeface="+mn-ea"/>
+                <a:cs typeface="Segoe UI" panose="020B0502040204020203" pitchFamily="34" charset="0"/>
+              </a:rPr>
+              <a:t>AI Agent</a:t>
+            </a:r>
+          </a:p>
+          <a:p>
+            <a:pPr marL="0" marR="0" lvl="0" indent="0" algn="ctr" defTabSz="914400" rtl="0" eaLnBrk="1" fontAlgn="auto" latinLnBrk="0" hangingPunct="1">
+              <a:lnSpc>
+                <a:spcPct val="100000"/>
+              </a:lnSpc>
+              <a:spcBef>
+                <a:spcPts val="0"/>
+              </a:spcBef>
+              <a:spcAft>
+                <a:spcPts val="0"/>
+              </a:spcAft>
+              <a:buClrTx/>
+              <a:buSzTx/>
+              <a:buFontTx/>
+              <a:buNone/>
+              <a:tabLst/>
+              <a:defRPr/>
+            </a:pPr>
+            <a:r>
+              <a:rPr kumimoji="0" lang="en-US" sz="1400" b="0" i="0" u="none" strike="noStrike" kern="1200" cap="none" spc="0" normalizeH="0" baseline="0" noProof="0" dirty="0">
+                <a:ln>
+                  <a:noFill/>
+                </a:ln>
+                <a:solidFill>
+                  <a:prstClr val="white">
+                    <a:lumMod val="50000"/>
+                  </a:prstClr>
+                </a:solidFill>
+                <a:effectLst/>
+                <a:uLnTx/>
+                <a:uFillTx/>
+                <a:latin typeface="Segoe UI" panose="020B0502040204020203" pitchFamily="34" charset="0"/>
+                <a:ea typeface="+mn-ea"/>
+                <a:cs typeface="Segoe UI" panose="020B0502040204020203" pitchFamily="34" charset="0"/>
+              </a:rPr>
+              <a:t>Orchestrator</a:t>
+            </a:r>
+          </a:p>
+        </p:txBody>
+      </p:sp>
+      <p:pic>
+        <p:nvPicPr>
+          <p:cNvPr id="36" name="Picture 35">
+            <a:extLst>
+              <a:ext uri="{FF2B5EF4-FFF2-40B4-BE49-F238E27FC236}">
+                <a16:creationId xmlns:a16="http://schemas.microsoft.com/office/drawing/2014/main" id="{B7120497-70CE-6479-7D74-BBA57805A277}"/>
+              </a:ext>
+            </a:extLst>
+          </p:cNvPr>
+          <p:cNvPicPr>
+            <a:picLocks noChangeAspect="1"/>
+          </p:cNvPicPr>
+          <p:nvPr/>
+        </p:nvPicPr>
+        <p:blipFill>
+          <a:blip r:embed="rId3"/>
+          <a:stretch>
+            <a:fillRect/>
+          </a:stretch>
+        </p:blipFill>
+        <p:spPr>
+          <a:xfrm>
+            <a:off x="5596332" y="2143406"/>
+            <a:ext cx="500312" cy="443353"/>
+          </a:xfrm>
+          <a:prstGeom prst="rect">
+            <a:avLst/>
+          </a:prstGeom>
+        </p:spPr>
+      </p:pic>
+      <p:sp>
+        <p:nvSpPr>
+          <p:cNvPr id="40" name="Rectangle: Rounded Corners 39">
+            <a:extLst>
+              <a:ext uri="{FF2B5EF4-FFF2-40B4-BE49-F238E27FC236}">
+                <a16:creationId xmlns:a16="http://schemas.microsoft.com/office/drawing/2014/main" id="{E2296413-E9C9-9EEA-E0E3-2F5FB177661C}"/>
+              </a:ext>
+            </a:extLst>
+          </p:cNvPr>
+          <p:cNvSpPr/>
+          <p:nvPr/>
+        </p:nvSpPr>
+        <p:spPr>
+          <a:xfrm>
+            <a:off x="2739225" y="2110237"/>
+            <a:ext cx="2047461" cy="1103244"/>
+          </a:xfrm>
+          <a:prstGeom prst="roundRect">
+            <a:avLst/>
+          </a:prstGeom>
+          <a:solidFill>
+            <a:schemeClr val="bg1"/>
+          </a:solidFill>
+          <a:ln>
+            <a:solidFill>
+              <a:srgbClr val="2189B8"/>
+            </a:solidFill>
+          </a:ln>
+        </p:spPr>
+        <p:style>
+          <a:lnRef idx="2">
+            <a:schemeClr val="accent1">
+              <a:shade val="15000"/>
+            </a:schemeClr>
+          </a:lnRef>
+          <a:fillRef idx="1">
+            <a:schemeClr val="accent1"/>
+          </a:fillRef>
+          <a:effectRef idx="0">
+            <a:schemeClr val="accent1"/>
+          </a:effectRef>
+          <a:fontRef idx="minor">
+            <a:schemeClr val="lt1"/>
+          </a:fontRef>
+        </p:style>
+        <p:txBody>
+          <a:bodyPr rtlCol="0" anchor="ctr"/>
+          <a:lstStyle/>
+          <a:p>
+            <a:pPr marL="0" marR="0" lvl="0" indent="0" algn="ctr" defTabSz="914400" rtl="0" eaLnBrk="1" fontAlgn="auto" latinLnBrk="0" hangingPunct="1">
+              <a:lnSpc>
+                <a:spcPct val="100000"/>
+              </a:lnSpc>
+              <a:spcBef>
+                <a:spcPts val="0"/>
+              </a:spcBef>
+              <a:spcAft>
+                <a:spcPts val="0"/>
+              </a:spcAft>
+              <a:buClrTx/>
+              <a:buSzTx/>
+              <a:buFontTx/>
+              <a:buNone/>
+              <a:tabLst/>
+              <a:defRPr/>
+            </a:pPr>
+            <a:endParaRPr kumimoji="0" lang="en-US" sz="1800" b="0" i="0" u="none" strike="noStrike" kern="1200" cap="none" spc="0" normalizeH="0" baseline="0" noProof="0" dirty="0">
+              <a:ln>
+                <a:noFill/>
+              </a:ln>
+              <a:solidFill>
+                <a:prstClr val="white"/>
+              </a:solidFill>
+              <a:effectLst/>
+              <a:uLnTx/>
+              <a:uFillTx/>
+              <a:latin typeface="Aptos" panose="02110004020202020204"/>
+              <a:ea typeface="+mn-ea"/>
+              <a:cs typeface="+mn-cs"/>
+            </a:endParaRPr>
+          </a:p>
+        </p:txBody>
+      </p:sp>
+      <p:sp>
+        <p:nvSpPr>
+          <p:cNvPr id="41" name="TextBox 40">
+            <a:extLst>
+              <a:ext uri="{FF2B5EF4-FFF2-40B4-BE49-F238E27FC236}">
+                <a16:creationId xmlns:a16="http://schemas.microsoft.com/office/drawing/2014/main" id="{670F1925-53AE-32FB-1C12-5C2F58BB4A60}"/>
+              </a:ext>
+            </a:extLst>
+          </p:cNvPr>
+          <p:cNvSpPr txBox="1"/>
+          <p:nvPr/>
+        </p:nvSpPr>
+        <p:spPr>
+          <a:xfrm>
+            <a:off x="3509565" y="2120881"/>
+            <a:ext cx="1189346" cy="646331"/>
+          </a:xfrm>
+          <a:prstGeom prst="rect">
+            <a:avLst/>
+          </a:prstGeom>
+          <a:noFill/>
+        </p:spPr>
+        <p:txBody>
+          <a:bodyPr wrap="square">
+            <a:spAutoFit/>
+          </a:bodyPr>
+          <a:lstStyle/>
+          <a:p>
+            <a:pPr marL="0" marR="0" lvl="0" indent="0" algn="ctr" defTabSz="914400" rtl="0" eaLnBrk="1" fontAlgn="auto" latinLnBrk="0" hangingPunct="1">
+              <a:lnSpc>
+                <a:spcPct val="100000"/>
+              </a:lnSpc>
+              <a:spcBef>
+                <a:spcPts val="0"/>
+              </a:spcBef>
+              <a:spcAft>
+                <a:spcPts val="0"/>
+              </a:spcAft>
+              <a:buClrTx/>
+              <a:buSzTx/>
+              <a:buFontTx/>
+              <a:buNone/>
+              <a:tabLst/>
+              <a:defRPr/>
+            </a:pPr>
+            <a:r>
+              <a:rPr kumimoji="0" lang="en-US" sz="1400" b="0" i="0" u="none" strike="noStrike" kern="1200" cap="none" spc="0" normalizeH="0" baseline="0" noProof="0" dirty="0">
+                <a:ln>
+                  <a:noFill/>
+                </a:ln>
+                <a:solidFill>
+                  <a:prstClr val="black"/>
+                </a:solidFill>
+                <a:effectLst/>
+                <a:uLnTx/>
+                <a:uFillTx/>
+                <a:latin typeface="Segoe UI" panose="020B0502040204020203" pitchFamily="34" charset="0"/>
+                <a:ea typeface="+mn-ea"/>
+                <a:cs typeface="Segoe UI" panose="020B0502040204020203" pitchFamily="34" charset="0"/>
+              </a:rPr>
+              <a:t>Chat UI</a:t>
+            </a:r>
+          </a:p>
+          <a:p>
+            <a:pPr marL="0" marR="0" lvl="0" indent="0" algn="ctr" defTabSz="914400" rtl="0" eaLnBrk="1" fontAlgn="auto" latinLnBrk="0" hangingPunct="1">
+              <a:lnSpc>
+                <a:spcPct val="100000"/>
+              </a:lnSpc>
+              <a:spcBef>
+                <a:spcPts val="0"/>
+              </a:spcBef>
+              <a:spcAft>
+                <a:spcPts val="0"/>
+              </a:spcAft>
+              <a:buClrTx/>
+              <a:buSzTx/>
+              <a:buFontTx/>
+              <a:buNone/>
+              <a:tabLst/>
+              <a:defRPr/>
+            </a:pPr>
+            <a:r>
+              <a:rPr kumimoji="0" lang="en-US" sz="1100" b="0" i="0" u="none" strike="noStrike" kern="1200" cap="none" spc="0" normalizeH="0" baseline="0" noProof="0" dirty="0">
+                <a:ln>
+                  <a:noFill/>
+                </a:ln>
+                <a:solidFill>
+                  <a:prstClr val="white">
+                    <a:lumMod val="50000"/>
+                  </a:prstClr>
+                </a:solidFill>
+                <a:effectLst/>
+                <a:uLnTx/>
+                <a:uFillTx/>
+                <a:latin typeface="Segoe UI" panose="020B0502040204020203" pitchFamily="34" charset="0"/>
+                <a:ea typeface="+mn-ea"/>
+                <a:cs typeface="Segoe UI" panose="020B0502040204020203" pitchFamily="34" charset="0"/>
+              </a:rPr>
+              <a:t>Claude, GitHub CoPilot, etc.</a:t>
+            </a:r>
+          </a:p>
+        </p:txBody>
+      </p:sp>
+      <p:pic>
+        <p:nvPicPr>
+          <p:cNvPr id="23556" name="Picture 4" descr="User Icon Images – Browse 1,701,604 Stock Photos, Vectors ...">
+            <a:extLst>
+              <a:ext uri="{FF2B5EF4-FFF2-40B4-BE49-F238E27FC236}">
+                <a16:creationId xmlns:a16="http://schemas.microsoft.com/office/drawing/2014/main" id="{93A7AF3C-EE48-3E0B-5E96-8FEA4EC66E90}"/>
+              </a:ext>
+            </a:extLst>
+          </p:cNvPr>
+          <p:cNvPicPr>
+            <a:picLocks noChangeAspect="1" noChangeArrowheads="1"/>
+          </p:cNvPicPr>
+          <p:nvPr/>
+        </p:nvPicPr>
+        <p:blipFill rotWithShape="1">
+          <a:blip r:embed="rId4">
+            <a:clrChange>
+              <a:clrFrom>
+                <a:srgbClr val="FFFFFF"/>
+              </a:clrFrom>
+              <a:clrTo>
+                <a:srgbClr val="FFFFFF">
+                  <a:alpha val="0"/>
+                </a:srgbClr>
+              </a:clrTo>
+            </a:clrChange>
+            <a:duotone>
+              <a:schemeClr val="accent4">
+                <a:shade val="45000"/>
+                <a:satMod val="135000"/>
+              </a:schemeClr>
+              <a:prstClr val="white"/>
+            </a:duotone>
+            <a:extLst>
+              <a:ext uri="{28A0092B-C50C-407E-A947-70E740481C1C}">
+                <a14:useLocalDpi xmlns:a14="http://schemas.microsoft.com/office/drawing/2010/main" val="0"/>
+              </a:ext>
+            </a:extLst>
+          </a:blip>
+          <a:srcRect l="19935" t="20528" r="20355" b="20435"/>
+          <a:stretch>
+            <a:fillRect/>
+          </a:stretch>
+        </p:blipFill>
+        <p:spPr bwMode="auto">
+          <a:xfrm>
+            <a:off x="1211949" y="2303152"/>
+            <a:ext cx="732147" cy="723895"/>
+          </a:xfrm>
+          <a:prstGeom prst="rect">
+            <a:avLst/>
+          </a:prstGeom>
+          <a:noFill/>
+          <a:extLst>
+            <a:ext uri="{909E8E84-426E-40DD-AFC4-6F175D3DCCD1}">
+              <a14:hiddenFill xmlns:a14="http://schemas.microsoft.com/office/drawing/2010/main">
+                <a:solidFill>
+                  <a:srgbClr val="FFFFFF"/>
+                </a:solidFill>
+              </a14:hiddenFill>
+            </a:ext>
+          </a:extLst>
+        </p:spPr>
+      </p:pic>
+      <p:sp>
+        <p:nvSpPr>
+          <p:cNvPr id="42" name="TextBox 41">
+            <a:extLst>
+              <a:ext uri="{FF2B5EF4-FFF2-40B4-BE49-F238E27FC236}">
+                <a16:creationId xmlns:a16="http://schemas.microsoft.com/office/drawing/2014/main" id="{62CE79E6-4AE6-C25E-C303-9AB0F795D216}"/>
+              </a:ext>
+            </a:extLst>
+          </p:cNvPr>
+          <p:cNvSpPr txBox="1"/>
+          <p:nvPr/>
+        </p:nvSpPr>
+        <p:spPr>
+          <a:xfrm>
+            <a:off x="1152315" y="2970966"/>
+            <a:ext cx="891620" cy="307777"/>
+          </a:xfrm>
+          <a:prstGeom prst="rect">
+            <a:avLst/>
+          </a:prstGeom>
+          <a:noFill/>
+        </p:spPr>
+        <p:txBody>
+          <a:bodyPr wrap="square">
+            <a:spAutoFit/>
+          </a:bodyPr>
+          <a:lstStyle/>
+          <a:p>
+            <a:pPr marL="0" marR="0" lvl="0" indent="0" algn="ctr" defTabSz="914400" rtl="0" eaLnBrk="1" fontAlgn="auto" latinLnBrk="0" hangingPunct="1">
+              <a:lnSpc>
+                <a:spcPct val="100000"/>
+              </a:lnSpc>
+              <a:spcBef>
+                <a:spcPts val="0"/>
+              </a:spcBef>
+              <a:spcAft>
+                <a:spcPts val="0"/>
+              </a:spcAft>
+              <a:buClrTx/>
+              <a:buSzTx/>
+              <a:buFontTx/>
+              <a:buNone/>
+              <a:tabLst/>
+              <a:defRPr/>
+            </a:pPr>
+            <a:r>
+              <a:rPr kumimoji="0" lang="en-US" sz="1400" b="0" i="0" u="none" strike="noStrike" kern="1200" cap="none" spc="0" normalizeH="0" baseline="0" noProof="0" dirty="0">
+                <a:ln>
+                  <a:noFill/>
+                </a:ln>
+                <a:solidFill>
+                  <a:prstClr val="black"/>
+                </a:solidFill>
+                <a:effectLst/>
+                <a:uLnTx/>
+                <a:uFillTx/>
+                <a:latin typeface="Segoe UI" panose="020B0502040204020203" pitchFamily="34" charset="0"/>
+                <a:ea typeface="+mn-ea"/>
+                <a:cs typeface="Segoe UI" panose="020B0502040204020203" pitchFamily="34" charset="0"/>
+              </a:rPr>
+              <a:t>User</a:t>
+            </a:r>
+          </a:p>
+        </p:txBody>
+      </p:sp>
+      <p:cxnSp>
+        <p:nvCxnSpPr>
+          <p:cNvPr id="44" name="Straight Arrow Connector 43">
+            <a:extLst>
+              <a:ext uri="{FF2B5EF4-FFF2-40B4-BE49-F238E27FC236}">
+                <a16:creationId xmlns:a16="http://schemas.microsoft.com/office/drawing/2014/main" id="{B5CFD885-AEF2-EF7A-A583-10F2D5257545}"/>
+              </a:ext>
+            </a:extLst>
+          </p:cNvPr>
+          <p:cNvCxnSpPr>
+            <a:stCxn id="23556" idx="3"/>
+            <a:endCxn id="40" idx="1"/>
+          </p:cNvCxnSpPr>
+          <p:nvPr/>
+        </p:nvCxnSpPr>
+        <p:spPr>
+          <a:xfrm flipV="1">
+            <a:off x="1944096" y="2661859"/>
+            <a:ext cx="795129" cy="3241"/>
+          </a:xfrm>
+          <a:prstGeom prst="straightConnector1">
+            <a:avLst/>
+          </a:prstGeom>
+          <a:ln>
+            <a:headEnd type="triangle"/>
+            <a:tailEnd type="triangle"/>
+          </a:ln>
+        </p:spPr>
+        <p:style>
+          <a:lnRef idx="2">
+            <a:schemeClr val="dk1"/>
+          </a:lnRef>
+          <a:fillRef idx="0">
+            <a:schemeClr val="dk1"/>
+          </a:fillRef>
+          <a:effectRef idx="1">
+            <a:schemeClr val="dk1"/>
+          </a:effectRef>
+          <a:fontRef idx="minor">
+            <a:schemeClr val="tx1"/>
+          </a:fontRef>
+        </p:style>
+      </p:cxnSp>
+      <p:cxnSp>
+        <p:nvCxnSpPr>
+          <p:cNvPr id="45" name="Straight Arrow Connector 44">
+            <a:extLst>
+              <a:ext uri="{FF2B5EF4-FFF2-40B4-BE49-F238E27FC236}">
+                <a16:creationId xmlns:a16="http://schemas.microsoft.com/office/drawing/2014/main" id="{60273D2B-6369-6FCF-E691-094ACD1802D9}"/>
+              </a:ext>
+            </a:extLst>
+          </p:cNvPr>
+          <p:cNvCxnSpPr>
+            <a:cxnSpLocks/>
+          </p:cNvCxnSpPr>
+          <p:nvPr/>
+        </p:nvCxnSpPr>
+        <p:spPr>
+          <a:xfrm flipV="1">
+            <a:off x="4681437" y="2673418"/>
+            <a:ext cx="800539" cy="261889"/>
+          </a:xfrm>
+          <a:prstGeom prst="straightConnector1">
+            <a:avLst/>
+          </a:prstGeom>
+          <a:ln>
+            <a:headEnd type="triangle"/>
+            <a:tailEnd type="triangle"/>
+          </a:ln>
+        </p:spPr>
+        <p:style>
+          <a:lnRef idx="2">
+            <a:schemeClr val="dk1"/>
+          </a:lnRef>
+          <a:fillRef idx="0">
+            <a:schemeClr val="dk1"/>
+          </a:fillRef>
+          <a:effectRef idx="1">
+            <a:schemeClr val="dk1"/>
+          </a:effectRef>
+          <a:fontRef idx="minor">
+            <a:schemeClr val="tx1"/>
+          </a:fontRef>
+        </p:style>
+      </p:cxnSp>
+      <p:pic>
+        <p:nvPicPr>
+          <p:cNvPr id="47" name="Picture 46">
+            <a:extLst>
+              <a:ext uri="{FF2B5EF4-FFF2-40B4-BE49-F238E27FC236}">
+                <a16:creationId xmlns:a16="http://schemas.microsoft.com/office/drawing/2014/main" id="{DEC483FB-C404-8CBC-6796-8E56F6FE0049}"/>
+              </a:ext>
+            </a:extLst>
+          </p:cNvPr>
+          <p:cNvPicPr>
+            <a:picLocks noChangeAspect="1"/>
+          </p:cNvPicPr>
+          <p:nvPr/>
+        </p:nvPicPr>
+        <p:blipFill>
+          <a:blip r:embed="rId5"/>
+          <a:stretch>
+            <a:fillRect/>
+          </a:stretch>
+        </p:blipFill>
+        <p:spPr>
+          <a:xfrm>
+            <a:off x="2838278" y="2454086"/>
+            <a:ext cx="713056" cy="415545"/>
+          </a:xfrm>
+          <a:prstGeom prst="rect">
+            <a:avLst/>
+          </a:prstGeom>
+          <a:ln>
+            <a:solidFill>
+              <a:schemeClr val="bg1">
+                <a:lumMod val="75000"/>
+              </a:schemeClr>
+            </a:solidFill>
+          </a:ln>
+        </p:spPr>
+      </p:pic>
+      <p:sp>
+        <p:nvSpPr>
+          <p:cNvPr id="48" name="TextBox 47">
+            <a:extLst>
+              <a:ext uri="{FF2B5EF4-FFF2-40B4-BE49-F238E27FC236}">
+                <a16:creationId xmlns:a16="http://schemas.microsoft.com/office/drawing/2014/main" id="{FF583515-6C96-6674-A508-B0ED64246822}"/>
+              </a:ext>
+            </a:extLst>
+          </p:cNvPr>
+          <p:cNvSpPr txBox="1"/>
+          <p:nvPr/>
+        </p:nvSpPr>
+        <p:spPr>
+          <a:xfrm>
+            <a:off x="3655022" y="2767212"/>
+            <a:ext cx="1026415" cy="307777"/>
+          </a:xfrm>
+          <a:prstGeom prst="rect">
+            <a:avLst/>
+          </a:prstGeom>
+          <a:noFill/>
+          <a:ln>
+            <a:solidFill>
+              <a:schemeClr val="bg1">
+                <a:lumMod val="85000"/>
+              </a:schemeClr>
+            </a:solidFill>
+          </a:ln>
+        </p:spPr>
+        <p:txBody>
+          <a:bodyPr wrap="square">
+            <a:spAutoFit/>
+          </a:bodyPr>
+          <a:lstStyle/>
+          <a:p>
+            <a:pPr marL="0" marR="0" lvl="0" indent="0" algn="ctr" defTabSz="914400" rtl="0" eaLnBrk="1" fontAlgn="auto" latinLnBrk="0" hangingPunct="1">
+              <a:lnSpc>
+                <a:spcPct val="100000"/>
+              </a:lnSpc>
+              <a:spcBef>
+                <a:spcPts val="0"/>
+              </a:spcBef>
+              <a:spcAft>
+                <a:spcPts val="0"/>
+              </a:spcAft>
+              <a:buClrTx/>
+              <a:buSzTx/>
+              <a:buFontTx/>
+              <a:buNone/>
+              <a:tabLst/>
+              <a:defRPr/>
+            </a:pPr>
+            <a:r>
+              <a:rPr kumimoji="0" lang="en-US" sz="1400" b="0" i="0" u="none" strike="noStrike" kern="1200" cap="none" spc="0" normalizeH="0" baseline="0" noProof="0" dirty="0">
+                <a:ln>
+                  <a:noFill/>
+                </a:ln>
+                <a:solidFill>
+                  <a:prstClr val="black"/>
+                </a:solidFill>
+                <a:effectLst/>
+                <a:uLnTx/>
+                <a:uFillTx/>
+                <a:latin typeface="Segoe UI" panose="020B0502040204020203" pitchFamily="34" charset="0"/>
+                <a:ea typeface="+mn-ea"/>
+                <a:cs typeface="Segoe UI" panose="020B0502040204020203" pitchFamily="34" charset="0"/>
+              </a:rPr>
+              <a:t>MCP client</a:t>
+            </a:r>
+            <a:endParaRPr kumimoji="0" lang="en-US" sz="1100" b="0" i="0" u="none" strike="noStrike" kern="1200" cap="none" spc="0" normalizeH="0" baseline="0" noProof="0" dirty="0">
+              <a:ln>
+                <a:noFill/>
+              </a:ln>
+              <a:solidFill>
+                <a:prstClr val="white">
+                  <a:lumMod val="50000"/>
+                </a:prstClr>
+              </a:solidFill>
+              <a:effectLst/>
+              <a:uLnTx/>
+              <a:uFillTx/>
+              <a:latin typeface="Segoe UI" panose="020B0502040204020203" pitchFamily="34" charset="0"/>
+              <a:ea typeface="+mn-ea"/>
+              <a:cs typeface="Segoe UI" panose="020B0502040204020203" pitchFamily="34" charset="0"/>
+            </a:endParaRPr>
+          </a:p>
+        </p:txBody>
+      </p:sp>
+      <p:sp>
+        <p:nvSpPr>
+          <p:cNvPr id="52" name="TextBox 51">
+            <a:extLst>
+              <a:ext uri="{FF2B5EF4-FFF2-40B4-BE49-F238E27FC236}">
+                <a16:creationId xmlns:a16="http://schemas.microsoft.com/office/drawing/2014/main" id="{5B13A669-9069-F5B2-15F5-432BD65A7EE2}"/>
+              </a:ext>
+            </a:extLst>
+          </p:cNvPr>
+          <p:cNvSpPr txBox="1"/>
+          <p:nvPr/>
+        </p:nvSpPr>
+        <p:spPr>
+          <a:xfrm>
+            <a:off x="4698911" y="2358818"/>
+            <a:ext cx="795129" cy="430887"/>
+          </a:xfrm>
+          <a:prstGeom prst="rect">
+            <a:avLst/>
+          </a:prstGeom>
+          <a:noFill/>
+        </p:spPr>
+        <p:txBody>
+          <a:bodyPr wrap="square">
+            <a:spAutoFit/>
+          </a:bodyPr>
+          <a:lstStyle/>
+          <a:p>
+            <a:pPr marL="0" marR="0" lvl="0" indent="0" algn="ctr" defTabSz="914400" rtl="0" eaLnBrk="1" fontAlgn="auto" latinLnBrk="0" hangingPunct="1">
+              <a:lnSpc>
+                <a:spcPct val="100000"/>
+              </a:lnSpc>
+              <a:spcBef>
+                <a:spcPts val="0"/>
+              </a:spcBef>
+              <a:spcAft>
+                <a:spcPts val="0"/>
+              </a:spcAft>
+              <a:buClrTx/>
+              <a:buSzTx/>
+              <a:buFontTx/>
+              <a:buNone/>
+              <a:tabLst/>
+              <a:defRPr/>
+            </a:pPr>
+            <a:r>
+              <a:rPr kumimoji="0" lang="en-US" sz="1050" b="0" i="0" u="none" strike="noStrike" kern="1200" cap="none" spc="0" normalizeH="0" baseline="0" noProof="0" dirty="0">
+                <a:ln>
+                  <a:noFill/>
+                </a:ln>
+                <a:solidFill>
+                  <a:prstClr val="black"/>
+                </a:solidFill>
+                <a:effectLst/>
+                <a:uLnTx/>
+                <a:uFillTx/>
+                <a:latin typeface="Segoe UI" panose="020B0502040204020203" pitchFamily="34" charset="0"/>
+                <a:ea typeface="+mn-ea"/>
+                <a:cs typeface="Segoe UI" panose="020B0502040204020203" pitchFamily="34" charset="0"/>
+              </a:rPr>
+              <a:t>MCP</a:t>
+            </a:r>
+          </a:p>
+          <a:p>
+            <a:pPr marL="0" marR="0" lvl="0" indent="0" algn="ctr" defTabSz="914400" rtl="0" eaLnBrk="1" fontAlgn="auto" latinLnBrk="0" hangingPunct="1">
+              <a:lnSpc>
+                <a:spcPct val="100000"/>
+              </a:lnSpc>
+              <a:spcBef>
+                <a:spcPts val="0"/>
+              </a:spcBef>
+              <a:spcAft>
+                <a:spcPts val="0"/>
+              </a:spcAft>
+              <a:buClrTx/>
+              <a:buSzTx/>
+              <a:buFontTx/>
+              <a:buNone/>
+              <a:tabLst/>
+              <a:defRPr/>
+            </a:pPr>
+            <a:r>
+              <a:rPr kumimoji="0" lang="en-US" sz="1050" b="0" i="0" u="none" strike="noStrike" kern="1200" cap="none" spc="0" normalizeH="0" baseline="0" noProof="0" dirty="0">
+                <a:ln>
+                  <a:noFill/>
+                </a:ln>
+                <a:solidFill>
+                  <a:prstClr val="black"/>
+                </a:solidFill>
+                <a:effectLst/>
+                <a:uLnTx/>
+                <a:uFillTx/>
+                <a:latin typeface="Segoe UI" panose="020B0502040204020203" pitchFamily="34" charset="0"/>
+                <a:ea typeface="+mn-ea"/>
+                <a:cs typeface="Segoe UI" panose="020B0502040204020203" pitchFamily="34" charset="0"/>
+              </a:rPr>
+              <a:t>(stdio)</a:t>
+            </a:r>
+          </a:p>
+        </p:txBody>
+      </p:sp>
+      <p:pic>
+        <p:nvPicPr>
+          <p:cNvPr id="23558" name="Picture 6" descr="Semantic Kernel Roadmap H1 2025 ...">
+            <a:extLst>
+              <a:ext uri="{FF2B5EF4-FFF2-40B4-BE49-F238E27FC236}">
+                <a16:creationId xmlns:a16="http://schemas.microsoft.com/office/drawing/2014/main" id="{51A36023-89A7-C879-0EF6-D310EE0F0DD9}"/>
+              </a:ext>
+            </a:extLst>
+          </p:cNvPr>
+          <p:cNvPicPr>
+            <a:picLocks noChangeAspect="1" noChangeArrowheads="1"/>
+          </p:cNvPicPr>
+          <p:nvPr/>
+        </p:nvPicPr>
+        <p:blipFill rotWithShape="1">
+          <a:blip r:embed="rId6">
+            <a:clrChange>
+              <a:clrFrom>
+                <a:srgbClr val="FFFFFF"/>
+              </a:clrFrom>
+              <a:clrTo>
+                <a:srgbClr val="FFFFFF">
+                  <a:alpha val="0"/>
+                </a:srgbClr>
+              </a:clrTo>
+            </a:clrChange>
+            <a:extLst>
+              <a:ext uri="{28A0092B-C50C-407E-A947-70E740481C1C}">
+                <a14:useLocalDpi xmlns:a14="http://schemas.microsoft.com/office/drawing/2010/main" val="0"/>
+              </a:ext>
+            </a:extLst>
+          </a:blip>
+          <a:srcRect l="28311" r="23923" b="24870"/>
+          <a:stretch>
+            <a:fillRect/>
+          </a:stretch>
+        </p:blipFill>
+        <p:spPr bwMode="auto">
+          <a:xfrm>
+            <a:off x="6414334" y="2673417"/>
+            <a:ext cx="200765" cy="258486"/>
+          </a:xfrm>
+          <a:prstGeom prst="rect">
+            <a:avLst/>
+          </a:prstGeom>
+          <a:noFill/>
+          <a:extLst>
+            <a:ext uri="{909E8E84-426E-40DD-AFC4-6F175D3DCCD1}">
+              <a14:hiddenFill xmlns:a14="http://schemas.microsoft.com/office/drawing/2010/main">
+                <a:solidFill>
+                  <a:srgbClr val="FFFFFF"/>
+                </a:solidFill>
+              </a14:hiddenFill>
+            </a:ext>
+          </a:extLst>
+        </p:spPr>
+      </p:pic>
+      <p:pic>
+        <p:nvPicPr>
+          <p:cNvPr id="23560" name="Picture 8" descr="MCP (Model Context Protocol) Logo Fr ...">
+            <a:extLst>
+              <a:ext uri="{FF2B5EF4-FFF2-40B4-BE49-F238E27FC236}">
+                <a16:creationId xmlns:a16="http://schemas.microsoft.com/office/drawing/2014/main" id="{90CC50FB-C3BE-96D9-F162-3316E455C2B9}"/>
+              </a:ext>
+            </a:extLst>
+          </p:cNvPr>
+          <p:cNvPicPr>
+            <a:picLocks noChangeAspect="1" noChangeArrowheads="1"/>
+          </p:cNvPicPr>
+          <p:nvPr/>
+        </p:nvPicPr>
+        <p:blipFill>
+          <a:blip r:embed="rId7">
+            <a:extLst>
+              <a:ext uri="{28A0092B-C50C-407E-A947-70E740481C1C}">
+                <a14:useLocalDpi xmlns:a14="http://schemas.microsoft.com/office/drawing/2010/main" val="0"/>
+              </a:ext>
+            </a:extLst>
+          </a:blip>
+          <a:srcRect/>
+          <a:stretch>
+            <a:fillRect/>
+          </a:stretch>
+        </p:blipFill>
+        <p:spPr bwMode="auto">
+          <a:xfrm>
+            <a:off x="5697796" y="2673417"/>
+            <a:ext cx="261889" cy="261889"/>
+          </a:xfrm>
+          <a:prstGeom prst="rect">
+            <a:avLst/>
+          </a:prstGeom>
+          <a:noFill/>
+          <a:extLst>
+            <a:ext uri="{909E8E84-426E-40DD-AFC4-6F175D3DCCD1}">
+              <a14:hiddenFill xmlns:a14="http://schemas.microsoft.com/office/drawing/2010/main">
+                <a:solidFill>
+                  <a:srgbClr val="FFFFFF"/>
+                </a:solidFill>
+              </a14:hiddenFill>
+            </a:ext>
+          </a:extLst>
+        </p:spPr>
+      </p:pic>
+      <p:pic>
+        <p:nvPicPr>
+          <p:cNvPr id="23562" name="Picture 10" descr="Microsoft Dot Net icon SVG Vector &amp; PNG ...">
+            <a:extLst>
+              <a:ext uri="{FF2B5EF4-FFF2-40B4-BE49-F238E27FC236}">
+                <a16:creationId xmlns:a16="http://schemas.microsoft.com/office/drawing/2014/main" id="{14CE05A4-1533-91E8-5BD7-3B7039F87254}"/>
+              </a:ext>
+            </a:extLst>
+          </p:cNvPr>
+          <p:cNvPicPr>
+            <a:picLocks noChangeAspect="1" noChangeArrowheads="1"/>
+          </p:cNvPicPr>
+          <p:nvPr/>
+        </p:nvPicPr>
+        <p:blipFill>
+          <a:blip r:embed="rId8">
+            <a:extLst>
+              <a:ext uri="{28A0092B-C50C-407E-A947-70E740481C1C}">
+                <a14:useLocalDpi xmlns:a14="http://schemas.microsoft.com/office/drawing/2010/main" val="0"/>
+              </a:ext>
+            </a:extLst>
+          </a:blip>
+          <a:srcRect/>
+          <a:stretch>
+            <a:fillRect/>
+          </a:stretch>
+        </p:blipFill>
+        <p:spPr bwMode="auto">
+          <a:xfrm>
+            <a:off x="6962461" y="2677537"/>
+            <a:ext cx="261889" cy="261889"/>
+          </a:xfrm>
+          <a:prstGeom prst="rect">
+            <a:avLst/>
+          </a:prstGeom>
+          <a:noFill/>
+          <a:extLst>
+            <a:ext uri="{909E8E84-426E-40DD-AFC4-6F175D3DCCD1}">
+              <a14:hiddenFill xmlns:a14="http://schemas.microsoft.com/office/drawing/2010/main">
+                <a:solidFill>
+                  <a:srgbClr val="FFFFFF"/>
+                </a:solidFill>
+              </a14:hiddenFill>
+            </a:ext>
+          </a:extLst>
+        </p:spPr>
+      </p:pic>
+      <p:sp>
+        <p:nvSpPr>
+          <p:cNvPr id="54" name="TextBox 53">
+            <a:extLst>
+              <a:ext uri="{FF2B5EF4-FFF2-40B4-BE49-F238E27FC236}">
+                <a16:creationId xmlns:a16="http://schemas.microsoft.com/office/drawing/2014/main" id="{3DC94B3E-F729-3A7E-76E9-D586696ABD4E}"/>
+              </a:ext>
+            </a:extLst>
+          </p:cNvPr>
+          <p:cNvSpPr txBox="1"/>
+          <p:nvPr/>
+        </p:nvSpPr>
+        <p:spPr>
+          <a:xfrm>
+            <a:off x="6203299" y="2886547"/>
+            <a:ext cx="604720" cy="338554"/>
+          </a:xfrm>
+          <a:prstGeom prst="rect">
+            <a:avLst/>
+          </a:prstGeom>
+          <a:noFill/>
+        </p:spPr>
+        <p:txBody>
+          <a:bodyPr wrap="square">
+            <a:spAutoFit/>
+          </a:bodyPr>
+          <a:lstStyle/>
+          <a:p>
+            <a:pPr marL="0" marR="0" lvl="0" indent="0" algn="ctr" defTabSz="914400" rtl="0" eaLnBrk="1" fontAlgn="auto" latinLnBrk="0" hangingPunct="1">
+              <a:lnSpc>
+                <a:spcPct val="100000"/>
+              </a:lnSpc>
+              <a:spcBef>
+                <a:spcPts val="0"/>
+              </a:spcBef>
+              <a:spcAft>
+                <a:spcPts val="0"/>
+              </a:spcAft>
+              <a:buClrTx/>
+              <a:buSzTx/>
+              <a:buFontTx/>
+              <a:buNone/>
+              <a:tabLst/>
+              <a:defRPr/>
+            </a:pPr>
+            <a:r>
+              <a:rPr kumimoji="0" lang="en-US" sz="800" b="0" i="0" u="none" strike="noStrike" kern="1200" cap="none" spc="0" normalizeH="0" baseline="0" noProof="0" dirty="0">
+                <a:ln>
+                  <a:noFill/>
+                </a:ln>
+                <a:solidFill>
+                  <a:prstClr val="black"/>
+                </a:solidFill>
+                <a:effectLst/>
+                <a:uLnTx/>
+                <a:uFillTx/>
+                <a:latin typeface="Segoe UI" panose="020B0502040204020203" pitchFamily="34" charset="0"/>
+                <a:ea typeface="+mn-ea"/>
+                <a:cs typeface="Segoe UI" panose="020B0502040204020203" pitchFamily="34" charset="0"/>
+              </a:rPr>
+              <a:t>Semantic</a:t>
+            </a:r>
+          </a:p>
+          <a:p>
+            <a:pPr marL="0" marR="0" lvl="0" indent="0" algn="ctr" defTabSz="914400" rtl="0" eaLnBrk="1" fontAlgn="auto" latinLnBrk="0" hangingPunct="1">
+              <a:lnSpc>
+                <a:spcPct val="100000"/>
+              </a:lnSpc>
+              <a:spcBef>
+                <a:spcPts val="0"/>
+              </a:spcBef>
+              <a:spcAft>
+                <a:spcPts val="0"/>
+              </a:spcAft>
+              <a:buClrTx/>
+              <a:buSzTx/>
+              <a:buFontTx/>
+              <a:buNone/>
+              <a:tabLst/>
+              <a:defRPr/>
+            </a:pPr>
+            <a:r>
+              <a:rPr kumimoji="0" lang="en-US" sz="800" b="0" i="0" u="none" strike="noStrike" kern="1200" cap="none" spc="0" normalizeH="0" baseline="0" noProof="0" dirty="0">
+                <a:ln>
+                  <a:noFill/>
+                </a:ln>
+                <a:solidFill>
+                  <a:prstClr val="black"/>
+                </a:solidFill>
+                <a:effectLst/>
+                <a:uLnTx/>
+                <a:uFillTx/>
+                <a:latin typeface="Segoe UI" panose="020B0502040204020203" pitchFamily="34" charset="0"/>
+                <a:ea typeface="+mn-ea"/>
+                <a:cs typeface="Segoe UI" panose="020B0502040204020203" pitchFamily="34" charset="0"/>
+              </a:rPr>
+              <a:t>Kernel</a:t>
+            </a:r>
+          </a:p>
+        </p:txBody>
+      </p:sp>
+      <p:sp>
+        <p:nvSpPr>
+          <p:cNvPr id="55" name="TextBox 54">
+            <a:extLst>
+              <a:ext uri="{FF2B5EF4-FFF2-40B4-BE49-F238E27FC236}">
+                <a16:creationId xmlns:a16="http://schemas.microsoft.com/office/drawing/2014/main" id="{282E1F6E-6194-994A-F0A3-1E2A85815ED7}"/>
+              </a:ext>
+            </a:extLst>
+          </p:cNvPr>
+          <p:cNvSpPr txBox="1"/>
+          <p:nvPr/>
+        </p:nvSpPr>
+        <p:spPr>
+          <a:xfrm>
+            <a:off x="5416484" y="2890901"/>
+            <a:ext cx="852284" cy="338554"/>
+          </a:xfrm>
+          <a:prstGeom prst="rect">
+            <a:avLst/>
+          </a:prstGeom>
+          <a:noFill/>
+        </p:spPr>
+        <p:txBody>
+          <a:bodyPr wrap="square">
+            <a:spAutoFit/>
+          </a:bodyPr>
+          <a:lstStyle/>
+          <a:p>
+            <a:pPr marL="0" marR="0" lvl="0" indent="0" algn="ctr" defTabSz="914400" rtl="0" eaLnBrk="1" fontAlgn="auto" latinLnBrk="0" hangingPunct="1">
+              <a:lnSpc>
+                <a:spcPct val="100000"/>
+              </a:lnSpc>
+              <a:spcBef>
+                <a:spcPts val="0"/>
+              </a:spcBef>
+              <a:spcAft>
+                <a:spcPts val="0"/>
+              </a:spcAft>
+              <a:buClrTx/>
+              <a:buSzTx/>
+              <a:buFontTx/>
+              <a:buNone/>
+              <a:tabLst/>
+              <a:defRPr/>
+            </a:pPr>
+            <a:r>
+              <a:rPr kumimoji="0" lang="en-US" sz="800" b="0" i="0" u="none" strike="noStrike" kern="1200" cap="none" spc="0" normalizeH="0" baseline="0" noProof="0" dirty="0">
+                <a:ln>
+                  <a:noFill/>
+                </a:ln>
+                <a:solidFill>
+                  <a:prstClr val="black"/>
+                </a:solidFill>
+                <a:effectLst/>
+                <a:uLnTx/>
+                <a:uFillTx/>
+                <a:latin typeface="Segoe UI" panose="020B0502040204020203" pitchFamily="34" charset="0"/>
+                <a:ea typeface="+mn-ea"/>
+                <a:cs typeface="Segoe UI" panose="020B0502040204020203" pitchFamily="34" charset="0"/>
+              </a:rPr>
+              <a:t>Model Context Protocol</a:t>
+            </a:r>
+          </a:p>
+        </p:txBody>
+      </p:sp>
+      <p:sp>
+        <p:nvSpPr>
+          <p:cNvPr id="56" name="TextBox 55">
+            <a:extLst>
+              <a:ext uri="{FF2B5EF4-FFF2-40B4-BE49-F238E27FC236}">
+                <a16:creationId xmlns:a16="http://schemas.microsoft.com/office/drawing/2014/main" id="{9234BCD2-2132-026F-7921-A4F0E63719AD}"/>
+              </a:ext>
+            </a:extLst>
+          </p:cNvPr>
+          <p:cNvSpPr txBox="1"/>
+          <p:nvPr/>
+        </p:nvSpPr>
+        <p:spPr>
+          <a:xfrm>
+            <a:off x="6812444" y="2931903"/>
+            <a:ext cx="604720" cy="215444"/>
+          </a:xfrm>
+          <a:prstGeom prst="rect">
+            <a:avLst/>
+          </a:prstGeom>
+          <a:noFill/>
+        </p:spPr>
+        <p:txBody>
+          <a:bodyPr wrap="square">
+            <a:spAutoFit/>
+          </a:bodyPr>
+          <a:lstStyle/>
+          <a:p>
+            <a:pPr marL="0" marR="0" lvl="0" indent="0" algn="ctr" defTabSz="914400" rtl="0" eaLnBrk="1" fontAlgn="auto" latinLnBrk="0" hangingPunct="1">
+              <a:lnSpc>
+                <a:spcPct val="100000"/>
+              </a:lnSpc>
+              <a:spcBef>
+                <a:spcPts val="0"/>
+              </a:spcBef>
+              <a:spcAft>
+                <a:spcPts val="0"/>
+              </a:spcAft>
+              <a:buClrTx/>
+              <a:buSzTx/>
+              <a:buFontTx/>
+              <a:buNone/>
+              <a:tabLst/>
+              <a:defRPr/>
+            </a:pPr>
+            <a:r>
+              <a:rPr kumimoji="0" lang="en-US" sz="800" b="0" i="0" u="none" strike="noStrike" kern="1200" cap="none" spc="0" normalizeH="0" baseline="0" noProof="0" dirty="0">
+                <a:ln>
+                  <a:noFill/>
+                </a:ln>
+                <a:solidFill>
+                  <a:prstClr val="black"/>
+                </a:solidFill>
+                <a:effectLst/>
+                <a:uLnTx/>
+                <a:uFillTx/>
+                <a:latin typeface="Segoe UI" panose="020B0502040204020203" pitchFamily="34" charset="0"/>
+                <a:ea typeface="+mn-ea"/>
+                <a:cs typeface="Segoe UI" panose="020B0502040204020203" pitchFamily="34" charset="0"/>
+              </a:rPr>
+              <a:t>C#</a:t>
+            </a:r>
+          </a:p>
+        </p:txBody>
+      </p:sp>
+      <p:sp>
+        <p:nvSpPr>
+          <p:cNvPr id="58" name="Rectangle: Rounded Corners 57">
+            <a:extLst>
+              <a:ext uri="{FF2B5EF4-FFF2-40B4-BE49-F238E27FC236}">
+                <a16:creationId xmlns:a16="http://schemas.microsoft.com/office/drawing/2014/main" id="{DC1CA802-B794-0CF1-9455-D04D93565294}"/>
+              </a:ext>
+            </a:extLst>
+          </p:cNvPr>
+          <p:cNvSpPr/>
+          <p:nvPr/>
+        </p:nvSpPr>
+        <p:spPr>
+          <a:xfrm>
+            <a:off x="8169033" y="2110236"/>
+            <a:ext cx="2047461" cy="1103244"/>
+          </a:xfrm>
+          <a:prstGeom prst="roundRect">
+            <a:avLst/>
+          </a:prstGeom>
+          <a:solidFill>
+            <a:schemeClr val="bg1"/>
+          </a:solidFill>
+          <a:ln>
+            <a:solidFill>
+              <a:schemeClr val="tx1"/>
+            </a:solidFill>
+          </a:ln>
+        </p:spPr>
+        <p:style>
+          <a:lnRef idx="2">
+            <a:schemeClr val="accent1">
+              <a:shade val="15000"/>
+            </a:schemeClr>
+          </a:lnRef>
+          <a:fillRef idx="1">
+            <a:schemeClr val="accent1"/>
+          </a:fillRef>
+          <a:effectRef idx="0">
+            <a:schemeClr val="accent1"/>
+          </a:effectRef>
+          <a:fontRef idx="minor">
+            <a:schemeClr val="lt1"/>
+          </a:fontRef>
+        </p:style>
+        <p:txBody>
+          <a:bodyPr rtlCol="0" anchor="ctr"/>
+          <a:lstStyle/>
+          <a:p>
+            <a:pPr marL="0" marR="0" lvl="0" indent="0" algn="ctr" defTabSz="914400" rtl="0" eaLnBrk="1" fontAlgn="auto" latinLnBrk="0" hangingPunct="1">
+              <a:lnSpc>
+                <a:spcPct val="100000"/>
+              </a:lnSpc>
+              <a:spcBef>
+                <a:spcPts val="0"/>
+              </a:spcBef>
+              <a:spcAft>
+                <a:spcPts val="0"/>
+              </a:spcAft>
+              <a:buClrTx/>
+              <a:buSzTx/>
+              <a:buFontTx/>
+              <a:buNone/>
+              <a:tabLst/>
+              <a:defRPr/>
+            </a:pPr>
+            <a:endParaRPr kumimoji="0" lang="en-US" sz="1800" b="0" i="0" u="none" strike="noStrike" kern="1200" cap="none" spc="0" normalizeH="0" baseline="0" noProof="0" dirty="0">
+              <a:ln>
+                <a:noFill/>
+              </a:ln>
+              <a:solidFill>
+                <a:prstClr val="white"/>
+              </a:solidFill>
+              <a:effectLst/>
+              <a:uLnTx/>
+              <a:uFillTx/>
+              <a:latin typeface="Aptos" panose="02110004020202020204"/>
+              <a:ea typeface="+mn-ea"/>
+              <a:cs typeface="+mn-cs"/>
+            </a:endParaRPr>
+          </a:p>
+        </p:txBody>
+      </p:sp>
+      <p:sp>
+        <p:nvSpPr>
+          <p:cNvPr id="59" name="TextBox 58">
+            <a:extLst>
+              <a:ext uri="{FF2B5EF4-FFF2-40B4-BE49-F238E27FC236}">
+                <a16:creationId xmlns:a16="http://schemas.microsoft.com/office/drawing/2014/main" id="{9F1BCAE6-670B-0AD9-AAA5-186DC2FAA921}"/>
+              </a:ext>
+            </a:extLst>
+          </p:cNvPr>
+          <p:cNvSpPr txBox="1"/>
+          <p:nvPr/>
+        </p:nvSpPr>
+        <p:spPr>
+          <a:xfrm>
+            <a:off x="8733258" y="2097208"/>
+            <a:ext cx="1471172" cy="630942"/>
+          </a:xfrm>
+          <a:prstGeom prst="rect">
+            <a:avLst/>
+          </a:prstGeom>
+          <a:noFill/>
+        </p:spPr>
+        <p:txBody>
+          <a:bodyPr wrap="square">
+            <a:spAutoFit/>
+          </a:bodyPr>
+          <a:lstStyle/>
+          <a:p>
+            <a:pPr marL="0" marR="0" lvl="0" indent="0" algn="ctr" defTabSz="914400" rtl="0" eaLnBrk="1" fontAlgn="auto" latinLnBrk="0" hangingPunct="1">
+              <a:lnSpc>
+                <a:spcPct val="100000"/>
+              </a:lnSpc>
+              <a:spcBef>
+                <a:spcPts val="0"/>
+              </a:spcBef>
+              <a:spcAft>
+                <a:spcPts val="0"/>
+              </a:spcAft>
+              <a:buClrTx/>
+              <a:buSzTx/>
+              <a:buFontTx/>
+              <a:buNone/>
+              <a:tabLst/>
+              <a:defRPr/>
+            </a:pPr>
+            <a:r>
+              <a:rPr kumimoji="0" lang="en-US" sz="1400" b="0" i="0" u="none" strike="noStrike" kern="1200" cap="none" spc="0" normalizeH="0" baseline="0" noProof="0" dirty="0">
+                <a:ln>
+                  <a:noFill/>
+                </a:ln>
+                <a:solidFill>
+                  <a:prstClr val="black"/>
+                </a:solidFill>
+                <a:effectLst/>
+                <a:uLnTx/>
+                <a:uFillTx/>
+                <a:latin typeface="Segoe UI" panose="020B0502040204020203" pitchFamily="34" charset="0"/>
+                <a:ea typeface="+mn-ea"/>
+                <a:cs typeface="Segoe UI" panose="020B0502040204020203" pitchFamily="34" charset="0"/>
+              </a:rPr>
+              <a:t>AI Agent</a:t>
+            </a:r>
+          </a:p>
+          <a:p>
+            <a:pPr algn="ctr"/>
+            <a:r>
+              <a:rPr lang="en-US" sz="1200" dirty="0">
+                <a:solidFill>
+                  <a:prstClr val="white">
+                    <a:lumMod val="50000"/>
+                  </a:prstClr>
+                </a:solidFill>
+                <a:latin typeface="Segoe UI" panose="020B0502040204020203" pitchFamily="34" charset="0"/>
+                <a:cs typeface="Segoe UI" panose="020B0502040204020203" pitchFamily="34" charset="0"/>
+              </a:rPr>
+              <a:t>Chat Agent</a:t>
+            </a:r>
+          </a:p>
+          <a:p>
+            <a:pPr algn="ctr"/>
+            <a:r>
+              <a:rPr lang="en-US" sz="900" dirty="0">
+                <a:solidFill>
+                  <a:prstClr val="white">
+                    <a:lumMod val="50000"/>
+                  </a:prstClr>
+                </a:solidFill>
+                <a:latin typeface="Segoe UI" panose="020B0502040204020203" pitchFamily="34" charset="0"/>
+                <a:cs typeface="Segoe UI" panose="020B0502040204020203" pitchFamily="34" charset="0"/>
+              </a:rPr>
+              <a:t>(ChatCompletionAgent)</a:t>
+            </a:r>
+          </a:p>
+        </p:txBody>
+      </p:sp>
+      <p:pic>
+        <p:nvPicPr>
+          <p:cNvPr id="60" name="Picture 59">
+            <a:extLst>
+              <a:ext uri="{FF2B5EF4-FFF2-40B4-BE49-F238E27FC236}">
+                <a16:creationId xmlns:a16="http://schemas.microsoft.com/office/drawing/2014/main" id="{B930D32E-D55A-BC7E-346B-38D688EBD1EA}"/>
+              </a:ext>
+            </a:extLst>
+          </p:cNvPr>
+          <p:cNvPicPr>
+            <a:picLocks noChangeAspect="1"/>
+          </p:cNvPicPr>
+          <p:nvPr/>
+        </p:nvPicPr>
+        <p:blipFill>
+          <a:blip r:embed="rId3"/>
+          <a:stretch>
+            <a:fillRect/>
+          </a:stretch>
+        </p:blipFill>
+        <p:spPr>
+          <a:xfrm>
+            <a:off x="8283389" y="2143406"/>
+            <a:ext cx="500312" cy="443353"/>
+          </a:xfrm>
+          <a:prstGeom prst="rect">
+            <a:avLst/>
+          </a:prstGeom>
+        </p:spPr>
+      </p:pic>
+      <p:pic>
+        <p:nvPicPr>
+          <p:cNvPr id="61" name="Picture 6" descr="Semantic Kernel Roadmap H1 2025 ...">
+            <a:extLst>
+              <a:ext uri="{FF2B5EF4-FFF2-40B4-BE49-F238E27FC236}">
+                <a16:creationId xmlns:a16="http://schemas.microsoft.com/office/drawing/2014/main" id="{951BC739-38BB-A92E-D4C1-5A052CF4FA79}"/>
+              </a:ext>
+            </a:extLst>
+          </p:cNvPr>
+          <p:cNvPicPr>
+            <a:picLocks noChangeAspect="1" noChangeArrowheads="1"/>
+          </p:cNvPicPr>
+          <p:nvPr/>
+        </p:nvPicPr>
+        <p:blipFill rotWithShape="1">
+          <a:blip r:embed="rId6">
+            <a:clrChange>
+              <a:clrFrom>
+                <a:srgbClr val="FFFFFF"/>
+              </a:clrFrom>
+              <a:clrTo>
+                <a:srgbClr val="FFFFFF">
+                  <a:alpha val="0"/>
+                </a:srgbClr>
+              </a:clrTo>
+            </a:clrChange>
+            <a:extLst>
+              <a:ext uri="{28A0092B-C50C-407E-A947-70E740481C1C}">
+                <a14:useLocalDpi xmlns:a14="http://schemas.microsoft.com/office/drawing/2010/main" val="0"/>
+              </a:ext>
+            </a:extLst>
+          </a:blip>
+          <a:srcRect l="28311" r="23923" b="24870"/>
+          <a:stretch>
+            <a:fillRect/>
+          </a:stretch>
+        </p:blipFill>
+        <p:spPr bwMode="auto">
+          <a:xfrm>
+            <a:off x="8788874" y="2696567"/>
+            <a:ext cx="200765" cy="258486"/>
+          </a:xfrm>
+          <a:prstGeom prst="rect">
+            <a:avLst/>
+          </a:prstGeom>
+          <a:noFill/>
+          <a:extLst>
+            <a:ext uri="{909E8E84-426E-40DD-AFC4-6F175D3DCCD1}">
+              <a14:hiddenFill xmlns:a14="http://schemas.microsoft.com/office/drawing/2010/main">
+                <a:solidFill>
+                  <a:srgbClr val="FFFFFF"/>
+                </a:solidFill>
+              </a14:hiddenFill>
+            </a:ext>
+          </a:extLst>
+        </p:spPr>
+      </p:pic>
+      <p:pic>
+        <p:nvPicPr>
+          <p:cNvPr id="63" name="Picture 10" descr="Microsoft Dot Net icon SVG Vector &amp; PNG ...">
+            <a:extLst>
+              <a:ext uri="{FF2B5EF4-FFF2-40B4-BE49-F238E27FC236}">
+                <a16:creationId xmlns:a16="http://schemas.microsoft.com/office/drawing/2014/main" id="{4AB3B8DA-4C71-9A05-B443-8714FC5E389C}"/>
+              </a:ext>
+            </a:extLst>
+          </p:cNvPr>
+          <p:cNvPicPr>
+            <a:picLocks noChangeAspect="1" noChangeArrowheads="1"/>
+          </p:cNvPicPr>
+          <p:nvPr/>
+        </p:nvPicPr>
+        <p:blipFill>
+          <a:blip r:embed="rId8">
+            <a:extLst>
+              <a:ext uri="{28A0092B-C50C-407E-A947-70E740481C1C}">
+                <a14:useLocalDpi xmlns:a14="http://schemas.microsoft.com/office/drawing/2010/main" val="0"/>
+              </a:ext>
+            </a:extLst>
+          </a:blip>
+          <a:srcRect/>
+          <a:stretch>
+            <a:fillRect/>
+          </a:stretch>
+        </p:blipFill>
+        <p:spPr bwMode="auto">
+          <a:xfrm>
+            <a:off x="9337001" y="2700687"/>
+            <a:ext cx="261889" cy="261889"/>
+          </a:xfrm>
+          <a:prstGeom prst="rect">
+            <a:avLst/>
+          </a:prstGeom>
+          <a:noFill/>
+          <a:extLst>
+            <a:ext uri="{909E8E84-426E-40DD-AFC4-6F175D3DCCD1}">
+              <a14:hiddenFill xmlns:a14="http://schemas.microsoft.com/office/drawing/2010/main">
+                <a:solidFill>
+                  <a:srgbClr val="FFFFFF"/>
+                </a:solidFill>
+              </a14:hiddenFill>
+            </a:ext>
+          </a:extLst>
+        </p:spPr>
+      </p:pic>
+      <p:sp>
+        <p:nvSpPr>
+          <p:cNvPr id="23552" name="TextBox 23551">
+            <a:extLst>
+              <a:ext uri="{FF2B5EF4-FFF2-40B4-BE49-F238E27FC236}">
+                <a16:creationId xmlns:a16="http://schemas.microsoft.com/office/drawing/2014/main" id="{F94A16F3-FFD0-9241-8B7A-01005CDA26FF}"/>
+              </a:ext>
+            </a:extLst>
+          </p:cNvPr>
+          <p:cNvSpPr txBox="1"/>
+          <p:nvPr/>
+        </p:nvSpPr>
+        <p:spPr>
+          <a:xfrm>
+            <a:off x="8577839" y="2909697"/>
+            <a:ext cx="604720" cy="338554"/>
+          </a:xfrm>
+          <a:prstGeom prst="rect">
+            <a:avLst/>
+          </a:prstGeom>
+          <a:noFill/>
+        </p:spPr>
+        <p:txBody>
+          <a:bodyPr wrap="square">
+            <a:spAutoFit/>
+          </a:bodyPr>
+          <a:lstStyle/>
+          <a:p>
+            <a:pPr marL="0" marR="0" lvl="0" indent="0" algn="ctr" defTabSz="914400" rtl="0" eaLnBrk="1" fontAlgn="auto" latinLnBrk="0" hangingPunct="1">
+              <a:lnSpc>
+                <a:spcPct val="100000"/>
+              </a:lnSpc>
+              <a:spcBef>
+                <a:spcPts val="0"/>
+              </a:spcBef>
+              <a:spcAft>
+                <a:spcPts val="0"/>
+              </a:spcAft>
+              <a:buClrTx/>
+              <a:buSzTx/>
+              <a:buFontTx/>
+              <a:buNone/>
+              <a:tabLst/>
+              <a:defRPr/>
+            </a:pPr>
+            <a:r>
+              <a:rPr kumimoji="0" lang="en-US" sz="800" b="0" i="0" u="none" strike="noStrike" kern="1200" cap="none" spc="0" normalizeH="0" baseline="0" noProof="0" dirty="0">
+                <a:ln>
+                  <a:noFill/>
+                </a:ln>
+                <a:solidFill>
+                  <a:prstClr val="black"/>
+                </a:solidFill>
+                <a:effectLst/>
+                <a:uLnTx/>
+                <a:uFillTx/>
+                <a:latin typeface="Segoe UI" panose="020B0502040204020203" pitchFamily="34" charset="0"/>
+                <a:ea typeface="+mn-ea"/>
+                <a:cs typeface="Segoe UI" panose="020B0502040204020203" pitchFamily="34" charset="0"/>
+              </a:rPr>
+              <a:t>Semantic</a:t>
+            </a:r>
+          </a:p>
+          <a:p>
+            <a:pPr marL="0" marR="0" lvl="0" indent="0" algn="ctr" defTabSz="914400" rtl="0" eaLnBrk="1" fontAlgn="auto" latinLnBrk="0" hangingPunct="1">
+              <a:lnSpc>
+                <a:spcPct val="100000"/>
+              </a:lnSpc>
+              <a:spcBef>
+                <a:spcPts val="0"/>
+              </a:spcBef>
+              <a:spcAft>
+                <a:spcPts val="0"/>
+              </a:spcAft>
+              <a:buClrTx/>
+              <a:buSzTx/>
+              <a:buFontTx/>
+              <a:buNone/>
+              <a:tabLst/>
+              <a:defRPr/>
+            </a:pPr>
+            <a:r>
+              <a:rPr kumimoji="0" lang="en-US" sz="800" b="0" i="0" u="none" strike="noStrike" kern="1200" cap="none" spc="0" normalizeH="0" baseline="0" noProof="0" dirty="0">
+                <a:ln>
+                  <a:noFill/>
+                </a:ln>
+                <a:solidFill>
+                  <a:prstClr val="black"/>
+                </a:solidFill>
+                <a:effectLst/>
+                <a:uLnTx/>
+                <a:uFillTx/>
+                <a:latin typeface="Segoe UI" panose="020B0502040204020203" pitchFamily="34" charset="0"/>
+                <a:ea typeface="+mn-ea"/>
+                <a:cs typeface="Segoe UI" panose="020B0502040204020203" pitchFamily="34" charset="0"/>
+              </a:rPr>
+              <a:t>Kernel</a:t>
+            </a:r>
+          </a:p>
+        </p:txBody>
+      </p:sp>
+      <p:sp>
+        <p:nvSpPr>
+          <p:cNvPr id="23555" name="TextBox 23554">
+            <a:extLst>
+              <a:ext uri="{FF2B5EF4-FFF2-40B4-BE49-F238E27FC236}">
+                <a16:creationId xmlns:a16="http://schemas.microsoft.com/office/drawing/2014/main" id="{970B9F47-CE0D-5D2F-D352-BE3CB2C11FCF}"/>
+              </a:ext>
+            </a:extLst>
+          </p:cNvPr>
+          <p:cNvSpPr txBox="1"/>
+          <p:nvPr/>
+        </p:nvSpPr>
+        <p:spPr>
+          <a:xfrm>
+            <a:off x="9186984" y="2955053"/>
+            <a:ext cx="604720" cy="215444"/>
+          </a:xfrm>
+          <a:prstGeom prst="rect">
+            <a:avLst/>
+          </a:prstGeom>
+          <a:noFill/>
+        </p:spPr>
+        <p:txBody>
+          <a:bodyPr wrap="square">
+            <a:spAutoFit/>
+          </a:bodyPr>
+          <a:lstStyle/>
+          <a:p>
+            <a:pPr marL="0" marR="0" lvl="0" indent="0" algn="ctr" defTabSz="914400" rtl="0" eaLnBrk="1" fontAlgn="auto" latinLnBrk="0" hangingPunct="1">
+              <a:lnSpc>
+                <a:spcPct val="100000"/>
+              </a:lnSpc>
+              <a:spcBef>
+                <a:spcPts val="0"/>
+              </a:spcBef>
+              <a:spcAft>
+                <a:spcPts val="0"/>
+              </a:spcAft>
+              <a:buClrTx/>
+              <a:buSzTx/>
+              <a:buFontTx/>
+              <a:buNone/>
+              <a:tabLst/>
+              <a:defRPr/>
+            </a:pPr>
+            <a:r>
+              <a:rPr kumimoji="0" lang="en-US" sz="800" b="0" i="0" u="none" strike="noStrike" kern="1200" cap="none" spc="0" normalizeH="0" baseline="0" noProof="0" dirty="0">
+                <a:ln>
+                  <a:noFill/>
+                </a:ln>
+                <a:solidFill>
+                  <a:prstClr val="black"/>
+                </a:solidFill>
+                <a:effectLst/>
+                <a:uLnTx/>
+                <a:uFillTx/>
+                <a:latin typeface="Segoe UI" panose="020B0502040204020203" pitchFamily="34" charset="0"/>
+                <a:ea typeface="+mn-ea"/>
+                <a:cs typeface="Segoe UI" panose="020B0502040204020203" pitchFamily="34" charset="0"/>
+              </a:rPr>
+              <a:t>C#</a:t>
+            </a:r>
+          </a:p>
+        </p:txBody>
+      </p:sp>
+      <p:sp>
+        <p:nvSpPr>
+          <p:cNvPr id="23557" name="Flowchart: Connector 23556">
+            <a:extLst>
+              <a:ext uri="{FF2B5EF4-FFF2-40B4-BE49-F238E27FC236}">
+                <a16:creationId xmlns:a16="http://schemas.microsoft.com/office/drawing/2014/main" id="{FDEFFD87-CFA7-4D06-2546-02D4C6104873}"/>
+              </a:ext>
+            </a:extLst>
+          </p:cNvPr>
+          <p:cNvSpPr>
+            <a:spLocks noChangeAspect="1"/>
+          </p:cNvSpPr>
+          <p:nvPr/>
+        </p:nvSpPr>
+        <p:spPr>
+          <a:xfrm>
+            <a:off x="7111141" y="3541297"/>
+            <a:ext cx="439592" cy="439592"/>
+          </a:xfrm>
+          <a:prstGeom prst="flowChartConnector">
+            <a:avLst/>
+          </a:prstGeom>
+          <a:solidFill>
+            <a:schemeClr val="bg1"/>
+          </a:solidFill>
+          <a:ln>
+            <a:solidFill>
+              <a:schemeClr val="tx1"/>
+            </a:solidFill>
+          </a:ln>
+        </p:spPr>
+        <p:style>
+          <a:lnRef idx="2">
+            <a:schemeClr val="accent1">
+              <a:shade val="15000"/>
+            </a:schemeClr>
+          </a:lnRef>
+          <a:fillRef idx="1">
+            <a:schemeClr val="accent1"/>
+          </a:fillRef>
+          <a:effectRef idx="0">
+            <a:schemeClr val="accent1"/>
+          </a:effectRef>
+          <a:fontRef idx="minor">
+            <a:schemeClr val="lt1"/>
+          </a:fontRef>
+        </p:style>
+        <p:txBody>
+          <a:bodyPr rtlCol="0" anchor="ctr"/>
+          <a:lstStyle/>
+          <a:p>
+            <a:pPr marL="0" marR="0" lvl="0" indent="0" algn="ctr" defTabSz="914400" rtl="0" eaLnBrk="1" fontAlgn="auto" latinLnBrk="0" hangingPunct="1">
+              <a:lnSpc>
+                <a:spcPct val="100000"/>
+              </a:lnSpc>
+              <a:spcBef>
+                <a:spcPts val="0"/>
+              </a:spcBef>
+              <a:spcAft>
+                <a:spcPts val="0"/>
+              </a:spcAft>
+              <a:buClrTx/>
+              <a:buSzTx/>
+              <a:buFontTx/>
+              <a:buNone/>
+              <a:tabLst/>
+              <a:defRPr/>
+            </a:pPr>
+            <a:endParaRPr kumimoji="0" lang="en-US" sz="1800" b="0" i="0" u="none" strike="noStrike" kern="1200" cap="none" spc="0" normalizeH="0" baseline="0" noProof="0">
+              <a:ln>
+                <a:noFill/>
+              </a:ln>
+              <a:solidFill>
+                <a:prstClr val="white"/>
+              </a:solidFill>
+              <a:effectLst/>
+              <a:uLnTx/>
+              <a:uFillTx/>
+              <a:latin typeface="Aptos" panose="02110004020202020204"/>
+              <a:ea typeface="+mn-ea"/>
+              <a:cs typeface="+mn-cs"/>
+            </a:endParaRPr>
+          </a:p>
+        </p:txBody>
+      </p:sp>
+      <p:pic>
+        <p:nvPicPr>
+          <p:cNvPr id="23559" name="Picture 2" descr="Here's OpenAI's new logo | The Verge">
+            <a:extLst>
+              <a:ext uri="{FF2B5EF4-FFF2-40B4-BE49-F238E27FC236}">
+                <a16:creationId xmlns:a16="http://schemas.microsoft.com/office/drawing/2014/main" id="{6376F93C-4665-9F23-220A-B1679BD15F43}"/>
+              </a:ext>
+            </a:extLst>
+          </p:cNvPr>
+          <p:cNvPicPr>
+            <a:picLocks noChangeAspect="1" noChangeArrowheads="1"/>
+          </p:cNvPicPr>
+          <p:nvPr/>
+        </p:nvPicPr>
+        <p:blipFill rotWithShape="1">
+          <a:blip r:embed="rId9">
+            <a:extLst>
+              <a:ext uri="{28A0092B-C50C-407E-A947-70E740481C1C}">
+                <a14:useLocalDpi xmlns:a14="http://schemas.microsoft.com/office/drawing/2010/main" val="0"/>
+              </a:ext>
+            </a:extLst>
+          </a:blip>
+          <a:srcRect l="24641" t="10723" r="22473" b="10725"/>
+          <a:stretch>
+            <a:fillRect/>
+          </a:stretch>
+        </p:blipFill>
+        <p:spPr bwMode="auto">
+          <a:xfrm>
+            <a:off x="7231737" y="3662439"/>
+            <a:ext cx="198400" cy="197308"/>
+          </a:xfrm>
+          <a:prstGeom prst="rect">
+            <a:avLst/>
+          </a:prstGeom>
+          <a:noFill/>
+          <a:extLst>
+            <a:ext uri="{909E8E84-426E-40DD-AFC4-6F175D3DCCD1}">
+              <a14:hiddenFill xmlns:a14="http://schemas.microsoft.com/office/drawing/2010/main">
+                <a:solidFill>
+                  <a:srgbClr val="FFFFFF"/>
+                </a:solidFill>
+              </a14:hiddenFill>
+            </a:ext>
+          </a:extLst>
+        </p:spPr>
+      </p:pic>
+      <p:sp>
+        <p:nvSpPr>
+          <p:cNvPr id="23561" name="TextBox 23560">
+            <a:extLst>
+              <a:ext uri="{FF2B5EF4-FFF2-40B4-BE49-F238E27FC236}">
+                <a16:creationId xmlns:a16="http://schemas.microsoft.com/office/drawing/2014/main" id="{2862BE3A-5F25-E1DB-2633-0DF61065DD74}"/>
+              </a:ext>
+            </a:extLst>
+          </p:cNvPr>
+          <p:cNvSpPr txBox="1"/>
+          <p:nvPr/>
+        </p:nvSpPr>
+        <p:spPr>
+          <a:xfrm>
+            <a:off x="7109039" y="3976841"/>
+            <a:ext cx="443795" cy="230832"/>
+          </a:xfrm>
+          <a:prstGeom prst="rect">
+            <a:avLst/>
+          </a:prstGeom>
+          <a:noFill/>
+        </p:spPr>
+        <p:txBody>
+          <a:bodyPr wrap="square">
+            <a:spAutoFit/>
+          </a:bodyPr>
+          <a:lstStyle/>
+          <a:p>
+            <a:pPr marL="0" marR="0" lvl="0" indent="0" algn="ctr" defTabSz="914400" rtl="0" eaLnBrk="1" fontAlgn="auto" latinLnBrk="0" hangingPunct="1">
+              <a:lnSpc>
+                <a:spcPct val="100000"/>
+              </a:lnSpc>
+              <a:spcBef>
+                <a:spcPts val="0"/>
+              </a:spcBef>
+              <a:spcAft>
+                <a:spcPts val="0"/>
+              </a:spcAft>
+              <a:buClrTx/>
+              <a:buSzTx/>
+              <a:buFontTx/>
+              <a:buNone/>
+              <a:tabLst/>
+              <a:defRPr/>
+            </a:pPr>
+            <a:r>
+              <a:rPr kumimoji="0" lang="en-US" sz="900" b="0" i="0" u="none" strike="noStrike" kern="1200" cap="none" spc="0" normalizeH="0" baseline="0" noProof="0" dirty="0">
+                <a:ln>
+                  <a:noFill/>
+                </a:ln>
+                <a:solidFill>
+                  <a:prstClr val="black"/>
+                </a:solidFill>
+                <a:effectLst/>
+                <a:uLnTx/>
+                <a:uFillTx/>
+                <a:latin typeface="Segoe UI" panose="020B0502040204020203" pitchFamily="34" charset="0"/>
+                <a:ea typeface="+mn-ea"/>
+                <a:cs typeface="Segoe UI" panose="020B0502040204020203" pitchFamily="34" charset="0"/>
+              </a:rPr>
+              <a:t>LLM</a:t>
+            </a:r>
+          </a:p>
+        </p:txBody>
+      </p:sp>
+      <p:sp>
+        <p:nvSpPr>
+          <p:cNvPr id="23563" name="Rectangle: Rounded Corners 23562">
+            <a:extLst>
+              <a:ext uri="{FF2B5EF4-FFF2-40B4-BE49-F238E27FC236}">
+                <a16:creationId xmlns:a16="http://schemas.microsoft.com/office/drawing/2014/main" id="{A736A2E6-BFE6-36C3-0834-4D5115C7911E}"/>
+              </a:ext>
+            </a:extLst>
+          </p:cNvPr>
+          <p:cNvSpPr/>
+          <p:nvPr/>
+        </p:nvSpPr>
+        <p:spPr>
+          <a:xfrm>
+            <a:off x="6934740" y="4426816"/>
+            <a:ext cx="2047461" cy="1103244"/>
+          </a:xfrm>
+          <a:prstGeom prst="roundRect">
+            <a:avLst/>
+          </a:prstGeom>
+          <a:solidFill>
+            <a:schemeClr val="bg1"/>
+          </a:solidFill>
+          <a:ln>
+            <a:solidFill>
+              <a:schemeClr val="tx1"/>
+            </a:solidFill>
+          </a:ln>
+        </p:spPr>
+        <p:style>
+          <a:lnRef idx="2">
+            <a:schemeClr val="accent1">
+              <a:shade val="15000"/>
+            </a:schemeClr>
+          </a:lnRef>
+          <a:fillRef idx="1">
+            <a:schemeClr val="accent1"/>
+          </a:fillRef>
+          <a:effectRef idx="0">
+            <a:schemeClr val="accent1"/>
+          </a:effectRef>
+          <a:fontRef idx="minor">
+            <a:schemeClr val="lt1"/>
+          </a:fontRef>
+        </p:style>
+        <p:txBody>
+          <a:bodyPr rtlCol="0" anchor="ctr"/>
+          <a:lstStyle/>
+          <a:p>
+            <a:pPr marL="0" marR="0" lvl="0" indent="0" algn="ctr" defTabSz="914400" rtl="0" eaLnBrk="1" fontAlgn="auto" latinLnBrk="0" hangingPunct="1">
+              <a:lnSpc>
+                <a:spcPct val="100000"/>
+              </a:lnSpc>
+              <a:spcBef>
+                <a:spcPts val="0"/>
+              </a:spcBef>
+              <a:spcAft>
+                <a:spcPts val="0"/>
+              </a:spcAft>
+              <a:buClrTx/>
+              <a:buSzTx/>
+              <a:buFontTx/>
+              <a:buNone/>
+              <a:tabLst/>
+              <a:defRPr/>
+            </a:pPr>
+            <a:endParaRPr kumimoji="0" lang="en-US" sz="1800" b="0" i="0" u="none" strike="noStrike" kern="1200" cap="none" spc="0" normalizeH="0" baseline="0" noProof="0" dirty="0">
+              <a:ln>
+                <a:noFill/>
+              </a:ln>
+              <a:solidFill>
+                <a:prstClr val="white"/>
+              </a:solidFill>
+              <a:effectLst/>
+              <a:uLnTx/>
+              <a:uFillTx/>
+              <a:latin typeface="Aptos" panose="02110004020202020204"/>
+              <a:ea typeface="+mn-ea"/>
+              <a:cs typeface="+mn-cs"/>
+            </a:endParaRPr>
+          </a:p>
+        </p:txBody>
+      </p:sp>
+      <p:sp>
+        <p:nvSpPr>
           <p:cNvPr id="23565" name="TextBox 23564">
             <a:extLst>
               <a:ext uri="{FF2B5EF4-FFF2-40B4-BE49-F238E27FC236}">
@@ -7140,7 +10164,7 @@
 </p:sld>
 </file>
 
-<file path=ppt/slides/slide2.xml><?xml version="1.0" encoding="utf-8"?>
+<file path=ppt/slides/slide3.xml><?xml version="1.0" encoding="utf-8"?>
 <p:sld xmlns:a="http://schemas.openxmlformats.org/drawingml/2006/main" xmlns:r="http://schemas.openxmlformats.org/officeDocument/2006/relationships" xmlns:p="http://schemas.openxmlformats.org/presentationml/2006/main">
   <p:cSld>
     <p:spTree>
@@ -10311,7 +13335,7 @@
 </p:sld>
 </file>
 
-<file path=ppt/slides/slide3.xml><?xml version="1.0" encoding="utf-8"?>
+<file path=ppt/slides/slide4.xml><?xml version="1.0" encoding="utf-8"?>
 <p:sld xmlns:a="http://schemas.openxmlformats.org/drawingml/2006/main" xmlns:r="http://schemas.openxmlformats.org/officeDocument/2006/relationships" xmlns:p="http://schemas.openxmlformats.org/presentationml/2006/main">
   <p:cSld>
     <p:spTree>
